--- a/PresentacionMetro.pptx
+++ b/PresentacionMetro.pptx
@@ -5,15 +5,16 @@
     <p:sldMasterId id="2147483648" r:id="rId1"/>
   </p:sldMasterIdLst>
   <p:sldIdLst>
-    <p:sldId id="256" r:id="rId2"/>
-    <p:sldId id="265" r:id="rId3"/>
-    <p:sldId id="257" r:id="rId4"/>
-    <p:sldId id="260" r:id="rId5"/>
-    <p:sldId id="259" r:id="rId6"/>
-    <p:sldId id="261" r:id="rId7"/>
-    <p:sldId id="267" r:id="rId8"/>
-    <p:sldId id="264" r:id="rId9"/>
-    <p:sldId id="266" r:id="rId10"/>
+    <p:sldId id="268" r:id="rId2"/>
+    <p:sldId id="256" r:id="rId3"/>
+    <p:sldId id="265" r:id="rId4"/>
+    <p:sldId id="257" r:id="rId5"/>
+    <p:sldId id="260" r:id="rId6"/>
+    <p:sldId id="259" r:id="rId7"/>
+    <p:sldId id="261" r:id="rId8"/>
+    <p:sldId id="267" r:id="rId9"/>
+    <p:sldId id="264" r:id="rId10"/>
+    <p:sldId id="266" r:id="rId11"/>
   </p:sldIdLst>
   <p:sldSz cx="12192000" cy="6858000"/>
   <p:notesSz cx="6858000" cy="9144000"/>
@@ -112,6 +113,11 @@
       </a:defRPr>
     </a:lvl9pPr>
   </p:defaultTextStyle>
+  <p:extLst>
+    <p:ext uri="{EFAFB233-063F-42B5-8137-9DF3F51BA10A}">
+      <p15:sldGuideLst xmlns:p15="http://schemas.microsoft.com/office/powerpoint/2012/main"/>
+    </p:ext>
+  </p:extLst>
 </p:presentation>
 </file>
 
@@ -3382,7 +3388,7 @@
           <a:p>
             <a:r>
               <a:rPr lang="es-ES" dirty="0"/>
-              <a:t>Modelización</a:t>
+              <a:t>PORTADA</a:t>
             </a:r>
           </a:p>
         </p:txBody>
@@ -3408,14 +3414,143 @@
           <a:bodyPr/>
           <a:lstStyle/>
           <a:p>
-            <a:endParaRPr lang="es-ES" dirty="0"/>
+            <a:r>
+              <a:rPr lang="es-ES" dirty="0"/>
+              <a:t>Grupo, Miembros, fecha..</a:t>
+            </a:r>
           </a:p>
         </p:txBody>
       </p:sp>
     </p:spTree>
     <p:extLst>
       <p:ext uri="{BB962C8B-B14F-4D97-AF65-F5344CB8AC3E}">
-        <p14:creationId xmlns:p14="http://schemas.microsoft.com/office/powerpoint/2010/main" val="1580853944"/>
+        <p14:creationId xmlns:p14="http://schemas.microsoft.com/office/powerpoint/2010/main" val="1094147940"/>
+      </p:ext>
+    </p:extLst>
+  </p:cSld>
+  <p:clrMapOvr>
+    <a:masterClrMapping/>
+  </p:clrMapOvr>
+</p:sld>
+</file>
+
+<file path=ppt/slides/slide10.xml><?xml version="1.0" encoding="utf-8"?>
+<p:sld xmlns:a="http://schemas.openxmlformats.org/drawingml/2006/main" xmlns:r="http://schemas.openxmlformats.org/officeDocument/2006/relationships" xmlns:p="http://schemas.openxmlformats.org/presentationml/2006/main">
+  <p:cSld>
+    <p:spTree>
+      <p:nvGrpSpPr>
+        <p:cNvPr id="1" name=""/>
+        <p:cNvGrpSpPr/>
+        <p:nvPr/>
+      </p:nvGrpSpPr>
+      <p:grpSpPr>
+        <a:xfrm>
+          <a:off x="0" y="0"/>
+          <a:ext cx="0" cy="0"/>
+          <a:chOff x="0" y="0"/>
+          <a:chExt cx="0" cy="0"/>
+        </a:xfrm>
+      </p:grpSpPr>
+      <p:sp>
+        <p:nvSpPr>
+          <p:cNvPr id="2" name="Título 1">
+            <a:extLst>
+              <a:ext uri="{FF2B5EF4-FFF2-40B4-BE49-F238E27FC236}">
+                <a16:creationId xmlns:a16="http://schemas.microsoft.com/office/drawing/2014/main" id="{07A68E18-28BF-4A84-813E-0DDD63F3BA9D}"/>
+              </a:ext>
+            </a:extLst>
+          </p:cNvPr>
+          <p:cNvSpPr>
+            <a:spLocks noGrp="1"/>
+          </p:cNvSpPr>
+          <p:nvPr>
+            <p:ph type="ctrTitle"/>
+          </p:nvPr>
+        </p:nvSpPr>
+        <p:spPr/>
+        <p:txBody>
+          <a:bodyPr/>
+          <a:lstStyle/>
+          <a:p>
+            <a:r>
+              <a:rPr lang="es-ES" dirty="0"/>
+              <a:t>Demostración del funcionamiento</a:t>
+            </a:r>
+          </a:p>
+        </p:txBody>
+      </p:sp>
+      <p:sp>
+        <p:nvSpPr>
+          <p:cNvPr id="3" name="Subtítulo 2">
+            <a:extLst>
+              <a:ext uri="{FF2B5EF4-FFF2-40B4-BE49-F238E27FC236}">
+                <a16:creationId xmlns:a16="http://schemas.microsoft.com/office/drawing/2014/main" id="{81FD5FF1-7E81-4549-9028-58717E06768E}"/>
+              </a:ext>
+            </a:extLst>
+          </p:cNvPr>
+          <p:cNvSpPr>
+            <a:spLocks noGrp="1"/>
+          </p:cNvSpPr>
+          <p:nvPr>
+            <p:ph type="subTitle" idx="1"/>
+          </p:nvPr>
+        </p:nvSpPr>
+        <p:spPr/>
+        <p:txBody>
+          <a:bodyPr/>
+          <a:lstStyle/>
+          <a:p>
+            <a:r>
+              <a:rPr lang="es-ES" dirty="0"/>
+              <a:t>Coger ejemplos buenos: </a:t>
+            </a:r>
+            <a:r>
+              <a:rPr lang="es-ES" dirty="0" err="1"/>
+              <a:t>Ueno</a:t>
+            </a:r>
+            <a:r>
+              <a:rPr lang="es-ES" dirty="0"/>
+              <a:t> – </a:t>
+            </a:r>
+            <a:r>
+              <a:rPr lang="es-ES" dirty="0" err="1"/>
+              <a:t>Shibuya</a:t>
+            </a:r>
+            <a:r>
+              <a:rPr lang="es-ES" dirty="0"/>
+              <a:t>, </a:t>
+            </a:r>
+            <a:r>
+              <a:rPr lang="es-ES" dirty="0" err="1"/>
+              <a:t>Ueno</a:t>
+            </a:r>
+            <a:r>
+              <a:rPr lang="es-ES" dirty="0"/>
+              <a:t> – </a:t>
+            </a:r>
+            <a:r>
+              <a:rPr lang="es-ES" dirty="0" err="1"/>
+              <a:t>Meguro</a:t>
+            </a:r>
+            <a:r>
+              <a:rPr lang="es-ES" dirty="0"/>
+              <a:t>, </a:t>
+            </a:r>
+            <a:r>
+              <a:rPr lang="es-ES" dirty="0" err="1"/>
+              <a:t>etc</a:t>
+            </a:r>
+            <a:endParaRPr lang="es-ES" dirty="0"/>
+          </a:p>
+          <a:p>
+            <a:endParaRPr lang="es-ES" dirty="0"/>
+          </a:p>
+        </p:txBody>
+      </p:sp>
+    </p:spTree>
+    <p:extLst>
+      <p:ext uri="{BB962C8B-B14F-4D97-AF65-F5344CB8AC3E}">
+        <p14:creationId xmlns:p14="http://schemas.microsoft.com/office/powerpoint/2010/main" val="2346306414"/>
       </p:ext>
     </p:extLst>
   </p:cSld>
@@ -3465,6 +3600,100 @@
           <a:p>
             <a:r>
               <a:rPr lang="es-ES" dirty="0"/>
+              <a:t>Modelización</a:t>
+            </a:r>
+          </a:p>
+        </p:txBody>
+      </p:sp>
+      <p:sp>
+        <p:nvSpPr>
+          <p:cNvPr id="3" name="Subtítulo 2">
+            <a:extLst>
+              <a:ext uri="{FF2B5EF4-FFF2-40B4-BE49-F238E27FC236}">
+                <a16:creationId xmlns:a16="http://schemas.microsoft.com/office/drawing/2014/main" id="{81FD5FF1-7E81-4549-9028-58717E06768E}"/>
+              </a:ext>
+            </a:extLst>
+          </p:cNvPr>
+          <p:cNvSpPr>
+            <a:spLocks noGrp="1"/>
+          </p:cNvSpPr>
+          <p:nvPr>
+            <p:ph type="subTitle" idx="1"/>
+          </p:nvPr>
+        </p:nvSpPr>
+        <p:spPr/>
+        <p:txBody>
+          <a:bodyPr/>
+          <a:lstStyle/>
+          <a:p>
+            <a:r>
+              <a:rPr lang="es-ES" dirty="0"/>
+              <a:t>Búsqueda de datos, como hemos calculado y como funciona la heurística, como hemos implementado el grafo (librería </a:t>
+            </a:r>
+            <a:r>
+              <a:rPr lang="es-ES" dirty="0" err="1"/>
+              <a:t>netwrokX</a:t>
+            </a:r>
+            <a:r>
+              <a:rPr lang="es-ES" dirty="0"/>
+              <a:t>)…</a:t>
+            </a:r>
+          </a:p>
+        </p:txBody>
+      </p:sp>
+    </p:spTree>
+    <p:extLst>
+      <p:ext uri="{BB962C8B-B14F-4D97-AF65-F5344CB8AC3E}">
+        <p14:creationId xmlns:p14="http://schemas.microsoft.com/office/powerpoint/2010/main" val="1580853944"/>
+      </p:ext>
+    </p:extLst>
+  </p:cSld>
+  <p:clrMapOvr>
+    <a:masterClrMapping/>
+  </p:clrMapOvr>
+</p:sld>
+</file>
+
+<file path=ppt/slides/slide3.xml><?xml version="1.0" encoding="utf-8"?>
+<p:sld xmlns:a="http://schemas.openxmlformats.org/drawingml/2006/main" xmlns:r="http://schemas.openxmlformats.org/officeDocument/2006/relationships" xmlns:p="http://schemas.openxmlformats.org/presentationml/2006/main">
+  <p:cSld>
+    <p:spTree>
+      <p:nvGrpSpPr>
+        <p:cNvPr id="1" name=""/>
+        <p:cNvGrpSpPr/>
+        <p:nvPr/>
+      </p:nvGrpSpPr>
+      <p:grpSpPr>
+        <a:xfrm>
+          <a:off x="0" y="0"/>
+          <a:ext cx="0" cy="0"/>
+          <a:chOff x="0" y="0"/>
+          <a:chExt cx="0" cy="0"/>
+        </a:xfrm>
+      </p:grpSpPr>
+      <p:sp>
+        <p:nvSpPr>
+          <p:cNvPr id="2" name="Título 1">
+            <a:extLst>
+              <a:ext uri="{FF2B5EF4-FFF2-40B4-BE49-F238E27FC236}">
+                <a16:creationId xmlns:a16="http://schemas.microsoft.com/office/drawing/2014/main" id="{07A68E18-28BF-4A84-813E-0DDD63F3BA9D}"/>
+              </a:ext>
+            </a:extLst>
+          </p:cNvPr>
+          <p:cNvSpPr>
+            <a:spLocks noGrp="1"/>
+          </p:cNvSpPr>
+          <p:nvPr>
+            <p:ph type="ctrTitle"/>
+          </p:nvPr>
+        </p:nvSpPr>
+        <p:spPr/>
+        <p:txBody>
+          <a:bodyPr/>
+          <a:lstStyle/>
+          <a:p>
+            <a:r>
+              <a:rPr lang="es-ES" dirty="0"/>
               <a:t>Algoritmo</a:t>
             </a:r>
           </a:p>
@@ -3508,7 +3737,7 @@
 </p:sld>
 </file>
 
-<file path=ppt/slides/slide3.xml><?xml version="1.0" encoding="utf-8"?>
+<file path=ppt/slides/slide4.xml><?xml version="1.0" encoding="utf-8"?>
 <p:sld xmlns:a="http://schemas.openxmlformats.org/drawingml/2006/main" xmlns:r="http://schemas.openxmlformats.org/officeDocument/2006/relationships" xmlns:p="http://schemas.openxmlformats.org/presentationml/2006/main">
   <p:cSld>
     <p:spTree>
@@ -4139,7 +4368,7 @@
 </p:sld>
 </file>
 
-<file path=ppt/slides/slide4.xml><?xml version="1.0" encoding="utf-8"?>
+<file path=ppt/slides/slide5.xml><?xml version="1.0" encoding="utf-8"?>
 <p:sld xmlns:a="http://schemas.openxmlformats.org/drawingml/2006/main" xmlns:r="http://schemas.openxmlformats.org/officeDocument/2006/relationships" xmlns:p="http://schemas.openxmlformats.org/presentationml/2006/main">
   <p:cSld>
     <p:spTree>
@@ -4961,188 +5190,6 @@
 </p:sld>
 </file>
 
-<file path=ppt/slides/slide5.xml><?xml version="1.0" encoding="utf-8"?>
-<p:sld xmlns:a="http://schemas.openxmlformats.org/drawingml/2006/main" xmlns:r="http://schemas.openxmlformats.org/officeDocument/2006/relationships" xmlns:p="http://schemas.openxmlformats.org/presentationml/2006/main">
-  <p:cSld>
-    <p:spTree>
-      <p:nvGrpSpPr>
-        <p:cNvPr id="1" name=""/>
-        <p:cNvGrpSpPr/>
-        <p:nvPr/>
-      </p:nvGrpSpPr>
-      <p:grpSpPr>
-        <a:xfrm>
-          <a:off x="0" y="0"/>
-          <a:ext cx="0" cy="0"/>
-          <a:chOff x="0" y="0"/>
-          <a:chExt cx="0" cy="0"/>
-        </a:xfrm>
-      </p:grpSpPr>
-      <p:sp>
-        <p:nvSpPr>
-          <p:cNvPr id="2" name="Título 1">
-            <a:extLst>
-              <a:ext uri="{FF2B5EF4-FFF2-40B4-BE49-F238E27FC236}">
-                <a16:creationId xmlns:a16="http://schemas.microsoft.com/office/drawing/2014/main" id="{879EA411-9441-41FE-9C33-420360826744}"/>
-              </a:ext>
-            </a:extLst>
-          </p:cNvPr>
-          <p:cNvSpPr>
-            <a:spLocks noGrp="1"/>
-          </p:cNvSpPr>
-          <p:nvPr>
-            <p:ph type="title"/>
-          </p:nvPr>
-        </p:nvSpPr>
-        <p:spPr/>
-        <p:txBody>
-          <a:bodyPr/>
-          <a:lstStyle/>
-          <a:p>
-            <a:r>
-              <a:rPr lang="es-ES" dirty="0"/>
-              <a:t>Algoritmo A*</a:t>
-            </a:r>
-          </a:p>
-        </p:txBody>
-      </p:sp>
-      <p:sp>
-        <p:nvSpPr>
-          <p:cNvPr id="3" name="Marcador de contenido 2">
-            <a:extLst>
-              <a:ext uri="{FF2B5EF4-FFF2-40B4-BE49-F238E27FC236}">
-                <a16:creationId xmlns:a16="http://schemas.microsoft.com/office/drawing/2014/main" id="{B3277F3D-AF14-41F4-AC1E-4266F541E4D9}"/>
-              </a:ext>
-            </a:extLst>
-          </p:cNvPr>
-          <p:cNvSpPr>
-            <a:spLocks noGrp="1"/>
-          </p:cNvSpPr>
-          <p:nvPr>
-            <p:ph idx="1"/>
-          </p:nvPr>
-        </p:nvSpPr>
-        <p:spPr/>
-        <p:txBody>
-          <a:bodyPr/>
-          <a:lstStyle/>
-          <a:p>
-            <a:endParaRPr lang="es-ES" b="1" dirty="0"/>
-          </a:p>
-          <a:p>
-            <a:r>
-              <a:rPr lang="es-ES" b="1" dirty="0"/>
-              <a:t>Grafo G: </a:t>
-            </a:r>
-            <a:r>
-              <a:rPr lang="es-ES" dirty="0"/>
-              <a:t>implementado con la librería </a:t>
-            </a:r>
-            <a:r>
-              <a:rPr lang="es-ES" b="1" dirty="0" err="1"/>
-              <a:t>networkX</a:t>
-            </a:r>
-            <a:endParaRPr lang="es-ES" b="1" dirty="0"/>
-          </a:p>
-          <a:p>
-            <a:endParaRPr lang="es-ES" b="1" dirty="0"/>
-          </a:p>
-          <a:p>
-            <a:r>
-              <a:rPr lang="es-ES" b="1" dirty="0"/>
-              <a:t>Lista Abierta</a:t>
-            </a:r>
-            <a:r>
-              <a:rPr lang="es-ES" dirty="0"/>
-              <a:t>: </a:t>
-            </a:r>
-            <a:r>
-              <a:rPr lang="es-ES" dirty="0" err="1"/>
-              <a:t>priority</a:t>
-            </a:r>
-            <a:r>
-              <a:rPr lang="es-ES" dirty="0"/>
-              <a:t> </a:t>
-            </a:r>
-            <a:r>
-              <a:rPr lang="es-ES" dirty="0" err="1"/>
-              <a:t>queue</a:t>
-            </a:r>
-            <a:r>
-              <a:rPr lang="es-ES" dirty="0"/>
-              <a:t> implementada con la librería </a:t>
-            </a:r>
-            <a:r>
-              <a:rPr lang="es-ES" b="1" dirty="0" err="1"/>
-              <a:t>heapq</a:t>
-            </a:r>
-            <a:r>
-              <a:rPr lang="es-ES" b="1" dirty="0"/>
-              <a:t> </a:t>
-            </a:r>
-          </a:p>
-          <a:p>
-            <a:pPr marL="0" indent="0">
-              <a:buNone/>
-            </a:pPr>
-            <a:r>
-              <a:rPr lang="es-ES" b="1" dirty="0"/>
-              <a:t>	</a:t>
-            </a:r>
-            <a:r>
-              <a:rPr lang="es-ES" dirty="0"/>
-              <a:t>Guarda duplas </a:t>
-            </a:r>
-            <a:r>
-              <a:rPr lang="es-ES" b="1" dirty="0"/>
-              <a:t>&lt; f , estación &gt;</a:t>
-            </a:r>
-          </a:p>
-          <a:p>
-            <a:pPr marL="0" indent="0">
-              <a:buNone/>
-            </a:pPr>
-            <a:r>
-              <a:rPr lang="es-ES" b="1" dirty="0"/>
-              <a:t>	</a:t>
-            </a:r>
-            <a:r>
-              <a:rPr lang="es-ES" dirty="0"/>
-              <a:t>Menor f -&gt; Más prioridad</a:t>
-            </a:r>
-          </a:p>
-          <a:p>
-            <a:pPr marL="0" indent="0">
-              <a:buNone/>
-            </a:pPr>
-            <a:endParaRPr lang="es-ES" b="1" dirty="0"/>
-          </a:p>
-          <a:p>
-            <a:r>
-              <a:rPr lang="es-ES" b="1" dirty="0"/>
-              <a:t>Lista Cerrada</a:t>
-            </a:r>
-            <a:r>
-              <a:rPr lang="es-ES" dirty="0"/>
-              <a:t>: lista que almacena los nodos ya visitados</a:t>
-            </a:r>
-            <a:endParaRPr lang="es-ES" b="1" dirty="0"/>
-          </a:p>
-        </p:txBody>
-      </p:sp>
-    </p:spTree>
-    <p:extLst>
-      <p:ext uri="{BB962C8B-B14F-4D97-AF65-F5344CB8AC3E}">
-        <p14:creationId xmlns:p14="http://schemas.microsoft.com/office/powerpoint/2010/main" val="2121459296"/>
-      </p:ext>
-    </p:extLst>
-  </p:cSld>
-  <p:clrMapOvr>
-    <a:masterClrMapping/>
-  </p:clrMapOvr>
-</p:sld>
-</file>
-
 <file path=ppt/slides/slide6.xml><?xml version="1.0" encoding="utf-8"?>
 <p:sld xmlns:a="http://schemas.openxmlformats.org/drawingml/2006/main" xmlns:r="http://schemas.openxmlformats.org/officeDocument/2006/relationships" xmlns:p="http://schemas.openxmlformats.org/presentationml/2006/main">
   <p:cSld>
@@ -5206,195 +5253,116 @@
         </p:nvSpPr>
         <p:spPr/>
         <p:txBody>
-          <a:bodyPr>
-            <a:normAutofit/>
-          </a:bodyPr>
-          <a:lstStyle/>
+          <a:bodyPr/>
+          <a:lstStyle/>
+          <a:p>
+            <a:endParaRPr lang="es-ES" b="1" dirty="0"/>
+          </a:p>
+          <a:p>
+            <a:r>
+              <a:rPr lang="es-ES" b="1" dirty="0"/>
+              <a:t>Grafo G: </a:t>
+            </a:r>
+            <a:r>
+              <a:rPr lang="es-ES" dirty="0"/>
+              <a:t>implementado con la librería </a:t>
+            </a:r>
+            <a:r>
+              <a:rPr lang="es-ES" b="1" dirty="0" err="1"/>
+              <a:t>networkX</a:t>
+            </a:r>
+            <a:endParaRPr lang="es-ES" b="1" dirty="0"/>
+          </a:p>
+          <a:p>
+            <a:endParaRPr lang="es-ES" b="1" dirty="0"/>
+          </a:p>
+          <a:p>
+            <a:r>
+              <a:rPr lang="es-ES" b="1" dirty="0"/>
+              <a:t>Lista Abierta</a:t>
+            </a:r>
+            <a:r>
+              <a:rPr lang="es-ES" dirty="0"/>
+              <a:t>: </a:t>
+            </a:r>
+            <a:r>
+              <a:rPr lang="es-ES" dirty="0" err="1"/>
+              <a:t>priority</a:t>
+            </a:r>
+            <a:r>
+              <a:rPr lang="es-ES" dirty="0"/>
+              <a:t> </a:t>
+            </a:r>
+            <a:r>
+              <a:rPr lang="es-ES" dirty="0" err="1"/>
+              <a:t>queue</a:t>
+            </a:r>
+            <a:r>
+              <a:rPr lang="es-ES" dirty="0"/>
+              <a:t> implementada con la librería </a:t>
+            </a:r>
+            <a:r>
+              <a:rPr lang="es-ES" b="1" dirty="0" err="1"/>
+              <a:t>heapq</a:t>
+            </a:r>
+            <a:r>
+              <a:rPr lang="es-ES" b="1" dirty="0"/>
+              <a:t> </a:t>
+            </a:r>
+          </a:p>
           <a:p>
             <a:pPr marL="0" indent="0">
               <a:buNone/>
             </a:pPr>
             <a:r>
-              <a:rPr lang="es-ES" dirty="0"/>
-              <a:t>Inicialización</a:t>
+              <a:rPr lang="es-ES" b="1" dirty="0"/>
+              <a:t>	</a:t>
+            </a:r>
+            <a:r>
+              <a:rPr lang="es-ES" dirty="0"/>
+              <a:t>Guarda duplas </a:t>
+            </a:r>
+            <a:r>
+              <a:rPr lang="es-ES" b="1" dirty="0"/>
+              <a:t>&lt; f , estación &gt;</a:t>
             </a:r>
           </a:p>
           <a:p>
             <a:pPr marL="0" indent="0">
               <a:buNone/>
             </a:pPr>
-            <a:endParaRPr lang="es-ES" dirty="0"/>
+            <a:r>
+              <a:rPr lang="es-ES" b="1" dirty="0"/>
+              <a:t>	</a:t>
+            </a:r>
+            <a:r>
+              <a:rPr lang="es-ES" dirty="0"/>
+              <a:t>Menor f -&gt; Más prioridad</a:t>
+            </a:r>
           </a:p>
           <a:p>
             <a:pPr marL="0" indent="0">
               <a:buNone/>
             </a:pPr>
-            <a:r>
-              <a:rPr lang="es-ES" dirty="0">
-                <a:solidFill>
-                  <a:schemeClr val="accent1"/>
-                </a:solidFill>
-              </a:rPr>
-              <a:t>Mientras</a:t>
-            </a:r>
-            <a:r>
-              <a:rPr lang="es-ES" dirty="0"/>
-              <a:t> (no </a:t>
-            </a:r>
-            <a:r>
-              <a:rPr lang="es-ES" i="1" dirty="0" err="1"/>
-              <a:t>HemosLlegado</a:t>
-            </a:r>
-            <a:r>
-              <a:rPr lang="es-ES" dirty="0"/>
-              <a:t>)</a:t>
-            </a:r>
-          </a:p>
-          <a:p>
-            <a:pPr marL="0" indent="0">
-              <a:buNone/>
-            </a:pPr>
-            <a:r>
-              <a:rPr lang="es-ES" dirty="0"/>
-              <a:t>	</a:t>
-            </a:r>
-            <a:r>
-              <a:rPr lang="es-ES" dirty="0">
-                <a:solidFill>
-                  <a:srgbClr val="00B050"/>
-                </a:solidFill>
-              </a:rPr>
-              <a:t>Sacar</a:t>
-            </a:r>
-            <a:r>
-              <a:rPr lang="es-ES" dirty="0"/>
-              <a:t> el mas prioritario de </a:t>
-            </a:r>
-            <a:r>
-              <a:rPr lang="es-ES" i="1" dirty="0" err="1"/>
-              <a:t>ListaAbierta</a:t>
-            </a:r>
-            <a:r>
-              <a:rPr lang="es-ES" dirty="0"/>
-              <a:t> y </a:t>
-            </a:r>
-            <a:r>
-              <a:rPr lang="es-ES" dirty="0">
-                <a:solidFill>
-                  <a:srgbClr val="00B050"/>
-                </a:solidFill>
-              </a:rPr>
-              <a:t>meterlo </a:t>
-            </a:r>
-            <a:r>
-              <a:rPr lang="es-ES" dirty="0"/>
-              <a:t>en </a:t>
-            </a:r>
-            <a:r>
-              <a:rPr lang="es-ES" i="1" dirty="0" err="1"/>
-              <a:t>ListaCerrada</a:t>
-            </a:r>
-            <a:endParaRPr lang="es-ES" i="1" dirty="0"/>
-          </a:p>
-          <a:p>
-            <a:pPr marL="0" indent="0">
-              <a:buNone/>
-            </a:pPr>
-            <a:r>
-              <a:rPr lang="es-ES" dirty="0"/>
-              <a:t>	</a:t>
-            </a:r>
-            <a:r>
-              <a:rPr lang="es-ES" dirty="0">
-                <a:solidFill>
-                  <a:srgbClr val="FF0000"/>
-                </a:solidFill>
-              </a:rPr>
-              <a:t>Si</a:t>
-            </a:r>
-            <a:r>
-              <a:rPr lang="es-ES" dirty="0"/>
-              <a:t> es el destino -&gt; </a:t>
-            </a:r>
-            <a:r>
-              <a:rPr lang="es-ES" i="1" dirty="0" err="1"/>
-              <a:t>HemosLlegado</a:t>
-            </a:r>
-            <a:endParaRPr lang="es-ES" i="1" dirty="0"/>
-          </a:p>
-          <a:p>
-            <a:pPr marL="0" indent="0">
-              <a:buNone/>
-            </a:pPr>
-            <a:r>
-              <a:rPr lang="es-ES" dirty="0"/>
-              <a:t>	</a:t>
-            </a:r>
-            <a:r>
-              <a:rPr lang="es-ES" dirty="0">
-                <a:solidFill>
-                  <a:srgbClr val="FF0000"/>
-                </a:solidFill>
-              </a:rPr>
-              <a:t>Si no</a:t>
-            </a:r>
-            <a:r>
-              <a:rPr lang="es-ES" dirty="0"/>
-              <a:t>, </a:t>
-            </a:r>
-            <a:r>
-              <a:rPr lang="es-ES" dirty="0">
-                <a:solidFill>
-                  <a:schemeClr val="accent1"/>
-                </a:solidFill>
-              </a:rPr>
-              <a:t>para cada </a:t>
-            </a:r>
-            <a:r>
-              <a:rPr lang="es-ES" i="1" dirty="0"/>
-              <a:t>nodo adyacente de G </a:t>
-            </a:r>
-            <a:r>
-              <a:rPr lang="es-ES" dirty="0"/>
-              <a:t>(que no sea antecedente)</a:t>
-            </a:r>
-          </a:p>
-          <a:p>
-            <a:pPr marL="0" indent="0">
-              <a:buNone/>
-            </a:pPr>
-            <a:r>
-              <a:rPr lang="es-ES" dirty="0"/>
-              <a:t>		</a:t>
-            </a:r>
-            <a:r>
-              <a:rPr lang="es-ES" dirty="0">
-                <a:solidFill>
-                  <a:srgbClr val="00B050"/>
-                </a:solidFill>
-              </a:rPr>
-              <a:t>Calcular</a:t>
-            </a:r>
-            <a:r>
-              <a:rPr lang="es-ES" dirty="0"/>
-              <a:t> su f y g (y añadir penalización a transbordos)	</a:t>
-            </a:r>
-          </a:p>
-          <a:p>
-            <a:pPr marL="0" indent="0">
-              <a:buNone/>
-            </a:pPr>
-            <a:r>
-              <a:rPr lang="es-ES" dirty="0"/>
-              <a:t>		</a:t>
-            </a:r>
+            <a:endParaRPr lang="es-ES" b="1" dirty="0"/>
+          </a:p>
+          <a:p>
+            <a:r>
+              <a:rPr lang="es-ES" b="1" dirty="0"/>
+              <a:t>Lista Cerrada</a:t>
+            </a:r>
+            <a:r>
+              <a:rPr lang="es-ES" dirty="0"/>
+              <a:t>: lista que almacena los nodos ya visitados</a:t>
+            </a:r>
+            <a:endParaRPr lang="es-ES" b="1" dirty="0"/>
           </a:p>
         </p:txBody>
       </p:sp>
     </p:spTree>
     <p:extLst>
       <p:ext uri="{BB962C8B-B14F-4D97-AF65-F5344CB8AC3E}">
-        <p14:creationId xmlns:p14="http://schemas.microsoft.com/office/powerpoint/2010/main" val="283955455"/>
+        <p14:creationId xmlns:p14="http://schemas.microsoft.com/office/powerpoint/2010/main" val="2121459296"/>
       </p:ext>
     </p:extLst>
   </p:cSld>
@@ -5468,21 +5436,105 @@
         <p:spPr/>
         <p:txBody>
           <a:bodyPr>
-            <a:normAutofit lnSpcReduction="10000"/>
+            <a:normAutofit/>
           </a:bodyPr>
           <a:lstStyle/>
           <a:p>
-            <a:pPr marL="1371600" lvl="3" indent="0">
+            <a:pPr marL="0" indent="0">
               <a:buNone/>
             </a:pPr>
-            <a:endParaRPr lang="es-ES" sz="2800" dirty="0"/>
-          </a:p>
-          <a:p>
-            <a:pPr marL="1371600" lvl="3" indent="0">
+            <a:r>
+              <a:rPr lang="es-ES" dirty="0"/>
+              <a:t>Inicialización</a:t>
+            </a:r>
+          </a:p>
+          <a:p>
+            <a:pPr marL="0" indent="0">
               <a:buNone/>
             </a:pPr>
-            <a:r>
-              <a:rPr lang="es-ES" sz="2800" dirty="0">
+            <a:endParaRPr lang="es-ES" dirty="0"/>
+          </a:p>
+          <a:p>
+            <a:pPr marL="0" indent="0">
+              <a:buNone/>
+            </a:pPr>
+            <a:r>
+              <a:rPr lang="es-ES" dirty="0">
+                <a:solidFill>
+                  <a:schemeClr val="accent1"/>
+                </a:solidFill>
+              </a:rPr>
+              <a:t>Mientras</a:t>
+            </a:r>
+            <a:r>
+              <a:rPr lang="es-ES" dirty="0"/>
+              <a:t> (no </a:t>
+            </a:r>
+            <a:r>
+              <a:rPr lang="es-ES" i="1" dirty="0" err="1"/>
+              <a:t>HemosLlegado</a:t>
+            </a:r>
+            <a:r>
+              <a:rPr lang="es-ES" dirty="0"/>
+              <a:t>)</a:t>
+            </a:r>
+          </a:p>
+          <a:p>
+            <a:pPr marL="0" indent="0">
+              <a:buNone/>
+            </a:pPr>
+            <a:r>
+              <a:rPr lang="es-ES" dirty="0"/>
+              <a:t>	</a:t>
+            </a:r>
+            <a:r>
+              <a:rPr lang="es-ES" dirty="0">
+                <a:solidFill>
+                  <a:srgbClr val="00B050"/>
+                </a:solidFill>
+              </a:rPr>
+              <a:t>Sacar</a:t>
+            </a:r>
+            <a:r>
+              <a:rPr lang="es-ES" dirty="0"/>
+              <a:t> el mas prioritario de </a:t>
+            </a:r>
+            <a:r>
+              <a:rPr lang="es-ES" i="1" dirty="0" err="1"/>
+              <a:t>ListaAbierta</a:t>
+            </a:r>
+            <a:r>
+              <a:rPr lang="es-ES" dirty="0"/>
+              <a:t> y </a:t>
+            </a:r>
+            <a:r>
+              <a:rPr lang="es-ES" dirty="0">
+                <a:solidFill>
+                  <a:srgbClr val="00B050"/>
+                </a:solidFill>
+              </a:rPr>
+              <a:t>meterlo </a:t>
+            </a:r>
+            <a:r>
+              <a:rPr lang="es-ES" dirty="0"/>
+              <a:t>en </a:t>
+            </a:r>
+            <a:r>
+              <a:rPr lang="es-ES" i="1" dirty="0" err="1"/>
+              <a:t>ListaCerrada</a:t>
+            </a:r>
+            <a:endParaRPr lang="es-ES" i="1" dirty="0"/>
+          </a:p>
+          <a:p>
+            <a:pPr marL="0" indent="0">
+              <a:buNone/>
+            </a:pPr>
+            <a:r>
+              <a:rPr lang="es-ES" dirty="0"/>
+              <a:t>	</a:t>
+            </a:r>
+            <a:r>
+              <a:rPr lang="es-ES" dirty="0">
                 <a:solidFill>
                   <a:srgbClr val="FF0000"/>
                 </a:solidFill>
@@ -5490,166 +5542,87 @@
               <a:t>Si</a:t>
             </a:r>
             <a:r>
-              <a:rPr lang="es-ES" sz="2800" dirty="0"/>
-              <a:t> esta en </a:t>
-            </a:r>
-            <a:r>
-              <a:rPr lang="es-ES" sz="2800" i="1" dirty="0" err="1"/>
-              <a:t>ListaAbierta</a:t>
-            </a:r>
-            <a:r>
-              <a:rPr lang="es-ES" sz="2800" dirty="0"/>
-              <a:t>, </a:t>
-            </a:r>
-            <a:r>
-              <a:rPr lang="es-ES" sz="2800" dirty="0">
+              <a:rPr lang="es-ES" dirty="0"/>
+              <a:t> es el destino </a:t>
+            </a:r>
+            <a:r>
+              <a:rPr lang="es-ES" dirty="0">
+                <a:sym typeface="Wingdings" panose="05000000000000000000" pitchFamily="2" charset="2"/>
+              </a:rPr>
+              <a:t></a:t>
+            </a:r>
+            <a:r>
+              <a:rPr lang="es-ES" dirty="0"/>
+              <a:t> </a:t>
+            </a:r>
+            <a:r>
+              <a:rPr lang="es-ES" i="1" dirty="0" err="1"/>
+              <a:t>HemosLlegado</a:t>
+            </a:r>
+            <a:endParaRPr lang="es-ES" i="1" dirty="0"/>
+          </a:p>
+          <a:p>
+            <a:pPr marL="0" indent="0">
+              <a:buNone/>
+            </a:pPr>
+            <a:r>
+              <a:rPr lang="es-ES" dirty="0"/>
+              <a:t>	</a:t>
+            </a:r>
+            <a:r>
+              <a:rPr lang="es-ES" dirty="0">
                 <a:solidFill>
                   <a:srgbClr val="FF0000"/>
                 </a:solidFill>
               </a:rPr>
-              <a:t>si</a:t>
-            </a:r>
-            <a:r>
-              <a:rPr lang="es-ES" sz="2800" dirty="0"/>
-              <a:t> el </a:t>
-            </a:r>
-            <a:r>
-              <a:rPr lang="es-ES" sz="2800" i="1" dirty="0"/>
-              <a:t>nuevo f </a:t>
-            </a:r>
-            <a:r>
-              <a:rPr lang="es-ES" sz="2800" dirty="0"/>
-              <a:t>es mejor </a:t>
-            </a:r>
-          </a:p>
-          <a:p>
-            <a:pPr marL="1371600" lvl="3" indent="0">
-              <a:buNone/>
-            </a:pPr>
-            <a:r>
-              <a:rPr lang="es-ES" sz="2800" dirty="0"/>
-              <a:t>	-&gt; </a:t>
-            </a:r>
-            <a:r>
-              <a:rPr lang="es-ES" sz="2800" dirty="0">
-                <a:solidFill>
-                  <a:srgbClr val="00B050"/>
-                </a:solidFill>
-              </a:rPr>
-              <a:t>Actualizar</a:t>
-            </a:r>
-            <a:r>
-              <a:rPr lang="es-ES" sz="2800" dirty="0"/>
-              <a:t> </a:t>
-            </a:r>
-            <a:r>
-              <a:rPr lang="es-ES" sz="2800" i="1" dirty="0"/>
-              <a:t>f, g, el puntero direccionador y </a:t>
-            </a:r>
-            <a:r>
-              <a:rPr lang="es-ES" sz="2800" i="1" dirty="0" err="1"/>
-              <a:t>ListaAbierta</a:t>
-            </a:r>
-            <a:endParaRPr lang="es-ES" sz="2800" i="1" dirty="0"/>
-          </a:p>
-          <a:p>
-            <a:pPr marL="1371600" lvl="3" indent="0">
-              <a:buNone/>
-            </a:pPr>
-            <a:endParaRPr lang="es-ES" sz="2800" dirty="0"/>
-          </a:p>
-          <a:p>
-            <a:pPr marL="1371600" lvl="3" indent="0">
-              <a:buNone/>
-            </a:pPr>
-            <a:r>
-              <a:rPr lang="es-ES" sz="2800" dirty="0">
-                <a:solidFill>
-                  <a:srgbClr val="FF0000"/>
-                </a:solidFill>
-              </a:rPr>
-              <a:t>Si no </a:t>
-            </a:r>
-            <a:r>
-              <a:rPr lang="es-ES" sz="2800" dirty="0"/>
-              <a:t>esta -&gt; </a:t>
-            </a:r>
-            <a:r>
-              <a:rPr lang="es-ES" sz="2800" dirty="0">
-                <a:solidFill>
-                  <a:srgbClr val="00B050"/>
-                </a:solidFill>
-              </a:rPr>
-              <a:t>Actualizar</a:t>
-            </a:r>
-            <a:r>
-              <a:rPr lang="es-ES" sz="2800" dirty="0"/>
-              <a:t> </a:t>
-            </a:r>
-            <a:r>
-              <a:rPr lang="es-ES" sz="2800" i="1" dirty="0"/>
-              <a:t>f, g, el puntero direccionador </a:t>
-            </a:r>
-            <a:r>
-              <a:rPr lang="es-ES" sz="2800" dirty="0"/>
-              <a:t>y 			</a:t>
-            </a:r>
-            <a:r>
-              <a:rPr lang="es-ES" sz="2800" dirty="0">
-                <a:solidFill>
-                  <a:srgbClr val="00B050"/>
-                </a:solidFill>
-              </a:rPr>
-              <a:t>añadirlo</a:t>
-            </a:r>
-            <a:r>
-              <a:rPr lang="es-ES" sz="2800" dirty="0"/>
-              <a:t> a </a:t>
-            </a:r>
-            <a:r>
-              <a:rPr lang="es-ES" sz="2800" i="1" dirty="0" err="1"/>
-              <a:t>ListaAbierta</a:t>
-            </a:r>
-            <a:endParaRPr lang="es-ES" sz="2800" i="1" dirty="0"/>
-          </a:p>
-          <a:p>
-            <a:pPr marL="0" indent="0">
-              <a:buNone/>
-            </a:pPr>
+              <a:t>Si no</a:t>
+            </a:r>
+            <a:r>
+              <a:rPr lang="es-ES" dirty="0"/>
+              <a:t>, </a:t>
+            </a:r>
             <a:r>
               <a:rPr lang="es-ES" dirty="0">
                 <a:solidFill>
                   <a:schemeClr val="accent1"/>
                 </a:solidFill>
               </a:rPr>
-              <a:t>Volver </a:t>
+              <a:t>para cada </a:t>
+            </a:r>
+            <a:r>
+              <a:rPr lang="es-ES" i="1" dirty="0"/>
+              <a:t>nodo adyacente de G </a:t>
+            </a:r>
+            <a:r>
+              <a:rPr lang="es-ES" dirty="0"/>
+              <a:t>(que no sea antecedente)</a:t>
             </a:r>
           </a:p>
           <a:p>
             <a:pPr marL="0" indent="0">
               <a:buNone/>
             </a:pPr>
-            <a:endParaRPr lang="es-ES" dirty="0">
-              <a:solidFill>
-                <a:schemeClr val="accent1"/>
-              </a:solidFill>
-            </a:endParaRPr>
-          </a:p>
-          <a:p>
-            <a:pPr marL="0" indent="0">
-              <a:buNone/>
-            </a:pPr>
+            <a:r>
+              <a:rPr lang="es-ES" dirty="0"/>
+              <a:t>		</a:t>
+            </a:r>
+            <a:r>
+              <a:rPr lang="es-ES" dirty="0">
+                <a:sym typeface="Wingdings" panose="05000000000000000000" pitchFamily="2" charset="2"/>
+              </a:rPr>
+              <a:t> </a:t>
+            </a:r>
             <a:r>
               <a:rPr lang="es-ES" dirty="0">
                 <a:solidFill>
                   <a:srgbClr val="00B050"/>
                 </a:solidFill>
               </a:rPr>
-              <a:t>Calcular Ruta </a:t>
-            </a:r>
-            <a:r>
-              <a:rPr lang="es-ES" dirty="0"/>
-              <a:t>usando los punteros direccionadores	</a:t>
+              <a:t>Calcular</a:t>
+            </a:r>
+            <a:r>
+              <a:rPr lang="es-ES" dirty="0"/>
+              <a:t> su f y g (y añadir penalización a transbordos)	</a:t>
             </a:r>
           </a:p>
           <a:p>
@@ -5666,7 +5639,7 @@
     </p:spTree>
     <p:extLst>
       <p:ext uri="{BB962C8B-B14F-4D97-AF65-F5344CB8AC3E}">
-        <p14:creationId xmlns:p14="http://schemas.microsoft.com/office/powerpoint/2010/main" val="1110304304"/>
+        <p14:creationId xmlns:p14="http://schemas.microsoft.com/office/powerpoint/2010/main" val="283955455"/>
       </p:ext>
     </p:extLst>
   </p:cSld>
@@ -5698,15 +5671,15 @@
           <p:cNvPr id="2" name="Título 1">
             <a:extLst>
               <a:ext uri="{FF2B5EF4-FFF2-40B4-BE49-F238E27FC236}">
-                <a16:creationId xmlns:a16="http://schemas.microsoft.com/office/drawing/2014/main" id="{07A68E18-28BF-4A84-813E-0DDD63F3BA9D}"/>
-              </a:ext>
-            </a:extLst>
-          </p:cNvPr>
-          <p:cNvSpPr>
-            <a:spLocks noGrp="1"/>
-          </p:cNvSpPr>
-          <p:nvPr>
-            <p:ph type="ctrTitle"/>
+                <a16:creationId xmlns:a16="http://schemas.microsoft.com/office/drawing/2014/main" id="{879EA411-9441-41FE-9C33-420360826744}"/>
+              </a:ext>
+            </a:extLst>
+          </p:cNvPr>
+          <p:cNvSpPr>
+            <a:spLocks noGrp="1"/>
+          </p:cNvSpPr>
+          <p:nvPr>
+            <p:ph type="title"/>
           </p:nvPr>
         </p:nvSpPr>
         <p:spPr/>
@@ -5716,40 +5689,259 @@
           <a:p>
             <a:r>
               <a:rPr lang="es-ES" dirty="0"/>
-              <a:t>Interfaz Gráfica</a:t>
-            </a:r>
-          </a:p>
-        </p:txBody>
-      </p:sp>
-      <p:sp>
-        <p:nvSpPr>
-          <p:cNvPr id="3" name="Subtítulo 2">
-            <a:extLst>
-              <a:ext uri="{FF2B5EF4-FFF2-40B4-BE49-F238E27FC236}">
-                <a16:creationId xmlns:a16="http://schemas.microsoft.com/office/drawing/2014/main" id="{81FD5FF1-7E81-4549-9028-58717E06768E}"/>
-              </a:ext>
-            </a:extLst>
-          </p:cNvPr>
-          <p:cNvSpPr>
-            <a:spLocks noGrp="1"/>
-          </p:cNvSpPr>
-          <p:nvPr>
-            <p:ph type="subTitle" idx="1"/>
-          </p:nvPr>
-        </p:nvSpPr>
-        <p:spPr/>
-        <p:txBody>
-          <a:bodyPr/>
-          <a:lstStyle/>
-          <a:p>
-            <a:endParaRPr lang="es-ES" dirty="0"/>
+              <a:t>Algoritmo A*</a:t>
+            </a:r>
+          </a:p>
+        </p:txBody>
+      </p:sp>
+      <p:sp>
+        <p:nvSpPr>
+          <p:cNvPr id="3" name="Marcador de contenido 2">
+            <a:extLst>
+              <a:ext uri="{FF2B5EF4-FFF2-40B4-BE49-F238E27FC236}">
+                <a16:creationId xmlns:a16="http://schemas.microsoft.com/office/drawing/2014/main" id="{B3277F3D-AF14-41F4-AC1E-4266F541E4D9}"/>
+              </a:ext>
+            </a:extLst>
+          </p:cNvPr>
+          <p:cNvSpPr>
+            <a:spLocks noGrp="1"/>
+          </p:cNvSpPr>
+          <p:nvPr>
+            <p:ph idx="1"/>
+          </p:nvPr>
+        </p:nvSpPr>
+        <p:spPr>
+          <a:xfrm>
+            <a:off x="838198" y="1825625"/>
+            <a:ext cx="10981889" cy="4351338"/>
+          </a:xfrm>
+        </p:spPr>
+        <p:txBody>
+          <a:bodyPr>
+            <a:normAutofit fontScale="92500" lnSpcReduction="10000"/>
+          </a:bodyPr>
+          <a:lstStyle/>
+          <a:p>
+            <a:pPr marL="1371600" lvl="3" indent="0">
+              <a:buNone/>
+            </a:pPr>
+            <a:endParaRPr lang="es-ES" sz="2800" dirty="0"/>
+          </a:p>
+          <a:p>
+            <a:pPr marL="1371600" lvl="3" indent="0">
+              <a:buNone/>
+            </a:pPr>
+            <a:r>
+              <a:rPr lang="es-ES" sz="2800" dirty="0">
+                <a:solidFill>
+                  <a:srgbClr val="FF0000"/>
+                </a:solidFill>
+              </a:rPr>
+              <a:t>Si</a:t>
+            </a:r>
+            <a:r>
+              <a:rPr lang="es-ES" sz="2800" dirty="0"/>
+              <a:t> esta en </a:t>
+            </a:r>
+            <a:r>
+              <a:rPr lang="es-ES" sz="2800" i="1" dirty="0" err="1"/>
+              <a:t>ListaAbierta</a:t>
+            </a:r>
+            <a:r>
+              <a:rPr lang="es-ES" sz="2800" dirty="0"/>
+              <a:t>, </a:t>
+            </a:r>
+            <a:r>
+              <a:rPr lang="es-ES" sz="2800" dirty="0">
+                <a:solidFill>
+                  <a:srgbClr val="FF0000"/>
+                </a:solidFill>
+              </a:rPr>
+              <a:t>si</a:t>
+            </a:r>
+            <a:r>
+              <a:rPr lang="es-ES" sz="2800" dirty="0"/>
+              <a:t> el </a:t>
+            </a:r>
+            <a:r>
+              <a:rPr lang="es-ES" sz="2800" i="1" dirty="0"/>
+              <a:t>nuevo f </a:t>
+            </a:r>
+            <a:r>
+              <a:rPr lang="es-ES" sz="2800" dirty="0"/>
+              <a:t>es mejor </a:t>
+            </a:r>
+          </a:p>
+          <a:p>
+            <a:pPr marL="1371600" lvl="3" indent="0">
+              <a:buNone/>
+            </a:pPr>
+            <a:r>
+              <a:rPr lang="es-ES" sz="2800" dirty="0"/>
+              <a:t>	</a:t>
+            </a:r>
+            <a:r>
+              <a:rPr lang="es-ES" sz="2800" dirty="0">
+                <a:sym typeface="Wingdings" panose="05000000000000000000" pitchFamily="2" charset="2"/>
+              </a:rPr>
+              <a:t></a:t>
+            </a:r>
+            <a:r>
+              <a:rPr lang="es-ES" sz="2800" dirty="0"/>
+              <a:t> </a:t>
+            </a:r>
+            <a:r>
+              <a:rPr lang="es-ES" sz="2800" dirty="0">
+                <a:solidFill>
+                  <a:srgbClr val="00B050"/>
+                </a:solidFill>
+              </a:rPr>
+              <a:t>Actualizar</a:t>
+            </a:r>
+            <a:r>
+              <a:rPr lang="es-ES" sz="2800" dirty="0"/>
+              <a:t> </a:t>
+            </a:r>
+            <a:r>
+              <a:rPr lang="es-ES" sz="2800" i="1" dirty="0"/>
+              <a:t>f, g, el puntero direccionador y </a:t>
+            </a:r>
+            <a:r>
+              <a:rPr lang="es-ES" sz="2800" i="1" dirty="0" err="1"/>
+              <a:t>ListaAbierta</a:t>
+            </a:r>
+            <a:endParaRPr lang="es-ES" sz="2800" i="1" dirty="0"/>
+          </a:p>
+          <a:p>
+            <a:pPr marL="1371600" lvl="3" indent="0">
+              <a:buNone/>
+            </a:pPr>
+            <a:endParaRPr lang="es-ES" sz="2800" dirty="0"/>
+          </a:p>
+          <a:p>
+            <a:pPr marL="1371600" lvl="3" indent="0">
+              <a:buNone/>
+            </a:pPr>
+            <a:r>
+              <a:rPr lang="es-ES" sz="2800" dirty="0">
+                <a:solidFill>
+                  <a:srgbClr val="FF0000"/>
+                </a:solidFill>
+              </a:rPr>
+              <a:t>Si no </a:t>
+            </a:r>
+            <a:r>
+              <a:rPr lang="es-ES" sz="2800" dirty="0"/>
+              <a:t>esta </a:t>
+            </a:r>
+          </a:p>
+          <a:p>
+            <a:pPr marL="1371600" lvl="3" indent="0">
+              <a:buNone/>
+            </a:pPr>
+            <a:r>
+              <a:rPr lang="es-ES" sz="2800" dirty="0">
+                <a:sym typeface="Wingdings" panose="05000000000000000000" pitchFamily="2" charset="2"/>
+              </a:rPr>
+              <a:t>	</a:t>
+            </a:r>
+            <a:r>
+              <a:rPr lang="es-ES" sz="2800" dirty="0"/>
+              <a:t> </a:t>
+            </a:r>
+            <a:r>
+              <a:rPr lang="es-ES" sz="2800" dirty="0">
+                <a:solidFill>
+                  <a:srgbClr val="00B050"/>
+                </a:solidFill>
+              </a:rPr>
+              <a:t>Actualizar</a:t>
+            </a:r>
+            <a:r>
+              <a:rPr lang="es-ES" sz="2800" dirty="0"/>
+              <a:t> </a:t>
+            </a:r>
+            <a:r>
+              <a:rPr lang="es-ES" sz="2800" i="1" dirty="0"/>
+              <a:t>f, g, el puntero direccionador </a:t>
+            </a:r>
+            <a:r>
+              <a:rPr lang="es-ES" sz="2800" dirty="0"/>
+              <a:t>y </a:t>
+            </a:r>
+            <a:r>
+              <a:rPr lang="es-ES" sz="2800" dirty="0">
+                <a:solidFill>
+                  <a:srgbClr val="00B050"/>
+                </a:solidFill>
+              </a:rPr>
+              <a:t>añadirlo</a:t>
+            </a:r>
+            <a:r>
+              <a:rPr lang="es-ES" sz="2800" dirty="0"/>
+              <a:t> a </a:t>
+            </a:r>
+            <a:r>
+              <a:rPr lang="es-ES" sz="2800" i="1" dirty="0" err="1"/>
+              <a:t>ListaAbierta</a:t>
+            </a:r>
+            <a:endParaRPr lang="es-ES" sz="2800" i="1" dirty="0"/>
+          </a:p>
+          <a:p>
+            <a:pPr marL="0" indent="0">
+              <a:buNone/>
+            </a:pPr>
+            <a:r>
+              <a:rPr lang="es-ES" dirty="0">
+                <a:solidFill>
+                  <a:schemeClr val="accent1"/>
+                </a:solidFill>
+              </a:rPr>
+              <a:t>Volver </a:t>
+            </a:r>
+          </a:p>
+          <a:p>
+            <a:pPr marL="0" indent="0">
+              <a:buNone/>
+            </a:pPr>
+            <a:endParaRPr lang="es-ES" dirty="0">
+              <a:solidFill>
+                <a:schemeClr val="accent1"/>
+              </a:solidFill>
+            </a:endParaRPr>
+          </a:p>
+          <a:p>
+            <a:pPr marL="0" indent="0">
+              <a:buNone/>
+            </a:pPr>
+            <a:r>
+              <a:rPr lang="es-ES" dirty="0">
+                <a:solidFill>
+                  <a:srgbClr val="00B050"/>
+                </a:solidFill>
+              </a:rPr>
+              <a:t>Calcular Ruta </a:t>
+            </a:r>
+            <a:r>
+              <a:rPr lang="es-ES" dirty="0"/>
+              <a:t>usando los punteros direccionadores	</a:t>
+            </a:r>
+          </a:p>
+          <a:p>
+            <a:pPr marL="0" indent="0">
+              <a:buNone/>
+            </a:pPr>
+            <a:r>
+              <a:rPr lang="es-ES" dirty="0"/>
+              <a:t>		</a:t>
+            </a:r>
           </a:p>
         </p:txBody>
       </p:sp>
     </p:spTree>
     <p:extLst>
       <p:ext uri="{BB962C8B-B14F-4D97-AF65-F5344CB8AC3E}">
-        <p14:creationId xmlns:p14="http://schemas.microsoft.com/office/powerpoint/2010/main" val="1108919788"/>
+        <p14:creationId xmlns:p14="http://schemas.microsoft.com/office/powerpoint/2010/main" val="1110304304"/>
       </p:ext>
     </p:extLst>
   </p:cSld>
@@ -5799,7 +5991,7 @@
           <a:p>
             <a:r>
               <a:rPr lang="es-ES" dirty="0"/>
-              <a:t>Demostración del funcionamiento</a:t>
+              <a:t>Interfaz Gráfica</a:t>
             </a:r>
           </a:p>
         </p:txBody>
@@ -5825,14 +6017,41 @@
           <a:bodyPr/>
           <a:lstStyle/>
           <a:p>
-            <a:endParaRPr lang="es-ES" dirty="0"/>
+            <a:r>
+              <a:rPr lang="es-ES" dirty="0"/>
+              <a:t>Librería </a:t>
+            </a:r>
+            <a:r>
+              <a:rPr lang="es-ES" dirty="0" err="1"/>
+              <a:t>tkinter</a:t>
+            </a:r>
+            <a:r>
+              <a:rPr lang="es-ES" dirty="0"/>
+              <a:t>, </a:t>
+            </a:r>
+            <a:r>
+              <a:rPr lang="es-ES" dirty="0" err="1"/>
+              <a:t>arbol</a:t>
+            </a:r>
+            <a:r>
+              <a:rPr lang="es-ES" dirty="0"/>
+              <a:t>, dibujo con </a:t>
+            </a:r>
+            <a:r>
+              <a:rPr lang="es-ES" dirty="0" err="1"/>
+              <a:t>matplotlib</a:t>
+            </a:r>
+            <a:r>
+              <a:rPr lang="es-ES" dirty="0"/>
+              <a:t>… </a:t>
+            </a:r>
           </a:p>
         </p:txBody>
       </p:sp>
     </p:spTree>
     <p:extLst>
       <p:ext uri="{BB962C8B-B14F-4D97-AF65-F5344CB8AC3E}">
-        <p14:creationId xmlns:p14="http://schemas.microsoft.com/office/powerpoint/2010/main" val="2346306414"/>
+        <p14:creationId xmlns:p14="http://schemas.microsoft.com/office/powerpoint/2010/main" val="1108919788"/>
       </p:ext>
     </p:extLst>
   </p:cSld>

--- a/PresentacionMetro.pptx
+++ b/PresentacionMetro.pptx
@@ -7,14 +7,15 @@
   <p:sldIdLst>
     <p:sldId id="268" r:id="rId2"/>
     <p:sldId id="256" r:id="rId3"/>
-    <p:sldId id="265" r:id="rId4"/>
-    <p:sldId id="257" r:id="rId5"/>
-    <p:sldId id="260" r:id="rId6"/>
-    <p:sldId id="259" r:id="rId7"/>
-    <p:sldId id="261" r:id="rId8"/>
-    <p:sldId id="267" r:id="rId9"/>
-    <p:sldId id="264" r:id="rId10"/>
-    <p:sldId id="266" r:id="rId11"/>
+    <p:sldId id="269" r:id="rId4"/>
+    <p:sldId id="265" r:id="rId5"/>
+    <p:sldId id="257" r:id="rId6"/>
+    <p:sldId id="260" r:id="rId7"/>
+    <p:sldId id="259" r:id="rId8"/>
+    <p:sldId id="261" r:id="rId9"/>
+    <p:sldId id="267" r:id="rId10"/>
+    <p:sldId id="264" r:id="rId11"/>
+    <p:sldId id="266" r:id="rId12"/>
   </p:sldIdLst>
   <p:sldSz cx="12192000" cy="6858000"/>
   <p:notesSz cx="6858000" cy="9144000"/>
@@ -3474,6 +3475,116 @@
           <a:p>
             <a:r>
               <a:rPr lang="es-ES" dirty="0"/>
+              <a:t>Interfaz Gráfica</a:t>
+            </a:r>
+          </a:p>
+        </p:txBody>
+      </p:sp>
+      <p:sp>
+        <p:nvSpPr>
+          <p:cNvPr id="3" name="Subtítulo 2">
+            <a:extLst>
+              <a:ext uri="{FF2B5EF4-FFF2-40B4-BE49-F238E27FC236}">
+                <a16:creationId xmlns:a16="http://schemas.microsoft.com/office/drawing/2014/main" id="{81FD5FF1-7E81-4549-9028-58717E06768E}"/>
+              </a:ext>
+            </a:extLst>
+          </p:cNvPr>
+          <p:cNvSpPr>
+            <a:spLocks noGrp="1"/>
+          </p:cNvSpPr>
+          <p:nvPr>
+            <p:ph type="subTitle" idx="1"/>
+          </p:nvPr>
+        </p:nvSpPr>
+        <p:spPr/>
+        <p:txBody>
+          <a:bodyPr/>
+          <a:lstStyle/>
+          <a:p>
+            <a:r>
+              <a:rPr lang="es-ES" dirty="0"/>
+              <a:t>Librería </a:t>
+            </a:r>
+            <a:r>
+              <a:rPr lang="es-ES" dirty="0" err="1"/>
+              <a:t>tkinter</a:t>
+            </a:r>
+            <a:r>
+              <a:rPr lang="es-ES" dirty="0"/>
+              <a:t>, </a:t>
+            </a:r>
+            <a:r>
+              <a:rPr lang="es-ES" dirty="0" err="1"/>
+              <a:t>arbol</a:t>
+            </a:r>
+            <a:r>
+              <a:rPr lang="es-ES" dirty="0"/>
+              <a:t>, dibujo con </a:t>
+            </a:r>
+            <a:r>
+              <a:rPr lang="es-ES" dirty="0" err="1"/>
+              <a:t>matplotlib</a:t>
+            </a:r>
+            <a:r>
+              <a:rPr lang="es-ES" dirty="0"/>
+              <a:t>… </a:t>
+            </a:r>
+          </a:p>
+        </p:txBody>
+      </p:sp>
+    </p:spTree>
+    <p:extLst>
+      <p:ext uri="{BB962C8B-B14F-4D97-AF65-F5344CB8AC3E}">
+        <p14:creationId xmlns:p14="http://schemas.microsoft.com/office/powerpoint/2010/main" val="1108919788"/>
+      </p:ext>
+    </p:extLst>
+  </p:cSld>
+  <p:clrMapOvr>
+    <a:masterClrMapping/>
+  </p:clrMapOvr>
+</p:sld>
+</file>
+
+<file path=ppt/slides/slide11.xml><?xml version="1.0" encoding="utf-8"?>
+<p:sld xmlns:a="http://schemas.openxmlformats.org/drawingml/2006/main" xmlns:r="http://schemas.openxmlformats.org/officeDocument/2006/relationships" xmlns:p="http://schemas.openxmlformats.org/presentationml/2006/main">
+  <p:cSld>
+    <p:spTree>
+      <p:nvGrpSpPr>
+        <p:cNvPr id="1" name=""/>
+        <p:cNvGrpSpPr/>
+        <p:nvPr/>
+      </p:nvGrpSpPr>
+      <p:grpSpPr>
+        <a:xfrm>
+          <a:off x="0" y="0"/>
+          <a:ext cx="0" cy="0"/>
+          <a:chOff x="0" y="0"/>
+          <a:chExt cx="0" cy="0"/>
+        </a:xfrm>
+      </p:grpSpPr>
+      <p:sp>
+        <p:nvSpPr>
+          <p:cNvPr id="2" name="Título 1">
+            <a:extLst>
+              <a:ext uri="{FF2B5EF4-FFF2-40B4-BE49-F238E27FC236}">
+                <a16:creationId xmlns:a16="http://schemas.microsoft.com/office/drawing/2014/main" id="{07A68E18-28BF-4A84-813E-0DDD63F3BA9D}"/>
+              </a:ext>
+            </a:extLst>
+          </p:cNvPr>
+          <p:cNvSpPr>
+            <a:spLocks noGrp="1"/>
+          </p:cNvSpPr>
+          <p:nvPr>
+            <p:ph type="ctrTitle"/>
+          </p:nvPr>
+        </p:nvSpPr>
+        <p:spPr/>
+        <p:txBody>
+          <a:bodyPr/>
+          <a:lstStyle/>
+          <a:p>
+            <a:r>
+              <a:rPr lang="es-ES" dirty="0"/>
               <a:t>Demostración del funcionamiento</a:t>
             </a:r>
           </a:p>
@@ -3676,6 +3787,127 @@
           <p:cNvPr id="2" name="Título 1">
             <a:extLst>
               <a:ext uri="{FF2B5EF4-FFF2-40B4-BE49-F238E27FC236}">
+                <a16:creationId xmlns:a16="http://schemas.microsoft.com/office/drawing/2014/main" id="{879EA411-9441-41FE-9C33-420360826744}"/>
+              </a:ext>
+            </a:extLst>
+          </p:cNvPr>
+          <p:cNvSpPr>
+            <a:spLocks noGrp="1"/>
+          </p:cNvSpPr>
+          <p:nvPr>
+            <p:ph type="title"/>
+          </p:nvPr>
+        </p:nvSpPr>
+        <p:spPr/>
+        <p:txBody>
+          <a:bodyPr/>
+          <a:lstStyle/>
+          <a:p>
+            <a:r>
+              <a:rPr lang="es-ES" dirty="0"/>
+              <a:t>¿Por qué hemos elegido Python?</a:t>
+            </a:r>
+          </a:p>
+        </p:txBody>
+      </p:sp>
+      <p:sp>
+        <p:nvSpPr>
+          <p:cNvPr id="3" name="Marcador de contenido 2">
+            <a:extLst>
+              <a:ext uri="{FF2B5EF4-FFF2-40B4-BE49-F238E27FC236}">
+                <a16:creationId xmlns:a16="http://schemas.microsoft.com/office/drawing/2014/main" id="{B3277F3D-AF14-41F4-AC1E-4266F541E4D9}"/>
+              </a:ext>
+            </a:extLst>
+          </p:cNvPr>
+          <p:cNvSpPr>
+            <a:spLocks noGrp="1"/>
+          </p:cNvSpPr>
+          <p:nvPr>
+            <p:ph idx="1"/>
+          </p:nvPr>
+        </p:nvSpPr>
+        <p:spPr/>
+        <p:txBody>
+          <a:bodyPr/>
+          <a:lstStyle/>
+          <a:p>
+            <a:endParaRPr lang="es-ES" b="1" dirty="0"/>
+          </a:p>
+          <a:p>
+            <a:r>
+              <a:rPr lang="es-ES" b="1" dirty="0"/>
+              <a:t>Versátil</a:t>
+            </a:r>
+          </a:p>
+          <a:p>
+            <a:r>
+              <a:rPr lang="es-ES" b="1" dirty="0"/>
+              <a:t>Muchas librerías útiles</a:t>
+            </a:r>
+          </a:p>
+          <a:p>
+            <a:r>
+              <a:rPr lang="es-ES" b="1" dirty="0"/>
+              <a:t>Facilidad para testear/</a:t>
+            </a:r>
+            <a:r>
+              <a:rPr lang="es-ES" b="1" dirty="0" err="1"/>
+              <a:t>debugear</a:t>
+            </a:r>
+            <a:endParaRPr lang="es-ES" b="1" dirty="0"/>
+          </a:p>
+          <a:p>
+            <a:r>
+              <a:rPr lang="es-ES" b="1" dirty="0"/>
+              <a:t>Facilidad para la interfaz gráfica?</a:t>
+            </a:r>
+          </a:p>
+          <a:p>
+            <a:r>
+              <a:rPr lang="es-ES" b="1" dirty="0"/>
+              <a:t>Aprender</a:t>
+            </a:r>
+          </a:p>
+          <a:p>
+            <a:endParaRPr lang="es-ES" b="1" dirty="0"/>
+          </a:p>
+        </p:txBody>
+      </p:sp>
+    </p:spTree>
+    <p:extLst>
+      <p:ext uri="{BB962C8B-B14F-4D97-AF65-F5344CB8AC3E}">
+        <p14:creationId xmlns:p14="http://schemas.microsoft.com/office/powerpoint/2010/main" val="3813011562"/>
+      </p:ext>
+    </p:extLst>
+  </p:cSld>
+  <p:clrMapOvr>
+    <a:masterClrMapping/>
+  </p:clrMapOvr>
+</p:sld>
+</file>
+
+<file path=ppt/slides/slide4.xml><?xml version="1.0" encoding="utf-8"?>
+<p:sld xmlns:a="http://schemas.openxmlformats.org/drawingml/2006/main" xmlns:r="http://schemas.openxmlformats.org/officeDocument/2006/relationships" xmlns:p="http://schemas.openxmlformats.org/presentationml/2006/main">
+  <p:cSld>
+    <p:spTree>
+      <p:nvGrpSpPr>
+        <p:cNvPr id="1" name=""/>
+        <p:cNvGrpSpPr/>
+        <p:nvPr/>
+      </p:nvGrpSpPr>
+      <p:grpSpPr>
+        <a:xfrm>
+          <a:off x="0" y="0"/>
+          <a:ext cx="0" cy="0"/>
+          <a:chOff x="0" y="0"/>
+          <a:chExt cx="0" cy="0"/>
+        </a:xfrm>
+      </p:grpSpPr>
+      <p:sp>
+        <p:nvSpPr>
+          <p:cNvPr id="2" name="Título 1">
+            <a:extLst>
+              <a:ext uri="{FF2B5EF4-FFF2-40B4-BE49-F238E27FC236}">
                 <a16:creationId xmlns:a16="http://schemas.microsoft.com/office/drawing/2014/main" id="{07A68E18-28BF-4A84-813E-0DDD63F3BA9D}"/>
               </a:ext>
             </a:extLst>
@@ -3737,7 +3969,7 @@
 </p:sld>
 </file>
 
-<file path=ppt/slides/slide4.xml><?xml version="1.0" encoding="utf-8"?>
+<file path=ppt/slides/slide5.xml><?xml version="1.0" encoding="utf-8"?>
 <p:sld xmlns:a="http://schemas.openxmlformats.org/drawingml/2006/main" xmlns:r="http://schemas.openxmlformats.org/officeDocument/2006/relationships" xmlns:p="http://schemas.openxmlformats.org/presentationml/2006/main">
   <p:cSld>
     <p:spTree>
@@ -4368,7 +4600,7 @@
 </p:sld>
 </file>
 
-<file path=ppt/slides/slide5.xml><?xml version="1.0" encoding="utf-8"?>
+<file path=ppt/slides/slide6.xml><?xml version="1.0" encoding="utf-8"?>
 <p:sld xmlns:a="http://schemas.openxmlformats.org/drawingml/2006/main" xmlns:r="http://schemas.openxmlformats.org/officeDocument/2006/relationships" xmlns:p="http://schemas.openxmlformats.org/presentationml/2006/main">
   <p:cSld>
     <p:spTree>
@@ -5190,188 +5422,6 @@
 </p:sld>
 </file>
 
-<file path=ppt/slides/slide6.xml><?xml version="1.0" encoding="utf-8"?>
-<p:sld xmlns:a="http://schemas.openxmlformats.org/drawingml/2006/main" xmlns:r="http://schemas.openxmlformats.org/officeDocument/2006/relationships" xmlns:p="http://schemas.openxmlformats.org/presentationml/2006/main">
-  <p:cSld>
-    <p:spTree>
-      <p:nvGrpSpPr>
-        <p:cNvPr id="1" name=""/>
-        <p:cNvGrpSpPr/>
-        <p:nvPr/>
-      </p:nvGrpSpPr>
-      <p:grpSpPr>
-        <a:xfrm>
-          <a:off x="0" y="0"/>
-          <a:ext cx="0" cy="0"/>
-          <a:chOff x="0" y="0"/>
-          <a:chExt cx="0" cy="0"/>
-        </a:xfrm>
-      </p:grpSpPr>
-      <p:sp>
-        <p:nvSpPr>
-          <p:cNvPr id="2" name="Título 1">
-            <a:extLst>
-              <a:ext uri="{FF2B5EF4-FFF2-40B4-BE49-F238E27FC236}">
-                <a16:creationId xmlns:a16="http://schemas.microsoft.com/office/drawing/2014/main" id="{879EA411-9441-41FE-9C33-420360826744}"/>
-              </a:ext>
-            </a:extLst>
-          </p:cNvPr>
-          <p:cNvSpPr>
-            <a:spLocks noGrp="1"/>
-          </p:cNvSpPr>
-          <p:nvPr>
-            <p:ph type="title"/>
-          </p:nvPr>
-        </p:nvSpPr>
-        <p:spPr/>
-        <p:txBody>
-          <a:bodyPr/>
-          <a:lstStyle/>
-          <a:p>
-            <a:r>
-              <a:rPr lang="es-ES" dirty="0"/>
-              <a:t>Algoritmo A*</a:t>
-            </a:r>
-          </a:p>
-        </p:txBody>
-      </p:sp>
-      <p:sp>
-        <p:nvSpPr>
-          <p:cNvPr id="3" name="Marcador de contenido 2">
-            <a:extLst>
-              <a:ext uri="{FF2B5EF4-FFF2-40B4-BE49-F238E27FC236}">
-                <a16:creationId xmlns:a16="http://schemas.microsoft.com/office/drawing/2014/main" id="{B3277F3D-AF14-41F4-AC1E-4266F541E4D9}"/>
-              </a:ext>
-            </a:extLst>
-          </p:cNvPr>
-          <p:cNvSpPr>
-            <a:spLocks noGrp="1"/>
-          </p:cNvSpPr>
-          <p:nvPr>
-            <p:ph idx="1"/>
-          </p:nvPr>
-        </p:nvSpPr>
-        <p:spPr/>
-        <p:txBody>
-          <a:bodyPr/>
-          <a:lstStyle/>
-          <a:p>
-            <a:endParaRPr lang="es-ES" b="1" dirty="0"/>
-          </a:p>
-          <a:p>
-            <a:r>
-              <a:rPr lang="es-ES" b="1" dirty="0"/>
-              <a:t>Grafo G: </a:t>
-            </a:r>
-            <a:r>
-              <a:rPr lang="es-ES" dirty="0"/>
-              <a:t>implementado con la librería </a:t>
-            </a:r>
-            <a:r>
-              <a:rPr lang="es-ES" b="1" dirty="0" err="1"/>
-              <a:t>networkX</a:t>
-            </a:r>
-            <a:endParaRPr lang="es-ES" b="1" dirty="0"/>
-          </a:p>
-          <a:p>
-            <a:endParaRPr lang="es-ES" b="1" dirty="0"/>
-          </a:p>
-          <a:p>
-            <a:r>
-              <a:rPr lang="es-ES" b="1" dirty="0"/>
-              <a:t>Lista Abierta</a:t>
-            </a:r>
-            <a:r>
-              <a:rPr lang="es-ES" dirty="0"/>
-              <a:t>: </a:t>
-            </a:r>
-            <a:r>
-              <a:rPr lang="es-ES" dirty="0" err="1"/>
-              <a:t>priority</a:t>
-            </a:r>
-            <a:r>
-              <a:rPr lang="es-ES" dirty="0"/>
-              <a:t> </a:t>
-            </a:r>
-            <a:r>
-              <a:rPr lang="es-ES" dirty="0" err="1"/>
-              <a:t>queue</a:t>
-            </a:r>
-            <a:r>
-              <a:rPr lang="es-ES" dirty="0"/>
-              <a:t> implementada con la librería </a:t>
-            </a:r>
-            <a:r>
-              <a:rPr lang="es-ES" b="1" dirty="0" err="1"/>
-              <a:t>heapq</a:t>
-            </a:r>
-            <a:r>
-              <a:rPr lang="es-ES" b="1" dirty="0"/>
-              <a:t> </a:t>
-            </a:r>
-          </a:p>
-          <a:p>
-            <a:pPr marL="0" indent="0">
-              <a:buNone/>
-            </a:pPr>
-            <a:r>
-              <a:rPr lang="es-ES" b="1" dirty="0"/>
-              <a:t>	</a:t>
-            </a:r>
-            <a:r>
-              <a:rPr lang="es-ES" dirty="0"/>
-              <a:t>Guarda duplas </a:t>
-            </a:r>
-            <a:r>
-              <a:rPr lang="es-ES" b="1" dirty="0"/>
-              <a:t>&lt; f , estación &gt;</a:t>
-            </a:r>
-          </a:p>
-          <a:p>
-            <a:pPr marL="0" indent="0">
-              <a:buNone/>
-            </a:pPr>
-            <a:r>
-              <a:rPr lang="es-ES" b="1" dirty="0"/>
-              <a:t>	</a:t>
-            </a:r>
-            <a:r>
-              <a:rPr lang="es-ES" dirty="0"/>
-              <a:t>Menor f -&gt; Más prioridad</a:t>
-            </a:r>
-          </a:p>
-          <a:p>
-            <a:pPr marL="0" indent="0">
-              <a:buNone/>
-            </a:pPr>
-            <a:endParaRPr lang="es-ES" b="1" dirty="0"/>
-          </a:p>
-          <a:p>
-            <a:r>
-              <a:rPr lang="es-ES" b="1" dirty="0"/>
-              <a:t>Lista Cerrada</a:t>
-            </a:r>
-            <a:r>
-              <a:rPr lang="es-ES" dirty="0"/>
-              <a:t>: lista que almacena los nodos ya visitados</a:t>
-            </a:r>
-            <a:endParaRPr lang="es-ES" b="1" dirty="0"/>
-          </a:p>
-        </p:txBody>
-      </p:sp>
-    </p:spTree>
-    <p:extLst>
-      <p:ext uri="{BB962C8B-B14F-4D97-AF65-F5344CB8AC3E}">
-        <p14:creationId xmlns:p14="http://schemas.microsoft.com/office/powerpoint/2010/main" val="2121459296"/>
-      </p:ext>
-    </p:extLst>
-  </p:cSld>
-  <p:clrMapOvr>
-    <a:masterClrMapping/>
-  </p:clrMapOvr>
-</p:sld>
-</file>
-
 <file path=ppt/slides/slide7.xml><?xml version="1.0" encoding="utf-8"?>
 <p:sld xmlns:a="http://schemas.openxmlformats.org/drawingml/2006/main" xmlns:r="http://schemas.openxmlformats.org/officeDocument/2006/relationships" xmlns:p="http://schemas.openxmlformats.org/presentationml/2006/main">
   <p:cSld>
@@ -5435,211 +5485,116 @@
         </p:nvSpPr>
         <p:spPr/>
         <p:txBody>
-          <a:bodyPr>
-            <a:normAutofit/>
-          </a:bodyPr>
-          <a:lstStyle/>
+          <a:bodyPr/>
+          <a:lstStyle/>
+          <a:p>
+            <a:endParaRPr lang="es-ES" b="1" dirty="0"/>
+          </a:p>
+          <a:p>
+            <a:r>
+              <a:rPr lang="es-ES" b="1" dirty="0"/>
+              <a:t>Grafo G: </a:t>
+            </a:r>
+            <a:r>
+              <a:rPr lang="es-ES" dirty="0"/>
+              <a:t>implementado con la librería </a:t>
+            </a:r>
+            <a:r>
+              <a:rPr lang="es-ES" b="1" dirty="0" err="1"/>
+              <a:t>networkX</a:t>
+            </a:r>
+            <a:endParaRPr lang="es-ES" b="1" dirty="0"/>
+          </a:p>
+          <a:p>
+            <a:endParaRPr lang="es-ES" b="1" dirty="0"/>
+          </a:p>
+          <a:p>
+            <a:r>
+              <a:rPr lang="es-ES" b="1" dirty="0"/>
+              <a:t>Lista Abierta</a:t>
+            </a:r>
+            <a:r>
+              <a:rPr lang="es-ES" dirty="0"/>
+              <a:t>: </a:t>
+            </a:r>
+            <a:r>
+              <a:rPr lang="es-ES" dirty="0" err="1"/>
+              <a:t>priority</a:t>
+            </a:r>
+            <a:r>
+              <a:rPr lang="es-ES" dirty="0"/>
+              <a:t> </a:t>
+            </a:r>
+            <a:r>
+              <a:rPr lang="es-ES" dirty="0" err="1"/>
+              <a:t>queue</a:t>
+            </a:r>
+            <a:r>
+              <a:rPr lang="es-ES" dirty="0"/>
+              <a:t> implementada con la librería </a:t>
+            </a:r>
+            <a:r>
+              <a:rPr lang="es-ES" b="1" dirty="0" err="1"/>
+              <a:t>heapq</a:t>
+            </a:r>
+            <a:r>
+              <a:rPr lang="es-ES" b="1" dirty="0"/>
+              <a:t> </a:t>
+            </a:r>
+          </a:p>
           <a:p>
             <a:pPr marL="0" indent="0">
               <a:buNone/>
             </a:pPr>
             <a:r>
-              <a:rPr lang="es-ES" dirty="0"/>
-              <a:t>Inicialización</a:t>
+              <a:rPr lang="es-ES" b="1" dirty="0"/>
+              <a:t>	</a:t>
+            </a:r>
+            <a:r>
+              <a:rPr lang="es-ES" dirty="0"/>
+              <a:t>Guarda duplas </a:t>
+            </a:r>
+            <a:r>
+              <a:rPr lang="es-ES" b="1" dirty="0"/>
+              <a:t>&lt; f , estación &gt;</a:t>
             </a:r>
           </a:p>
           <a:p>
             <a:pPr marL="0" indent="0">
               <a:buNone/>
             </a:pPr>
-            <a:endParaRPr lang="es-ES" dirty="0"/>
+            <a:r>
+              <a:rPr lang="es-ES" b="1" dirty="0"/>
+              <a:t>	</a:t>
+            </a:r>
+            <a:r>
+              <a:rPr lang="es-ES" dirty="0"/>
+              <a:t>Menor f -&gt; Más prioridad</a:t>
+            </a:r>
           </a:p>
           <a:p>
             <a:pPr marL="0" indent="0">
               <a:buNone/>
             </a:pPr>
-            <a:r>
-              <a:rPr lang="es-ES" dirty="0">
-                <a:solidFill>
-                  <a:schemeClr val="accent1"/>
-                </a:solidFill>
-              </a:rPr>
-              <a:t>Mientras</a:t>
-            </a:r>
-            <a:r>
-              <a:rPr lang="es-ES" dirty="0"/>
-              <a:t> (no </a:t>
-            </a:r>
-            <a:r>
-              <a:rPr lang="es-ES" i="1" dirty="0" err="1"/>
-              <a:t>HemosLlegado</a:t>
-            </a:r>
-            <a:r>
-              <a:rPr lang="es-ES" dirty="0"/>
-              <a:t>)</a:t>
-            </a:r>
-          </a:p>
-          <a:p>
-            <a:pPr marL="0" indent="0">
-              <a:buNone/>
-            </a:pPr>
-            <a:r>
-              <a:rPr lang="es-ES" dirty="0"/>
-              <a:t>	</a:t>
-            </a:r>
-            <a:r>
-              <a:rPr lang="es-ES" dirty="0">
-                <a:solidFill>
-                  <a:srgbClr val="00B050"/>
-                </a:solidFill>
-              </a:rPr>
-              <a:t>Sacar</a:t>
-            </a:r>
-            <a:r>
-              <a:rPr lang="es-ES" dirty="0"/>
-              <a:t> el mas prioritario de </a:t>
-            </a:r>
-            <a:r>
-              <a:rPr lang="es-ES" i="1" dirty="0" err="1"/>
-              <a:t>ListaAbierta</a:t>
-            </a:r>
-            <a:r>
-              <a:rPr lang="es-ES" dirty="0"/>
-              <a:t> y </a:t>
-            </a:r>
-            <a:r>
-              <a:rPr lang="es-ES" dirty="0">
-                <a:solidFill>
-                  <a:srgbClr val="00B050"/>
-                </a:solidFill>
-              </a:rPr>
-              <a:t>meterlo </a:t>
-            </a:r>
-            <a:r>
-              <a:rPr lang="es-ES" dirty="0"/>
-              <a:t>en </a:t>
-            </a:r>
-            <a:r>
-              <a:rPr lang="es-ES" i="1" dirty="0" err="1"/>
-              <a:t>ListaCerrada</a:t>
-            </a:r>
-            <a:endParaRPr lang="es-ES" i="1" dirty="0"/>
-          </a:p>
-          <a:p>
-            <a:pPr marL="0" indent="0">
-              <a:buNone/>
-            </a:pPr>
-            <a:r>
-              <a:rPr lang="es-ES" dirty="0"/>
-              <a:t>	</a:t>
-            </a:r>
-            <a:r>
-              <a:rPr lang="es-ES" dirty="0">
-                <a:solidFill>
-                  <a:srgbClr val="FF0000"/>
-                </a:solidFill>
-              </a:rPr>
-              <a:t>Si</a:t>
-            </a:r>
-            <a:r>
-              <a:rPr lang="es-ES" dirty="0"/>
-              <a:t> es el destino </a:t>
-            </a:r>
-            <a:r>
-              <a:rPr lang="es-ES" dirty="0">
-                <a:sym typeface="Wingdings" panose="05000000000000000000" pitchFamily="2" charset="2"/>
-              </a:rPr>
-              <a:t></a:t>
-            </a:r>
-            <a:r>
-              <a:rPr lang="es-ES" dirty="0"/>
-              <a:t> </a:t>
-            </a:r>
-            <a:r>
-              <a:rPr lang="es-ES" i="1" dirty="0" err="1"/>
-              <a:t>HemosLlegado</a:t>
-            </a:r>
-            <a:endParaRPr lang="es-ES" i="1" dirty="0"/>
-          </a:p>
-          <a:p>
-            <a:pPr marL="0" indent="0">
-              <a:buNone/>
-            </a:pPr>
-            <a:r>
-              <a:rPr lang="es-ES" dirty="0"/>
-              <a:t>	</a:t>
-            </a:r>
-            <a:r>
-              <a:rPr lang="es-ES" dirty="0">
-                <a:solidFill>
-                  <a:srgbClr val="FF0000"/>
-                </a:solidFill>
-              </a:rPr>
-              <a:t>Si no</a:t>
-            </a:r>
-            <a:r>
-              <a:rPr lang="es-ES" dirty="0"/>
-              <a:t>, </a:t>
-            </a:r>
-            <a:r>
-              <a:rPr lang="es-ES" dirty="0">
-                <a:solidFill>
-                  <a:schemeClr val="accent1"/>
-                </a:solidFill>
-              </a:rPr>
-              <a:t>para cada </a:t>
-            </a:r>
-            <a:r>
-              <a:rPr lang="es-ES" i="1" dirty="0"/>
-              <a:t>nodo adyacente de G </a:t>
-            </a:r>
-            <a:r>
-              <a:rPr lang="es-ES" dirty="0"/>
-              <a:t>(que no sea antecedente)</a:t>
-            </a:r>
-          </a:p>
-          <a:p>
-            <a:pPr marL="0" indent="0">
-              <a:buNone/>
-            </a:pPr>
-            <a:r>
-              <a:rPr lang="es-ES" dirty="0"/>
-              <a:t>		</a:t>
-            </a:r>
-            <a:r>
-              <a:rPr lang="es-ES" dirty="0">
-                <a:sym typeface="Wingdings" panose="05000000000000000000" pitchFamily="2" charset="2"/>
-              </a:rPr>
-              <a:t> </a:t>
-            </a:r>
-            <a:r>
-              <a:rPr lang="es-ES" dirty="0">
-                <a:solidFill>
-                  <a:srgbClr val="00B050"/>
-                </a:solidFill>
-              </a:rPr>
-              <a:t>Calcular</a:t>
-            </a:r>
-            <a:r>
-              <a:rPr lang="es-ES" dirty="0"/>
-              <a:t> su f y g (y añadir penalización a transbordos)	</a:t>
-            </a:r>
-          </a:p>
-          <a:p>
-            <a:pPr marL="0" indent="0">
-              <a:buNone/>
-            </a:pPr>
-            <a:r>
-              <a:rPr lang="es-ES" dirty="0"/>
-              <a:t>		</a:t>
-            </a:r>
+            <a:endParaRPr lang="es-ES" b="1" dirty="0"/>
+          </a:p>
+          <a:p>
+            <a:r>
+              <a:rPr lang="es-ES" b="1" dirty="0"/>
+              <a:t>Lista Cerrada</a:t>
+            </a:r>
+            <a:r>
+              <a:rPr lang="es-ES" dirty="0"/>
+              <a:t>: lista que almacena los nodos ya visitados</a:t>
+            </a:r>
+            <a:endParaRPr lang="es-ES" b="1" dirty="0"/>
           </a:p>
         </p:txBody>
       </p:sp>
     </p:spTree>
     <p:extLst>
       <p:ext uri="{BB962C8B-B14F-4D97-AF65-F5344CB8AC3E}">
-        <p14:creationId xmlns:p14="http://schemas.microsoft.com/office/powerpoint/2010/main" val="283955455"/>
+        <p14:creationId xmlns:p14="http://schemas.microsoft.com/office/powerpoint/2010/main" val="2121459296"/>
       </p:ext>
     </p:extLst>
   </p:cSld>
@@ -5710,29 +5665,108 @@
             <p:ph idx="1"/>
           </p:nvPr>
         </p:nvSpPr>
-        <p:spPr>
-          <a:xfrm>
-            <a:off x="838198" y="1825625"/>
-            <a:ext cx="10981889" cy="4351338"/>
-          </a:xfrm>
-        </p:spPr>
+        <p:spPr/>
         <p:txBody>
           <a:bodyPr>
-            <a:normAutofit fontScale="92500" lnSpcReduction="10000"/>
+            <a:normAutofit/>
           </a:bodyPr>
           <a:lstStyle/>
           <a:p>
-            <a:pPr marL="1371600" lvl="3" indent="0">
+            <a:pPr marL="0" indent="0">
               <a:buNone/>
             </a:pPr>
-            <a:endParaRPr lang="es-ES" sz="2800" dirty="0"/>
-          </a:p>
-          <a:p>
-            <a:pPr marL="1371600" lvl="3" indent="0">
+            <a:r>
+              <a:rPr lang="es-ES" dirty="0"/>
+              <a:t>Inicialización</a:t>
+            </a:r>
+          </a:p>
+          <a:p>
+            <a:pPr marL="0" indent="0">
               <a:buNone/>
             </a:pPr>
-            <a:r>
-              <a:rPr lang="es-ES" sz="2800" dirty="0">
+            <a:endParaRPr lang="es-ES" dirty="0"/>
+          </a:p>
+          <a:p>
+            <a:pPr marL="0" indent="0">
+              <a:buNone/>
+            </a:pPr>
+            <a:r>
+              <a:rPr lang="es-ES" dirty="0">
+                <a:solidFill>
+                  <a:schemeClr val="accent1"/>
+                </a:solidFill>
+              </a:rPr>
+              <a:t>Mientras</a:t>
+            </a:r>
+            <a:r>
+              <a:rPr lang="es-ES" dirty="0"/>
+              <a:t> (no </a:t>
+            </a:r>
+            <a:r>
+              <a:rPr lang="es-ES" i="1" dirty="0" err="1"/>
+              <a:t>HemosLlegado</a:t>
+            </a:r>
+            <a:r>
+              <a:rPr lang="es-ES" dirty="0"/>
+              <a:t>)</a:t>
+            </a:r>
+          </a:p>
+          <a:p>
+            <a:pPr marL="0" indent="0">
+              <a:buNone/>
+            </a:pPr>
+            <a:r>
+              <a:rPr lang="es-ES" dirty="0"/>
+              <a:t>	</a:t>
+            </a:r>
+            <a:r>
+              <a:rPr lang="es-ES" dirty="0">
+                <a:solidFill>
+                  <a:srgbClr val="00B050"/>
+                </a:solidFill>
+              </a:rPr>
+              <a:t>Sacar</a:t>
+            </a:r>
+            <a:r>
+              <a:rPr lang="es-ES" dirty="0"/>
+              <a:t> el mas prioritario de </a:t>
+            </a:r>
+            <a:r>
+              <a:rPr lang="es-ES" i="1" dirty="0" err="1"/>
+              <a:t>ListaAbierta</a:t>
+            </a:r>
+            <a:r>
+              <a:rPr lang="es-ES" dirty="0"/>
+              <a:t> y </a:t>
+            </a:r>
+            <a:r>
+              <a:rPr lang="es-ES" dirty="0">
+                <a:solidFill>
+                  <a:srgbClr val="00B050"/>
+                </a:solidFill>
+              </a:rPr>
+              <a:t>meterlo </a:t>
+            </a:r>
+            <a:r>
+              <a:rPr lang="es-ES" dirty="0"/>
+              <a:t>en </a:t>
+            </a:r>
+            <a:r>
+              <a:rPr lang="es-ES" i="1" dirty="0" err="1"/>
+              <a:t>ListaCerrada</a:t>
+            </a:r>
+            <a:endParaRPr lang="es-ES" i="1" dirty="0"/>
+          </a:p>
+          <a:p>
+            <a:pPr marL="0" indent="0">
+              <a:buNone/>
+            </a:pPr>
+            <a:r>
+              <a:rPr lang="es-ES" dirty="0"/>
+              <a:t>	</a:t>
+            </a:r>
+            <a:r>
+              <a:rPr lang="es-ES" dirty="0">
                 <a:solidFill>
                   <a:srgbClr val="FF0000"/>
                 </a:solidFill>
@@ -5740,191 +5774,87 @@
               <a:t>Si</a:t>
             </a:r>
             <a:r>
-              <a:rPr lang="es-ES" sz="2800" dirty="0"/>
-              <a:t> esta en </a:t>
-            </a:r>
-            <a:r>
-              <a:rPr lang="es-ES" sz="2800" i="1" dirty="0" err="1"/>
-              <a:t>ListaAbierta</a:t>
-            </a:r>
-            <a:r>
-              <a:rPr lang="es-ES" sz="2800" dirty="0"/>
-              <a:t>, </a:t>
-            </a:r>
-            <a:r>
-              <a:rPr lang="es-ES" sz="2800" dirty="0">
+              <a:rPr lang="es-ES" dirty="0"/>
+              <a:t> es el destino </a:t>
+            </a:r>
+            <a:r>
+              <a:rPr lang="es-ES" dirty="0">
+                <a:sym typeface="Wingdings" panose="05000000000000000000" pitchFamily="2" charset="2"/>
+              </a:rPr>
+              <a:t></a:t>
+            </a:r>
+            <a:r>
+              <a:rPr lang="es-ES" dirty="0"/>
+              <a:t> </a:t>
+            </a:r>
+            <a:r>
+              <a:rPr lang="es-ES" i="1" dirty="0" err="1"/>
+              <a:t>HemosLlegado</a:t>
+            </a:r>
+            <a:endParaRPr lang="es-ES" i="1" dirty="0"/>
+          </a:p>
+          <a:p>
+            <a:pPr marL="0" indent="0">
+              <a:buNone/>
+            </a:pPr>
+            <a:r>
+              <a:rPr lang="es-ES" dirty="0"/>
+              <a:t>	</a:t>
+            </a:r>
+            <a:r>
+              <a:rPr lang="es-ES" dirty="0">
                 <a:solidFill>
                   <a:srgbClr val="FF0000"/>
                 </a:solidFill>
               </a:rPr>
-              <a:t>si</a:t>
-            </a:r>
-            <a:r>
-              <a:rPr lang="es-ES" sz="2800" dirty="0"/>
-              <a:t> el </a:t>
-            </a:r>
-            <a:r>
-              <a:rPr lang="es-ES" sz="2800" i="1" dirty="0"/>
-              <a:t>nuevo f </a:t>
-            </a:r>
-            <a:r>
-              <a:rPr lang="es-ES" sz="2800" dirty="0"/>
-              <a:t>es mejor </a:t>
-            </a:r>
-          </a:p>
-          <a:p>
-            <a:pPr marL="1371600" lvl="3" indent="0">
-              <a:buNone/>
-            </a:pPr>
-            <a:r>
-              <a:rPr lang="es-ES" sz="2800" dirty="0"/>
-              <a:t>	</a:t>
-            </a:r>
-            <a:r>
-              <a:rPr lang="es-ES" sz="2800" dirty="0">
-                <a:sym typeface="Wingdings" panose="05000000000000000000" pitchFamily="2" charset="2"/>
-              </a:rPr>
-              <a:t></a:t>
-            </a:r>
-            <a:r>
-              <a:rPr lang="es-ES" sz="2800" dirty="0"/>
-              <a:t> </a:t>
-            </a:r>
-            <a:r>
-              <a:rPr lang="es-ES" sz="2800" dirty="0">
-                <a:solidFill>
-                  <a:srgbClr val="00B050"/>
-                </a:solidFill>
-              </a:rPr>
-              <a:t>Actualizar</a:t>
-            </a:r>
-            <a:r>
-              <a:rPr lang="es-ES" sz="2800" dirty="0"/>
-              <a:t> </a:t>
-            </a:r>
-            <a:r>
-              <a:rPr lang="es-ES" sz="2800" i="1" dirty="0"/>
-              <a:t>f, g, el puntero direccionador y </a:t>
-            </a:r>
-            <a:r>
-              <a:rPr lang="es-ES" sz="2800" i="1" dirty="0" err="1"/>
-              <a:t>ListaAbierta</a:t>
-            </a:r>
-            <a:endParaRPr lang="es-ES" sz="2800" i="1" dirty="0"/>
-          </a:p>
-          <a:p>
-            <a:pPr marL="1371600" lvl="3" indent="0">
-              <a:buNone/>
-            </a:pPr>
-            <a:endParaRPr lang="es-ES" sz="2800" dirty="0"/>
-          </a:p>
-          <a:p>
-            <a:pPr marL="1371600" lvl="3" indent="0">
-              <a:buNone/>
-            </a:pPr>
-            <a:r>
-              <a:rPr lang="es-ES" sz="2800" dirty="0">
-                <a:solidFill>
-                  <a:srgbClr val="FF0000"/>
-                </a:solidFill>
-              </a:rPr>
-              <a:t>Si no </a:t>
-            </a:r>
-            <a:r>
-              <a:rPr lang="es-ES" sz="2800" dirty="0"/>
-              <a:t>esta </a:t>
-            </a:r>
-          </a:p>
-          <a:p>
-            <a:pPr marL="1371600" lvl="3" indent="0">
-              <a:buNone/>
-            </a:pPr>
-            <a:r>
-              <a:rPr lang="es-ES" sz="2800" dirty="0">
-                <a:sym typeface="Wingdings" panose="05000000000000000000" pitchFamily="2" charset="2"/>
-              </a:rPr>
-              <a:t>	</a:t>
-            </a:r>
-            <a:r>
-              <a:rPr lang="es-ES" sz="2800" dirty="0"/>
-              <a:t> </a:t>
-            </a:r>
-            <a:r>
-              <a:rPr lang="es-ES" sz="2800" dirty="0">
-                <a:solidFill>
-                  <a:srgbClr val="00B050"/>
-                </a:solidFill>
-              </a:rPr>
-              <a:t>Actualizar</a:t>
-            </a:r>
-            <a:r>
-              <a:rPr lang="es-ES" sz="2800" dirty="0"/>
-              <a:t> </a:t>
-            </a:r>
-            <a:r>
-              <a:rPr lang="es-ES" sz="2800" i="1" dirty="0"/>
-              <a:t>f, g, el puntero direccionador </a:t>
-            </a:r>
-            <a:r>
-              <a:rPr lang="es-ES" sz="2800" dirty="0"/>
-              <a:t>y </a:t>
-            </a:r>
-            <a:r>
-              <a:rPr lang="es-ES" sz="2800" dirty="0">
-                <a:solidFill>
-                  <a:srgbClr val="00B050"/>
-                </a:solidFill>
-              </a:rPr>
-              <a:t>añadirlo</a:t>
-            </a:r>
-            <a:r>
-              <a:rPr lang="es-ES" sz="2800" dirty="0"/>
-              <a:t> a </a:t>
-            </a:r>
-            <a:r>
-              <a:rPr lang="es-ES" sz="2800" i="1" dirty="0" err="1"/>
-              <a:t>ListaAbierta</a:t>
-            </a:r>
-            <a:endParaRPr lang="es-ES" sz="2800" i="1" dirty="0"/>
-          </a:p>
-          <a:p>
-            <a:pPr marL="0" indent="0">
-              <a:buNone/>
-            </a:pPr>
+              <a:t>Si no</a:t>
+            </a:r>
+            <a:r>
+              <a:rPr lang="es-ES" dirty="0"/>
+              <a:t>, </a:t>
+            </a:r>
             <a:r>
               <a:rPr lang="es-ES" dirty="0">
                 <a:solidFill>
                   <a:schemeClr val="accent1"/>
                 </a:solidFill>
               </a:rPr>
-              <a:t>Volver </a:t>
+              <a:t>para cada </a:t>
+            </a:r>
+            <a:r>
+              <a:rPr lang="es-ES" i="1" dirty="0"/>
+              <a:t>nodo adyacente de G </a:t>
+            </a:r>
+            <a:r>
+              <a:rPr lang="es-ES" dirty="0"/>
+              <a:t>(que no sea antecedente)</a:t>
             </a:r>
           </a:p>
           <a:p>
             <a:pPr marL="0" indent="0">
               <a:buNone/>
             </a:pPr>
-            <a:endParaRPr lang="es-ES" dirty="0">
-              <a:solidFill>
-                <a:schemeClr val="accent1"/>
-              </a:solidFill>
-            </a:endParaRPr>
-          </a:p>
-          <a:p>
-            <a:pPr marL="0" indent="0">
-              <a:buNone/>
-            </a:pPr>
+            <a:r>
+              <a:rPr lang="es-ES" dirty="0"/>
+              <a:t>		</a:t>
+            </a:r>
+            <a:r>
+              <a:rPr lang="es-ES" dirty="0">
+                <a:sym typeface="Wingdings" panose="05000000000000000000" pitchFamily="2" charset="2"/>
+              </a:rPr>
+              <a:t> </a:t>
+            </a:r>
             <a:r>
               <a:rPr lang="es-ES" dirty="0">
                 <a:solidFill>
                   <a:srgbClr val="00B050"/>
                 </a:solidFill>
               </a:rPr>
-              <a:t>Calcular Ruta </a:t>
-            </a:r>
-            <a:r>
-              <a:rPr lang="es-ES" dirty="0"/>
-              <a:t>usando los punteros direccionadores	</a:t>
+              <a:t>Calcular</a:t>
+            </a:r>
+            <a:r>
+              <a:rPr lang="es-ES" dirty="0"/>
+              <a:t> su f y g (y añadir penalización a transbordos)	</a:t>
             </a:r>
           </a:p>
           <a:p>
@@ -5941,7 +5871,7 @@
     </p:spTree>
     <p:extLst>
       <p:ext uri="{BB962C8B-B14F-4D97-AF65-F5344CB8AC3E}">
-        <p14:creationId xmlns:p14="http://schemas.microsoft.com/office/powerpoint/2010/main" val="1110304304"/>
+        <p14:creationId xmlns:p14="http://schemas.microsoft.com/office/powerpoint/2010/main" val="283955455"/>
       </p:ext>
     </p:extLst>
   </p:cSld>
@@ -5973,15 +5903,15 @@
           <p:cNvPr id="2" name="Título 1">
             <a:extLst>
               <a:ext uri="{FF2B5EF4-FFF2-40B4-BE49-F238E27FC236}">
-                <a16:creationId xmlns:a16="http://schemas.microsoft.com/office/drawing/2014/main" id="{07A68E18-28BF-4A84-813E-0DDD63F3BA9D}"/>
-              </a:ext>
-            </a:extLst>
-          </p:cNvPr>
-          <p:cNvSpPr>
-            <a:spLocks noGrp="1"/>
-          </p:cNvSpPr>
-          <p:nvPr>
-            <p:ph type="ctrTitle"/>
+                <a16:creationId xmlns:a16="http://schemas.microsoft.com/office/drawing/2014/main" id="{879EA411-9441-41FE-9C33-420360826744}"/>
+              </a:ext>
+            </a:extLst>
+          </p:cNvPr>
+          <p:cNvSpPr>
+            <a:spLocks noGrp="1"/>
+          </p:cNvSpPr>
+          <p:nvPr>
+            <p:ph type="title"/>
           </p:nvPr>
         </p:nvSpPr>
         <p:spPr/>
@@ -5991,59 +5921,251 @@
           <a:p>
             <a:r>
               <a:rPr lang="es-ES" dirty="0"/>
-              <a:t>Interfaz Gráfica</a:t>
-            </a:r>
-          </a:p>
-        </p:txBody>
-      </p:sp>
-      <p:sp>
-        <p:nvSpPr>
-          <p:cNvPr id="3" name="Subtítulo 2">
-            <a:extLst>
-              <a:ext uri="{FF2B5EF4-FFF2-40B4-BE49-F238E27FC236}">
-                <a16:creationId xmlns:a16="http://schemas.microsoft.com/office/drawing/2014/main" id="{81FD5FF1-7E81-4549-9028-58717E06768E}"/>
-              </a:ext>
-            </a:extLst>
-          </p:cNvPr>
-          <p:cNvSpPr>
-            <a:spLocks noGrp="1"/>
-          </p:cNvSpPr>
-          <p:nvPr>
-            <p:ph type="subTitle" idx="1"/>
-          </p:nvPr>
-        </p:nvSpPr>
-        <p:spPr/>
-        <p:txBody>
-          <a:bodyPr/>
-          <a:lstStyle/>
-          <a:p>
-            <a:r>
-              <a:rPr lang="es-ES" dirty="0"/>
-              <a:t>Librería </a:t>
-            </a:r>
-            <a:r>
-              <a:rPr lang="es-ES" dirty="0" err="1"/>
-              <a:t>tkinter</a:t>
-            </a:r>
-            <a:r>
-              <a:rPr lang="es-ES" dirty="0"/>
+              <a:t>Algoritmo A*</a:t>
+            </a:r>
+          </a:p>
+        </p:txBody>
+      </p:sp>
+      <p:sp>
+        <p:nvSpPr>
+          <p:cNvPr id="3" name="Marcador de contenido 2">
+            <a:extLst>
+              <a:ext uri="{FF2B5EF4-FFF2-40B4-BE49-F238E27FC236}">
+                <a16:creationId xmlns:a16="http://schemas.microsoft.com/office/drawing/2014/main" id="{B3277F3D-AF14-41F4-AC1E-4266F541E4D9}"/>
+              </a:ext>
+            </a:extLst>
+          </p:cNvPr>
+          <p:cNvSpPr>
+            <a:spLocks noGrp="1"/>
+          </p:cNvSpPr>
+          <p:nvPr>
+            <p:ph idx="1"/>
+          </p:nvPr>
+        </p:nvSpPr>
+        <p:spPr>
+          <a:xfrm>
+            <a:off x="838198" y="1825625"/>
+            <a:ext cx="10981889" cy="4351338"/>
+          </a:xfrm>
+        </p:spPr>
+        <p:txBody>
+          <a:bodyPr>
+            <a:normAutofit fontScale="92500" lnSpcReduction="10000"/>
+          </a:bodyPr>
+          <a:lstStyle/>
+          <a:p>
+            <a:pPr marL="1371600" lvl="3" indent="0">
+              <a:buNone/>
+            </a:pPr>
+            <a:endParaRPr lang="es-ES" sz="2800" dirty="0"/>
+          </a:p>
+          <a:p>
+            <a:pPr marL="1371600" lvl="3" indent="0">
+              <a:buNone/>
+            </a:pPr>
+            <a:r>
+              <a:rPr lang="es-ES" sz="2800" dirty="0">
+                <a:solidFill>
+                  <a:srgbClr val="FF0000"/>
+                </a:solidFill>
+              </a:rPr>
+              <a:t>Si</a:t>
+            </a:r>
+            <a:r>
+              <a:rPr lang="es-ES" sz="2800" dirty="0"/>
+              <a:t> esta en </a:t>
+            </a:r>
+            <a:r>
+              <a:rPr lang="es-ES" sz="2800" i="1" dirty="0" err="1"/>
+              <a:t>ListaAbierta</a:t>
+            </a:r>
+            <a:r>
+              <a:rPr lang="es-ES" sz="2800" dirty="0"/>
               <a:t>, </a:t>
             </a:r>
             <a:r>
-              <a:rPr lang="es-ES" dirty="0" err="1"/>
-              <a:t>arbol</a:t>
-            </a:r>
-            <a:r>
-              <a:rPr lang="es-ES" dirty="0"/>
-              <a:t>, dibujo con </a:t>
-            </a:r>
-            <a:r>
-              <a:rPr lang="es-ES" dirty="0" err="1"/>
-              <a:t>matplotlib</a:t>
-            </a:r>
-            <a:r>
-              <a:rPr lang="es-ES" dirty="0"/>
-              <a:t>… </a:t>
+              <a:rPr lang="es-ES" sz="2800" dirty="0">
+                <a:solidFill>
+                  <a:srgbClr val="FF0000"/>
+                </a:solidFill>
+              </a:rPr>
+              <a:t>si</a:t>
+            </a:r>
+            <a:r>
+              <a:rPr lang="es-ES" sz="2800" dirty="0"/>
+              <a:t> el </a:t>
+            </a:r>
+            <a:r>
+              <a:rPr lang="es-ES" sz="2800" i="1" dirty="0"/>
+              <a:t>nuevo f </a:t>
+            </a:r>
+            <a:r>
+              <a:rPr lang="es-ES" sz="2800" dirty="0"/>
+              <a:t>es mejor </a:t>
+            </a:r>
+          </a:p>
+          <a:p>
+            <a:pPr marL="1371600" lvl="3" indent="0">
+              <a:buNone/>
+            </a:pPr>
+            <a:r>
+              <a:rPr lang="es-ES" sz="2800" dirty="0"/>
+              <a:t>	</a:t>
+            </a:r>
+            <a:r>
+              <a:rPr lang="es-ES" sz="2800" dirty="0">
+                <a:sym typeface="Wingdings" panose="05000000000000000000" pitchFamily="2" charset="2"/>
+              </a:rPr>
+              <a:t></a:t>
+            </a:r>
+            <a:r>
+              <a:rPr lang="es-ES" sz="2800" dirty="0"/>
+              <a:t> </a:t>
+            </a:r>
+            <a:r>
+              <a:rPr lang="es-ES" sz="2800" dirty="0">
+                <a:solidFill>
+                  <a:srgbClr val="00B050"/>
+                </a:solidFill>
+              </a:rPr>
+              <a:t>Actualizar</a:t>
+            </a:r>
+            <a:r>
+              <a:rPr lang="es-ES" sz="2800" dirty="0"/>
+              <a:t> </a:t>
+            </a:r>
+            <a:r>
+              <a:rPr lang="es-ES" sz="2800" i="1" dirty="0"/>
+              <a:t>f, g, el puntero direccionador y </a:t>
+            </a:r>
+            <a:r>
+              <a:rPr lang="es-ES" sz="2800" i="1" dirty="0" err="1"/>
+              <a:t>ListaAbierta</a:t>
+            </a:r>
+            <a:endParaRPr lang="es-ES" sz="2800" i="1" dirty="0"/>
+          </a:p>
+          <a:p>
+            <a:pPr marL="1371600" lvl="3" indent="0">
+              <a:buNone/>
+            </a:pPr>
+            <a:endParaRPr lang="es-ES" sz="2800" dirty="0"/>
+          </a:p>
+          <a:p>
+            <a:pPr marL="1371600" lvl="3" indent="0">
+              <a:buNone/>
+            </a:pPr>
+            <a:r>
+              <a:rPr lang="es-ES" sz="2800" dirty="0">
+                <a:solidFill>
+                  <a:srgbClr val="FF0000"/>
+                </a:solidFill>
+              </a:rPr>
+              <a:t>Si no </a:t>
+            </a:r>
+            <a:r>
+              <a:rPr lang="es-ES" sz="2800" dirty="0"/>
+              <a:t>esta </a:t>
+            </a:r>
+          </a:p>
+          <a:p>
+            <a:pPr marL="1371600" lvl="3" indent="0">
+              <a:buNone/>
+            </a:pPr>
+            <a:r>
+              <a:rPr lang="es-ES" sz="2800" dirty="0">
+                <a:sym typeface="Wingdings" panose="05000000000000000000" pitchFamily="2" charset="2"/>
+              </a:rPr>
+              <a:t>	</a:t>
+            </a:r>
+            <a:r>
+              <a:rPr lang="es-ES" sz="2800" dirty="0"/>
+              <a:t> </a:t>
+            </a:r>
+            <a:r>
+              <a:rPr lang="es-ES" sz="2800" dirty="0">
+                <a:solidFill>
+                  <a:srgbClr val="00B050"/>
+                </a:solidFill>
+              </a:rPr>
+              <a:t>Actualizar</a:t>
+            </a:r>
+            <a:r>
+              <a:rPr lang="es-ES" sz="2800" dirty="0"/>
+              <a:t> </a:t>
+            </a:r>
+            <a:r>
+              <a:rPr lang="es-ES" sz="2800" i="1" dirty="0"/>
+              <a:t>f, g, el puntero direccionador </a:t>
+            </a:r>
+            <a:r>
+              <a:rPr lang="es-ES" sz="2800" dirty="0"/>
+              <a:t>y </a:t>
+            </a:r>
+            <a:r>
+              <a:rPr lang="es-ES" sz="2800" dirty="0">
+                <a:solidFill>
+                  <a:srgbClr val="00B050"/>
+                </a:solidFill>
+              </a:rPr>
+              <a:t>añadirlo</a:t>
+            </a:r>
+            <a:r>
+              <a:rPr lang="es-ES" sz="2800" dirty="0"/>
+              <a:t> a </a:t>
+            </a:r>
+            <a:r>
+              <a:rPr lang="es-ES" sz="2800" i="1" dirty="0" err="1"/>
+              <a:t>ListaAbierta</a:t>
+            </a:r>
+            <a:endParaRPr lang="es-ES" sz="2800" i="1" dirty="0"/>
+          </a:p>
+          <a:p>
+            <a:pPr marL="0" indent="0">
+              <a:buNone/>
+            </a:pPr>
+            <a:r>
+              <a:rPr lang="es-ES" dirty="0">
+                <a:solidFill>
+                  <a:schemeClr val="accent1"/>
+                </a:solidFill>
+              </a:rPr>
+              <a:t>Volver </a:t>
+            </a:r>
+          </a:p>
+          <a:p>
+            <a:pPr marL="0" indent="0">
+              <a:buNone/>
+            </a:pPr>
+            <a:endParaRPr lang="es-ES" dirty="0">
+              <a:solidFill>
+                <a:schemeClr val="accent1"/>
+              </a:solidFill>
+            </a:endParaRPr>
+          </a:p>
+          <a:p>
+            <a:pPr marL="0" indent="0">
+              <a:buNone/>
+            </a:pPr>
+            <a:r>
+              <a:rPr lang="es-ES" dirty="0">
+                <a:solidFill>
+                  <a:srgbClr val="00B050"/>
+                </a:solidFill>
+              </a:rPr>
+              <a:t>Calcular Ruta </a:t>
+            </a:r>
+            <a:r>
+              <a:rPr lang="es-ES" dirty="0"/>
+              <a:t>usando los punteros direccionadores	</a:t>
+            </a:r>
+          </a:p>
+          <a:p>
+            <a:pPr marL="0" indent="0">
+              <a:buNone/>
+            </a:pPr>
+            <a:r>
+              <a:rPr lang="es-ES" dirty="0"/>
+              <a:t>		</a:t>
             </a:r>
           </a:p>
         </p:txBody>
@@ -6051,7 +6173,7 @@
     </p:spTree>
     <p:extLst>
       <p:ext uri="{BB962C8B-B14F-4D97-AF65-F5344CB8AC3E}">
-        <p14:creationId xmlns:p14="http://schemas.microsoft.com/office/powerpoint/2010/main" val="1108919788"/>
+        <p14:creationId xmlns:p14="http://schemas.microsoft.com/office/powerpoint/2010/main" val="1110304304"/>
       </p:ext>
     </p:extLst>
   </p:cSld>

--- a/PresentacionMetro.pptx
+++ b/PresentacionMetro.pptx
@@ -5569,7 +5569,17 @@
             </a:r>
             <a:r>
               <a:rPr lang="es-ES" dirty="0"/>
-              <a:t>Menor f -&gt; Más prioridad</a:t>
+              <a:t>Menor f </a:t>
+            </a:r>
+            <a:r>
+              <a:rPr lang="es-ES" dirty="0">
+                <a:sym typeface="Wingdings" panose="05000000000000000000" pitchFamily="2" charset="2"/>
+              </a:rPr>
+              <a:t></a:t>
+            </a:r>
+            <a:r>
+              <a:rPr lang="es-ES" dirty="0"/>
+              <a:t> Más prioridad</a:t>
             </a:r>
           </a:p>
           <a:p>

--- a/PresentacionMetro.pptx
+++ b/PresentacionMetro.pptx
@@ -7,15 +7,25 @@
   <p:sldIdLst>
     <p:sldId id="268" r:id="rId2"/>
     <p:sldId id="256" r:id="rId3"/>
-    <p:sldId id="269" r:id="rId4"/>
-    <p:sldId id="265" r:id="rId5"/>
-    <p:sldId id="257" r:id="rId6"/>
-    <p:sldId id="260" r:id="rId7"/>
-    <p:sldId id="259" r:id="rId8"/>
-    <p:sldId id="261" r:id="rId9"/>
-    <p:sldId id="267" r:id="rId10"/>
-    <p:sldId id="264" r:id="rId11"/>
-    <p:sldId id="266" r:id="rId12"/>
+    <p:sldId id="270" r:id="rId4"/>
+    <p:sldId id="271" r:id="rId5"/>
+    <p:sldId id="272" r:id="rId6"/>
+    <p:sldId id="273" r:id="rId7"/>
+    <p:sldId id="274" r:id="rId8"/>
+    <p:sldId id="275" r:id="rId9"/>
+    <p:sldId id="276" r:id="rId10"/>
+    <p:sldId id="277" r:id="rId11"/>
+    <p:sldId id="269" r:id="rId12"/>
+    <p:sldId id="265" r:id="rId13"/>
+    <p:sldId id="257" r:id="rId14"/>
+    <p:sldId id="260" r:id="rId15"/>
+    <p:sldId id="259" r:id="rId16"/>
+    <p:sldId id="261" r:id="rId17"/>
+    <p:sldId id="267" r:id="rId18"/>
+    <p:sldId id="264" r:id="rId19"/>
+    <p:sldId id="278" r:id="rId20"/>
+    <p:sldId id="279" r:id="rId21"/>
+    <p:sldId id="266" r:id="rId22"/>
   </p:sldIdLst>
   <p:sldSz cx="12192000" cy="6858000"/>
   <p:notesSz cx="6858000" cy="9144000"/>
@@ -269,7 +279,7 @@
           <a:p>
             <a:fld id="{AF611B92-A341-4C0A-A0AE-4DA00BB3E0EA}" type="datetimeFigureOut">
               <a:rPr lang="es-ES" smtClean="0"/>
-              <a:t>06/12/2019</a:t>
+              <a:t>09/12/2019</a:t>
             </a:fld>
             <a:endParaRPr lang="es-ES"/>
           </a:p>
@@ -467,7 +477,7 @@
           <a:p>
             <a:fld id="{AF611B92-A341-4C0A-A0AE-4DA00BB3E0EA}" type="datetimeFigureOut">
               <a:rPr lang="es-ES" smtClean="0"/>
-              <a:t>06/12/2019</a:t>
+              <a:t>09/12/2019</a:t>
             </a:fld>
             <a:endParaRPr lang="es-ES"/>
           </a:p>
@@ -675,7 +685,7 @@
           <a:p>
             <a:fld id="{AF611B92-A341-4C0A-A0AE-4DA00BB3E0EA}" type="datetimeFigureOut">
               <a:rPr lang="es-ES" smtClean="0"/>
-              <a:t>06/12/2019</a:t>
+              <a:t>09/12/2019</a:t>
             </a:fld>
             <a:endParaRPr lang="es-ES"/>
           </a:p>
@@ -873,7 +883,7 @@
           <a:p>
             <a:fld id="{AF611B92-A341-4C0A-A0AE-4DA00BB3E0EA}" type="datetimeFigureOut">
               <a:rPr lang="es-ES" smtClean="0"/>
-              <a:t>06/12/2019</a:t>
+              <a:t>09/12/2019</a:t>
             </a:fld>
             <a:endParaRPr lang="es-ES"/>
           </a:p>
@@ -1148,7 +1158,7 @@
           <a:p>
             <a:fld id="{AF611B92-A341-4C0A-A0AE-4DA00BB3E0EA}" type="datetimeFigureOut">
               <a:rPr lang="es-ES" smtClean="0"/>
-              <a:t>06/12/2019</a:t>
+              <a:t>09/12/2019</a:t>
             </a:fld>
             <a:endParaRPr lang="es-ES"/>
           </a:p>
@@ -1413,7 +1423,7 @@
           <a:p>
             <a:fld id="{AF611B92-A341-4C0A-A0AE-4DA00BB3E0EA}" type="datetimeFigureOut">
               <a:rPr lang="es-ES" smtClean="0"/>
-              <a:t>06/12/2019</a:t>
+              <a:t>09/12/2019</a:t>
             </a:fld>
             <a:endParaRPr lang="es-ES"/>
           </a:p>
@@ -1825,7 +1835,7 @@
           <a:p>
             <a:fld id="{AF611B92-A341-4C0A-A0AE-4DA00BB3E0EA}" type="datetimeFigureOut">
               <a:rPr lang="es-ES" smtClean="0"/>
-              <a:t>06/12/2019</a:t>
+              <a:t>09/12/2019</a:t>
             </a:fld>
             <a:endParaRPr lang="es-ES"/>
           </a:p>
@@ -1966,7 +1976,7 @@
           <a:p>
             <a:fld id="{AF611B92-A341-4C0A-A0AE-4DA00BB3E0EA}" type="datetimeFigureOut">
               <a:rPr lang="es-ES" smtClean="0"/>
-              <a:t>06/12/2019</a:t>
+              <a:t>09/12/2019</a:t>
             </a:fld>
             <a:endParaRPr lang="es-ES"/>
           </a:p>
@@ -2079,7 +2089,7 @@
           <a:p>
             <a:fld id="{AF611B92-A341-4C0A-A0AE-4DA00BB3E0EA}" type="datetimeFigureOut">
               <a:rPr lang="es-ES" smtClean="0"/>
-              <a:t>06/12/2019</a:t>
+              <a:t>09/12/2019</a:t>
             </a:fld>
             <a:endParaRPr lang="es-ES"/>
           </a:p>
@@ -2390,7 +2400,7 @@
           <a:p>
             <a:fld id="{AF611B92-A341-4C0A-A0AE-4DA00BB3E0EA}" type="datetimeFigureOut">
               <a:rPr lang="es-ES" smtClean="0"/>
-              <a:t>06/12/2019</a:t>
+              <a:t>09/12/2019</a:t>
             </a:fld>
             <a:endParaRPr lang="es-ES"/>
           </a:p>
@@ -2678,7 +2688,7 @@
           <a:p>
             <a:fld id="{AF611B92-A341-4C0A-A0AE-4DA00BB3E0EA}" type="datetimeFigureOut">
               <a:rPr lang="es-ES" smtClean="0"/>
-              <a:t>06/12/2019</a:t>
+              <a:t>09/12/2019</a:t>
             </a:fld>
             <a:endParaRPr lang="es-ES"/>
           </a:p>
@@ -2949,7 +2959,7 @@
           <a:p>
             <a:fld id="{AF611B92-A341-4C0A-A0AE-4DA00BB3E0EA}" type="datetimeFigureOut">
               <a:rPr lang="es-ES" smtClean="0"/>
-              <a:t>06/12/2019</a:t>
+              <a:t>09/12/2019</a:t>
             </a:fld>
             <a:endParaRPr lang="es-ES"/>
           </a:p>
@@ -3389,7 +3399,7 @@
           <a:p>
             <a:r>
               <a:rPr lang="es-ES" dirty="0"/>
-              <a:t>PORTADA</a:t>
+              <a:t>METRO JAPÓN</a:t>
             </a:r>
           </a:p>
         </p:txBody>
@@ -3475,59 +3485,7 @@
           <a:p>
             <a:r>
               <a:rPr lang="es-ES" dirty="0"/>
-              <a:t>Interfaz Gráfica</a:t>
-            </a:r>
-          </a:p>
-        </p:txBody>
-      </p:sp>
-      <p:sp>
-        <p:nvSpPr>
-          <p:cNvPr id="3" name="Subtítulo 2">
-            <a:extLst>
-              <a:ext uri="{FF2B5EF4-FFF2-40B4-BE49-F238E27FC236}">
-                <a16:creationId xmlns:a16="http://schemas.microsoft.com/office/drawing/2014/main" id="{81FD5FF1-7E81-4549-9028-58717E06768E}"/>
-              </a:ext>
-            </a:extLst>
-          </p:cNvPr>
-          <p:cNvSpPr>
-            <a:spLocks noGrp="1"/>
-          </p:cNvSpPr>
-          <p:nvPr>
-            <p:ph type="subTitle" idx="1"/>
-          </p:nvPr>
-        </p:nvSpPr>
-        <p:spPr/>
-        <p:txBody>
-          <a:bodyPr/>
-          <a:lstStyle/>
-          <a:p>
-            <a:r>
-              <a:rPr lang="es-ES" dirty="0"/>
-              <a:t>Librería </a:t>
-            </a:r>
-            <a:r>
-              <a:rPr lang="es-ES" dirty="0" err="1"/>
-              <a:t>tkinter</a:t>
-            </a:r>
-            <a:r>
-              <a:rPr lang="es-ES" dirty="0"/>
-              <a:t>, </a:t>
-            </a:r>
-            <a:r>
-              <a:rPr lang="es-ES" dirty="0" err="1"/>
-              <a:t>arbol</a:t>
-            </a:r>
-            <a:r>
-              <a:rPr lang="es-ES" dirty="0"/>
-              <a:t>, dibujo con </a:t>
-            </a:r>
-            <a:r>
-              <a:rPr lang="es-ES" dirty="0" err="1"/>
-              <a:t>matplotlib</a:t>
-            </a:r>
-            <a:r>
-              <a:rPr lang="es-ES" dirty="0"/>
-              <a:t>… </a:t>
+              <a:t>Implementación</a:t>
             </a:r>
           </a:p>
         </p:txBody>
@@ -3535,7 +3493,7 @@
     </p:spTree>
     <p:extLst>
       <p:ext uri="{BB962C8B-B14F-4D97-AF65-F5344CB8AC3E}">
-        <p14:creationId xmlns:p14="http://schemas.microsoft.com/office/powerpoint/2010/main" val="1108919788"/>
+        <p14:creationId xmlns:p14="http://schemas.microsoft.com/office/powerpoint/2010/main" val="3711595698"/>
       </p:ext>
     </p:extLst>
   </p:cSld>
@@ -3567,7 +3525,7 @@
           <p:cNvPr id="2" name="Título 1">
             <a:extLst>
               <a:ext uri="{FF2B5EF4-FFF2-40B4-BE49-F238E27FC236}">
-                <a16:creationId xmlns:a16="http://schemas.microsoft.com/office/drawing/2014/main" id="{07A68E18-28BF-4A84-813E-0DDD63F3BA9D}"/>
+                <a16:creationId xmlns:a16="http://schemas.microsoft.com/office/drawing/2014/main" id="{879EA411-9441-41FE-9C33-420360826744}"/>
               </a:ext>
             </a:extLst>
           </p:cNvPr>
@@ -3575,27 +3533,32 @@
             <a:spLocks noGrp="1"/>
           </p:cNvSpPr>
           <p:nvPr>
-            <p:ph type="ctrTitle"/>
+            <p:ph type="title"/>
           </p:nvPr>
         </p:nvSpPr>
-        <p:spPr/>
+        <p:spPr>
+          <a:xfrm>
+            <a:off x="838200" y="365125"/>
+            <a:ext cx="10515600" cy="1325563"/>
+          </a:xfrm>
+        </p:spPr>
         <p:txBody>
           <a:bodyPr/>
           <a:lstStyle/>
           <a:p>
             <a:r>
-              <a:rPr lang="es-ES" dirty="0"/>
-              <a:t>Demostración del funcionamiento</a:t>
-            </a:r>
-          </a:p>
-        </p:txBody>
-      </p:sp>
-      <p:sp>
-        <p:nvSpPr>
-          <p:cNvPr id="3" name="Subtítulo 2">
-            <a:extLst>
-              <a:ext uri="{FF2B5EF4-FFF2-40B4-BE49-F238E27FC236}">
-                <a16:creationId xmlns:a16="http://schemas.microsoft.com/office/drawing/2014/main" id="{81FD5FF1-7E81-4549-9028-58717E06768E}"/>
+              <a:rPr lang="es-ES" u="sng" dirty="0"/>
+              <a:t>¿Por qué hemos elegido Python?</a:t>
+            </a:r>
+          </a:p>
+        </p:txBody>
+      </p:sp>
+      <p:sp>
+        <p:nvSpPr>
+          <p:cNvPr id="3" name="Marcador de contenido 2">
+            <a:extLst>
+              <a:ext uri="{FF2B5EF4-FFF2-40B4-BE49-F238E27FC236}">
+                <a16:creationId xmlns:a16="http://schemas.microsoft.com/office/drawing/2014/main" id="{B3277F3D-AF14-41F4-AC1E-4266F541E4D9}"/>
               </a:ext>
             </a:extLst>
           </p:cNvPr>
@@ -3603,65 +3566,131 @@
             <a:spLocks noGrp="1"/>
           </p:cNvSpPr>
           <p:nvPr>
-            <p:ph type="subTitle" idx="1"/>
+            <p:ph idx="1"/>
           </p:nvPr>
         </p:nvSpPr>
-        <p:spPr/>
-        <p:txBody>
-          <a:bodyPr/>
+        <p:spPr>
+          <a:xfrm>
+            <a:off x="5759131" y="1995268"/>
+            <a:ext cx="5594669" cy="4170437"/>
+          </a:xfrm>
+        </p:spPr>
+        <p:txBody>
+          <a:bodyPr>
+            <a:normAutofit fontScale="92500" lnSpcReduction="10000"/>
+          </a:bodyPr>
           <a:lstStyle/>
           <a:p>
             <a:r>
               <a:rPr lang="es-ES" dirty="0"/>
-              <a:t>Coger ejemplos buenos: </a:t>
-            </a:r>
+              <a:t>Versátil</a:t>
+            </a:r>
+          </a:p>
+          <a:p>
+            <a:r>
+              <a:rPr lang="es-ES" dirty="0"/>
+              <a:t>Muchas librerías útiles</a:t>
+            </a:r>
+          </a:p>
+          <a:p>
+            <a:pPr lvl="1"/>
             <a:r>
               <a:rPr lang="es-ES" dirty="0" err="1"/>
-              <a:t>Ueno</a:t>
-            </a:r>
+              <a:t>Tkinter</a:t>
+            </a:r>
+            <a:endParaRPr lang="es-ES" dirty="0"/>
+          </a:p>
+          <a:p>
+            <a:pPr lvl="1"/>
+            <a:r>
+              <a:rPr lang="es-ES" dirty="0" err="1"/>
+              <a:t>Matblotlib</a:t>
+            </a:r>
+            <a:endParaRPr lang="es-ES" dirty="0"/>
+          </a:p>
+          <a:p>
+            <a:pPr lvl="1"/>
+            <a:r>
+              <a:rPr lang="es-ES" dirty="0" err="1"/>
+              <a:t>Networkx</a:t>
+            </a:r>
+            <a:endParaRPr lang="es-ES" dirty="0"/>
+          </a:p>
+          <a:p>
+            <a:pPr lvl="1"/>
             <a:r>
               <a:rPr lang="es-ES" dirty="0"/>
-              <a:t> – </a:t>
+              <a:t>CSV</a:t>
+            </a:r>
+          </a:p>
+          <a:p>
+            <a:r>
+              <a:rPr lang="es-ES" dirty="0"/>
+              <a:t>Facilidad para testear/</a:t>
             </a:r>
             <a:r>
               <a:rPr lang="es-ES" dirty="0" err="1"/>
-              <a:t>Shibuya</a:t>
-            </a:r>
+              <a:t>debugear</a:t>
+            </a:r>
+            <a:endParaRPr lang="es-ES" dirty="0"/>
+          </a:p>
+          <a:p>
             <a:r>
               <a:rPr lang="es-ES" dirty="0"/>
-              <a:t>, </a:t>
-            </a:r>
-            <a:r>
-              <a:rPr lang="es-ES" dirty="0" err="1"/>
-              <a:t>Ueno</a:t>
-            </a:r>
+              <a:t>Facilidad para la interfaz gráfica</a:t>
+            </a:r>
+          </a:p>
+          <a:p>
             <a:r>
               <a:rPr lang="es-ES" dirty="0"/>
-              <a:t> – </a:t>
-            </a:r>
-            <a:r>
-              <a:rPr lang="es-ES" dirty="0" err="1"/>
-              <a:t>Meguro</a:t>
-            </a:r>
-            <a:r>
-              <a:rPr lang="es-ES" dirty="0"/>
-              <a:t>, </a:t>
-            </a:r>
-            <a:r>
-              <a:rPr lang="es-ES" dirty="0" err="1"/>
-              <a:t>etc</a:t>
-            </a:r>
-            <a:endParaRPr lang="es-ES" dirty="0"/>
-          </a:p>
-          <a:p>
-            <a:endParaRPr lang="es-ES" dirty="0"/>
-          </a:p>
-        </p:txBody>
-      </p:sp>
+              <a:t>Aprender a hacer un proyecto en Python</a:t>
+            </a:r>
+          </a:p>
+          <a:p>
+            <a:endParaRPr lang="es-ES" b="1" dirty="0"/>
+          </a:p>
+        </p:txBody>
+      </p:sp>
+      <p:pic>
+        <p:nvPicPr>
+          <p:cNvPr id="7" name="Imagen 6">
+            <a:extLst>
+              <a:ext uri="{FF2B5EF4-FFF2-40B4-BE49-F238E27FC236}">
+                <a16:creationId xmlns:a16="http://schemas.microsoft.com/office/drawing/2014/main" id="{8CF99A5B-F984-4AB7-BE36-2F7C88964773}"/>
+              </a:ext>
+            </a:extLst>
+          </p:cNvPr>
+          <p:cNvPicPr>
+            <a:picLocks noChangeAspect="1"/>
+          </p:cNvPicPr>
+          <p:nvPr/>
+        </p:nvPicPr>
+        <p:blipFill>
+          <a:blip r:embed="rId2">
+            <a:extLst>
+              <a:ext uri="{28A0092B-C50C-407E-A947-70E740481C1C}">
+                <a14:useLocalDpi xmlns:a14="http://schemas.microsoft.com/office/drawing/2010/main" val="0"/>
+              </a:ext>
+            </a:extLst>
+          </a:blip>
+          <a:stretch>
+            <a:fillRect/>
+          </a:stretch>
+        </p:blipFill>
+        <p:spPr>
+          <a:xfrm>
+            <a:off x="838200" y="1690688"/>
+            <a:ext cx="4475017" cy="4475017"/>
+          </a:xfrm>
+          <a:prstGeom prst="rect">
+            <a:avLst/>
+          </a:prstGeom>
+        </p:spPr>
+      </p:pic>
     </p:spTree>
     <p:extLst>
       <p:ext uri="{BB962C8B-B14F-4D97-AF65-F5344CB8AC3E}">
-        <p14:creationId xmlns:p14="http://schemas.microsoft.com/office/powerpoint/2010/main" val="2346306414"/>
+        <p14:creationId xmlns:p14="http://schemas.microsoft.com/office/powerpoint/2010/main" val="3813011562"/>
       </p:ext>
     </p:extLst>
   </p:cSld>
@@ -3671,7 +3700,7 @@
 </p:sld>
 </file>
 
-<file path=ppt/slides/slide2.xml><?xml version="1.0" encoding="utf-8"?>
+<file path=ppt/slides/slide12.xml><?xml version="1.0" encoding="utf-8"?>
 <p:sld xmlns:a="http://schemas.openxmlformats.org/drawingml/2006/main" xmlns:r="http://schemas.openxmlformats.org/officeDocument/2006/relationships" xmlns:p="http://schemas.openxmlformats.org/presentationml/2006/main">
   <p:cSld>
     <p:spTree>
@@ -3711,43 +3740,7 @@
           <a:p>
             <a:r>
               <a:rPr lang="es-ES" dirty="0"/>
-              <a:t>Modelización</a:t>
-            </a:r>
-          </a:p>
-        </p:txBody>
-      </p:sp>
-      <p:sp>
-        <p:nvSpPr>
-          <p:cNvPr id="3" name="Subtítulo 2">
-            <a:extLst>
-              <a:ext uri="{FF2B5EF4-FFF2-40B4-BE49-F238E27FC236}">
-                <a16:creationId xmlns:a16="http://schemas.microsoft.com/office/drawing/2014/main" id="{81FD5FF1-7E81-4549-9028-58717E06768E}"/>
-              </a:ext>
-            </a:extLst>
-          </p:cNvPr>
-          <p:cNvSpPr>
-            <a:spLocks noGrp="1"/>
-          </p:cNvSpPr>
-          <p:nvPr>
-            <p:ph type="subTitle" idx="1"/>
-          </p:nvPr>
-        </p:nvSpPr>
-        <p:spPr/>
-        <p:txBody>
-          <a:bodyPr/>
-          <a:lstStyle/>
-          <a:p>
-            <a:r>
-              <a:rPr lang="es-ES" dirty="0"/>
-              <a:t>Búsqueda de datos, como hemos calculado y como funciona la heurística, como hemos implementado el grafo (librería </a:t>
-            </a:r>
-            <a:r>
-              <a:rPr lang="es-ES" dirty="0" err="1"/>
-              <a:t>netwrokX</a:t>
-            </a:r>
-            <a:r>
-              <a:rPr lang="es-ES" dirty="0"/>
-              <a:t>)…</a:t>
+              <a:t>Algoritmo</a:t>
             </a:r>
           </a:p>
         </p:txBody>
@@ -3755,7 +3748,7 @@
     </p:spTree>
     <p:extLst>
       <p:ext uri="{BB962C8B-B14F-4D97-AF65-F5344CB8AC3E}">
-        <p14:creationId xmlns:p14="http://schemas.microsoft.com/office/powerpoint/2010/main" val="1580853944"/>
+        <p14:creationId xmlns:p14="http://schemas.microsoft.com/office/powerpoint/2010/main" val="580652897"/>
       </p:ext>
     </p:extLst>
   </p:cSld>
@@ -3765,7 +3758,7 @@
 </p:sld>
 </file>
 
-<file path=ppt/slides/slide3.xml><?xml version="1.0" encoding="utf-8"?>
+<file path=ppt/slides/slide13.xml><?xml version="1.0" encoding="utf-8"?>
 <p:sld xmlns:a="http://schemas.openxmlformats.org/drawingml/2006/main" xmlns:r="http://schemas.openxmlformats.org/officeDocument/2006/relationships" xmlns:p="http://schemas.openxmlformats.org/presentationml/2006/main">
   <p:cSld>
     <p:spTree>
@@ -3798,210 +3791,6 @@
             <p:ph type="title"/>
           </p:nvPr>
         </p:nvSpPr>
-        <p:spPr/>
-        <p:txBody>
-          <a:bodyPr/>
-          <a:lstStyle/>
-          <a:p>
-            <a:r>
-              <a:rPr lang="es-ES" dirty="0"/>
-              <a:t>¿Por qué hemos elegido Python?</a:t>
-            </a:r>
-          </a:p>
-        </p:txBody>
-      </p:sp>
-      <p:sp>
-        <p:nvSpPr>
-          <p:cNvPr id="3" name="Marcador de contenido 2">
-            <a:extLst>
-              <a:ext uri="{FF2B5EF4-FFF2-40B4-BE49-F238E27FC236}">
-                <a16:creationId xmlns:a16="http://schemas.microsoft.com/office/drawing/2014/main" id="{B3277F3D-AF14-41F4-AC1E-4266F541E4D9}"/>
-              </a:ext>
-            </a:extLst>
-          </p:cNvPr>
-          <p:cNvSpPr>
-            <a:spLocks noGrp="1"/>
-          </p:cNvSpPr>
-          <p:nvPr>
-            <p:ph idx="1"/>
-          </p:nvPr>
-        </p:nvSpPr>
-        <p:spPr/>
-        <p:txBody>
-          <a:bodyPr/>
-          <a:lstStyle/>
-          <a:p>
-            <a:endParaRPr lang="es-ES" b="1" dirty="0"/>
-          </a:p>
-          <a:p>
-            <a:r>
-              <a:rPr lang="es-ES" b="1" dirty="0"/>
-              <a:t>Versátil</a:t>
-            </a:r>
-          </a:p>
-          <a:p>
-            <a:r>
-              <a:rPr lang="es-ES" b="1" dirty="0"/>
-              <a:t>Muchas librerías útiles</a:t>
-            </a:r>
-          </a:p>
-          <a:p>
-            <a:r>
-              <a:rPr lang="es-ES" b="1" dirty="0"/>
-              <a:t>Facilidad para testear/</a:t>
-            </a:r>
-            <a:r>
-              <a:rPr lang="es-ES" b="1" dirty="0" err="1"/>
-              <a:t>debugear</a:t>
-            </a:r>
-            <a:endParaRPr lang="es-ES" b="1" dirty="0"/>
-          </a:p>
-          <a:p>
-            <a:r>
-              <a:rPr lang="es-ES" b="1" dirty="0"/>
-              <a:t>Facilidad para la interfaz gráfica?</a:t>
-            </a:r>
-          </a:p>
-          <a:p>
-            <a:r>
-              <a:rPr lang="es-ES" b="1" dirty="0"/>
-              <a:t>Aprender</a:t>
-            </a:r>
-          </a:p>
-          <a:p>
-            <a:endParaRPr lang="es-ES" b="1" dirty="0"/>
-          </a:p>
-        </p:txBody>
-      </p:sp>
-    </p:spTree>
-    <p:extLst>
-      <p:ext uri="{BB962C8B-B14F-4D97-AF65-F5344CB8AC3E}">
-        <p14:creationId xmlns:p14="http://schemas.microsoft.com/office/powerpoint/2010/main" val="3813011562"/>
-      </p:ext>
-    </p:extLst>
-  </p:cSld>
-  <p:clrMapOvr>
-    <a:masterClrMapping/>
-  </p:clrMapOvr>
-</p:sld>
-</file>
-
-<file path=ppt/slides/slide4.xml><?xml version="1.0" encoding="utf-8"?>
-<p:sld xmlns:a="http://schemas.openxmlformats.org/drawingml/2006/main" xmlns:r="http://schemas.openxmlformats.org/officeDocument/2006/relationships" xmlns:p="http://schemas.openxmlformats.org/presentationml/2006/main">
-  <p:cSld>
-    <p:spTree>
-      <p:nvGrpSpPr>
-        <p:cNvPr id="1" name=""/>
-        <p:cNvGrpSpPr/>
-        <p:nvPr/>
-      </p:nvGrpSpPr>
-      <p:grpSpPr>
-        <a:xfrm>
-          <a:off x="0" y="0"/>
-          <a:ext cx="0" cy="0"/>
-          <a:chOff x="0" y="0"/>
-          <a:chExt cx="0" cy="0"/>
-        </a:xfrm>
-      </p:grpSpPr>
-      <p:sp>
-        <p:nvSpPr>
-          <p:cNvPr id="2" name="Título 1">
-            <a:extLst>
-              <a:ext uri="{FF2B5EF4-FFF2-40B4-BE49-F238E27FC236}">
-                <a16:creationId xmlns:a16="http://schemas.microsoft.com/office/drawing/2014/main" id="{07A68E18-28BF-4A84-813E-0DDD63F3BA9D}"/>
-              </a:ext>
-            </a:extLst>
-          </p:cNvPr>
-          <p:cNvSpPr>
-            <a:spLocks noGrp="1"/>
-          </p:cNvSpPr>
-          <p:nvPr>
-            <p:ph type="ctrTitle"/>
-          </p:nvPr>
-        </p:nvSpPr>
-        <p:spPr/>
-        <p:txBody>
-          <a:bodyPr/>
-          <a:lstStyle/>
-          <a:p>
-            <a:r>
-              <a:rPr lang="es-ES" dirty="0"/>
-              <a:t>Algoritmo</a:t>
-            </a:r>
-          </a:p>
-        </p:txBody>
-      </p:sp>
-      <p:sp>
-        <p:nvSpPr>
-          <p:cNvPr id="3" name="Subtítulo 2">
-            <a:extLst>
-              <a:ext uri="{FF2B5EF4-FFF2-40B4-BE49-F238E27FC236}">
-                <a16:creationId xmlns:a16="http://schemas.microsoft.com/office/drawing/2014/main" id="{81FD5FF1-7E81-4549-9028-58717E06768E}"/>
-              </a:ext>
-            </a:extLst>
-          </p:cNvPr>
-          <p:cNvSpPr>
-            <a:spLocks noGrp="1"/>
-          </p:cNvSpPr>
-          <p:nvPr>
-            <p:ph type="subTitle" idx="1"/>
-          </p:nvPr>
-        </p:nvSpPr>
-        <p:spPr/>
-        <p:txBody>
-          <a:bodyPr/>
-          <a:lstStyle/>
-          <a:p>
-            <a:endParaRPr lang="es-ES" dirty="0"/>
-          </a:p>
-        </p:txBody>
-      </p:sp>
-    </p:spTree>
-    <p:extLst>
-      <p:ext uri="{BB962C8B-B14F-4D97-AF65-F5344CB8AC3E}">
-        <p14:creationId xmlns:p14="http://schemas.microsoft.com/office/powerpoint/2010/main" val="580652897"/>
-      </p:ext>
-    </p:extLst>
-  </p:cSld>
-  <p:clrMapOvr>
-    <a:masterClrMapping/>
-  </p:clrMapOvr>
-</p:sld>
-</file>
-
-<file path=ppt/slides/slide5.xml><?xml version="1.0" encoding="utf-8"?>
-<p:sld xmlns:a="http://schemas.openxmlformats.org/drawingml/2006/main" xmlns:r="http://schemas.openxmlformats.org/officeDocument/2006/relationships" xmlns:p="http://schemas.openxmlformats.org/presentationml/2006/main">
-  <p:cSld>
-    <p:spTree>
-      <p:nvGrpSpPr>
-        <p:cNvPr id="1" name=""/>
-        <p:cNvGrpSpPr/>
-        <p:nvPr/>
-      </p:nvGrpSpPr>
-      <p:grpSpPr>
-        <a:xfrm>
-          <a:off x="0" y="0"/>
-          <a:ext cx="0" cy="0"/>
-          <a:chOff x="0" y="0"/>
-          <a:chExt cx="0" cy="0"/>
-        </a:xfrm>
-      </p:grpSpPr>
-      <p:sp>
-        <p:nvSpPr>
-          <p:cNvPr id="2" name="Título 1">
-            <a:extLst>
-              <a:ext uri="{FF2B5EF4-FFF2-40B4-BE49-F238E27FC236}">
-                <a16:creationId xmlns:a16="http://schemas.microsoft.com/office/drawing/2014/main" id="{879EA411-9441-41FE-9C33-420360826744}"/>
-              </a:ext>
-            </a:extLst>
-          </p:cNvPr>
-          <p:cNvSpPr>
-            <a:spLocks noGrp="1"/>
-          </p:cNvSpPr>
-          <p:nvPr>
-            <p:ph type="title"/>
-          </p:nvPr>
-        </p:nvSpPr>
         <p:spPr>
           <a:xfrm>
             <a:off x="838200" y="365125"/>
@@ -4013,7 +3802,7 @@
           <a:lstStyle/>
           <a:p>
             <a:r>
-              <a:rPr lang="es-ES" dirty="0"/>
+              <a:rPr lang="es-ES" u="sng" dirty="0"/>
               <a:t>Algoritmo A*</a:t>
             </a:r>
           </a:p>
@@ -4033,7 +3822,7 @@
         </p:nvSpPr>
         <p:spPr>
           <a:xfrm>
-            <a:off x="4205290" y="2321833"/>
+            <a:off x="4054288" y="2615884"/>
             <a:ext cx="3514728" cy="1981200"/>
           </a:xfrm>
           <a:prstGeom prst="roundRect">
@@ -4092,7 +3881,7 @@
         </p:nvSpPr>
         <p:spPr>
           <a:xfrm>
-            <a:off x="1809751" y="3285445"/>
+            <a:off x="1724086" y="3165857"/>
             <a:ext cx="1876427" cy="1017588"/>
           </a:xfrm>
           <a:prstGeom prst="stripedRightArrow">
@@ -4150,8 +3939,8 @@
           <p:nvPr/>
         </p:nvSpPr>
         <p:spPr>
-          <a:xfrm>
-            <a:off x="1809751" y="2188483"/>
+          <a:xfrm rot="1100164">
+            <a:off x="2010832" y="1960420"/>
             <a:ext cx="1876427" cy="1001365"/>
           </a:xfrm>
           <a:prstGeom prst="stripedRightArrow">
@@ -4210,7 +3999,7 @@
         </p:nvSpPr>
         <p:spPr>
           <a:xfrm>
-            <a:off x="8043866" y="2105594"/>
+            <a:off x="7892864" y="2399645"/>
             <a:ext cx="2205037" cy="1232693"/>
           </a:xfrm>
           <a:prstGeom prst="stripedRightArrow">
@@ -4269,7 +4058,7 @@
         </p:nvSpPr>
         <p:spPr>
           <a:xfrm>
-            <a:off x="8043867" y="3421175"/>
+            <a:off x="7892865" y="3715226"/>
             <a:ext cx="2205036" cy="1221811"/>
           </a:xfrm>
           <a:prstGeom prst="stripedRightArrow">
@@ -4328,7 +4117,7 @@
         </p:nvSpPr>
         <p:spPr>
           <a:xfrm rot="16200000">
-            <a:off x="6067134" y="4712491"/>
+            <a:off x="5625393" y="5068381"/>
             <a:ext cx="1352552" cy="785813"/>
           </a:xfrm>
           <a:prstGeom prst="bentArrow">
@@ -4384,7 +4173,7 @@
         </p:nvSpPr>
         <p:spPr>
           <a:xfrm rot="16200000" flipV="1">
-            <a:off x="4876065" y="4733329"/>
+            <a:off x="4434324" y="5089219"/>
             <a:ext cx="1352550" cy="744139"/>
           </a:xfrm>
           <a:prstGeom prst="bentArrow">
@@ -4440,7 +4229,42 @@
         </p:nvSpPr>
         <p:spPr>
           <a:xfrm>
-            <a:off x="4042255" y="5517023"/>
+            <a:off x="3238151" y="5864524"/>
+            <a:ext cx="1640701" cy="369332"/>
+          </a:xfrm>
+          <a:prstGeom prst="rect">
+            <a:avLst/>
+          </a:prstGeom>
+          <a:noFill/>
+        </p:spPr>
+        <p:txBody>
+          <a:bodyPr wrap="square" rtlCol="0">
+            <a:spAutoFit/>
+          </a:bodyPr>
+          <a:lstStyle/>
+          <a:p>
+            <a:r>
+              <a:rPr lang="es-ES" dirty="0"/>
+              <a:t>CSV Heurística</a:t>
+            </a:r>
+          </a:p>
+        </p:txBody>
+      </p:sp>
+      <p:sp>
+        <p:nvSpPr>
+          <p:cNvPr id="18" name="CuadroTexto 17">
+            <a:extLst>
+              <a:ext uri="{FF2B5EF4-FFF2-40B4-BE49-F238E27FC236}">
+                <a16:creationId xmlns:a16="http://schemas.microsoft.com/office/drawing/2014/main" id="{2536DAB8-2813-47EA-B818-054CBAE3B7F0}"/>
+              </a:ext>
+            </a:extLst>
+          </p:cNvPr>
+          <p:cNvSpPr txBox="1"/>
+          <p:nvPr/>
+        </p:nvSpPr>
+        <p:spPr>
+          <a:xfrm>
+            <a:off x="6557955" y="5880735"/>
             <a:ext cx="1143000" cy="369332"/>
           </a:xfrm>
           <a:prstGeom prst="rect">
@@ -4454,19 +4278,16 @@
           </a:bodyPr>
           <a:lstStyle/>
           <a:p>
-            <a:r>
-              <a:rPr lang="es-ES" dirty="0"/>
-              <a:t>Heurística</a:t>
-            </a:r>
-          </a:p>
-        </p:txBody>
-      </p:sp>
-      <p:sp>
-        <p:nvSpPr>
-          <p:cNvPr id="18" name="CuadroTexto 17">
-            <a:extLst>
-              <a:ext uri="{FF2B5EF4-FFF2-40B4-BE49-F238E27FC236}">
-                <a16:creationId xmlns:a16="http://schemas.microsoft.com/office/drawing/2014/main" id="{2536DAB8-2813-47EA-B818-054CBAE3B7F0}"/>
+            <a:endParaRPr lang="es-ES" dirty="0"/>
+          </a:p>
+        </p:txBody>
+      </p:sp>
+      <p:sp>
+        <p:nvSpPr>
+          <p:cNvPr id="19" name="CuadroTexto 18">
+            <a:extLst>
+              <a:ext uri="{FF2B5EF4-FFF2-40B4-BE49-F238E27FC236}">
+                <a16:creationId xmlns:a16="http://schemas.microsoft.com/office/drawing/2014/main" id="{26CB9696-652C-40B9-B734-A4209E1F5D96}"/>
               </a:ext>
             </a:extLst>
           </p:cNvPr>
@@ -4475,39 +4296,7 @@
         </p:nvSpPr>
         <p:spPr>
           <a:xfrm>
-            <a:off x="6999696" y="5524845"/>
-            <a:ext cx="1143000" cy="369332"/>
-          </a:xfrm>
-          <a:prstGeom prst="rect">
-            <a:avLst/>
-          </a:prstGeom>
-          <a:noFill/>
-        </p:spPr>
-        <p:txBody>
-          <a:bodyPr wrap="square" rtlCol="0">
-            <a:spAutoFit/>
-          </a:bodyPr>
-          <a:lstStyle/>
-          <a:p>
-            <a:endParaRPr lang="es-ES" dirty="0"/>
-          </a:p>
-        </p:txBody>
-      </p:sp>
-      <p:sp>
-        <p:nvSpPr>
-          <p:cNvPr id="19" name="CuadroTexto 18">
-            <a:extLst>
-              <a:ext uri="{FF2B5EF4-FFF2-40B4-BE49-F238E27FC236}">
-                <a16:creationId xmlns:a16="http://schemas.microsoft.com/office/drawing/2014/main" id="{26CB9696-652C-40B9-B734-A4209E1F5D96}"/>
-              </a:ext>
-            </a:extLst>
-          </p:cNvPr>
-          <p:cNvSpPr txBox="1"/>
-          <p:nvPr/>
-        </p:nvSpPr>
-        <p:spPr>
-          <a:xfrm>
-            <a:off x="7164725" y="5517023"/>
+            <a:off x="6706206" y="5856135"/>
             <a:ext cx="765956" cy="369332"/>
           </a:xfrm>
           <a:prstGeom prst="rect">
@@ -4542,7 +4331,7 @@
         </p:nvSpPr>
         <p:spPr>
           <a:xfrm rot="20216860">
-            <a:off x="2298798" y="4305707"/>
+            <a:off x="2071764" y="4431978"/>
             <a:ext cx="1876427" cy="779462"/>
           </a:xfrm>
           <a:prstGeom prst="stripedRightArrow">
@@ -4600,7 +4389,7 @@
 </p:sld>
 </file>
 
-<file path=ppt/slides/slide6.xml><?xml version="1.0" encoding="utf-8"?>
+<file path=ppt/slides/slide14.xml><?xml version="1.0" encoding="utf-8"?>
 <p:sld xmlns:a="http://schemas.openxmlformats.org/drawingml/2006/main" xmlns:r="http://schemas.openxmlformats.org/officeDocument/2006/relationships" xmlns:p="http://schemas.openxmlformats.org/presentationml/2006/main">
   <p:cSld>
     <p:spTree>
@@ -4639,7 +4428,7 @@
           <a:lstStyle/>
           <a:p>
             <a:r>
-              <a:rPr lang="es-ES" dirty="0"/>
+              <a:rPr lang="es-ES" u="sng" dirty="0"/>
               <a:t>Algoritmo A*</a:t>
             </a:r>
           </a:p>
@@ -5100,14 +4889,13 @@
           </p:cNvPr>
           <p:cNvCxnSpPr>
             <a:cxnSpLocks/>
-            <a:endCxn id="31" idx="1"/>
           </p:cNvCxnSpPr>
           <p:nvPr/>
         </p:nvCxnSpPr>
         <p:spPr>
           <a:xfrm flipV="1">
-            <a:off x="8088752" y="6145492"/>
-            <a:ext cx="882417" cy="146928"/>
+            <a:off x="8088752" y="6176963"/>
+            <a:ext cx="1045720" cy="115458"/>
           </a:xfrm>
           <a:prstGeom prst="straightConnector1">
             <a:avLst/>
@@ -5184,15 +4972,14 @@
           </p:cNvPr>
           <p:cNvCxnSpPr>
             <a:cxnSpLocks/>
-            <a:stCxn id="31" idx="3"/>
             <a:endCxn id="10" idx="4"/>
           </p:cNvCxnSpPr>
           <p:nvPr/>
         </p:nvCxnSpPr>
         <p:spPr>
           <a:xfrm flipV="1">
-            <a:off x="9504569" y="5714451"/>
-            <a:ext cx="378289" cy="431041"/>
+            <a:off x="9429226" y="5714451"/>
+            <a:ext cx="453632" cy="325622"/>
           </a:xfrm>
           <a:prstGeom prst="straightConnector1">
             <a:avLst/>
@@ -5230,7 +5017,7 @@
         </p:nvSpPr>
         <p:spPr>
           <a:xfrm>
-            <a:off x="8971169" y="5960826"/>
+            <a:off x="9001118" y="5912440"/>
             <a:ext cx="533400" cy="369332"/>
           </a:xfrm>
           <a:prstGeom prst="rect">
@@ -5422,6 +5209,4610 @@
 </p:sld>
 </file>
 
+<file path=ppt/slides/slide15.xml><?xml version="1.0" encoding="utf-8"?>
+<p:sld xmlns:a="http://schemas.openxmlformats.org/drawingml/2006/main" xmlns:r="http://schemas.openxmlformats.org/officeDocument/2006/relationships" xmlns:p="http://schemas.openxmlformats.org/presentationml/2006/main">
+  <p:cSld>
+    <p:spTree>
+      <p:nvGrpSpPr>
+        <p:cNvPr id="1" name=""/>
+        <p:cNvGrpSpPr/>
+        <p:nvPr/>
+      </p:nvGrpSpPr>
+      <p:grpSpPr>
+        <a:xfrm>
+          <a:off x="0" y="0"/>
+          <a:ext cx="0" cy="0"/>
+          <a:chOff x="0" y="0"/>
+          <a:chExt cx="0" cy="0"/>
+        </a:xfrm>
+      </p:grpSpPr>
+      <p:sp>
+        <p:nvSpPr>
+          <p:cNvPr id="2" name="Título 1">
+            <a:extLst>
+              <a:ext uri="{FF2B5EF4-FFF2-40B4-BE49-F238E27FC236}">
+                <a16:creationId xmlns:a16="http://schemas.microsoft.com/office/drawing/2014/main" id="{879EA411-9441-41FE-9C33-420360826744}"/>
+              </a:ext>
+            </a:extLst>
+          </p:cNvPr>
+          <p:cNvSpPr>
+            <a:spLocks noGrp="1"/>
+          </p:cNvSpPr>
+          <p:nvPr>
+            <p:ph type="title"/>
+          </p:nvPr>
+        </p:nvSpPr>
+        <p:spPr/>
+        <p:txBody>
+          <a:bodyPr/>
+          <a:lstStyle/>
+          <a:p>
+            <a:r>
+              <a:rPr lang="es-ES" u="sng" dirty="0"/>
+              <a:t>Algoritmo A*</a:t>
+            </a:r>
+          </a:p>
+        </p:txBody>
+      </p:sp>
+      <p:sp>
+        <p:nvSpPr>
+          <p:cNvPr id="3" name="Marcador de contenido 2">
+            <a:extLst>
+              <a:ext uri="{FF2B5EF4-FFF2-40B4-BE49-F238E27FC236}">
+                <a16:creationId xmlns:a16="http://schemas.microsoft.com/office/drawing/2014/main" id="{B3277F3D-AF14-41F4-AC1E-4266F541E4D9}"/>
+              </a:ext>
+            </a:extLst>
+          </p:cNvPr>
+          <p:cNvSpPr>
+            <a:spLocks noGrp="1"/>
+          </p:cNvSpPr>
+          <p:nvPr>
+            <p:ph idx="1"/>
+          </p:nvPr>
+        </p:nvSpPr>
+        <p:spPr/>
+        <p:txBody>
+          <a:bodyPr/>
+          <a:lstStyle/>
+          <a:p>
+            <a:endParaRPr lang="es-ES" b="1" dirty="0"/>
+          </a:p>
+          <a:p>
+            <a:r>
+              <a:rPr lang="es-ES" b="1" dirty="0"/>
+              <a:t>Grafo G: </a:t>
+            </a:r>
+            <a:r>
+              <a:rPr lang="es-ES" dirty="0"/>
+              <a:t>implementado con la librería </a:t>
+            </a:r>
+            <a:r>
+              <a:rPr lang="es-ES" b="1" dirty="0" err="1"/>
+              <a:t>networkX</a:t>
+            </a:r>
+            <a:endParaRPr lang="es-ES" b="1" dirty="0"/>
+          </a:p>
+          <a:p>
+            <a:endParaRPr lang="es-ES" b="1" dirty="0"/>
+          </a:p>
+          <a:p>
+            <a:r>
+              <a:rPr lang="es-ES" b="1" dirty="0"/>
+              <a:t>Lista Abierta</a:t>
+            </a:r>
+            <a:r>
+              <a:rPr lang="es-ES" dirty="0"/>
+              <a:t>: </a:t>
+            </a:r>
+            <a:r>
+              <a:rPr lang="es-ES" dirty="0" err="1"/>
+              <a:t>priority</a:t>
+            </a:r>
+            <a:r>
+              <a:rPr lang="es-ES" dirty="0"/>
+              <a:t> </a:t>
+            </a:r>
+            <a:r>
+              <a:rPr lang="es-ES" dirty="0" err="1"/>
+              <a:t>queue</a:t>
+            </a:r>
+            <a:r>
+              <a:rPr lang="es-ES" dirty="0"/>
+              <a:t> implementada con la librería </a:t>
+            </a:r>
+            <a:r>
+              <a:rPr lang="es-ES" b="1" dirty="0" err="1"/>
+              <a:t>heapq</a:t>
+            </a:r>
+            <a:r>
+              <a:rPr lang="es-ES" b="1" dirty="0"/>
+              <a:t> </a:t>
+            </a:r>
+          </a:p>
+          <a:p>
+            <a:pPr marL="0" indent="0">
+              <a:buNone/>
+            </a:pPr>
+            <a:r>
+              <a:rPr lang="es-ES" b="1" dirty="0"/>
+              <a:t>	</a:t>
+            </a:r>
+            <a:r>
+              <a:rPr lang="es-ES" dirty="0"/>
+              <a:t>Guarda duplas </a:t>
+            </a:r>
+            <a:r>
+              <a:rPr lang="es-ES" b="1" dirty="0"/>
+              <a:t>&lt; f , estación &gt;</a:t>
+            </a:r>
+          </a:p>
+          <a:p>
+            <a:pPr marL="0" indent="0">
+              <a:buNone/>
+            </a:pPr>
+            <a:r>
+              <a:rPr lang="es-ES" b="1" dirty="0"/>
+              <a:t>	</a:t>
+            </a:r>
+            <a:r>
+              <a:rPr lang="es-ES" dirty="0"/>
+              <a:t>Menor f </a:t>
+            </a:r>
+            <a:r>
+              <a:rPr lang="es-ES" dirty="0">
+                <a:sym typeface="Wingdings" panose="05000000000000000000" pitchFamily="2" charset="2"/>
+              </a:rPr>
+              <a:t></a:t>
+            </a:r>
+            <a:r>
+              <a:rPr lang="es-ES" dirty="0"/>
+              <a:t> Más prioridad</a:t>
+            </a:r>
+          </a:p>
+          <a:p>
+            <a:pPr marL="0" indent="0">
+              <a:buNone/>
+            </a:pPr>
+            <a:endParaRPr lang="es-ES" b="1" dirty="0"/>
+          </a:p>
+          <a:p>
+            <a:r>
+              <a:rPr lang="es-ES" b="1" dirty="0"/>
+              <a:t>Lista Cerrada</a:t>
+            </a:r>
+            <a:r>
+              <a:rPr lang="es-ES" dirty="0"/>
+              <a:t>: lista que almacena los nodos ya visitados</a:t>
+            </a:r>
+            <a:endParaRPr lang="es-ES" b="1" dirty="0"/>
+          </a:p>
+        </p:txBody>
+      </p:sp>
+    </p:spTree>
+    <p:extLst>
+      <p:ext uri="{BB962C8B-B14F-4D97-AF65-F5344CB8AC3E}">
+        <p14:creationId xmlns:p14="http://schemas.microsoft.com/office/powerpoint/2010/main" val="2121459296"/>
+      </p:ext>
+    </p:extLst>
+  </p:cSld>
+  <p:clrMapOvr>
+    <a:masterClrMapping/>
+  </p:clrMapOvr>
+</p:sld>
+</file>
+
+<file path=ppt/slides/slide16.xml><?xml version="1.0" encoding="utf-8"?>
+<p:sld xmlns:a="http://schemas.openxmlformats.org/drawingml/2006/main" xmlns:r="http://schemas.openxmlformats.org/officeDocument/2006/relationships" xmlns:p="http://schemas.openxmlformats.org/presentationml/2006/main">
+  <p:cSld>
+    <p:spTree>
+      <p:nvGrpSpPr>
+        <p:cNvPr id="1" name=""/>
+        <p:cNvGrpSpPr/>
+        <p:nvPr/>
+      </p:nvGrpSpPr>
+      <p:grpSpPr>
+        <a:xfrm>
+          <a:off x="0" y="0"/>
+          <a:ext cx="0" cy="0"/>
+          <a:chOff x="0" y="0"/>
+          <a:chExt cx="0" cy="0"/>
+        </a:xfrm>
+      </p:grpSpPr>
+      <p:sp>
+        <p:nvSpPr>
+          <p:cNvPr id="2" name="Título 1">
+            <a:extLst>
+              <a:ext uri="{FF2B5EF4-FFF2-40B4-BE49-F238E27FC236}">
+                <a16:creationId xmlns:a16="http://schemas.microsoft.com/office/drawing/2014/main" id="{879EA411-9441-41FE-9C33-420360826744}"/>
+              </a:ext>
+            </a:extLst>
+          </p:cNvPr>
+          <p:cNvSpPr>
+            <a:spLocks noGrp="1"/>
+          </p:cNvSpPr>
+          <p:nvPr>
+            <p:ph type="title"/>
+          </p:nvPr>
+        </p:nvSpPr>
+        <p:spPr/>
+        <p:txBody>
+          <a:bodyPr/>
+          <a:lstStyle/>
+          <a:p>
+            <a:r>
+              <a:rPr lang="es-ES" u="sng" dirty="0"/>
+              <a:t>Algoritmo A*</a:t>
+            </a:r>
+          </a:p>
+        </p:txBody>
+      </p:sp>
+      <p:sp>
+        <p:nvSpPr>
+          <p:cNvPr id="3" name="Marcador de contenido 2">
+            <a:extLst>
+              <a:ext uri="{FF2B5EF4-FFF2-40B4-BE49-F238E27FC236}">
+                <a16:creationId xmlns:a16="http://schemas.microsoft.com/office/drawing/2014/main" id="{B3277F3D-AF14-41F4-AC1E-4266F541E4D9}"/>
+              </a:ext>
+            </a:extLst>
+          </p:cNvPr>
+          <p:cNvSpPr>
+            <a:spLocks noGrp="1"/>
+          </p:cNvSpPr>
+          <p:nvPr>
+            <p:ph idx="1"/>
+          </p:nvPr>
+        </p:nvSpPr>
+        <p:spPr/>
+        <p:txBody>
+          <a:bodyPr>
+            <a:normAutofit/>
+          </a:bodyPr>
+          <a:lstStyle/>
+          <a:p>
+            <a:pPr marL="0" indent="0">
+              <a:buNone/>
+            </a:pPr>
+            <a:r>
+              <a:rPr lang="es-ES" dirty="0"/>
+              <a:t>Inicialización</a:t>
+            </a:r>
+          </a:p>
+          <a:p>
+            <a:pPr marL="0" indent="0">
+              <a:buNone/>
+            </a:pPr>
+            <a:endParaRPr lang="es-ES" dirty="0"/>
+          </a:p>
+          <a:p>
+            <a:pPr marL="0" indent="0">
+              <a:buNone/>
+            </a:pPr>
+            <a:r>
+              <a:rPr lang="es-ES" dirty="0">
+                <a:solidFill>
+                  <a:schemeClr val="accent1"/>
+                </a:solidFill>
+              </a:rPr>
+              <a:t>Mientras</a:t>
+            </a:r>
+            <a:r>
+              <a:rPr lang="es-ES" dirty="0"/>
+              <a:t> (no </a:t>
+            </a:r>
+            <a:r>
+              <a:rPr lang="es-ES" i="1" dirty="0" err="1"/>
+              <a:t>HemosLlegado</a:t>
+            </a:r>
+            <a:r>
+              <a:rPr lang="es-ES" dirty="0"/>
+              <a:t>)</a:t>
+            </a:r>
+          </a:p>
+          <a:p>
+            <a:pPr marL="0" indent="0">
+              <a:buNone/>
+            </a:pPr>
+            <a:r>
+              <a:rPr lang="es-ES" dirty="0"/>
+              <a:t>	</a:t>
+            </a:r>
+            <a:r>
+              <a:rPr lang="es-ES" dirty="0">
+                <a:solidFill>
+                  <a:srgbClr val="00B050"/>
+                </a:solidFill>
+              </a:rPr>
+              <a:t>Sacar</a:t>
+            </a:r>
+            <a:r>
+              <a:rPr lang="es-ES" dirty="0"/>
+              <a:t> el mas prioritario de </a:t>
+            </a:r>
+            <a:r>
+              <a:rPr lang="es-ES" i="1" dirty="0" err="1"/>
+              <a:t>ListaAbierta</a:t>
+            </a:r>
+            <a:r>
+              <a:rPr lang="es-ES" dirty="0"/>
+              <a:t> y </a:t>
+            </a:r>
+            <a:r>
+              <a:rPr lang="es-ES" dirty="0">
+                <a:solidFill>
+                  <a:srgbClr val="00B050"/>
+                </a:solidFill>
+              </a:rPr>
+              <a:t>meterlo </a:t>
+            </a:r>
+            <a:r>
+              <a:rPr lang="es-ES" dirty="0"/>
+              <a:t>en </a:t>
+            </a:r>
+            <a:r>
+              <a:rPr lang="es-ES" i="1" dirty="0" err="1"/>
+              <a:t>ListaCerrada</a:t>
+            </a:r>
+            <a:endParaRPr lang="es-ES" i="1" dirty="0"/>
+          </a:p>
+          <a:p>
+            <a:pPr marL="0" indent="0">
+              <a:buNone/>
+            </a:pPr>
+            <a:r>
+              <a:rPr lang="es-ES" dirty="0"/>
+              <a:t>	</a:t>
+            </a:r>
+            <a:r>
+              <a:rPr lang="es-ES" dirty="0">
+                <a:solidFill>
+                  <a:srgbClr val="FF0000"/>
+                </a:solidFill>
+              </a:rPr>
+              <a:t>Si</a:t>
+            </a:r>
+            <a:r>
+              <a:rPr lang="es-ES" dirty="0"/>
+              <a:t> es el destino </a:t>
+            </a:r>
+            <a:r>
+              <a:rPr lang="es-ES" dirty="0">
+                <a:sym typeface="Wingdings" panose="05000000000000000000" pitchFamily="2" charset="2"/>
+              </a:rPr>
+              <a:t></a:t>
+            </a:r>
+            <a:r>
+              <a:rPr lang="es-ES" dirty="0"/>
+              <a:t> </a:t>
+            </a:r>
+            <a:r>
+              <a:rPr lang="es-ES" i="1" dirty="0" err="1"/>
+              <a:t>HemosLlegado</a:t>
+            </a:r>
+            <a:endParaRPr lang="es-ES" i="1" dirty="0"/>
+          </a:p>
+          <a:p>
+            <a:pPr marL="0" indent="0">
+              <a:buNone/>
+            </a:pPr>
+            <a:r>
+              <a:rPr lang="es-ES" dirty="0"/>
+              <a:t>	</a:t>
+            </a:r>
+            <a:r>
+              <a:rPr lang="es-ES" dirty="0">
+                <a:solidFill>
+                  <a:srgbClr val="FF0000"/>
+                </a:solidFill>
+              </a:rPr>
+              <a:t>Si no</a:t>
+            </a:r>
+            <a:r>
+              <a:rPr lang="es-ES" dirty="0"/>
+              <a:t>, </a:t>
+            </a:r>
+            <a:r>
+              <a:rPr lang="es-ES" dirty="0">
+                <a:solidFill>
+                  <a:schemeClr val="accent1"/>
+                </a:solidFill>
+              </a:rPr>
+              <a:t>para cada </a:t>
+            </a:r>
+            <a:r>
+              <a:rPr lang="es-ES" i="1" dirty="0"/>
+              <a:t>nodo adyacente de G </a:t>
+            </a:r>
+            <a:r>
+              <a:rPr lang="es-ES" dirty="0"/>
+              <a:t>(que no sea antecedente)</a:t>
+            </a:r>
+          </a:p>
+          <a:p>
+            <a:pPr marL="0" indent="0">
+              <a:buNone/>
+            </a:pPr>
+            <a:r>
+              <a:rPr lang="es-ES" dirty="0"/>
+              <a:t>		</a:t>
+            </a:r>
+            <a:r>
+              <a:rPr lang="es-ES" dirty="0">
+                <a:sym typeface="Wingdings" panose="05000000000000000000" pitchFamily="2" charset="2"/>
+              </a:rPr>
+              <a:t> </a:t>
+            </a:r>
+            <a:r>
+              <a:rPr lang="es-ES" dirty="0">
+                <a:solidFill>
+                  <a:srgbClr val="00B050"/>
+                </a:solidFill>
+              </a:rPr>
+              <a:t>Calcular</a:t>
+            </a:r>
+            <a:r>
+              <a:rPr lang="es-ES" dirty="0"/>
+              <a:t> su f y g (y añadir penalización a transbordos)	</a:t>
+            </a:r>
+          </a:p>
+          <a:p>
+            <a:pPr marL="0" indent="0">
+              <a:buNone/>
+            </a:pPr>
+            <a:r>
+              <a:rPr lang="es-ES" dirty="0"/>
+              <a:t>		</a:t>
+            </a:r>
+          </a:p>
+        </p:txBody>
+      </p:sp>
+    </p:spTree>
+    <p:extLst>
+      <p:ext uri="{BB962C8B-B14F-4D97-AF65-F5344CB8AC3E}">
+        <p14:creationId xmlns:p14="http://schemas.microsoft.com/office/powerpoint/2010/main" val="283955455"/>
+      </p:ext>
+    </p:extLst>
+  </p:cSld>
+  <p:clrMapOvr>
+    <a:masterClrMapping/>
+  </p:clrMapOvr>
+</p:sld>
+</file>
+
+<file path=ppt/slides/slide17.xml><?xml version="1.0" encoding="utf-8"?>
+<p:sld xmlns:a="http://schemas.openxmlformats.org/drawingml/2006/main" xmlns:r="http://schemas.openxmlformats.org/officeDocument/2006/relationships" xmlns:p="http://schemas.openxmlformats.org/presentationml/2006/main">
+  <p:cSld>
+    <p:spTree>
+      <p:nvGrpSpPr>
+        <p:cNvPr id="1" name=""/>
+        <p:cNvGrpSpPr/>
+        <p:nvPr/>
+      </p:nvGrpSpPr>
+      <p:grpSpPr>
+        <a:xfrm>
+          <a:off x="0" y="0"/>
+          <a:ext cx="0" cy="0"/>
+          <a:chOff x="0" y="0"/>
+          <a:chExt cx="0" cy="0"/>
+        </a:xfrm>
+      </p:grpSpPr>
+      <p:sp>
+        <p:nvSpPr>
+          <p:cNvPr id="2" name="Título 1">
+            <a:extLst>
+              <a:ext uri="{FF2B5EF4-FFF2-40B4-BE49-F238E27FC236}">
+                <a16:creationId xmlns:a16="http://schemas.microsoft.com/office/drawing/2014/main" id="{879EA411-9441-41FE-9C33-420360826744}"/>
+              </a:ext>
+            </a:extLst>
+          </p:cNvPr>
+          <p:cNvSpPr>
+            <a:spLocks noGrp="1"/>
+          </p:cNvSpPr>
+          <p:nvPr>
+            <p:ph type="title"/>
+          </p:nvPr>
+        </p:nvSpPr>
+        <p:spPr/>
+        <p:txBody>
+          <a:bodyPr/>
+          <a:lstStyle/>
+          <a:p>
+            <a:r>
+              <a:rPr lang="es-ES" u="sng" dirty="0"/>
+              <a:t>Algoritmo A*</a:t>
+            </a:r>
+          </a:p>
+        </p:txBody>
+      </p:sp>
+      <p:sp>
+        <p:nvSpPr>
+          <p:cNvPr id="3" name="Marcador de contenido 2">
+            <a:extLst>
+              <a:ext uri="{FF2B5EF4-FFF2-40B4-BE49-F238E27FC236}">
+                <a16:creationId xmlns:a16="http://schemas.microsoft.com/office/drawing/2014/main" id="{B3277F3D-AF14-41F4-AC1E-4266F541E4D9}"/>
+              </a:ext>
+            </a:extLst>
+          </p:cNvPr>
+          <p:cNvSpPr>
+            <a:spLocks noGrp="1"/>
+          </p:cNvSpPr>
+          <p:nvPr>
+            <p:ph idx="1"/>
+          </p:nvPr>
+        </p:nvSpPr>
+        <p:spPr>
+          <a:xfrm>
+            <a:off x="838198" y="1825625"/>
+            <a:ext cx="10981889" cy="4351338"/>
+          </a:xfrm>
+        </p:spPr>
+        <p:txBody>
+          <a:bodyPr>
+            <a:normAutofit fontScale="92500" lnSpcReduction="10000"/>
+          </a:bodyPr>
+          <a:lstStyle/>
+          <a:p>
+            <a:pPr marL="1371600" lvl="3" indent="0">
+              <a:buNone/>
+            </a:pPr>
+            <a:endParaRPr lang="es-ES" sz="2800" dirty="0"/>
+          </a:p>
+          <a:p>
+            <a:pPr marL="1371600" lvl="3" indent="0">
+              <a:buNone/>
+            </a:pPr>
+            <a:r>
+              <a:rPr lang="es-ES" sz="2800" dirty="0">
+                <a:solidFill>
+                  <a:srgbClr val="FF0000"/>
+                </a:solidFill>
+              </a:rPr>
+              <a:t>Si</a:t>
+            </a:r>
+            <a:r>
+              <a:rPr lang="es-ES" sz="2800" dirty="0"/>
+              <a:t> esta en </a:t>
+            </a:r>
+            <a:r>
+              <a:rPr lang="es-ES" sz="2800" i="1" dirty="0" err="1"/>
+              <a:t>ListaAbierta</a:t>
+            </a:r>
+            <a:r>
+              <a:rPr lang="es-ES" sz="2800" dirty="0"/>
+              <a:t>, </a:t>
+            </a:r>
+            <a:r>
+              <a:rPr lang="es-ES" sz="2800" dirty="0">
+                <a:solidFill>
+                  <a:srgbClr val="FF0000"/>
+                </a:solidFill>
+              </a:rPr>
+              <a:t>si</a:t>
+            </a:r>
+            <a:r>
+              <a:rPr lang="es-ES" sz="2800" dirty="0"/>
+              <a:t> el </a:t>
+            </a:r>
+            <a:r>
+              <a:rPr lang="es-ES" sz="2800" i="1" dirty="0"/>
+              <a:t>nuevo f </a:t>
+            </a:r>
+            <a:r>
+              <a:rPr lang="es-ES" sz="2800" dirty="0"/>
+              <a:t>es mejor </a:t>
+            </a:r>
+          </a:p>
+          <a:p>
+            <a:pPr marL="1371600" lvl="3" indent="0">
+              <a:buNone/>
+            </a:pPr>
+            <a:r>
+              <a:rPr lang="es-ES" sz="2800" dirty="0"/>
+              <a:t>	</a:t>
+            </a:r>
+            <a:r>
+              <a:rPr lang="es-ES" sz="2800" dirty="0">
+                <a:sym typeface="Wingdings" panose="05000000000000000000" pitchFamily="2" charset="2"/>
+              </a:rPr>
+              <a:t></a:t>
+            </a:r>
+            <a:r>
+              <a:rPr lang="es-ES" sz="2800" dirty="0"/>
+              <a:t> </a:t>
+            </a:r>
+            <a:r>
+              <a:rPr lang="es-ES" sz="2800" dirty="0">
+                <a:solidFill>
+                  <a:srgbClr val="00B050"/>
+                </a:solidFill>
+              </a:rPr>
+              <a:t>Actualizar</a:t>
+            </a:r>
+            <a:r>
+              <a:rPr lang="es-ES" sz="2800" dirty="0"/>
+              <a:t> </a:t>
+            </a:r>
+            <a:r>
+              <a:rPr lang="es-ES" sz="2800" i="1" dirty="0"/>
+              <a:t>f, g, el puntero direccionador y </a:t>
+            </a:r>
+            <a:r>
+              <a:rPr lang="es-ES" sz="2800" i="1" dirty="0" err="1"/>
+              <a:t>ListaAbierta</a:t>
+            </a:r>
+            <a:endParaRPr lang="es-ES" sz="2800" i="1" dirty="0"/>
+          </a:p>
+          <a:p>
+            <a:pPr marL="1371600" lvl="3" indent="0">
+              <a:buNone/>
+            </a:pPr>
+            <a:endParaRPr lang="es-ES" sz="2800" dirty="0"/>
+          </a:p>
+          <a:p>
+            <a:pPr marL="1371600" lvl="3" indent="0">
+              <a:buNone/>
+            </a:pPr>
+            <a:r>
+              <a:rPr lang="es-ES" sz="2800" dirty="0">
+                <a:solidFill>
+                  <a:srgbClr val="FF0000"/>
+                </a:solidFill>
+              </a:rPr>
+              <a:t>Si no </a:t>
+            </a:r>
+            <a:r>
+              <a:rPr lang="es-ES" sz="2800" dirty="0"/>
+              <a:t>esta </a:t>
+            </a:r>
+          </a:p>
+          <a:p>
+            <a:pPr marL="1371600" lvl="3" indent="0">
+              <a:buNone/>
+            </a:pPr>
+            <a:r>
+              <a:rPr lang="es-ES" sz="2800" dirty="0">
+                <a:sym typeface="Wingdings" panose="05000000000000000000" pitchFamily="2" charset="2"/>
+              </a:rPr>
+              <a:t>	</a:t>
+            </a:r>
+            <a:r>
+              <a:rPr lang="es-ES" sz="2800" dirty="0"/>
+              <a:t> </a:t>
+            </a:r>
+            <a:r>
+              <a:rPr lang="es-ES" sz="2800" dirty="0">
+                <a:solidFill>
+                  <a:srgbClr val="00B050"/>
+                </a:solidFill>
+              </a:rPr>
+              <a:t>Actualizar</a:t>
+            </a:r>
+            <a:r>
+              <a:rPr lang="es-ES" sz="2800" dirty="0"/>
+              <a:t> </a:t>
+            </a:r>
+            <a:r>
+              <a:rPr lang="es-ES" sz="2800" i="1" dirty="0"/>
+              <a:t>f, g, el puntero direccionador </a:t>
+            </a:r>
+            <a:r>
+              <a:rPr lang="es-ES" sz="2800" dirty="0"/>
+              <a:t>y </a:t>
+            </a:r>
+            <a:r>
+              <a:rPr lang="es-ES" sz="2800" dirty="0">
+                <a:solidFill>
+                  <a:srgbClr val="00B050"/>
+                </a:solidFill>
+              </a:rPr>
+              <a:t>añadirlo</a:t>
+            </a:r>
+            <a:r>
+              <a:rPr lang="es-ES" sz="2800" dirty="0"/>
+              <a:t> a </a:t>
+            </a:r>
+            <a:r>
+              <a:rPr lang="es-ES" sz="2800" i="1" dirty="0" err="1"/>
+              <a:t>ListaAbierta</a:t>
+            </a:r>
+            <a:endParaRPr lang="es-ES" sz="2800" i="1" dirty="0"/>
+          </a:p>
+          <a:p>
+            <a:pPr marL="0" indent="0">
+              <a:buNone/>
+            </a:pPr>
+            <a:r>
+              <a:rPr lang="es-ES" dirty="0">
+                <a:solidFill>
+                  <a:schemeClr val="accent1"/>
+                </a:solidFill>
+              </a:rPr>
+              <a:t>Volver </a:t>
+            </a:r>
+          </a:p>
+          <a:p>
+            <a:pPr marL="0" indent="0">
+              <a:buNone/>
+            </a:pPr>
+            <a:endParaRPr lang="es-ES" dirty="0">
+              <a:solidFill>
+                <a:schemeClr val="accent1"/>
+              </a:solidFill>
+            </a:endParaRPr>
+          </a:p>
+          <a:p>
+            <a:pPr marL="0" indent="0">
+              <a:buNone/>
+            </a:pPr>
+            <a:r>
+              <a:rPr lang="es-ES" dirty="0">
+                <a:solidFill>
+                  <a:srgbClr val="00B050"/>
+                </a:solidFill>
+              </a:rPr>
+              <a:t>Calcular Ruta </a:t>
+            </a:r>
+            <a:r>
+              <a:rPr lang="es-ES" dirty="0"/>
+              <a:t>usando los punteros direccionadores	</a:t>
+            </a:r>
+          </a:p>
+          <a:p>
+            <a:pPr marL="0" indent="0">
+              <a:buNone/>
+            </a:pPr>
+            <a:r>
+              <a:rPr lang="es-ES" dirty="0"/>
+              <a:t>		</a:t>
+            </a:r>
+          </a:p>
+        </p:txBody>
+      </p:sp>
+    </p:spTree>
+    <p:extLst>
+      <p:ext uri="{BB962C8B-B14F-4D97-AF65-F5344CB8AC3E}">
+        <p14:creationId xmlns:p14="http://schemas.microsoft.com/office/powerpoint/2010/main" val="1110304304"/>
+      </p:ext>
+    </p:extLst>
+  </p:cSld>
+  <p:clrMapOvr>
+    <a:masterClrMapping/>
+  </p:clrMapOvr>
+</p:sld>
+</file>
+
+<file path=ppt/slides/slide18.xml><?xml version="1.0" encoding="utf-8"?>
+<p:sld xmlns:a="http://schemas.openxmlformats.org/drawingml/2006/main" xmlns:r="http://schemas.openxmlformats.org/officeDocument/2006/relationships" xmlns:p="http://schemas.openxmlformats.org/presentationml/2006/main">
+  <p:cSld>
+    <p:spTree>
+      <p:nvGrpSpPr>
+        <p:cNvPr id="1" name=""/>
+        <p:cNvGrpSpPr/>
+        <p:nvPr/>
+      </p:nvGrpSpPr>
+      <p:grpSpPr>
+        <a:xfrm>
+          <a:off x="0" y="0"/>
+          <a:ext cx="0" cy="0"/>
+          <a:chOff x="0" y="0"/>
+          <a:chExt cx="0" cy="0"/>
+        </a:xfrm>
+      </p:grpSpPr>
+      <p:sp>
+        <p:nvSpPr>
+          <p:cNvPr id="2" name="Título 1">
+            <a:extLst>
+              <a:ext uri="{FF2B5EF4-FFF2-40B4-BE49-F238E27FC236}">
+                <a16:creationId xmlns:a16="http://schemas.microsoft.com/office/drawing/2014/main" id="{07A68E18-28BF-4A84-813E-0DDD63F3BA9D}"/>
+              </a:ext>
+            </a:extLst>
+          </p:cNvPr>
+          <p:cNvSpPr>
+            <a:spLocks noGrp="1"/>
+          </p:cNvSpPr>
+          <p:nvPr>
+            <p:ph type="ctrTitle"/>
+          </p:nvPr>
+        </p:nvSpPr>
+        <p:spPr/>
+        <p:txBody>
+          <a:bodyPr/>
+          <a:lstStyle/>
+          <a:p>
+            <a:r>
+              <a:rPr lang="es-ES" dirty="0"/>
+              <a:t>Interfaz Gráfica</a:t>
+            </a:r>
+          </a:p>
+        </p:txBody>
+      </p:sp>
+    </p:spTree>
+    <p:extLst>
+      <p:ext uri="{BB962C8B-B14F-4D97-AF65-F5344CB8AC3E}">
+        <p14:creationId xmlns:p14="http://schemas.microsoft.com/office/powerpoint/2010/main" val="1108919788"/>
+      </p:ext>
+    </p:extLst>
+  </p:cSld>
+  <p:clrMapOvr>
+    <a:masterClrMapping/>
+  </p:clrMapOvr>
+</p:sld>
+</file>
+
+<file path=ppt/slides/slide19.xml><?xml version="1.0" encoding="utf-8"?>
+<p:sld xmlns:a="http://schemas.openxmlformats.org/drawingml/2006/main" xmlns:r="http://schemas.openxmlformats.org/officeDocument/2006/relationships" xmlns:p="http://schemas.openxmlformats.org/presentationml/2006/main">
+  <p:cSld>
+    <p:spTree>
+      <p:nvGrpSpPr>
+        <p:cNvPr id="1" name=""/>
+        <p:cNvGrpSpPr/>
+        <p:nvPr/>
+      </p:nvGrpSpPr>
+      <p:grpSpPr>
+        <a:xfrm>
+          <a:off x="0" y="0"/>
+          <a:ext cx="0" cy="0"/>
+          <a:chOff x="0" y="0"/>
+          <a:chExt cx="0" cy="0"/>
+        </a:xfrm>
+      </p:grpSpPr>
+      <p:pic>
+        <p:nvPicPr>
+          <p:cNvPr id="12" name="Imagen 11">
+            <a:extLst>
+              <a:ext uri="{FF2B5EF4-FFF2-40B4-BE49-F238E27FC236}">
+                <a16:creationId xmlns:a16="http://schemas.microsoft.com/office/drawing/2014/main" id="{04F3BB19-4884-424C-96F9-ACE57295C7E9}"/>
+              </a:ext>
+            </a:extLst>
+          </p:cNvPr>
+          <p:cNvPicPr>
+            <a:picLocks noChangeAspect="1"/>
+          </p:cNvPicPr>
+          <p:nvPr/>
+        </p:nvPicPr>
+        <p:blipFill>
+          <a:blip r:embed="rId2"/>
+          <a:stretch>
+            <a:fillRect/>
+          </a:stretch>
+        </p:blipFill>
+        <p:spPr>
+          <a:xfrm>
+            <a:off x="3897472" y="1990725"/>
+            <a:ext cx="6762750" cy="2876550"/>
+          </a:xfrm>
+          <a:prstGeom prst="rect">
+            <a:avLst/>
+          </a:prstGeom>
+          <a:ln>
+            <a:noFill/>
+          </a:ln>
+          <a:effectLst>
+            <a:outerShdw blurRad="292100" dist="139700" dir="2700000" algn="tl" rotWithShape="0">
+              <a:srgbClr val="333333">
+                <a:alpha val="65000"/>
+              </a:srgbClr>
+            </a:outerShdw>
+          </a:effectLst>
+        </p:spPr>
+      </p:pic>
+      <p:sp>
+        <p:nvSpPr>
+          <p:cNvPr id="6" name="Título 1">
+            <a:extLst>
+              <a:ext uri="{FF2B5EF4-FFF2-40B4-BE49-F238E27FC236}">
+                <a16:creationId xmlns:a16="http://schemas.microsoft.com/office/drawing/2014/main" id="{6E2E71C1-0D92-42E7-9D8C-61247613F313}"/>
+              </a:ext>
+            </a:extLst>
+          </p:cNvPr>
+          <p:cNvSpPr>
+            <a:spLocks noGrp="1"/>
+          </p:cNvSpPr>
+          <p:nvPr>
+            <p:ph type="title"/>
+          </p:nvPr>
+        </p:nvSpPr>
+        <p:spPr>
+          <a:xfrm>
+            <a:off x="838200" y="365125"/>
+            <a:ext cx="10515600" cy="1325563"/>
+          </a:xfrm>
+        </p:spPr>
+        <p:txBody>
+          <a:bodyPr/>
+          <a:lstStyle/>
+          <a:p>
+            <a:r>
+              <a:rPr lang="es-ES" u="sng" dirty="0"/>
+              <a:t>Interfaz</a:t>
+            </a:r>
+          </a:p>
+        </p:txBody>
+      </p:sp>
+      <p:cxnSp>
+        <p:nvCxnSpPr>
+          <p:cNvPr id="8" name="Conector recto de flecha 7">
+            <a:extLst>
+              <a:ext uri="{FF2B5EF4-FFF2-40B4-BE49-F238E27FC236}">
+                <a16:creationId xmlns:a16="http://schemas.microsoft.com/office/drawing/2014/main" id="{A84F2909-D0EA-4702-8B78-4C8E17C43B7A}"/>
+              </a:ext>
+            </a:extLst>
+          </p:cNvPr>
+          <p:cNvCxnSpPr>
+            <a:cxnSpLocks/>
+          </p:cNvCxnSpPr>
+          <p:nvPr/>
+        </p:nvCxnSpPr>
+        <p:spPr>
+          <a:xfrm>
+            <a:off x="3414319" y="2432060"/>
+            <a:ext cx="729842" cy="311141"/>
+          </a:xfrm>
+          <a:prstGeom prst="straightConnector1">
+            <a:avLst/>
+          </a:prstGeom>
+          <a:ln>
+            <a:solidFill>
+              <a:srgbClr val="F53C29"/>
+            </a:solidFill>
+            <a:tailEnd type="triangle"/>
+          </a:ln>
+        </p:spPr>
+        <p:style>
+          <a:lnRef idx="3">
+            <a:schemeClr val="accent2"/>
+          </a:lnRef>
+          <a:fillRef idx="0">
+            <a:schemeClr val="accent2"/>
+          </a:fillRef>
+          <a:effectRef idx="2">
+            <a:schemeClr val="accent2"/>
+          </a:effectRef>
+          <a:fontRef idx="minor">
+            <a:schemeClr val="tx1"/>
+          </a:fontRef>
+        </p:style>
+      </p:cxnSp>
+      <p:cxnSp>
+        <p:nvCxnSpPr>
+          <p:cNvPr id="9" name="Conector recto de flecha 8">
+            <a:extLst>
+              <a:ext uri="{FF2B5EF4-FFF2-40B4-BE49-F238E27FC236}">
+                <a16:creationId xmlns:a16="http://schemas.microsoft.com/office/drawing/2014/main" id="{11029A2B-789C-4168-9D23-7FA819BE4FE1}"/>
+              </a:ext>
+            </a:extLst>
+          </p:cNvPr>
+          <p:cNvCxnSpPr>
+            <a:cxnSpLocks/>
+          </p:cNvCxnSpPr>
+          <p:nvPr/>
+        </p:nvCxnSpPr>
+        <p:spPr>
+          <a:xfrm>
+            <a:off x="3414319" y="3143752"/>
+            <a:ext cx="729842" cy="352360"/>
+          </a:xfrm>
+          <a:prstGeom prst="straightConnector1">
+            <a:avLst/>
+          </a:prstGeom>
+          <a:ln>
+            <a:solidFill>
+              <a:srgbClr val="F53C29"/>
+            </a:solidFill>
+            <a:tailEnd type="triangle"/>
+          </a:ln>
+        </p:spPr>
+        <p:style>
+          <a:lnRef idx="3">
+            <a:schemeClr val="accent2"/>
+          </a:lnRef>
+          <a:fillRef idx="0">
+            <a:schemeClr val="accent2"/>
+          </a:fillRef>
+          <a:effectRef idx="2">
+            <a:schemeClr val="accent2"/>
+          </a:effectRef>
+          <a:fontRef idx="minor">
+            <a:schemeClr val="tx1"/>
+          </a:fontRef>
+        </p:style>
+      </p:cxnSp>
+      <p:sp>
+        <p:nvSpPr>
+          <p:cNvPr id="18" name="CuadroTexto 17">
+            <a:extLst>
+              <a:ext uri="{FF2B5EF4-FFF2-40B4-BE49-F238E27FC236}">
+                <a16:creationId xmlns:a16="http://schemas.microsoft.com/office/drawing/2014/main" id="{5949E107-C96B-4742-9832-B2DD11761816}"/>
+              </a:ext>
+            </a:extLst>
+          </p:cNvPr>
+          <p:cNvSpPr txBox="1"/>
+          <p:nvPr/>
+        </p:nvSpPr>
+        <p:spPr>
+          <a:xfrm>
+            <a:off x="1531778" y="2191603"/>
+            <a:ext cx="1963102" cy="369332"/>
+          </a:xfrm>
+          <a:prstGeom prst="rect">
+            <a:avLst/>
+          </a:prstGeom>
+          <a:noFill/>
+        </p:spPr>
+        <p:txBody>
+          <a:bodyPr wrap="none" rtlCol="0">
+            <a:spAutoFit/>
+          </a:bodyPr>
+          <a:lstStyle/>
+          <a:p>
+            <a:r>
+              <a:rPr lang="es-ES" b="1" dirty="0"/>
+              <a:t>Seleccionar Origen</a:t>
+            </a:r>
+          </a:p>
+        </p:txBody>
+      </p:sp>
+      <p:sp>
+        <p:nvSpPr>
+          <p:cNvPr id="19" name="CuadroTexto 18">
+            <a:extLst>
+              <a:ext uri="{FF2B5EF4-FFF2-40B4-BE49-F238E27FC236}">
+                <a16:creationId xmlns:a16="http://schemas.microsoft.com/office/drawing/2014/main" id="{1DDC713F-6009-4EB6-860D-6212CB12A735}"/>
+              </a:ext>
+            </a:extLst>
+          </p:cNvPr>
+          <p:cNvSpPr txBox="1"/>
+          <p:nvPr/>
+        </p:nvSpPr>
+        <p:spPr>
+          <a:xfrm>
+            <a:off x="1404727" y="2932975"/>
+            <a:ext cx="2057615" cy="369332"/>
+          </a:xfrm>
+          <a:prstGeom prst="rect">
+            <a:avLst/>
+          </a:prstGeom>
+          <a:noFill/>
+        </p:spPr>
+        <p:txBody>
+          <a:bodyPr wrap="none" rtlCol="0">
+            <a:spAutoFit/>
+          </a:bodyPr>
+          <a:lstStyle/>
+          <a:p>
+            <a:r>
+              <a:rPr lang="es-ES" b="1" dirty="0"/>
+              <a:t>Seleccionar Destino</a:t>
+            </a:r>
+          </a:p>
+        </p:txBody>
+      </p:sp>
+      <p:cxnSp>
+        <p:nvCxnSpPr>
+          <p:cNvPr id="22" name="Conector recto de flecha 21">
+            <a:extLst>
+              <a:ext uri="{FF2B5EF4-FFF2-40B4-BE49-F238E27FC236}">
+                <a16:creationId xmlns:a16="http://schemas.microsoft.com/office/drawing/2014/main" id="{B7EFF240-FF69-4AFD-A2B8-3177D3A08804}"/>
+              </a:ext>
+            </a:extLst>
+          </p:cNvPr>
+          <p:cNvCxnSpPr>
+            <a:cxnSpLocks/>
+          </p:cNvCxnSpPr>
+          <p:nvPr/>
+        </p:nvCxnSpPr>
+        <p:spPr>
+          <a:xfrm flipV="1">
+            <a:off x="3238150" y="3853739"/>
+            <a:ext cx="721454" cy="156199"/>
+          </a:xfrm>
+          <a:prstGeom prst="straightConnector1">
+            <a:avLst/>
+          </a:prstGeom>
+          <a:ln>
+            <a:solidFill>
+              <a:srgbClr val="F53C29"/>
+            </a:solidFill>
+            <a:tailEnd type="triangle"/>
+          </a:ln>
+        </p:spPr>
+        <p:style>
+          <a:lnRef idx="3">
+            <a:schemeClr val="accent2"/>
+          </a:lnRef>
+          <a:fillRef idx="0">
+            <a:schemeClr val="accent2"/>
+          </a:fillRef>
+          <a:effectRef idx="2">
+            <a:schemeClr val="accent2"/>
+          </a:effectRef>
+          <a:fontRef idx="minor">
+            <a:schemeClr val="tx1"/>
+          </a:fontRef>
+        </p:style>
+      </p:cxnSp>
+      <p:sp>
+        <p:nvSpPr>
+          <p:cNvPr id="26" name="CuadroTexto 25">
+            <a:extLst>
+              <a:ext uri="{FF2B5EF4-FFF2-40B4-BE49-F238E27FC236}">
+                <a16:creationId xmlns:a16="http://schemas.microsoft.com/office/drawing/2014/main" id="{CF6DACFD-CD47-47AE-9465-1957CFBAF166}"/>
+              </a:ext>
+            </a:extLst>
+          </p:cNvPr>
+          <p:cNvSpPr txBox="1"/>
+          <p:nvPr/>
+        </p:nvSpPr>
+        <p:spPr>
+          <a:xfrm>
+            <a:off x="250041" y="3803222"/>
+            <a:ext cx="3095537" cy="1477328"/>
+          </a:xfrm>
+          <a:prstGeom prst="rect">
+            <a:avLst/>
+          </a:prstGeom>
+          <a:noFill/>
+        </p:spPr>
+        <p:txBody>
+          <a:bodyPr wrap="square" rtlCol="0">
+            <a:spAutoFit/>
+          </a:bodyPr>
+          <a:lstStyle/>
+          <a:p>
+            <a:r>
+              <a:rPr lang="es-ES" b="1" dirty="0"/>
+              <a:t>Opción de mínimo numero de transbordos</a:t>
+            </a:r>
+            <a:r>
+              <a:rPr lang="es-ES" dirty="0"/>
+              <a:t>: busca el menor camino con el menor numero de transbordos posibles</a:t>
+            </a:r>
+          </a:p>
+          <a:p>
+            <a:endParaRPr lang="es-ES" dirty="0"/>
+          </a:p>
+        </p:txBody>
+      </p:sp>
+      <p:cxnSp>
+        <p:nvCxnSpPr>
+          <p:cNvPr id="27" name="Conector recto de flecha 26">
+            <a:extLst>
+              <a:ext uri="{FF2B5EF4-FFF2-40B4-BE49-F238E27FC236}">
+                <a16:creationId xmlns:a16="http://schemas.microsoft.com/office/drawing/2014/main" id="{3E3BD5CB-EBC6-4AA8-B080-03B9CD7C4A95}"/>
+              </a:ext>
+            </a:extLst>
+          </p:cNvPr>
+          <p:cNvCxnSpPr>
+            <a:cxnSpLocks/>
+          </p:cNvCxnSpPr>
+          <p:nvPr/>
+        </p:nvCxnSpPr>
+        <p:spPr>
+          <a:xfrm flipV="1">
+            <a:off x="3494880" y="4246546"/>
+            <a:ext cx="943704" cy="1021280"/>
+          </a:xfrm>
+          <a:prstGeom prst="straightConnector1">
+            <a:avLst/>
+          </a:prstGeom>
+          <a:ln>
+            <a:solidFill>
+              <a:srgbClr val="F53C29"/>
+            </a:solidFill>
+            <a:tailEnd type="triangle"/>
+          </a:ln>
+        </p:spPr>
+        <p:style>
+          <a:lnRef idx="3">
+            <a:schemeClr val="accent2"/>
+          </a:lnRef>
+          <a:fillRef idx="0">
+            <a:schemeClr val="accent2"/>
+          </a:fillRef>
+          <a:effectRef idx="2">
+            <a:schemeClr val="accent2"/>
+          </a:effectRef>
+          <a:fontRef idx="minor">
+            <a:schemeClr val="tx1"/>
+          </a:fontRef>
+        </p:style>
+      </p:cxnSp>
+      <p:cxnSp>
+        <p:nvCxnSpPr>
+          <p:cNvPr id="32" name="Conector recto de flecha 31">
+            <a:extLst>
+              <a:ext uri="{FF2B5EF4-FFF2-40B4-BE49-F238E27FC236}">
+                <a16:creationId xmlns:a16="http://schemas.microsoft.com/office/drawing/2014/main" id="{7327DBE4-55EE-4DA0-AF1F-AE19F0548BC5}"/>
+              </a:ext>
+            </a:extLst>
+          </p:cNvPr>
+          <p:cNvCxnSpPr>
+            <a:cxnSpLocks/>
+          </p:cNvCxnSpPr>
+          <p:nvPr/>
+        </p:nvCxnSpPr>
+        <p:spPr>
+          <a:xfrm flipV="1">
+            <a:off x="4838740" y="4757186"/>
+            <a:ext cx="0" cy="786602"/>
+          </a:xfrm>
+          <a:prstGeom prst="straightConnector1">
+            <a:avLst/>
+          </a:prstGeom>
+          <a:ln>
+            <a:solidFill>
+              <a:srgbClr val="F53C29"/>
+            </a:solidFill>
+            <a:tailEnd type="triangle"/>
+          </a:ln>
+        </p:spPr>
+        <p:style>
+          <a:lnRef idx="3">
+            <a:schemeClr val="accent2"/>
+          </a:lnRef>
+          <a:fillRef idx="0">
+            <a:schemeClr val="accent2"/>
+          </a:fillRef>
+          <a:effectRef idx="2">
+            <a:schemeClr val="accent2"/>
+          </a:effectRef>
+          <a:fontRef idx="minor">
+            <a:schemeClr val="tx1"/>
+          </a:fontRef>
+        </p:style>
+      </p:cxnSp>
+      <p:sp>
+        <p:nvSpPr>
+          <p:cNvPr id="34" name="CuadroTexto 33">
+            <a:extLst>
+              <a:ext uri="{FF2B5EF4-FFF2-40B4-BE49-F238E27FC236}">
+                <a16:creationId xmlns:a16="http://schemas.microsoft.com/office/drawing/2014/main" id="{FD1579DE-22E9-4D66-ACB5-8FC76296D8B3}"/>
+              </a:ext>
+            </a:extLst>
+          </p:cNvPr>
+          <p:cNvSpPr txBox="1"/>
+          <p:nvPr/>
+        </p:nvSpPr>
+        <p:spPr>
+          <a:xfrm>
+            <a:off x="3779240" y="5504434"/>
+            <a:ext cx="2962671" cy="369332"/>
+          </a:xfrm>
+          <a:prstGeom prst="rect">
+            <a:avLst/>
+          </a:prstGeom>
+          <a:noFill/>
+        </p:spPr>
+        <p:txBody>
+          <a:bodyPr wrap="none" rtlCol="0">
+            <a:spAutoFit/>
+          </a:bodyPr>
+          <a:lstStyle/>
+          <a:p>
+            <a:r>
+              <a:rPr lang="es-ES" b="1" dirty="0"/>
+              <a:t>Dibujar la ruta sobre el mapa</a:t>
+            </a:r>
+          </a:p>
+        </p:txBody>
+      </p:sp>
+      <p:sp>
+        <p:nvSpPr>
+          <p:cNvPr id="37" name="CuadroTexto 36">
+            <a:extLst>
+              <a:ext uri="{FF2B5EF4-FFF2-40B4-BE49-F238E27FC236}">
+                <a16:creationId xmlns:a16="http://schemas.microsoft.com/office/drawing/2014/main" id="{4ADC536A-E20C-4B5C-8446-5D8D9B853A88}"/>
+              </a:ext>
+            </a:extLst>
+          </p:cNvPr>
+          <p:cNvSpPr txBox="1"/>
+          <p:nvPr/>
+        </p:nvSpPr>
+        <p:spPr>
+          <a:xfrm>
+            <a:off x="894773" y="5157099"/>
+            <a:ext cx="2726752" cy="1477328"/>
+          </a:xfrm>
+          <a:prstGeom prst="rect">
+            <a:avLst/>
+          </a:prstGeom>
+          <a:noFill/>
+        </p:spPr>
+        <p:txBody>
+          <a:bodyPr wrap="square" rtlCol="0">
+            <a:spAutoFit/>
+          </a:bodyPr>
+          <a:lstStyle/>
+          <a:p>
+            <a:r>
+              <a:rPr lang="es-ES" b="1" dirty="0"/>
+              <a:t>Calcular y mostrar lista de estaciones del camino mínimo: </a:t>
+            </a:r>
+            <a:r>
+              <a:rPr lang="es-ES" dirty="0"/>
+              <a:t>Con su correspondiente línea y distancia recorrida</a:t>
+            </a:r>
+            <a:endParaRPr lang="es-ES" b="1" dirty="0"/>
+          </a:p>
+        </p:txBody>
+      </p:sp>
+    </p:spTree>
+    <p:extLst>
+      <p:ext uri="{BB962C8B-B14F-4D97-AF65-F5344CB8AC3E}">
+        <p14:creationId xmlns:p14="http://schemas.microsoft.com/office/powerpoint/2010/main" val="1794437487"/>
+      </p:ext>
+    </p:extLst>
+  </p:cSld>
+  <p:clrMapOvr>
+    <a:masterClrMapping/>
+  </p:clrMapOvr>
+</p:sld>
+</file>
+
+<file path=ppt/slides/slide2.xml><?xml version="1.0" encoding="utf-8"?>
+<p:sld xmlns:a="http://schemas.openxmlformats.org/drawingml/2006/main" xmlns:r="http://schemas.openxmlformats.org/officeDocument/2006/relationships" xmlns:p="http://schemas.openxmlformats.org/presentationml/2006/main">
+  <p:cSld>
+    <p:spTree>
+      <p:nvGrpSpPr>
+        <p:cNvPr id="1" name=""/>
+        <p:cNvGrpSpPr/>
+        <p:nvPr/>
+      </p:nvGrpSpPr>
+      <p:grpSpPr>
+        <a:xfrm>
+          <a:off x="0" y="0"/>
+          <a:ext cx="0" cy="0"/>
+          <a:chOff x="0" y="0"/>
+          <a:chExt cx="0" cy="0"/>
+        </a:xfrm>
+      </p:grpSpPr>
+      <p:sp>
+        <p:nvSpPr>
+          <p:cNvPr id="2" name="Título 1">
+            <a:extLst>
+              <a:ext uri="{FF2B5EF4-FFF2-40B4-BE49-F238E27FC236}">
+                <a16:creationId xmlns:a16="http://schemas.microsoft.com/office/drawing/2014/main" id="{07A68E18-28BF-4A84-813E-0DDD63F3BA9D}"/>
+              </a:ext>
+            </a:extLst>
+          </p:cNvPr>
+          <p:cNvSpPr>
+            <a:spLocks noGrp="1"/>
+          </p:cNvSpPr>
+          <p:nvPr>
+            <p:ph type="ctrTitle"/>
+          </p:nvPr>
+        </p:nvSpPr>
+        <p:spPr/>
+        <p:txBody>
+          <a:bodyPr/>
+          <a:lstStyle/>
+          <a:p>
+            <a:r>
+              <a:rPr lang="es-ES" dirty="0"/>
+              <a:t>Modelización</a:t>
+            </a:r>
+          </a:p>
+        </p:txBody>
+      </p:sp>
+    </p:spTree>
+    <p:extLst>
+      <p:ext uri="{BB962C8B-B14F-4D97-AF65-F5344CB8AC3E}">
+        <p14:creationId xmlns:p14="http://schemas.microsoft.com/office/powerpoint/2010/main" val="1580853944"/>
+      </p:ext>
+    </p:extLst>
+  </p:cSld>
+  <p:clrMapOvr>
+    <a:masterClrMapping/>
+  </p:clrMapOvr>
+</p:sld>
+</file>
+
+<file path=ppt/slides/slide20.xml><?xml version="1.0" encoding="utf-8"?>
+<p:sld xmlns:a="http://schemas.openxmlformats.org/drawingml/2006/main" xmlns:r="http://schemas.openxmlformats.org/officeDocument/2006/relationships" xmlns:p="http://schemas.openxmlformats.org/presentationml/2006/main">
+  <p:cSld>
+    <p:spTree>
+      <p:nvGrpSpPr>
+        <p:cNvPr id="1" name=""/>
+        <p:cNvGrpSpPr/>
+        <p:nvPr/>
+      </p:nvGrpSpPr>
+      <p:grpSpPr>
+        <a:xfrm>
+          <a:off x="0" y="0"/>
+          <a:ext cx="0" cy="0"/>
+          <a:chOff x="0" y="0"/>
+          <a:chExt cx="0" cy="0"/>
+        </a:xfrm>
+      </p:grpSpPr>
+      <p:pic>
+        <p:nvPicPr>
+          <p:cNvPr id="5" name="Imagen 4">
+            <a:extLst>
+              <a:ext uri="{FF2B5EF4-FFF2-40B4-BE49-F238E27FC236}">
+                <a16:creationId xmlns:a16="http://schemas.microsoft.com/office/drawing/2014/main" id="{2E122D12-66B8-420F-9AF0-AC59020E835C}"/>
+              </a:ext>
+            </a:extLst>
+          </p:cNvPr>
+          <p:cNvPicPr>
+            <a:picLocks noChangeAspect="1"/>
+          </p:cNvPicPr>
+          <p:nvPr/>
+        </p:nvPicPr>
+        <p:blipFill>
+          <a:blip r:embed="rId2"/>
+          <a:stretch>
+            <a:fillRect/>
+          </a:stretch>
+        </p:blipFill>
+        <p:spPr>
+          <a:xfrm>
+            <a:off x="2030634" y="1519675"/>
+            <a:ext cx="9305191" cy="5040312"/>
+          </a:xfrm>
+          <a:prstGeom prst="rect">
+            <a:avLst/>
+          </a:prstGeom>
+          <a:ln>
+            <a:noFill/>
+          </a:ln>
+          <a:effectLst>
+            <a:outerShdw blurRad="292100" dist="139700" dir="2700000" algn="tl" rotWithShape="0">
+              <a:srgbClr val="333333">
+                <a:alpha val="65000"/>
+              </a:srgbClr>
+            </a:outerShdw>
+          </a:effectLst>
+        </p:spPr>
+      </p:pic>
+      <p:sp>
+        <p:nvSpPr>
+          <p:cNvPr id="6" name="Título 1">
+            <a:extLst>
+              <a:ext uri="{FF2B5EF4-FFF2-40B4-BE49-F238E27FC236}">
+                <a16:creationId xmlns:a16="http://schemas.microsoft.com/office/drawing/2014/main" id="{84F32A57-CE6F-4D70-99F5-69204A7F6743}"/>
+              </a:ext>
+            </a:extLst>
+          </p:cNvPr>
+          <p:cNvSpPr>
+            <a:spLocks noGrp="1"/>
+          </p:cNvSpPr>
+          <p:nvPr>
+            <p:ph type="title"/>
+          </p:nvPr>
+        </p:nvSpPr>
+        <p:spPr>
+          <a:xfrm>
+            <a:off x="838200" y="281235"/>
+            <a:ext cx="10515600" cy="1325563"/>
+          </a:xfrm>
+        </p:spPr>
+        <p:txBody>
+          <a:bodyPr/>
+          <a:lstStyle/>
+          <a:p>
+            <a:r>
+              <a:rPr lang="es-ES" u="sng" dirty="0"/>
+              <a:t>Interfaz</a:t>
+            </a:r>
+          </a:p>
+        </p:txBody>
+      </p:sp>
+      <p:cxnSp>
+        <p:nvCxnSpPr>
+          <p:cNvPr id="7" name="Conector recto de flecha 6">
+            <a:extLst>
+              <a:ext uri="{FF2B5EF4-FFF2-40B4-BE49-F238E27FC236}">
+                <a16:creationId xmlns:a16="http://schemas.microsoft.com/office/drawing/2014/main" id="{4BDC799F-923C-4927-829C-DA39F72E9F4B}"/>
+              </a:ext>
+            </a:extLst>
+          </p:cNvPr>
+          <p:cNvCxnSpPr>
+            <a:cxnSpLocks/>
+          </p:cNvCxnSpPr>
+          <p:nvPr/>
+        </p:nvCxnSpPr>
+        <p:spPr>
+          <a:xfrm>
+            <a:off x="1644242" y="2491530"/>
+            <a:ext cx="1518408" cy="0"/>
+          </a:xfrm>
+          <a:prstGeom prst="straightConnector1">
+            <a:avLst/>
+          </a:prstGeom>
+          <a:ln>
+            <a:solidFill>
+              <a:srgbClr val="F53C29"/>
+            </a:solidFill>
+            <a:tailEnd type="triangle"/>
+          </a:ln>
+        </p:spPr>
+        <p:style>
+          <a:lnRef idx="3">
+            <a:schemeClr val="accent2"/>
+          </a:lnRef>
+          <a:fillRef idx="0">
+            <a:schemeClr val="accent2"/>
+          </a:fillRef>
+          <a:effectRef idx="2">
+            <a:schemeClr val="accent2"/>
+          </a:effectRef>
+          <a:fontRef idx="minor">
+            <a:schemeClr val="tx1"/>
+          </a:fontRef>
+        </p:style>
+      </p:cxnSp>
+      <p:sp>
+        <p:nvSpPr>
+          <p:cNvPr id="8" name="CuadroTexto 7">
+            <a:extLst>
+              <a:ext uri="{FF2B5EF4-FFF2-40B4-BE49-F238E27FC236}">
+                <a16:creationId xmlns:a16="http://schemas.microsoft.com/office/drawing/2014/main" id="{54E172B2-C58E-4BAA-8D1D-E5A8B35C1F1E}"/>
+              </a:ext>
+            </a:extLst>
+          </p:cNvPr>
+          <p:cNvSpPr txBox="1"/>
+          <p:nvPr/>
+        </p:nvSpPr>
+        <p:spPr>
+          <a:xfrm>
+            <a:off x="665961" y="2306864"/>
+            <a:ext cx="978281" cy="369332"/>
+          </a:xfrm>
+          <a:prstGeom prst="rect">
+            <a:avLst/>
+          </a:prstGeom>
+          <a:noFill/>
+        </p:spPr>
+        <p:txBody>
+          <a:bodyPr wrap="none" rtlCol="0">
+            <a:spAutoFit/>
+          </a:bodyPr>
+          <a:lstStyle/>
+          <a:p>
+            <a:r>
+              <a:rPr lang="es-ES" b="1" dirty="0"/>
+              <a:t>Leyenda</a:t>
+            </a:r>
+          </a:p>
+        </p:txBody>
+      </p:sp>
+      <p:cxnSp>
+        <p:nvCxnSpPr>
+          <p:cNvPr id="13" name="Conector recto de flecha 12">
+            <a:extLst>
+              <a:ext uri="{FF2B5EF4-FFF2-40B4-BE49-F238E27FC236}">
+                <a16:creationId xmlns:a16="http://schemas.microsoft.com/office/drawing/2014/main" id="{A5F0F8A7-787C-4FDA-B94E-2C4C607ADCBB}"/>
+              </a:ext>
+            </a:extLst>
+          </p:cNvPr>
+          <p:cNvCxnSpPr>
+            <a:cxnSpLocks/>
+          </p:cNvCxnSpPr>
+          <p:nvPr/>
+        </p:nvCxnSpPr>
+        <p:spPr>
+          <a:xfrm>
+            <a:off x="1560352" y="5150840"/>
+            <a:ext cx="1113157" cy="1184246"/>
+          </a:xfrm>
+          <a:prstGeom prst="straightConnector1">
+            <a:avLst/>
+          </a:prstGeom>
+          <a:ln>
+            <a:solidFill>
+              <a:srgbClr val="F53C29"/>
+            </a:solidFill>
+            <a:tailEnd type="triangle"/>
+          </a:ln>
+        </p:spPr>
+        <p:style>
+          <a:lnRef idx="3">
+            <a:schemeClr val="accent2"/>
+          </a:lnRef>
+          <a:fillRef idx="0">
+            <a:schemeClr val="accent2"/>
+          </a:fillRef>
+          <a:effectRef idx="2">
+            <a:schemeClr val="accent2"/>
+          </a:effectRef>
+          <a:fontRef idx="minor">
+            <a:schemeClr val="tx1"/>
+          </a:fontRef>
+        </p:style>
+      </p:cxnSp>
+      <p:sp>
+        <p:nvSpPr>
+          <p:cNvPr id="15" name="CuadroTexto 14">
+            <a:extLst>
+              <a:ext uri="{FF2B5EF4-FFF2-40B4-BE49-F238E27FC236}">
+                <a16:creationId xmlns:a16="http://schemas.microsoft.com/office/drawing/2014/main" id="{9BD45C6F-BF68-414B-BE30-BB30107ADEA7}"/>
+              </a:ext>
+            </a:extLst>
+          </p:cNvPr>
+          <p:cNvSpPr txBox="1"/>
+          <p:nvPr/>
+        </p:nvSpPr>
+        <p:spPr>
+          <a:xfrm>
+            <a:off x="665961" y="4781508"/>
+            <a:ext cx="1069524" cy="369332"/>
+          </a:xfrm>
+          <a:prstGeom prst="rect">
+            <a:avLst/>
+          </a:prstGeom>
+          <a:noFill/>
+        </p:spPr>
+        <p:txBody>
+          <a:bodyPr wrap="none" rtlCol="0">
+            <a:spAutoFit/>
+          </a:bodyPr>
+          <a:lstStyle/>
+          <a:p>
+            <a:r>
+              <a:rPr lang="es-ES" b="1" dirty="0"/>
+              <a:t>Opciones</a:t>
+            </a:r>
+          </a:p>
+        </p:txBody>
+      </p:sp>
+    </p:spTree>
+    <p:extLst>
+      <p:ext uri="{BB962C8B-B14F-4D97-AF65-F5344CB8AC3E}">
+        <p14:creationId xmlns:p14="http://schemas.microsoft.com/office/powerpoint/2010/main" val="1171402942"/>
+      </p:ext>
+    </p:extLst>
+  </p:cSld>
+  <p:clrMapOvr>
+    <a:masterClrMapping/>
+  </p:clrMapOvr>
+</p:sld>
+</file>
+
+<file path=ppt/slides/slide21.xml><?xml version="1.0" encoding="utf-8"?>
+<p:sld xmlns:a="http://schemas.openxmlformats.org/drawingml/2006/main" xmlns:r="http://schemas.openxmlformats.org/officeDocument/2006/relationships" xmlns:p="http://schemas.openxmlformats.org/presentationml/2006/main">
+  <p:cSld>
+    <p:spTree>
+      <p:nvGrpSpPr>
+        <p:cNvPr id="1" name=""/>
+        <p:cNvGrpSpPr/>
+        <p:nvPr/>
+      </p:nvGrpSpPr>
+      <p:grpSpPr>
+        <a:xfrm>
+          <a:off x="0" y="0"/>
+          <a:ext cx="0" cy="0"/>
+          <a:chOff x="0" y="0"/>
+          <a:chExt cx="0" cy="0"/>
+        </a:xfrm>
+      </p:grpSpPr>
+      <p:sp>
+        <p:nvSpPr>
+          <p:cNvPr id="2" name="Título 1">
+            <a:extLst>
+              <a:ext uri="{FF2B5EF4-FFF2-40B4-BE49-F238E27FC236}">
+                <a16:creationId xmlns:a16="http://schemas.microsoft.com/office/drawing/2014/main" id="{07A68E18-28BF-4A84-813E-0DDD63F3BA9D}"/>
+              </a:ext>
+            </a:extLst>
+          </p:cNvPr>
+          <p:cNvSpPr>
+            <a:spLocks noGrp="1"/>
+          </p:cNvSpPr>
+          <p:nvPr>
+            <p:ph type="ctrTitle"/>
+          </p:nvPr>
+        </p:nvSpPr>
+        <p:spPr/>
+        <p:txBody>
+          <a:bodyPr/>
+          <a:lstStyle/>
+          <a:p>
+            <a:r>
+              <a:rPr lang="es-ES" dirty="0"/>
+              <a:t>Demostración del funcionamiento</a:t>
+            </a:r>
+          </a:p>
+        </p:txBody>
+      </p:sp>
+      <p:sp>
+        <p:nvSpPr>
+          <p:cNvPr id="3" name="Subtítulo 2">
+            <a:extLst>
+              <a:ext uri="{FF2B5EF4-FFF2-40B4-BE49-F238E27FC236}">
+                <a16:creationId xmlns:a16="http://schemas.microsoft.com/office/drawing/2014/main" id="{81FD5FF1-7E81-4549-9028-58717E06768E}"/>
+              </a:ext>
+            </a:extLst>
+          </p:cNvPr>
+          <p:cNvSpPr>
+            <a:spLocks noGrp="1"/>
+          </p:cNvSpPr>
+          <p:nvPr>
+            <p:ph type="subTitle" idx="1"/>
+          </p:nvPr>
+        </p:nvSpPr>
+        <p:spPr/>
+        <p:txBody>
+          <a:bodyPr/>
+          <a:lstStyle/>
+          <a:p>
+            <a:r>
+              <a:rPr lang="es-ES" dirty="0"/>
+              <a:t>Coger ejemplos buenos: </a:t>
+            </a:r>
+            <a:r>
+              <a:rPr lang="es-ES" dirty="0" err="1"/>
+              <a:t>Ueno</a:t>
+            </a:r>
+            <a:r>
+              <a:rPr lang="es-ES" dirty="0"/>
+              <a:t> – </a:t>
+            </a:r>
+            <a:r>
+              <a:rPr lang="es-ES" dirty="0" err="1"/>
+              <a:t>Shibuya</a:t>
+            </a:r>
+            <a:r>
+              <a:rPr lang="es-ES" dirty="0"/>
+              <a:t>, </a:t>
+            </a:r>
+            <a:r>
+              <a:rPr lang="es-ES" dirty="0" err="1"/>
+              <a:t>Ueno</a:t>
+            </a:r>
+            <a:r>
+              <a:rPr lang="es-ES" dirty="0"/>
+              <a:t> – </a:t>
+            </a:r>
+            <a:r>
+              <a:rPr lang="es-ES" dirty="0" err="1"/>
+              <a:t>Meguro</a:t>
+            </a:r>
+            <a:r>
+              <a:rPr lang="es-ES" dirty="0"/>
+              <a:t>, </a:t>
+            </a:r>
+            <a:r>
+              <a:rPr lang="es-ES" dirty="0" err="1"/>
+              <a:t>etc</a:t>
+            </a:r>
+            <a:endParaRPr lang="es-ES" dirty="0"/>
+          </a:p>
+          <a:p>
+            <a:endParaRPr lang="es-ES" dirty="0"/>
+          </a:p>
+        </p:txBody>
+      </p:sp>
+    </p:spTree>
+    <p:extLst>
+      <p:ext uri="{BB962C8B-B14F-4D97-AF65-F5344CB8AC3E}">
+        <p14:creationId xmlns:p14="http://schemas.microsoft.com/office/powerpoint/2010/main" val="2346306414"/>
+      </p:ext>
+    </p:extLst>
+  </p:cSld>
+  <p:clrMapOvr>
+    <a:masterClrMapping/>
+  </p:clrMapOvr>
+</p:sld>
+</file>
+
+<file path=ppt/slides/slide3.xml><?xml version="1.0" encoding="utf-8"?>
+<p:sld xmlns:a="http://schemas.openxmlformats.org/drawingml/2006/main" xmlns:r="http://schemas.openxmlformats.org/officeDocument/2006/relationships" xmlns:p="http://schemas.openxmlformats.org/presentationml/2006/main">
+  <p:cSld>
+    <p:spTree>
+      <p:nvGrpSpPr>
+        <p:cNvPr id="1" name=""/>
+        <p:cNvGrpSpPr/>
+        <p:nvPr/>
+      </p:nvGrpSpPr>
+      <p:grpSpPr>
+        <a:xfrm>
+          <a:off x="0" y="0"/>
+          <a:ext cx="0" cy="0"/>
+          <a:chOff x="0" y="0"/>
+          <a:chExt cx="0" cy="0"/>
+        </a:xfrm>
+      </p:grpSpPr>
+      <p:sp>
+        <p:nvSpPr>
+          <p:cNvPr id="2" name="Título 1">
+            <a:extLst>
+              <a:ext uri="{FF2B5EF4-FFF2-40B4-BE49-F238E27FC236}">
+                <a16:creationId xmlns:a16="http://schemas.microsoft.com/office/drawing/2014/main" id="{367F9794-603D-4EE6-A48D-20B083D5D3D9}"/>
+              </a:ext>
+            </a:extLst>
+          </p:cNvPr>
+          <p:cNvSpPr>
+            <a:spLocks noGrp="1"/>
+          </p:cNvSpPr>
+          <p:nvPr>
+            <p:ph type="title"/>
+          </p:nvPr>
+        </p:nvSpPr>
+        <p:spPr>
+          <a:xfrm>
+            <a:off x="838200" y="365125"/>
+            <a:ext cx="10515600" cy="1325563"/>
+          </a:xfrm>
+        </p:spPr>
+        <p:txBody>
+          <a:bodyPr/>
+          <a:lstStyle/>
+          <a:p>
+            <a:r>
+              <a:rPr lang="es-ES" u="sng" dirty="0">
+                <a:ea typeface="Adobe Gothic Std B" panose="020B0800000000000000" pitchFamily="34" charset="-128"/>
+              </a:rPr>
+              <a:t>Modelo</a:t>
+            </a:r>
+          </a:p>
+        </p:txBody>
+      </p:sp>
+      <p:sp>
+        <p:nvSpPr>
+          <p:cNvPr id="3" name="Marcador de contenido 2">
+            <a:extLst>
+              <a:ext uri="{FF2B5EF4-FFF2-40B4-BE49-F238E27FC236}">
+                <a16:creationId xmlns:a16="http://schemas.microsoft.com/office/drawing/2014/main" id="{3F8A4277-B2DC-47A5-92A9-F87080B78C1D}"/>
+              </a:ext>
+            </a:extLst>
+          </p:cNvPr>
+          <p:cNvSpPr>
+            <a:spLocks noGrp="1"/>
+          </p:cNvSpPr>
+          <p:nvPr>
+            <p:ph idx="1"/>
+          </p:nvPr>
+        </p:nvSpPr>
+        <p:spPr>
+          <a:xfrm>
+            <a:off x="838200" y="1825625"/>
+            <a:ext cx="5034094" cy="4351338"/>
+          </a:xfrm>
+        </p:spPr>
+        <p:txBody>
+          <a:bodyPr>
+            <a:normAutofit/>
+          </a:bodyPr>
+          <a:lstStyle/>
+          <a:p>
+            <a:r>
+              <a:rPr lang="es-ES" sz="2400" dirty="0"/>
+              <a:t>Cada estación es un nodo en el grafo</a:t>
+            </a:r>
+          </a:p>
+          <a:p>
+            <a:pPr lvl="1"/>
+            <a:r>
+              <a:rPr lang="es-ES" dirty="0"/>
+              <a:t>Si una estación tiene varios transbordos, entonces se añadirán tantos nodos como líneas partan de dicha estación</a:t>
+            </a:r>
+          </a:p>
+          <a:p>
+            <a:r>
+              <a:rPr lang="es-ES" sz="2400" dirty="0"/>
+              <a:t>Las aristas modelizan la línea de metro y sus pesos son el tiempo medio de ir de un punto (nodo) a otro. </a:t>
+            </a:r>
+          </a:p>
+        </p:txBody>
+      </p:sp>
+      <p:pic>
+        <p:nvPicPr>
+          <p:cNvPr id="5" name="Imagen 4">
+            <a:extLst>
+              <a:ext uri="{FF2B5EF4-FFF2-40B4-BE49-F238E27FC236}">
+                <a16:creationId xmlns:a16="http://schemas.microsoft.com/office/drawing/2014/main" id="{2BD3159A-61E3-4C51-9902-C73D14451F1F}"/>
+              </a:ext>
+            </a:extLst>
+          </p:cNvPr>
+          <p:cNvPicPr>
+            <a:picLocks noChangeAspect="1"/>
+          </p:cNvPicPr>
+          <p:nvPr/>
+        </p:nvPicPr>
+        <p:blipFill>
+          <a:blip r:embed="rId2">
+            <a:extLst>
+              <a:ext uri="{28A0092B-C50C-407E-A947-70E740481C1C}">
+                <a14:useLocalDpi xmlns:a14="http://schemas.microsoft.com/office/drawing/2010/main" val="0"/>
+              </a:ext>
+            </a:extLst>
+          </a:blip>
+          <a:stretch>
+            <a:fillRect/>
+          </a:stretch>
+        </p:blipFill>
+        <p:spPr>
+          <a:xfrm>
+            <a:off x="6595378" y="1489352"/>
+            <a:ext cx="4655127" cy="4356525"/>
+          </a:xfrm>
+          <a:prstGeom prst="rect">
+            <a:avLst/>
+          </a:prstGeom>
+          <a:ln>
+            <a:noFill/>
+          </a:ln>
+          <a:effectLst>
+            <a:outerShdw blurRad="292100" dist="139700" dir="2700000" algn="tl" rotWithShape="0">
+              <a:srgbClr val="333333">
+                <a:alpha val="65000"/>
+              </a:srgbClr>
+            </a:outerShdw>
+          </a:effectLst>
+        </p:spPr>
+      </p:pic>
+    </p:spTree>
+    <p:extLst>
+      <p:ext uri="{BB962C8B-B14F-4D97-AF65-F5344CB8AC3E}">
+        <p14:creationId xmlns:p14="http://schemas.microsoft.com/office/powerpoint/2010/main" val="3842261977"/>
+      </p:ext>
+    </p:extLst>
+  </p:cSld>
+  <p:clrMapOvr>
+    <a:masterClrMapping/>
+  </p:clrMapOvr>
+</p:sld>
+</file>
+
+<file path=ppt/slides/slide4.xml><?xml version="1.0" encoding="utf-8"?>
+<p:sld xmlns:a="http://schemas.openxmlformats.org/drawingml/2006/main" xmlns:r="http://schemas.openxmlformats.org/officeDocument/2006/relationships" xmlns:p="http://schemas.openxmlformats.org/presentationml/2006/main">
+  <p:cSld>
+    <p:spTree>
+      <p:nvGrpSpPr>
+        <p:cNvPr id="1" name=""/>
+        <p:cNvGrpSpPr/>
+        <p:nvPr/>
+      </p:nvGrpSpPr>
+      <p:grpSpPr>
+        <a:xfrm>
+          <a:off x="0" y="0"/>
+          <a:ext cx="0" cy="0"/>
+          <a:chOff x="0" y="0"/>
+          <a:chExt cx="0" cy="0"/>
+        </a:xfrm>
+      </p:grpSpPr>
+      <p:sp>
+        <p:nvSpPr>
+          <p:cNvPr id="2" name="Título 1">
+            <a:extLst>
+              <a:ext uri="{FF2B5EF4-FFF2-40B4-BE49-F238E27FC236}">
+                <a16:creationId xmlns:a16="http://schemas.microsoft.com/office/drawing/2014/main" id="{BCF61B36-7944-4848-A20C-C6A6E9A96EAD}"/>
+              </a:ext>
+            </a:extLst>
+          </p:cNvPr>
+          <p:cNvSpPr>
+            <a:spLocks noGrp="1"/>
+          </p:cNvSpPr>
+          <p:nvPr>
+            <p:ph type="title"/>
+          </p:nvPr>
+        </p:nvSpPr>
+        <p:spPr/>
+        <p:txBody>
+          <a:bodyPr/>
+          <a:lstStyle/>
+          <a:p>
+            <a:r>
+              <a:rPr lang="es-ES" u="sng" dirty="0"/>
+              <a:t>Caso particular</a:t>
+            </a:r>
+            <a:r>
+              <a:rPr lang="es-ES" dirty="0"/>
+              <a:t>: Nodos con transbordos</a:t>
+            </a:r>
+          </a:p>
+        </p:txBody>
+      </p:sp>
+      <p:sp>
+        <p:nvSpPr>
+          <p:cNvPr id="3" name="Marcador de contenido 2">
+            <a:extLst>
+              <a:ext uri="{FF2B5EF4-FFF2-40B4-BE49-F238E27FC236}">
+                <a16:creationId xmlns:a16="http://schemas.microsoft.com/office/drawing/2014/main" id="{9EB3662C-6362-401C-9CE0-398C8A051C63}"/>
+              </a:ext>
+            </a:extLst>
+          </p:cNvPr>
+          <p:cNvSpPr>
+            <a:spLocks noGrp="1"/>
+          </p:cNvSpPr>
+          <p:nvPr>
+            <p:ph idx="1"/>
+          </p:nvPr>
+        </p:nvSpPr>
+        <p:spPr>
+          <a:xfrm>
+            <a:off x="7531922" y="2229744"/>
+            <a:ext cx="4004302" cy="3331625"/>
+          </a:xfrm>
+        </p:spPr>
+        <p:txBody>
+          <a:bodyPr>
+            <a:normAutofit lnSpcReduction="10000"/>
+          </a:bodyPr>
+          <a:lstStyle/>
+          <a:p>
+            <a:r>
+              <a:rPr lang="es-ES" sz="2400" dirty="0"/>
+              <a:t>Ponemos a cero el tiempo entre el nodo simbólico y los nodos de los transbordos para no influir al algoritmo porque línea empezar</a:t>
+            </a:r>
+          </a:p>
+          <a:p>
+            <a:endParaRPr lang="es-ES" sz="2400" dirty="0"/>
+          </a:p>
+          <a:p>
+            <a:r>
+              <a:rPr lang="es-ES" sz="2400" dirty="0"/>
+              <a:t>Antes de la ejecución se eliminaran todos los nodos simbólicos que no sean el origen y el destino.</a:t>
+            </a:r>
+          </a:p>
+        </p:txBody>
+      </p:sp>
+      <p:grpSp>
+        <p:nvGrpSpPr>
+          <p:cNvPr id="74" name="Grupo 73">
+            <a:extLst>
+              <a:ext uri="{FF2B5EF4-FFF2-40B4-BE49-F238E27FC236}">
+                <a16:creationId xmlns:a16="http://schemas.microsoft.com/office/drawing/2014/main" id="{A91CF865-4864-49F7-8390-0B829EF747E5}"/>
+              </a:ext>
+            </a:extLst>
+          </p:cNvPr>
+          <p:cNvGrpSpPr/>
+          <p:nvPr/>
+        </p:nvGrpSpPr>
+        <p:grpSpPr>
+          <a:xfrm>
+            <a:off x="318781" y="1689366"/>
+            <a:ext cx="7021586" cy="4522260"/>
+            <a:chOff x="3930907" y="1501629"/>
+            <a:chExt cx="7876774" cy="4919445"/>
+          </a:xfrm>
+        </p:grpSpPr>
+        <p:sp>
+          <p:nvSpPr>
+            <p:cNvPr id="4" name="Elipse 3">
+              <a:extLst>
+                <a:ext uri="{FF2B5EF4-FFF2-40B4-BE49-F238E27FC236}">
+                  <a16:creationId xmlns:a16="http://schemas.microsoft.com/office/drawing/2014/main" id="{A4133393-7E52-4781-AB74-7F5F9A16E50F}"/>
+                </a:ext>
+              </a:extLst>
+            </p:cNvPr>
+            <p:cNvSpPr/>
+            <p:nvPr/>
+          </p:nvSpPr>
+          <p:spPr>
+            <a:xfrm>
+              <a:off x="5275889" y="4618062"/>
+              <a:ext cx="562061" cy="536895"/>
+            </a:xfrm>
+            <a:prstGeom prst="ellipse">
+              <a:avLst/>
+            </a:prstGeom>
+          </p:spPr>
+          <p:style>
+            <a:lnRef idx="2">
+              <a:schemeClr val="accent4">
+                <a:shade val="50000"/>
+              </a:schemeClr>
+            </a:lnRef>
+            <a:fillRef idx="1">
+              <a:schemeClr val="accent4"/>
+            </a:fillRef>
+            <a:effectRef idx="0">
+              <a:schemeClr val="accent4"/>
+            </a:effectRef>
+            <a:fontRef idx="minor">
+              <a:schemeClr val="lt1"/>
+            </a:fontRef>
+          </p:style>
+          <p:txBody>
+            <a:bodyPr rtlCol="0" anchor="ctr"/>
+            <a:lstStyle/>
+            <a:p>
+              <a:pPr algn="ctr"/>
+              <a:endParaRPr lang="es-ES"/>
+            </a:p>
+          </p:txBody>
+        </p:sp>
+        <p:sp>
+          <p:nvSpPr>
+            <p:cNvPr id="5" name="Elipse 4">
+              <a:extLst>
+                <a:ext uri="{FF2B5EF4-FFF2-40B4-BE49-F238E27FC236}">
+                  <a16:creationId xmlns:a16="http://schemas.microsoft.com/office/drawing/2014/main" id="{60640F85-0276-4FBE-B0FE-789E7E82A3C3}"/>
+                </a:ext>
+              </a:extLst>
+            </p:cNvPr>
+            <p:cNvSpPr/>
+            <p:nvPr/>
+          </p:nvSpPr>
+          <p:spPr>
+            <a:xfrm>
+              <a:off x="7916058" y="2089468"/>
+              <a:ext cx="562061" cy="536895"/>
+            </a:xfrm>
+            <a:prstGeom prst="ellipse">
+              <a:avLst/>
+            </a:prstGeom>
+          </p:spPr>
+          <p:style>
+            <a:lnRef idx="2">
+              <a:schemeClr val="accent6">
+                <a:shade val="50000"/>
+              </a:schemeClr>
+            </a:lnRef>
+            <a:fillRef idx="1">
+              <a:schemeClr val="accent6"/>
+            </a:fillRef>
+            <a:effectRef idx="0">
+              <a:schemeClr val="accent6"/>
+            </a:effectRef>
+            <a:fontRef idx="minor">
+              <a:schemeClr val="lt1"/>
+            </a:fontRef>
+          </p:style>
+          <p:txBody>
+            <a:bodyPr rtlCol="0" anchor="ctr"/>
+            <a:lstStyle/>
+            <a:p>
+              <a:pPr algn="ctr"/>
+              <a:endParaRPr lang="es-ES" dirty="0"/>
+            </a:p>
+          </p:txBody>
+        </p:sp>
+        <p:sp>
+          <p:nvSpPr>
+            <p:cNvPr id="6" name="Elipse 5">
+              <a:extLst>
+                <a:ext uri="{FF2B5EF4-FFF2-40B4-BE49-F238E27FC236}">
+                  <a16:creationId xmlns:a16="http://schemas.microsoft.com/office/drawing/2014/main" id="{AD3F884A-2C05-454C-A3BF-8AECA4877AF7}"/>
+                </a:ext>
+              </a:extLst>
+            </p:cNvPr>
+            <p:cNvSpPr/>
+            <p:nvPr/>
+          </p:nvSpPr>
+          <p:spPr>
+            <a:xfrm>
+              <a:off x="10101744" y="5474884"/>
+              <a:ext cx="562061" cy="536895"/>
+            </a:xfrm>
+            <a:prstGeom prst="ellipse">
+              <a:avLst/>
+            </a:prstGeom>
+            <a:solidFill>
+              <a:srgbClr val="F53C29"/>
+            </a:solidFill>
+            <a:ln>
+              <a:solidFill>
+                <a:srgbClr val="CC1C0A"/>
+              </a:solidFill>
+            </a:ln>
+          </p:spPr>
+          <p:style>
+            <a:lnRef idx="2">
+              <a:schemeClr val="accent2">
+                <a:shade val="50000"/>
+              </a:schemeClr>
+            </a:lnRef>
+            <a:fillRef idx="1">
+              <a:schemeClr val="accent2"/>
+            </a:fillRef>
+            <a:effectRef idx="0">
+              <a:schemeClr val="accent2"/>
+            </a:effectRef>
+            <a:fontRef idx="minor">
+              <a:schemeClr val="lt1"/>
+            </a:fontRef>
+          </p:style>
+          <p:txBody>
+            <a:bodyPr rtlCol="0" anchor="ctr"/>
+            <a:lstStyle/>
+            <a:p>
+              <a:pPr algn="ctr"/>
+              <a:endParaRPr lang="es-ES"/>
+            </a:p>
+          </p:txBody>
+        </p:sp>
+        <p:sp>
+          <p:nvSpPr>
+            <p:cNvPr id="7" name="Elipse 6">
+              <a:extLst>
+                <a:ext uri="{FF2B5EF4-FFF2-40B4-BE49-F238E27FC236}">
+                  <a16:creationId xmlns:a16="http://schemas.microsoft.com/office/drawing/2014/main" id="{59CE9370-42FA-435F-8187-9BE7231D461E}"/>
+                </a:ext>
+              </a:extLst>
+            </p:cNvPr>
+            <p:cNvSpPr/>
+            <p:nvPr/>
+          </p:nvSpPr>
+          <p:spPr>
+            <a:xfrm>
+              <a:off x="7717340" y="4081167"/>
+              <a:ext cx="562061" cy="536895"/>
+            </a:xfrm>
+            <a:prstGeom prst="ellipse">
+              <a:avLst/>
+            </a:prstGeom>
+            <a:ln>
+              <a:prstDash val="sysDash"/>
+            </a:ln>
+          </p:spPr>
+          <p:style>
+            <a:lnRef idx="2">
+              <a:schemeClr val="dk1"/>
+            </a:lnRef>
+            <a:fillRef idx="1">
+              <a:schemeClr val="lt1"/>
+            </a:fillRef>
+            <a:effectRef idx="0">
+              <a:schemeClr val="dk1"/>
+            </a:effectRef>
+            <a:fontRef idx="minor">
+              <a:schemeClr val="dk1"/>
+            </a:fontRef>
+          </p:style>
+          <p:txBody>
+            <a:bodyPr rtlCol="0" anchor="ctr"/>
+            <a:lstStyle/>
+            <a:p>
+              <a:pPr algn="ctr"/>
+              <a:endParaRPr lang="es-ES"/>
+            </a:p>
+          </p:txBody>
+        </p:sp>
+        <p:cxnSp>
+          <p:nvCxnSpPr>
+            <p:cNvPr id="9" name="Conector recto 8">
+              <a:extLst>
+                <a:ext uri="{FF2B5EF4-FFF2-40B4-BE49-F238E27FC236}">
+                  <a16:creationId xmlns:a16="http://schemas.microsoft.com/office/drawing/2014/main" id="{E1DFC2F1-719B-46F9-B8A2-986CEA82A9F1}"/>
+                </a:ext>
+              </a:extLst>
+            </p:cNvPr>
+            <p:cNvCxnSpPr>
+              <a:cxnSpLocks/>
+              <a:stCxn id="4" idx="6"/>
+              <a:endCxn id="6" idx="2"/>
+            </p:cNvCxnSpPr>
+            <p:nvPr/>
+          </p:nvCxnSpPr>
+          <p:spPr>
+            <a:xfrm>
+              <a:off x="5837950" y="4886510"/>
+              <a:ext cx="4263794" cy="856822"/>
+            </a:xfrm>
+            <a:prstGeom prst="line">
+              <a:avLst/>
+            </a:prstGeom>
+            <a:ln>
+              <a:solidFill>
+                <a:schemeClr val="bg2">
+                  <a:lumMod val="25000"/>
+                </a:schemeClr>
+              </a:solidFill>
+            </a:ln>
+          </p:spPr>
+          <p:style>
+            <a:lnRef idx="2">
+              <a:schemeClr val="dk1"/>
+            </a:lnRef>
+            <a:fillRef idx="1">
+              <a:schemeClr val="lt1"/>
+            </a:fillRef>
+            <a:effectRef idx="0">
+              <a:schemeClr val="dk1"/>
+            </a:effectRef>
+            <a:fontRef idx="minor">
+              <a:schemeClr val="dk1"/>
+            </a:fontRef>
+          </p:style>
+        </p:cxnSp>
+        <p:cxnSp>
+          <p:nvCxnSpPr>
+            <p:cNvPr id="14" name="Conector recto 13">
+              <a:extLst>
+                <a:ext uri="{FF2B5EF4-FFF2-40B4-BE49-F238E27FC236}">
+                  <a16:creationId xmlns:a16="http://schemas.microsoft.com/office/drawing/2014/main" id="{D0408A14-E373-4A4B-A95D-CC7B0DDCB614}"/>
+                </a:ext>
+              </a:extLst>
+            </p:cNvPr>
+            <p:cNvCxnSpPr>
+              <a:cxnSpLocks/>
+              <a:stCxn id="4" idx="0"/>
+              <a:endCxn id="5" idx="3"/>
+            </p:cNvCxnSpPr>
+            <p:nvPr/>
+          </p:nvCxnSpPr>
+          <p:spPr>
+            <a:xfrm flipV="1">
+              <a:off x="5556920" y="2547737"/>
+              <a:ext cx="2441450" cy="2070325"/>
+            </a:xfrm>
+            <a:prstGeom prst="line">
+              <a:avLst/>
+            </a:prstGeom>
+            <a:ln>
+              <a:solidFill>
+                <a:schemeClr val="bg2">
+                  <a:lumMod val="25000"/>
+                </a:schemeClr>
+              </a:solidFill>
+            </a:ln>
+          </p:spPr>
+          <p:style>
+            <a:lnRef idx="3">
+              <a:schemeClr val="accent3"/>
+            </a:lnRef>
+            <a:fillRef idx="0">
+              <a:schemeClr val="accent3"/>
+            </a:fillRef>
+            <a:effectRef idx="2">
+              <a:schemeClr val="accent3"/>
+            </a:effectRef>
+            <a:fontRef idx="minor">
+              <a:schemeClr val="tx1"/>
+            </a:fontRef>
+          </p:style>
+        </p:cxnSp>
+        <p:cxnSp>
+          <p:nvCxnSpPr>
+            <p:cNvPr id="17" name="Conector recto 16">
+              <a:extLst>
+                <a:ext uri="{FF2B5EF4-FFF2-40B4-BE49-F238E27FC236}">
+                  <a16:creationId xmlns:a16="http://schemas.microsoft.com/office/drawing/2014/main" id="{CDFDE680-47C9-43D9-A0AE-EC2927915472}"/>
+                </a:ext>
+              </a:extLst>
+            </p:cNvPr>
+            <p:cNvCxnSpPr>
+              <a:stCxn id="5" idx="5"/>
+              <a:endCxn id="6" idx="0"/>
+            </p:cNvCxnSpPr>
+            <p:nvPr/>
+          </p:nvCxnSpPr>
+          <p:spPr>
+            <a:xfrm>
+              <a:off x="8395807" y="2547737"/>
+              <a:ext cx="1986968" cy="2927147"/>
+            </a:xfrm>
+            <a:prstGeom prst="line">
+              <a:avLst/>
+            </a:prstGeom>
+            <a:ln>
+              <a:solidFill>
+                <a:schemeClr val="bg2">
+                  <a:lumMod val="25000"/>
+                </a:schemeClr>
+              </a:solidFill>
+            </a:ln>
+          </p:spPr>
+          <p:style>
+            <a:lnRef idx="2">
+              <a:schemeClr val="dk1"/>
+            </a:lnRef>
+            <a:fillRef idx="1">
+              <a:schemeClr val="lt1"/>
+            </a:fillRef>
+            <a:effectRef idx="0">
+              <a:schemeClr val="dk1"/>
+            </a:effectRef>
+            <a:fontRef idx="minor">
+              <a:schemeClr val="dk1"/>
+            </a:fontRef>
+          </p:style>
+        </p:cxnSp>
+        <p:cxnSp>
+          <p:nvCxnSpPr>
+            <p:cNvPr id="19" name="Conector recto 18">
+              <a:extLst>
+                <a:ext uri="{FF2B5EF4-FFF2-40B4-BE49-F238E27FC236}">
+                  <a16:creationId xmlns:a16="http://schemas.microsoft.com/office/drawing/2014/main" id="{0FC3187C-FA99-43B7-9665-6BAAEA659994}"/>
+                </a:ext>
+              </a:extLst>
+            </p:cNvPr>
+            <p:cNvCxnSpPr>
+              <a:cxnSpLocks/>
+              <a:stCxn id="5" idx="4"/>
+            </p:cNvCxnSpPr>
+            <p:nvPr/>
+          </p:nvCxnSpPr>
+          <p:spPr>
+            <a:xfrm flipH="1">
+              <a:off x="8034359" y="2626364"/>
+              <a:ext cx="162730" cy="1454802"/>
+            </a:xfrm>
+            <a:prstGeom prst="line">
+              <a:avLst/>
+            </a:prstGeom>
+          </p:spPr>
+          <p:style>
+            <a:lnRef idx="2">
+              <a:schemeClr val="dk1"/>
+            </a:lnRef>
+            <a:fillRef idx="1">
+              <a:schemeClr val="lt1"/>
+            </a:fillRef>
+            <a:effectRef idx="0">
+              <a:schemeClr val="dk1"/>
+            </a:effectRef>
+            <a:fontRef idx="minor">
+              <a:schemeClr val="dk1"/>
+            </a:fontRef>
+          </p:style>
+        </p:cxnSp>
+        <p:cxnSp>
+          <p:nvCxnSpPr>
+            <p:cNvPr id="26" name="Conector recto 25">
+              <a:extLst>
+                <a:ext uri="{FF2B5EF4-FFF2-40B4-BE49-F238E27FC236}">
+                  <a16:creationId xmlns:a16="http://schemas.microsoft.com/office/drawing/2014/main" id="{5DC8A5EF-EF9B-480A-8972-511182DB6B33}"/>
+                </a:ext>
+              </a:extLst>
+            </p:cNvPr>
+            <p:cNvCxnSpPr>
+              <a:cxnSpLocks/>
+              <a:stCxn id="7" idx="2"/>
+              <a:endCxn id="4" idx="7"/>
+            </p:cNvCxnSpPr>
+            <p:nvPr/>
+          </p:nvCxnSpPr>
+          <p:spPr>
+            <a:xfrm flipH="1">
+              <a:off x="5755638" y="4349615"/>
+              <a:ext cx="1961702" cy="347073"/>
+            </a:xfrm>
+            <a:prstGeom prst="line">
+              <a:avLst/>
+            </a:prstGeom>
+            <a:ln>
+              <a:solidFill>
+                <a:schemeClr val="bg2">
+                  <a:lumMod val="25000"/>
+                </a:schemeClr>
+              </a:solidFill>
+            </a:ln>
+          </p:spPr>
+          <p:style>
+            <a:lnRef idx="2">
+              <a:schemeClr val="dk1"/>
+            </a:lnRef>
+            <a:fillRef idx="1">
+              <a:schemeClr val="lt1"/>
+            </a:fillRef>
+            <a:effectRef idx="0">
+              <a:schemeClr val="dk1"/>
+            </a:effectRef>
+            <a:fontRef idx="minor">
+              <a:schemeClr val="dk1"/>
+            </a:fontRef>
+          </p:style>
+        </p:cxnSp>
+        <p:cxnSp>
+          <p:nvCxnSpPr>
+            <p:cNvPr id="31" name="Conector recto 30">
+              <a:extLst>
+                <a:ext uri="{FF2B5EF4-FFF2-40B4-BE49-F238E27FC236}">
+                  <a16:creationId xmlns:a16="http://schemas.microsoft.com/office/drawing/2014/main" id="{8032BD47-53D2-4940-8C7D-DD612BE5F6E6}"/>
+                </a:ext>
+              </a:extLst>
+            </p:cNvPr>
+            <p:cNvCxnSpPr>
+              <a:cxnSpLocks/>
+              <a:endCxn id="6" idx="1"/>
+            </p:cNvCxnSpPr>
+            <p:nvPr/>
+          </p:nvCxnSpPr>
+          <p:spPr>
+            <a:xfrm>
+              <a:off x="8251070" y="4434744"/>
+              <a:ext cx="1932985" cy="1118766"/>
+            </a:xfrm>
+            <a:prstGeom prst="line">
+              <a:avLst/>
+            </a:prstGeom>
+            <a:ln>
+              <a:solidFill>
+                <a:schemeClr val="bg2">
+                  <a:lumMod val="25000"/>
+                </a:schemeClr>
+              </a:solidFill>
+            </a:ln>
+          </p:spPr>
+          <p:style>
+            <a:lnRef idx="2">
+              <a:schemeClr val="dk1"/>
+            </a:lnRef>
+            <a:fillRef idx="1">
+              <a:schemeClr val="lt1"/>
+            </a:fillRef>
+            <a:effectRef idx="0">
+              <a:schemeClr val="dk1"/>
+            </a:effectRef>
+            <a:fontRef idx="minor">
+              <a:schemeClr val="dk1"/>
+            </a:fontRef>
+          </p:style>
+        </p:cxnSp>
+        <p:sp>
+          <p:nvSpPr>
+            <p:cNvPr id="48" name="CuadroTexto 47">
+              <a:extLst>
+                <a:ext uri="{FF2B5EF4-FFF2-40B4-BE49-F238E27FC236}">
+                  <a16:creationId xmlns:a16="http://schemas.microsoft.com/office/drawing/2014/main" id="{97430236-B0B2-4176-84EC-323E50D2E139}"/>
+                </a:ext>
+              </a:extLst>
+            </p:cNvPr>
+            <p:cNvSpPr txBox="1"/>
+            <p:nvPr/>
+          </p:nvSpPr>
+          <p:spPr>
+            <a:xfrm>
+              <a:off x="6399015" y="3307900"/>
+              <a:ext cx="378630" cy="369332"/>
+            </a:xfrm>
+            <a:prstGeom prst="rect">
+              <a:avLst/>
+            </a:prstGeom>
+            <a:noFill/>
+          </p:spPr>
+          <p:txBody>
+            <a:bodyPr wrap="none" rtlCol="0">
+              <a:spAutoFit/>
+            </a:bodyPr>
+            <a:lstStyle/>
+            <a:p>
+              <a:r>
+                <a:rPr lang="es-ES" dirty="0"/>
+                <a:t>t1</a:t>
+              </a:r>
+            </a:p>
+          </p:txBody>
+        </p:sp>
+        <p:sp>
+          <p:nvSpPr>
+            <p:cNvPr id="49" name="CuadroTexto 48">
+              <a:extLst>
+                <a:ext uri="{FF2B5EF4-FFF2-40B4-BE49-F238E27FC236}">
+                  <a16:creationId xmlns:a16="http://schemas.microsoft.com/office/drawing/2014/main" id="{05A37A59-A9AF-4276-9572-018F9ECD669B}"/>
+                </a:ext>
+              </a:extLst>
+            </p:cNvPr>
+            <p:cNvSpPr txBox="1"/>
+            <p:nvPr/>
+          </p:nvSpPr>
+          <p:spPr>
+            <a:xfrm>
+              <a:off x="7581077" y="5208533"/>
+              <a:ext cx="378630" cy="369332"/>
+            </a:xfrm>
+            <a:prstGeom prst="rect">
+              <a:avLst/>
+            </a:prstGeom>
+            <a:noFill/>
+          </p:spPr>
+          <p:txBody>
+            <a:bodyPr wrap="none" rtlCol="0">
+              <a:spAutoFit/>
+            </a:bodyPr>
+            <a:lstStyle/>
+            <a:p>
+              <a:r>
+                <a:rPr lang="es-ES" dirty="0"/>
+                <a:t>t2</a:t>
+              </a:r>
+            </a:p>
+          </p:txBody>
+        </p:sp>
+        <p:sp>
+          <p:nvSpPr>
+            <p:cNvPr id="50" name="CuadroTexto 49">
+              <a:extLst>
+                <a:ext uri="{FF2B5EF4-FFF2-40B4-BE49-F238E27FC236}">
+                  <a16:creationId xmlns:a16="http://schemas.microsoft.com/office/drawing/2014/main" id="{D6D63450-E5F3-463B-9227-61AC521BA4F4}"/>
+                </a:ext>
+              </a:extLst>
+            </p:cNvPr>
+            <p:cNvSpPr txBox="1"/>
+            <p:nvPr/>
+          </p:nvSpPr>
+          <p:spPr>
+            <a:xfrm>
+              <a:off x="9389291" y="3582899"/>
+              <a:ext cx="378630" cy="369332"/>
+            </a:xfrm>
+            <a:prstGeom prst="rect">
+              <a:avLst/>
+            </a:prstGeom>
+            <a:noFill/>
+          </p:spPr>
+          <p:txBody>
+            <a:bodyPr wrap="none" rtlCol="0">
+              <a:spAutoFit/>
+            </a:bodyPr>
+            <a:lstStyle/>
+            <a:p>
+              <a:r>
+                <a:rPr lang="es-ES" dirty="0"/>
+                <a:t>t3</a:t>
+              </a:r>
+            </a:p>
+          </p:txBody>
+        </p:sp>
+        <p:sp>
+          <p:nvSpPr>
+            <p:cNvPr id="51" name="CuadroTexto 50">
+              <a:extLst>
+                <a:ext uri="{FF2B5EF4-FFF2-40B4-BE49-F238E27FC236}">
+                  <a16:creationId xmlns:a16="http://schemas.microsoft.com/office/drawing/2014/main" id="{226605A0-70DF-41B5-AAFC-CC95B3959F27}"/>
+                </a:ext>
+              </a:extLst>
+            </p:cNvPr>
+            <p:cNvSpPr txBox="1"/>
+            <p:nvPr/>
+          </p:nvSpPr>
+          <p:spPr>
+            <a:xfrm>
+              <a:off x="6698237" y="4164949"/>
+              <a:ext cx="301686" cy="369332"/>
+            </a:xfrm>
+            <a:prstGeom prst="rect">
+              <a:avLst/>
+            </a:prstGeom>
+            <a:noFill/>
+          </p:spPr>
+          <p:txBody>
+            <a:bodyPr wrap="none" rtlCol="0">
+              <a:spAutoFit/>
+            </a:bodyPr>
+            <a:lstStyle/>
+            <a:p>
+              <a:r>
+                <a:rPr lang="es-ES" dirty="0"/>
+                <a:t>0</a:t>
+              </a:r>
+            </a:p>
+          </p:txBody>
+        </p:sp>
+        <p:cxnSp>
+          <p:nvCxnSpPr>
+            <p:cNvPr id="53" name="Conector recto 52">
+              <a:extLst>
+                <a:ext uri="{FF2B5EF4-FFF2-40B4-BE49-F238E27FC236}">
+                  <a16:creationId xmlns:a16="http://schemas.microsoft.com/office/drawing/2014/main" id="{E64068CD-E9E3-4B82-BCCC-8BBFF66698FB}"/>
+                </a:ext>
+              </a:extLst>
+            </p:cNvPr>
+            <p:cNvCxnSpPr>
+              <a:cxnSpLocks/>
+              <a:stCxn id="4" idx="2"/>
+            </p:cNvCxnSpPr>
+            <p:nvPr/>
+          </p:nvCxnSpPr>
+          <p:spPr>
+            <a:xfrm flipH="1" flipV="1">
+              <a:off x="3930907" y="4798503"/>
+              <a:ext cx="1344982" cy="88007"/>
+            </a:xfrm>
+            <a:prstGeom prst="line">
+              <a:avLst/>
+            </a:prstGeom>
+            <a:ln w="57150"/>
+          </p:spPr>
+          <p:style>
+            <a:lnRef idx="3">
+              <a:schemeClr val="accent4"/>
+            </a:lnRef>
+            <a:fillRef idx="0">
+              <a:schemeClr val="accent4"/>
+            </a:fillRef>
+            <a:effectRef idx="2">
+              <a:schemeClr val="accent4"/>
+            </a:effectRef>
+            <a:fontRef idx="minor">
+              <a:schemeClr val="tx1"/>
+            </a:fontRef>
+          </p:style>
+        </p:cxnSp>
+        <p:cxnSp>
+          <p:nvCxnSpPr>
+            <p:cNvPr id="62" name="Conector recto 61">
+              <a:extLst>
+                <a:ext uri="{FF2B5EF4-FFF2-40B4-BE49-F238E27FC236}">
+                  <a16:creationId xmlns:a16="http://schemas.microsoft.com/office/drawing/2014/main" id="{07828E42-4F68-49CA-9CA0-A03DF5E73C24}"/>
+                </a:ext>
+              </a:extLst>
+            </p:cNvPr>
+            <p:cNvCxnSpPr>
+              <a:cxnSpLocks/>
+              <a:stCxn id="5" idx="0"/>
+            </p:cNvCxnSpPr>
+            <p:nvPr/>
+          </p:nvCxnSpPr>
+          <p:spPr>
+            <a:xfrm flipV="1">
+              <a:off x="8197089" y="1501629"/>
+              <a:ext cx="29436" cy="587839"/>
+            </a:xfrm>
+            <a:prstGeom prst="line">
+              <a:avLst/>
+            </a:prstGeom>
+            <a:ln w="57150">
+              <a:solidFill>
+                <a:schemeClr val="accent6"/>
+              </a:solidFill>
+            </a:ln>
+          </p:spPr>
+          <p:style>
+            <a:lnRef idx="3">
+              <a:schemeClr val="accent4"/>
+            </a:lnRef>
+            <a:fillRef idx="0">
+              <a:schemeClr val="accent4"/>
+            </a:fillRef>
+            <a:effectRef idx="2">
+              <a:schemeClr val="accent4"/>
+            </a:effectRef>
+            <a:fontRef idx="minor">
+              <a:schemeClr val="tx1"/>
+            </a:fontRef>
+          </p:style>
+        </p:cxnSp>
+        <p:cxnSp>
+          <p:nvCxnSpPr>
+            <p:cNvPr id="65" name="Conector recto 64">
+              <a:extLst>
+                <a:ext uri="{FF2B5EF4-FFF2-40B4-BE49-F238E27FC236}">
+                  <a16:creationId xmlns:a16="http://schemas.microsoft.com/office/drawing/2014/main" id="{6B505DA5-2597-4EC6-96D4-D2D4A7B43482}"/>
+                </a:ext>
+              </a:extLst>
+            </p:cNvPr>
+            <p:cNvCxnSpPr>
+              <a:cxnSpLocks/>
+              <a:endCxn id="6" idx="6"/>
+            </p:cNvCxnSpPr>
+            <p:nvPr/>
+          </p:nvCxnSpPr>
+          <p:spPr>
+            <a:xfrm flipH="1" flipV="1">
+              <a:off x="10663805" y="5743332"/>
+              <a:ext cx="1143876" cy="128962"/>
+            </a:xfrm>
+            <a:prstGeom prst="line">
+              <a:avLst/>
+            </a:prstGeom>
+            <a:ln w="57150">
+              <a:solidFill>
+                <a:srgbClr val="F53C29"/>
+              </a:solidFill>
+            </a:ln>
+          </p:spPr>
+          <p:style>
+            <a:lnRef idx="3">
+              <a:schemeClr val="accent4"/>
+            </a:lnRef>
+            <a:fillRef idx="0">
+              <a:schemeClr val="accent4"/>
+            </a:fillRef>
+            <a:effectRef idx="2">
+              <a:schemeClr val="accent4"/>
+            </a:effectRef>
+            <a:fontRef idx="minor">
+              <a:schemeClr val="tx1"/>
+            </a:fontRef>
+          </p:style>
+        </p:cxnSp>
+        <p:sp>
+          <p:nvSpPr>
+            <p:cNvPr id="68" name="CuadroTexto 67">
+              <a:extLst>
+                <a:ext uri="{FF2B5EF4-FFF2-40B4-BE49-F238E27FC236}">
+                  <a16:creationId xmlns:a16="http://schemas.microsoft.com/office/drawing/2014/main" id="{0E4CAA10-D92E-498A-A970-0CFED0254F26}"/>
+                </a:ext>
+              </a:extLst>
+            </p:cNvPr>
+            <p:cNvSpPr txBox="1"/>
+            <p:nvPr/>
+          </p:nvSpPr>
+          <p:spPr>
+            <a:xfrm>
+              <a:off x="8810782" y="4428241"/>
+              <a:ext cx="301686" cy="369332"/>
+            </a:xfrm>
+            <a:prstGeom prst="rect">
+              <a:avLst/>
+            </a:prstGeom>
+            <a:noFill/>
+          </p:spPr>
+          <p:txBody>
+            <a:bodyPr wrap="none" rtlCol="0">
+              <a:spAutoFit/>
+            </a:bodyPr>
+            <a:lstStyle/>
+            <a:p>
+              <a:r>
+                <a:rPr lang="es-ES" dirty="0"/>
+                <a:t>0</a:t>
+              </a:r>
+            </a:p>
+          </p:txBody>
+        </p:sp>
+        <p:sp>
+          <p:nvSpPr>
+            <p:cNvPr id="69" name="CuadroTexto 68">
+              <a:extLst>
+                <a:ext uri="{FF2B5EF4-FFF2-40B4-BE49-F238E27FC236}">
+                  <a16:creationId xmlns:a16="http://schemas.microsoft.com/office/drawing/2014/main" id="{85659A59-9E94-465D-9953-BF7338A57C8B}"/>
+                </a:ext>
+              </a:extLst>
+            </p:cNvPr>
+            <p:cNvSpPr txBox="1"/>
+            <p:nvPr/>
+          </p:nvSpPr>
+          <p:spPr>
+            <a:xfrm>
+              <a:off x="7754660" y="3467977"/>
+              <a:ext cx="301686" cy="369332"/>
+            </a:xfrm>
+            <a:prstGeom prst="rect">
+              <a:avLst/>
+            </a:prstGeom>
+            <a:noFill/>
+          </p:spPr>
+          <p:txBody>
+            <a:bodyPr wrap="none" rtlCol="0">
+              <a:spAutoFit/>
+            </a:bodyPr>
+            <a:lstStyle/>
+            <a:p>
+              <a:r>
+                <a:rPr lang="es-ES" dirty="0"/>
+                <a:t>0</a:t>
+              </a:r>
+            </a:p>
+          </p:txBody>
+        </p:sp>
+        <p:sp>
+          <p:nvSpPr>
+            <p:cNvPr id="70" name="CuadroTexto 69">
+              <a:extLst>
+                <a:ext uri="{FF2B5EF4-FFF2-40B4-BE49-F238E27FC236}">
+                  <a16:creationId xmlns:a16="http://schemas.microsoft.com/office/drawing/2014/main" id="{81A85897-91FA-4B54-B8FC-68B5DEA9FCBF}"/>
+                </a:ext>
+              </a:extLst>
+            </p:cNvPr>
+            <p:cNvSpPr txBox="1"/>
+            <p:nvPr/>
+          </p:nvSpPr>
+          <p:spPr>
+            <a:xfrm>
+              <a:off x="4772899" y="5104515"/>
+              <a:ext cx="1557349" cy="369332"/>
+            </a:xfrm>
+            <a:prstGeom prst="rect">
+              <a:avLst/>
+            </a:prstGeom>
+            <a:noFill/>
+          </p:spPr>
+          <p:txBody>
+            <a:bodyPr wrap="none" rtlCol="0">
+              <a:spAutoFit/>
+            </a:bodyPr>
+            <a:lstStyle/>
+            <a:p>
+              <a:r>
+                <a:rPr lang="es-ES" dirty="0" err="1"/>
+                <a:t>Sobu</a:t>
+              </a:r>
+              <a:r>
+                <a:rPr lang="es-ES" dirty="0"/>
+                <a:t> </a:t>
+              </a:r>
+              <a:r>
+                <a:rPr lang="es-ES" dirty="0" err="1"/>
+                <a:t>Shinkuku</a:t>
+              </a:r>
+              <a:endParaRPr lang="es-ES" dirty="0"/>
+            </a:p>
+          </p:txBody>
+        </p:sp>
+        <p:sp>
+          <p:nvSpPr>
+            <p:cNvPr id="71" name="CuadroTexto 70">
+              <a:extLst>
+                <a:ext uri="{FF2B5EF4-FFF2-40B4-BE49-F238E27FC236}">
+                  <a16:creationId xmlns:a16="http://schemas.microsoft.com/office/drawing/2014/main" id="{910CED9B-CB25-497A-902C-62A3B5E8A306}"/>
+                </a:ext>
+              </a:extLst>
+            </p:cNvPr>
+            <p:cNvSpPr txBox="1"/>
+            <p:nvPr/>
+          </p:nvSpPr>
+          <p:spPr>
+            <a:xfrm>
+              <a:off x="8487907" y="2103134"/>
+              <a:ext cx="2022220" cy="369332"/>
+            </a:xfrm>
+            <a:prstGeom prst="rect">
+              <a:avLst/>
+            </a:prstGeom>
+            <a:noFill/>
+          </p:spPr>
+          <p:txBody>
+            <a:bodyPr wrap="none" rtlCol="0">
+              <a:spAutoFit/>
+            </a:bodyPr>
+            <a:lstStyle/>
+            <a:p>
+              <a:r>
+                <a:rPr lang="es-ES" dirty="0" err="1"/>
+                <a:t>Yamanote</a:t>
+              </a:r>
+              <a:r>
+                <a:rPr lang="es-ES" dirty="0"/>
+                <a:t> </a:t>
+              </a:r>
+              <a:r>
+                <a:rPr lang="es-ES" dirty="0" err="1"/>
+                <a:t>Shinkuku</a:t>
+              </a:r>
+              <a:endParaRPr lang="es-ES" dirty="0"/>
+            </a:p>
+          </p:txBody>
+        </p:sp>
+        <p:sp>
+          <p:nvSpPr>
+            <p:cNvPr id="72" name="CuadroTexto 71">
+              <a:extLst>
+                <a:ext uri="{FF2B5EF4-FFF2-40B4-BE49-F238E27FC236}">
+                  <a16:creationId xmlns:a16="http://schemas.microsoft.com/office/drawing/2014/main" id="{5128859B-F1A8-4993-94E7-6C5CFE6F6CE6}"/>
+                </a:ext>
+              </a:extLst>
+            </p:cNvPr>
+            <p:cNvSpPr txBox="1"/>
+            <p:nvPr/>
+          </p:nvSpPr>
+          <p:spPr>
+            <a:xfrm>
+              <a:off x="9712493" y="6051742"/>
+              <a:ext cx="1574983" cy="369332"/>
+            </a:xfrm>
+            <a:prstGeom prst="rect">
+              <a:avLst/>
+            </a:prstGeom>
+            <a:noFill/>
+          </p:spPr>
+          <p:txBody>
+            <a:bodyPr wrap="none" rtlCol="0">
+              <a:spAutoFit/>
+            </a:bodyPr>
+            <a:lstStyle/>
+            <a:p>
+              <a:r>
+                <a:rPr lang="es-ES" dirty="0" err="1"/>
+                <a:t>Chuo</a:t>
+              </a:r>
+              <a:r>
+                <a:rPr lang="es-ES" dirty="0"/>
+                <a:t> </a:t>
+              </a:r>
+              <a:r>
+                <a:rPr lang="es-ES" dirty="0" err="1"/>
+                <a:t>Shinkuku</a:t>
+              </a:r>
+              <a:endParaRPr lang="es-ES" dirty="0"/>
+            </a:p>
+          </p:txBody>
+        </p:sp>
+        <p:sp>
+          <p:nvSpPr>
+            <p:cNvPr id="73" name="CuadroTexto 72">
+              <a:extLst>
+                <a:ext uri="{FF2B5EF4-FFF2-40B4-BE49-F238E27FC236}">
+                  <a16:creationId xmlns:a16="http://schemas.microsoft.com/office/drawing/2014/main" id="{7DE36298-DCEA-4861-93E1-AA628FFFD967}"/>
+                </a:ext>
+              </a:extLst>
+            </p:cNvPr>
+            <p:cNvSpPr txBox="1"/>
+            <p:nvPr/>
+          </p:nvSpPr>
+          <p:spPr>
+            <a:xfrm>
+              <a:off x="7454739" y="4565209"/>
+              <a:ext cx="1033168" cy="369332"/>
+            </a:xfrm>
+            <a:prstGeom prst="rect">
+              <a:avLst/>
+            </a:prstGeom>
+            <a:noFill/>
+          </p:spPr>
+          <p:txBody>
+            <a:bodyPr wrap="none" rtlCol="0">
+              <a:spAutoFit/>
+            </a:bodyPr>
+            <a:lstStyle/>
+            <a:p>
+              <a:r>
+                <a:rPr lang="es-ES" dirty="0" err="1"/>
+                <a:t>Shinkuku</a:t>
+              </a:r>
+              <a:endParaRPr lang="es-ES" dirty="0"/>
+            </a:p>
+          </p:txBody>
+        </p:sp>
+      </p:grpSp>
+    </p:spTree>
+    <p:extLst>
+      <p:ext uri="{BB962C8B-B14F-4D97-AF65-F5344CB8AC3E}">
+        <p14:creationId xmlns:p14="http://schemas.microsoft.com/office/powerpoint/2010/main" val="4273170111"/>
+      </p:ext>
+    </p:extLst>
+  </p:cSld>
+  <p:clrMapOvr>
+    <a:masterClrMapping/>
+  </p:clrMapOvr>
+</p:sld>
+</file>
+
+<file path=ppt/slides/slide5.xml><?xml version="1.0" encoding="utf-8"?>
+<p:sld xmlns:a="http://schemas.openxmlformats.org/drawingml/2006/main" xmlns:r="http://schemas.openxmlformats.org/officeDocument/2006/relationships" xmlns:p="http://schemas.openxmlformats.org/presentationml/2006/main">
+  <p:cSld>
+    <p:spTree>
+      <p:nvGrpSpPr>
+        <p:cNvPr id="1" name=""/>
+        <p:cNvGrpSpPr/>
+        <p:nvPr/>
+      </p:nvGrpSpPr>
+      <p:grpSpPr>
+        <a:xfrm>
+          <a:off x="0" y="0"/>
+          <a:ext cx="0" cy="0"/>
+          <a:chOff x="0" y="0"/>
+          <a:chExt cx="0" cy="0"/>
+        </a:xfrm>
+      </p:grpSpPr>
+      <p:sp>
+        <p:nvSpPr>
+          <p:cNvPr id="2" name="Título 1">
+            <a:extLst>
+              <a:ext uri="{FF2B5EF4-FFF2-40B4-BE49-F238E27FC236}">
+                <a16:creationId xmlns:a16="http://schemas.microsoft.com/office/drawing/2014/main" id="{DE3F667B-46C8-45D0-87AF-F65D302A2F92}"/>
+              </a:ext>
+            </a:extLst>
+          </p:cNvPr>
+          <p:cNvSpPr>
+            <a:spLocks noGrp="1"/>
+          </p:cNvSpPr>
+          <p:nvPr>
+            <p:ph type="title"/>
+          </p:nvPr>
+        </p:nvSpPr>
+        <p:spPr/>
+        <p:txBody>
+          <a:bodyPr/>
+          <a:lstStyle/>
+          <a:p>
+            <a:r>
+              <a:rPr lang="es-ES" u="sng" dirty="0"/>
+              <a:t>Obtención de datos</a:t>
+            </a:r>
+          </a:p>
+        </p:txBody>
+      </p:sp>
+      <p:sp>
+        <p:nvSpPr>
+          <p:cNvPr id="3" name="Marcador de contenido 2">
+            <a:extLst>
+              <a:ext uri="{FF2B5EF4-FFF2-40B4-BE49-F238E27FC236}">
+                <a16:creationId xmlns:a16="http://schemas.microsoft.com/office/drawing/2014/main" id="{A39648ED-9320-4C5E-BC65-8DCFBA507FBF}"/>
+              </a:ext>
+            </a:extLst>
+          </p:cNvPr>
+          <p:cNvSpPr>
+            <a:spLocks noGrp="1"/>
+          </p:cNvSpPr>
+          <p:nvPr>
+            <p:ph idx="1"/>
+          </p:nvPr>
+        </p:nvSpPr>
+        <p:spPr>
+          <a:xfrm>
+            <a:off x="838200" y="1812685"/>
+            <a:ext cx="5452249" cy="1127300"/>
+          </a:xfrm>
+        </p:spPr>
+        <p:txBody>
+          <a:bodyPr>
+            <a:normAutofit/>
+          </a:bodyPr>
+          <a:lstStyle/>
+          <a:p>
+            <a:pPr marL="0" indent="0">
+              <a:buNone/>
+            </a:pPr>
+            <a:r>
+              <a:rPr lang="es-ES" dirty="0"/>
+              <a:t>Paso 1: </a:t>
+            </a:r>
+            <a:r>
+              <a:rPr lang="es-ES" sz="2400" dirty="0"/>
+              <a:t>obtener las distancias entre estaciones</a:t>
+            </a:r>
+          </a:p>
+          <a:p>
+            <a:endParaRPr lang="es-ES" sz="2400" dirty="0"/>
+          </a:p>
+        </p:txBody>
+      </p:sp>
+      <p:grpSp>
+        <p:nvGrpSpPr>
+          <p:cNvPr id="12" name="Grupo 11">
+            <a:extLst>
+              <a:ext uri="{FF2B5EF4-FFF2-40B4-BE49-F238E27FC236}">
+                <a16:creationId xmlns:a16="http://schemas.microsoft.com/office/drawing/2014/main" id="{5916638A-E858-46E8-976F-6EA88EB2AD3C}"/>
+              </a:ext>
+            </a:extLst>
+          </p:cNvPr>
+          <p:cNvGrpSpPr/>
+          <p:nvPr/>
+        </p:nvGrpSpPr>
+        <p:grpSpPr>
+          <a:xfrm>
+            <a:off x="6735065" y="638509"/>
+            <a:ext cx="4313235" cy="5580981"/>
+            <a:chOff x="6735065" y="638509"/>
+            <a:chExt cx="4313235" cy="5580981"/>
+          </a:xfrm>
+        </p:grpSpPr>
+        <p:grpSp>
+          <p:nvGrpSpPr>
+            <p:cNvPr id="6" name="Grupo 5">
+              <a:extLst>
+                <a:ext uri="{FF2B5EF4-FFF2-40B4-BE49-F238E27FC236}">
+                  <a16:creationId xmlns:a16="http://schemas.microsoft.com/office/drawing/2014/main" id="{D3C8357F-7D4D-480C-8D03-E4F03479260A}"/>
+                </a:ext>
+              </a:extLst>
+            </p:cNvPr>
+            <p:cNvGrpSpPr/>
+            <p:nvPr/>
+          </p:nvGrpSpPr>
+          <p:grpSpPr>
+            <a:xfrm>
+              <a:off x="6735065" y="638509"/>
+              <a:ext cx="4313235" cy="5580981"/>
+              <a:chOff x="6760232" y="638509"/>
+              <a:chExt cx="4313235" cy="5580981"/>
+            </a:xfrm>
+          </p:grpSpPr>
+          <p:pic>
+            <p:nvPicPr>
+              <p:cNvPr id="4" name="Imagen 3">
+                <a:extLst>
+                  <a:ext uri="{FF2B5EF4-FFF2-40B4-BE49-F238E27FC236}">
+                    <a16:creationId xmlns:a16="http://schemas.microsoft.com/office/drawing/2014/main" id="{623C5BF9-3736-40B3-94A5-4EFE2703C47B}"/>
+                  </a:ext>
+                </a:extLst>
+              </p:cNvPr>
+              <p:cNvPicPr>
+                <a:picLocks noChangeAspect="1"/>
+              </p:cNvPicPr>
+              <p:nvPr/>
+            </p:nvPicPr>
+            <p:blipFill rotWithShape="1">
+              <a:blip r:embed="rId2"/>
+              <a:srcRect l="2164" t="2203" r="436" b="11536"/>
+              <a:stretch/>
+            </p:blipFill>
+            <p:spPr>
+              <a:xfrm>
+                <a:off x="6760232" y="638509"/>
+                <a:ext cx="4313235" cy="5580981"/>
+              </a:xfrm>
+              <a:prstGeom prst="rect">
+                <a:avLst/>
+              </a:prstGeom>
+              <a:ln>
+                <a:noFill/>
+              </a:ln>
+              <a:effectLst>
+                <a:outerShdw blurRad="292100" dist="139700" dir="2700000" algn="tl" rotWithShape="0">
+                  <a:srgbClr val="333333">
+                    <a:alpha val="65000"/>
+                  </a:srgbClr>
+                </a:outerShdw>
+              </a:effectLst>
+            </p:spPr>
+          </p:pic>
+          <p:pic>
+            <p:nvPicPr>
+              <p:cNvPr id="5" name="Imagen 4">
+                <a:extLst>
+                  <a:ext uri="{FF2B5EF4-FFF2-40B4-BE49-F238E27FC236}">
+                    <a16:creationId xmlns:a16="http://schemas.microsoft.com/office/drawing/2014/main" id="{6BC96D8B-7A82-4DF1-92DC-475651CB3E54}"/>
+                  </a:ext>
+                </a:extLst>
+              </p:cNvPr>
+              <p:cNvPicPr>
+                <a:picLocks noChangeAspect="1"/>
+              </p:cNvPicPr>
+              <p:nvPr/>
+            </p:nvPicPr>
+            <p:blipFill rotWithShape="1">
+              <a:blip r:embed="rId2"/>
+              <a:srcRect l="3771" t="88074" r="83718" b="4345"/>
+              <a:stretch/>
+            </p:blipFill>
+            <p:spPr>
+              <a:xfrm>
+                <a:off x="6828639" y="3428999"/>
+                <a:ext cx="587228" cy="519914"/>
+              </a:xfrm>
+              <a:prstGeom prst="rect">
+                <a:avLst/>
+              </a:prstGeom>
+            </p:spPr>
+          </p:pic>
+        </p:grpSp>
+        <p:sp>
+          <p:nvSpPr>
+            <p:cNvPr id="7" name="Rectángulo 6">
+              <a:extLst>
+                <a:ext uri="{FF2B5EF4-FFF2-40B4-BE49-F238E27FC236}">
+                  <a16:creationId xmlns:a16="http://schemas.microsoft.com/office/drawing/2014/main" id="{F342BDDA-4E47-49CC-BF21-803494FE62C3}"/>
+                </a:ext>
+              </a:extLst>
+            </p:cNvPr>
+            <p:cNvSpPr/>
+            <p:nvPr/>
+          </p:nvSpPr>
+          <p:spPr>
+            <a:xfrm>
+              <a:off x="9932565" y="830510"/>
+              <a:ext cx="671119" cy="5388980"/>
+            </a:xfrm>
+            <a:prstGeom prst="rect">
+              <a:avLst/>
+            </a:prstGeom>
+            <a:noFill/>
+            <a:ln w="38100">
+              <a:solidFill>
+                <a:srgbClr val="F53C29"/>
+              </a:solidFill>
+            </a:ln>
+          </p:spPr>
+          <p:style>
+            <a:lnRef idx="2">
+              <a:schemeClr val="accent1">
+                <a:shade val="50000"/>
+              </a:schemeClr>
+            </a:lnRef>
+            <a:fillRef idx="1">
+              <a:schemeClr val="accent1"/>
+            </a:fillRef>
+            <a:effectRef idx="0">
+              <a:schemeClr val="accent1"/>
+            </a:effectRef>
+            <a:fontRef idx="minor">
+              <a:schemeClr val="lt1"/>
+            </a:fontRef>
+          </p:style>
+          <p:txBody>
+            <a:bodyPr rtlCol="0" anchor="ctr"/>
+            <a:lstStyle/>
+            <a:p>
+              <a:pPr algn="ctr"/>
+              <a:endParaRPr lang="es-ES"/>
+            </a:p>
+          </p:txBody>
+        </p:sp>
+      </p:grpSp>
+      <p:sp>
+        <p:nvSpPr>
+          <p:cNvPr id="8" name="Marcador de contenido 2">
+            <a:extLst>
+              <a:ext uri="{FF2B5EF4-FFF2-40B4-BE49-F238E27FC236}">
+                <a16:creationId xmlns:a16="http://schemas.microsoft.com/office/drawing/2014/main" id="{3568540B-6743-4003-95B6-BF3F36E6470C}"/>
+              </a:ext>
+            </a:extLst>
+          </p:cNvPr>
+          <p:cNvSpPr txBox="1">
+            <a:spLocks/>
+          </p:cNvSpPr>
+          <p:nvPr/>
+        </p:nvSpPr>
+        <p:spPr>
+          <a:xfrm>
+            <a:off x="838200" y="2642532"/>
+            <a:ext cx="4554861" cy="3937102"/>
+          </a:xfrm>
+          <a:prstGeom prst="rect">
+            <a:avLst/>
+          </a:prstGeom>
+        </p:spPr>
+        <p:txBody>
+          <a:bodyPr vert="horz" lIns="91440" tIns="45720" rIns="91440" bIns="45720" rtlCol="0">
+            <a:normAutofit/>
+          </a:bodyPr>
+          <a:lstStyle>
+            <a:lvl1pPr marL="228600" indent="-228600" algn="l" defTabSz="914400" rtl="0" eaLnBrk="1" latinLnBrk="0" hangingPunct="1">
+              <a:lnSpc>
+                <a:spcPct val="90000"/>
+              </a:lnSpc>
+              <a:spcBef>
+                <a:spcPts val="1000"/>
+              </a:spcBef>
+              <a:buFont typeface="Arial" panose="020B0604020202020204" pitchFamily="34" charset="0"/>
+              <a:buChar char="•"/>
+              <a:defRPr sz="2800" kern="1200">
+                <a:solidFill>
+                  <a:schemeClr val="tx1"/>
+                </a:solidFill>
+                <a:latin typeface="+mn-lt"/>
+                <a:ea typeface="+mn-ea"/>
+                <a:cs typeface="+mn-cs"/>
+              </a:defRPr>
+            </a:lvl1pPr>
+            <a:lvl2pPr marL="685800" indent="-228600" algn="l" defTabSz="914400" rtl="0" eaLnBrk="1" latinLnBrk="0" hangingPunct="1">
+              <a:lnSpc>
+                <a:spcPct val="90000"/>
+              </a:lnSpc>
+              <a:spcBef>
+                <a:spcPts val="500"/>
+              </a:spcBef>
+              <a:buFont typeface="Arial" panose="020B0604020202020204" pitchFamily="34" charset="0"/>
+              <a:buChar char="•"/>
+              <a:defRPr sz="2400" kern="1200">
+                <a:solidFill>
+                  <a:schemeClr val="tx1"/>
+                </a:solidFill>
+                <a:latin typeface="+mn-lt"/>
+                <a:ea typeface="+mn-ea"/>
+                <a:cs typeface="+mn-cs"/>
+              </a:defRPr>
+            </a:lvl2pPr>
+            <a:lvl3pPr marL="1143000" indent="-228600" algn="l" defTabSz="914400" rtl="0" eaLnBrk="1" latinLnBrk="0" hangingPunct="1">
+              <a:lnSpc>
+                <a:spcPct val="90000"/>
+              </a:lnSpc>
+              <a:spcBef>
+                <a:spcPts val="500"/>
+              </a:spcBef>
+              <a:buFont typeface="Arial" panose="020B0604020202020204" pitchFamily="34" charset="0"/>
+              <a:buChar char="•"/>
+              <a:defRPr sz="2000" kern="1200">
+                <a:solidFill>
+                  <a:schemeClr val="tx1"/>
+                </a:solidFill>
+                <a:latin typeface="+mn-lt"/>
+                <a:ea typeface="+mn-ea"/>
+                <a:cs typeface="+mn-cs"/>
+              </a:defRPr>
+            </a:lvl3pPr>
+            <a:lvl4pPr marL="1600200" indent="-228600" algn="l" defTabSz="914400" rtl="0" eaLnBrk="1" latinLnBrk="0" hangingPunct="1">
+              <a:lnSpc>
+                <a:spcPct val="90000"/>
+              </a:lnSpc>
+              <a:spcBef>
+                <a:spcPts val="500"/>
+              </a:spcBef>
+              <a:buFont typeface="Arial" panose="020B0604020202020204" pitchFamily="34" charset="0"/>
+              <a:buChar char="•"/>
+              <a:defRPr sz="1800" kern="1200">
+                <a:solidFill>
+                  <a:schemeClr val="tx1"/>
+                </a:solidFill>
+                <a:latin typeface="+mn-lt"/>
+                <a:ea typeface="+mn-ea"/>
+                <a:cs typeface="+mn-cs"/>
+              </a:defRPr>
+            </a:lvl4pPr>
+            <a:lvl5pPr marL="2057400" indent="-228600" algn="l" defTabSz="914400" rtl="0" eaLnBrk="1" latinLnBrk="0" hangingPunct="1">
+              <a:lnSpc>
+                <a:spcPct val="90000"/>
+              </a:lnSpc>
+              <a:spcBef>
+                <a:spcPts val="500"/>
+              </a:spcBef>
+              <a:buFont typeface="Arial" panose="020B0604020202020204" pitchFamily="34" charset="0"/>
+              <a:buChar char="•"/>
+              <a:defRPr sz="1800" kern="1200">
+                <a:solidFill>
+                  <a:schemeClr val="tx1"/>
+                </a:solidFill>
+                <a:latin typeface="+mn-lt"/>
+                <a:ea typeface="+mn-ea"/>
+                <a:cs typeface="+mn-cs"/>
+              </a:defRPr>
+            </a:lvl5pPr>
+            <a:lvl6pPr marL="2514600" indent="-228600" algn="l" defTabSz="914400" rtl="0" eaLnBrk="1" latinLnBrk="0" hangingPunct="1">
+              <a:lnSpc>
+                <a:spcPct val="90000"/>
+              </a:lnSpc>
+              <a:spcBef>
+                <a:spcPts val="500"/>
+              </a:spcBef>
+              <a:buFont typeface="Arial" panose="020B0604020202020204" pitchFamily="34" charset="0"/>
+              <a:buChar char="•"/>
+              <a:defRPr sz="1800" kern="1200">
+                <a:solidFill>
+                  <a:schemeClr val="tx1"/>
+                </a:solidFill>
+                <a:latin typeface="+mn-lt"/>
+                <a:ea typeface="+mn-ea"/>
+                <a:cs typeface="+mn-cs"/>
+              </a:defRPr>
+            </a:lvl6pPr>
+            <a:lvl7pPr marL="2971800" indent="-228600" algn="l" defTabSz="914400" rtl="0" eaLnBrk="1" latinLnBrk="0" hangingPunct="1">
+              <a:lnSpc>
+                <a:spcPct val="90000"/>
+              </a:lnSpc>
+              <a:spcBef>
+                <a:spcPts val="500"/>
+              </a:spcBef>
+              <a:buFont typeface="Arial" panose="020B0604020202020204" pitchFamily="34" charset="0"/>
+              <a:buChar char="•"/>
+              <a:defRPr sz="1800" kern="1200">
+                <a:solidFill>
+                  <a:schemeClr val="tx1"/>
+                </a:solidFill>
+                <a:latin typeface="+mn-lt"/>
+                <a:ea typeface="+mn-ea"/>
+                <a:cs typeface="+mn-cs"/>
+              </a:defRPr>
+            </a:lvl7pPr>
+            <a:lvl8pPr marL="3429000" indent="-228600" algn="l" defTabSz="914400" rtl="0" eaLnBrk="1" latinLnBrk="0" hangingPunct="1">
+              <a:lnSpc>
+                <a:spcPct val="90000"/>
+              </a:lnSpc>
+              <a:spcBef>
+                <a:spcPts val="500"/>
+              </a:spcBef>
+              <a:buFont typeface="Arial" panose="020B0604020202020204" pitchFamily="34" charset="0"/>
+              <a:buChar char="•"/>
+              <a:defRPr sz="1800" kern="1200">
+                <a:solidFill>
+                  <a:schemeClr val="tx1"/>
+                </a:solidFill>
+                <a:latin typeface="+mn-lt"/>
+                <a:ea typeface="+mn-ea"/>
+                <a:cs typeface="+mn-cs"/>
+              </a:defRPr>
+            </a:lvl8pPr>
+            <a:lvl9pPr marL="3886200" indent="-228600" algn="l" defTabSz="914400" rtl="0" eaLnBrk="1" latinLnBrk="0" hangingPunct="1">
+              <a:lnSpc>
+                <a:spcPct val="90000"/>
+              </a:lnSpc>
+              <a:spcBef>
+                <a:spcPts val="500"/>
+              </a:spcBef>
+              <a:buFont typeface="Arial" panose="020B0604020202020204" pitchFamily="34" charset="0"/>
+              <a:buChar char="•"/>
+              <a:defRPr sz="1800" kern="1200">
+                <a:solidFill>
+                  <a:schemeClr val="tx1"/>
+                </a:solidFill>
+                <a:latin typeface="+mn-lt"/>
+                <a:ea typeface="+mn-ea"/>
+                <a:cs typeface="+mn-cs"/>
+              </a:defRPr>
+            </a:lvl9pPr>
+          </a:lstStyle>
+          <a:p>
+            <a:endParaRPr lang="es-ES" dirty="0"/>
+          </a:p>
+        </p:txBody>
+      </p:sp>
+      <p:sp>
+        <p:nvSpPr>
+          <p:cNvPr id="9" name="Marcador de contenido 2">
+            <a:extLst>
+              <a:ext uri="{FF2B5EF4-FFF2-40B4-BE49-F238E27FC236}">
+                <a16:creationId xmlns:a16="http://schemas.microsoft.com/office/drawing/2014/main" id="{EE3F1244-A018-4AF2-897C-D205F8DF622B}"/>
+              </a:ext>
+            </a:extLst>
+          </p:cNvPr>
+          <p:cNvSpPr txBox="1">
+            <a:spLocks/>
+          </p:cNvSpPr>
+          <p:nvPr/>
+        </p:nvSpPr>
+        <p:spPr>
+          <a:xfrm>
+            <a:off x="838200" y="2856783"/>
+            <a:ext cx="5034094" cy="4351338"/>
+          </a:xfrm>
+          <a:prstGeom prst="rect">
+            <a:avLst/>
+          </a:prstGeom>
+        </p:spPr>
+        <p:txBody>
+          <a:bodyPr vert="horz" lIns="91440" tIns="45720" rIns="91440" bIns="45720" rtlCol="0">
+            <a:normAutofit/>
+          </a:bodyPr>
+          <a:lstStyle>
+            <a:lvl1pPr marL="228600" indent="-228600" algn="l" defTabSz="914400" rtl="0" eaLnBrk="1" latinLnBrk="0" hangingPunct="1">
+              <a:lnSpc>
+                <a:spcPct val="90000"/>
+              </a:lnSpc>
+              <a:spcBef>
+                <a:spcPts val="1000"/>
+              </a:spcBef>
+              <a:buFont typeface="Arial" panose="020B0604020202020204" pitchFamily="34" charset="0"/>
+              <a:buChar char="•"/>
+              <a:defRPr sz="2800" kern="1200">
+                <a:solidFill>
+                  <a:schemeClr val="tx1"/>
+                </a:solidFill>
+                <a:latin typeface="+mn-lt"/>
+                <a:ea typeface="+mn-ea"/>
+                <a:cs typeface="+mn-cs"/>
+              </a:defRPr>
+            </a:lvl1pPr>
+            <a:lvl2pPr marL="685800" indent="-228600" algn="l" defTabSz="914400" rtl="0" eaLnBrk="1" latinLnBrk="0" hangingPunct="1">
+              <a:lnSpc>
+                <a:spcPct val="90000"/>
+              </a:lnSpc>
+              <a:spcBef>
+                <a:spcPts val="500"/>
+              </a:spcBef>
+              <a:buFont typeface="Arial" panose="020B0604020202020204" pitchFamily="34" charset="0"/>
+              <a:buChar char="•"/>
+              <a:defRPr sz="2400" kern="1200">
+                <a:solidFill>
+                  <a:schemeClr val="tx1"/>
+                </a:solidFill>
+                <a:latin typeface="+mn-lt"/>
+                <a:ea typeface="+mn-ea"/>
+                <a:cs typeface="+mn-cs"/>
+              </a:defRPr>
+            </a:lvl2pPr>
+            <a:lvl3pPr marL="1143000" indent="-228600" algn="l" defTabSz="914400" rtl="0" eaLnBrk="1" latinLnBrk="0" hangingPunct="1">
+              <a:lnSpc>
+                <a:spcPct val="90000"/>
+              </a:lnSpc>
+              <a:spcBef>
+                <a:spcPts val="500"/>
+              </a:spcBef>
+              <a:buFont typeface="Arial" panose="020B0604020202020204" pitchFamily="34" charset="0"/>
+              <a:buChar char="•"/>
+              <a:defRPr sz="2000" kern="1200">
+                <a:solidFill>
+                  <a:schemeClr val="tx1"/>
+                </a:solidFill>
+                <a:latin typeface="+mn-lt"/>
+                <a:ea typeface="+mn-ea"/>
+                <a:cs typeface="+mn-cs"/>
+              </a:defRPr>
+            </a:lvl3pPr>
+            <a:lvl4pPr marL="1600200" indent="-228600" algn="l" defTabSz="914400" rtl="0" eaLnBrk="1" latinLnBrk="0" hangingPunct="1">
+              <a:lnSpc>
+                <a:spcPct val="90000"/>
+              </a:lnSpc>
+              <a:spcBef>
+                <a:spcPts val="500"/>
+              </a:spcBef>
+              <a:buFont typeface="Arial" panose="020B0604020202020204" pitchFamily="34" charset="0"/>
+              <a:buChar char="•"/>
+              <a:defRPr sz="1800" kern="1200">
+                <a:solidFill>
+                  <a:schemeClr val="tx1"/>
+                </a:solidFill>
+                <a:latin typeface="+mn-lt"/>
+                <a:ea typeface="+mn-ea"/>
+                <a:cs typeface="+mn-cs"/>
+              </a:defRPr>
+            </a:lvl4pPr>
+            <a:lvl5pPr marL="2057400" indent="-228600" algn="l" defTabSz="914400" rtl="0" eaLnBrk="1" latinLnBrk="0" hangingPunct="1">
+              <a:lnSpc>
+                <a:spcPct val="90000"/>
+              </a:lnSpc>
+              <a:spcBef>
+                <a:spcPts val="500"/>
+              </a:spcBef>
+              <a:buFont typeface="Arial" panose="020B0604020202020204" pitchFamily="34" charset="0"/>
+              <a:buChar char="•"/>
+              <a:defRPr sz="1800" kern="1200">
+                <a:solidFill>
+                  <a:schemeClr val="tx1"/>
+                </a:solidFill>
+                <a:latin typeface="+mn-lt"/>
+                <a:ea typeface="+mn-ea"/>
+                <a:cs typeface="+mn-cs"/>
+              </a:defRPr>
+            </a:lvl5pPr>
+            <a:lvl6pPr marL="2514600" indent="-228600" algn="l" defTabSz="914400" rtl="0" eaLnBrk="1" latinLnBrk="0" hangingPunct="1">
+              <a:lnSpc>
+                <a:spcPct val="90000"/>
+              </a:lnSpc>
+              <a:spcBef>
+                <a:spcPts val="500"/>
+              </a:spcBef>
+              <a:buFont typeface="Arial" panose="020B0604020202020204" pitchFamily="34" charset="0"/>
+              <a:buChar char="•"/>
+              <a:defRPr sz="1800" kern="1200">
+                <a:solidFill>
+                  <a:schemeClr val="tx1"/>
+                </a:solidFill>
+                <a:latin typeface="+mn-lt"/>
+                <a:ea typeface="+mn-ea"/>
+                <a:cs typeface="+mn-cs"/>
+              </a:defRPr>
+            </a:lvl6pPr>
+            <a:lvl7pPr marL="2971800" indent="-228600" algn="l" defTabSz="914400" rtl="0" eaLnBrk="1" latinLnBrk="0" hangingPunct="1">
+              <a:lnSpc>
+                <a:spcPct val="90000"/>
+              </a:lnSpc>
+              <a:spcBef>
+                <a:spcPts val="500"/>
+              </a:spcBef>
+              <a:buFont typeface="Arial" panose="020B0604020202020204" pitchFamily="34" charset="0"/>
+              <a:buChar char="•"/>
+              <a:defRPr sz="1800" kern="1200">
+                <a:solidFill>
+                  <a:schemeClr val="tx1"/>
+                </a:solidFill>
+                <a:latin typeface="+mn-lt"/>
+                <a:ea typeface="+mn-ea"/>
+                <a:cs typeface="+mn-cs"/>
+              </a:defRPr>
+            </a:lvl7pPr>
+            <a:lvl8pPr marL="3429000" indent="-228600" algn="l" defTabSz="914400" rtl="0" eaLnBrk="1" latinLnBrk="0" hangingPunct="1">
+              <a:lnSpc>
+                <a:spcPct val="90000"/>
+              </a:lnSpc>
+              <a:spcBef>
+                <a:spcPts val="500"/>
+              </a:spcBef>
+              <a:buFont typeface="Arial" panose="020B0604020202020204" pitchFamily="34" charset="0"/>
+              <a:buChar char="•"/>
+              <a:defRPr sz="1800" kern="1200">
+                <a:solidFill>
+                  <a:schemeClr val="tx1"/>
+                </a:solidFill>
+                <a:latin typeface="+mn-lt"/>
+                <a:ea typeface="+mn-ea"/>
+                <a:cs typeface="+mn-cs"/>
+              </a:defRPr>
+            </a:lvl8pPr>
+            <a:lvl9pPr marL="3886200" indent="-228600" algn="l" defTabSz="914400" rtl="0" eaLnBrk="1" latinLnBrk="0" hangingPunct="1">
+              <a:lnSpc>
+                <a:spcPct val="90000"/>
+              </a:lnSpc>
+              <a:spcBef>
+                <a:spcPts val="500"/>
+              </a:spcBef>
+              <a:buFont typeface="Arial" panose="020B0604020202020204" pitchFamily="34" charset="0"/>
+              <a:buChar char="•"/>
+              <a:defRPr sz="1800" kern="1200">
+                <a:solidFill>
+                  <a:schemeClr val="tx1"/>
+                </a:solidFill>
+                <a:latin typeface="+mn-lt"/>
+                <a:ea typeface="+mn-ea"/>
+                <a:cs typeface="+mn-cs"/>
+              </a:defRPr>
+            </a:lvl9pPr>
+          </a:lstStyle>
+          <a:p>
+            <a:pPr marL="0" indent="0">
+              <a:buNone/>
+            </a:pPr>
+            <a:r>
+              <a:rPr lang="es-ES" sz="2400" dirty="0"/>
+              <a:t>Información obtenida de Wikipedia:</a:t>
+            </a:r>
+          </a:p>
+          <a:p>
+            <a:r>
+              <a:rPr lang="es-ES" sz="2000" dirty="0">
+                <a:hlinkClick r:id="rId3"/>
+              </a:rPr>
+              <a:t>https://en.wikipedia.org/wiki/Yamanote_Line</a:t>
+            </a:r>
+            <a:endParaRPr lang="es-ES" sz="2000" dirty="0"/>
+          </a:p>
+          <a:p>
+            <a:r>
+              <a:rPr lang="es-ES" sz="2000" dirty="0">
+                <a:hlinkClick r:id="rId4"/>
+              </a:rPr>
+              <a:t>https://en.wikipedia.org/wiki/Ch%C5%AB%C5%8D_Line_(Rapid)</a:t>
+            </a:r>
+            <a:endParaRPr lang="es-ES" sz="2000" dirty="0"/>
+          </a:p>
+          <a:p>
+            <a:r>
+              <a:rPr lang="es-ES" sz="2000" dirty="0">
+                <a:hlinkClick r:id="rId5"/>
+              </a:rPr>
+              <a:t>https://en.wikipedia.org/wiki/Ch%C5%AB%C5%8D-S%C5%8Dbu_Line</a:t>
+            </a:r>
+            <a:endParaRPr lang="es-ES" sz="2000" dirty="0"/>
+          </a:p>
+        </p:txBody>
+      </p:sp>
+    </p:spTree>
+    <p:extLst>
+      <p:ext uri="{BB962C8B-B14F-4D97-AF65-F5344CB8AC3E}">
+        <p14:creationId xmlns:p14="http://schemas.microsoft.com/office/powerpoint/2010/main" val="2656155804"/>
+      </p:ext>
+    </p:extLst>
+  </p:cSld>
+  <p:clrMapOvr>
+    <a:masterClrMapping/>
+  </p:clrMapOvr>
+</p:sld>
+</file>
+
+<file path=ppt/slides/slide6.xml><?xml version="1.0" encoding="utf-8"?>
+<p:sld xmlns:a="http://schemas.openxmlformats.org/drawingml/2006/main" xmlns:r="http://schemas.openxmlformats.org/officeDocument/2006/relationships" xmlns:p="http://schemas.openxmlformats.org/presentationml/2006/main">
+  <p:cSld>
+    <p:spTree>
+      <p:nvGrpSpPr>
+        <p:cNvPr id="1" name=""/>
+        <p:cNvGrpSpPr/>
+        <p:nvPr/>
+      </p:nvGrpSpPr>
+      <p:grpSpPr>
+        <a:xfrm>
+          <a:off x="0" y="0"/>
+          <a:ext cx="0" cy="0"/>
+          <a:chOff x="0" y="0"/>
+          <a:chExt cx="0" cy="0"/>
+        </a:xfrm>
+      </p:grpSpPr>
+      <p:sp>
+        <p:nvSpPr>
+          <p:cNvPr id="2" name="Título 1">
+            <a:extLst>
+              <a:ext uri="{FF2B5EF4-FFF2-40B4-BE49-F238E27FC236}">
+                <a16:creationId xmlns:a16="http://schemas.microsoft.com/office/drawing/2014/main" id="{DE3F667B-46C8-45D0-87AF-F65D302A2F92}"/>
+              </a:ext>
+            </a:extLst>
+          </p:cNvPr>
+          <p:cNvSpPr>
+            <a:spLocks noGrp="1"/>
+          </p:cNvSpPr>
+          <p:nvPr>
+            <p:ph type="title"/>
+          </p:nvPr>
+        </p:nvSpPr>
+        <p:spPr>
+          <a:xfrm>
+            <a:off x="838200" y="365125"/>
+            <a:ext cx="10515600" cy="1325563"/>
+          </a:xfrm>
+        </p:spPr>
+        <p:txBody>
+          <a:bodyPr/>
+          <a:lstStyle/>
+          <a:p>
+            <a:r>
+              <a:rPr lang="es-ES" u="sng" dirty="0"/>
+              <a:t>Obtención de datos</a:t>
+            </a:r>
+          </a:p>
+        </p:txBody>
+      </p:sp>
+      <p:sp>
+        <p:nvSpPr>
+          <p:cNvPr id="3" name="Marcador de contenido 2">
+            <a:extLst>
+              <a:ext uri="{FF2B5EF4-FFF2-40B4-BE49-F238E27FC236}">
+                <a16:creationId xmlns:a16="http://schemas.microsoft.com/office/drawing/2014/main" id="{A39648ED-9320-4C5E-BC65-8DCFBA507FBF}"/>
+              </a:ext>
+            </a:extLst>
+          </p:cNvPr>
+          <p:cNvSpPr>
+            <a:spLocks noGrp="1"/>
+          </p:cNvSpPr>
+          <p:nvPr>
+            <p:ph idx="1"/>
+          </p:nvPr>
+        </p:nvSpPr>
+        <p:spPr>
+          <a:xfrm>
+            <a:off x="838200" y="1812685"/>
+            <a:ext cx="5452249" cy="1127300"/>
+          </a:xfrm>
+        </p:spPr>
+        <p:txBody>
+          <a:bodyPr>
+            <a:normAutofit/>
+          </a:bodyPr>
+          <a:lstStyle/>
+          <a:p>
+            <a:pPr marL="0" indent="0">
+              <a:buNone/>
+            </a:pPr>
+            <a:r>
+              <a:rPr lang="es-ES" dirty="0"/>
+              <a:t>Paso 2: </a:t>
+            </a:r>
+            <a:r>
+              <a:rPr lang="es-ES" sz="2400" dirty="0"/>
+              <a:t>obtener los tiempos y  distancias entre transbordos</a:t>
+            </a:r>
+          </a:p>
+          <a:p>
+            <a:endParaRPr lang="es-ES" sz="2400" dirty="0"/>
+          </a:p>
+        </p:txBody>
+      </p:sp>
+      <p:grpSp>
+        <p:nvGrpSpPr>
+          <p:cNvPr id="14" name="Grupo 13">
+            <a:extLst>
+              <a:ext uri="{FF2B5EF4-FFF2-40B4-BE49-F238E27FC236}">
+                <a16:creationId xmlns:a16="http://schemas.microsoft.com/office/drawing/2014/main" id="{53755060-8572-4C6C-AD7A-83155E9BA125}"/>
+              </a:ext>
+            </a:extLst>
+          </p:cNvPr>
+          <p:cNvGrpSpPr/>
+          <p:nvPr/>
+        </p:nvGrpSpPr>
+        <p:grpSpPr>
+          <a:xfrm>
+            <a:off x="7436788" y="638510"/>
+            <a:ext cx="3825380" cy="5503178"/>
+            <a:chOff x="7436788" y="638510"/>
+            <a:chExt cx="3825380" cy="5503178"/>
+          </a:xfrm>
+        </p:grpSpPr>
+        <p:pic>
+          <p:nvPicPr>
+            <p:cNvPr id="11" name="Imagen 10">
+              <a:extLst>
+                <a:ext uri="{FF2B5EF4-FFF2-40B4-BE49-F238E27FC236}">
+                  <a16:creationId xmlns:a16="http://schemas.microsoft.com/office/drawing/2014/main" id="{732C443B-0E8C-47AF-A519-467E8FE4FF7D}"/>
+                </a:ext>
+              </a:extLst>
+            </p:cNvPr>
+            <p:cNvPicPr>
+              <a:picLocks noChangeAspect="1"/>
+            </p:cNvPicPr>
+            <p:nvPr/>
+          </p:nvPicPr>
+          <p:blipFill rotWithShape="1">
+            <a:blip r:embed="rId2">
+              <a:extLst>
+                <a:ext uri="{28A0092B-C50C-407E-A947-70E740481C1C}">
+                  <a14:useLocalDpi xmlns:a14="http://schemas.microsoft.com/office/drawing/2010/main" val="0"/>
+                </a:ext>
+              </a:extLst>
+            </a:blip>
+            <a:srcRect l="436" t="11635" r="560" b="8120"/>
+            <a:stretch/>
+          </p:blipFill>
+          <p:spPr>
+            <a:xfrm>
+              <a:off x="7436788" y="638510"/>
+              <a:ext cx="3825380" cy="5503178"/>
+            </a:xfrm>
+            <a:prstGeom prst="rect">
+              <a:avLst/>
+            </a:prstGeom>
+            <a:ln>
+              <a:noFill/>
+            </a:ln>
+            <a:effectLst>
+              <a:outerShdw blurRad="292100" dist="139700" dir="2700000" algn="tl" rotWithShape="0">
+                <a:srgbClr val="333333">
+                  <a:alpha val="65000"/>
+                </a:srgbClr>
+              </a:outerShdw>
+            </a:effectLst>
+          </p:spPr>
+        </p:pic>
+        <p:sp>
+          <p:nvSpPr>
+            <p:cNvPr id="7" name="Rectángulo 6">
+              <a:extLst>
+                <a:ext uri="{FF2B5EF4-FFF2-40B4-BE49-F238E27FC236}">
+                  <a16:creationId xmlns:a16="http://schemas.microsoft.com/office/drawing/2014/main" id="{F342BDDA-4E47-49CC-BF21-803494FE62C3}"/>
+                </a:ext>
+              </a:extLst>
+            </p:cNvPr>
+            <p:cNvSpPr/>
+            <p:nvPr/>
+          </p:nvSpPr>
+          <p:spPr>
+            <a:xfrm>
+              <a:off x="7927597" y="3083901"/>
+              <a:ext cx="2466363" cy="612396"/>
+            </a:xfrm>
+            <a:prstGeom prst="rect">
+              <a:avLst/>
+            </a:prstGeom>
+            <a:noFill/>
+            <a:ln w="38100">
+              <a:solidFill>
+                <a:srgbClr val="F53C29"/>
+              </a:solidFill>
+            </a:ln>
+          </p:spPr>
+          <p:style>
+            <a:lnRef idx="2">
+              <a:schemeClr val="accent1">
+                <a:shade val="50000"/>
+              </a:schemeClr>
+            </a:lnRef>
+            <a:fillRef idx="1">
+              <a:schemeClr val="accent1"/>
+            </a:fillRef>
+            <a:effectRef idx="0">
+              <a:schemeClr val="accent1"/>
+            </a:effectRef>
+            <a:fontRef idx="minor">
+              <a:schemeClr val="lt1"/>
+            </a:fontRef>
+          </p:style>
+          <p:txBody>
+            <a:bodyPr rtlCol="0" anchor="ctr"/>
+            <a:lstStyle/>
+            <a:p>
+              <a:pPr algn="ctr"/>
+              <a:endParaRPr lang="es-ES"/>
+            </a:p>
+          </p:txBody>
+        </p:sp>
+      </p:grpSp>
+      <p:sp>
+        <p:nvSpPr>
+          <p:cNvPr id="8" name="Marcador de contenido 2">
+            <a:extLst>
+              <a:ext uri="{FF2B5EF4-FFF2-40B4-BE49-F238E27FC236}">
+                <a16:creationId xmlns:a16="http://schemas.microsoft.com/office/drawing/2014/main" id="{3568540B-6743-4003-95B6-BF3F36E6470C}"/>
+              </a:ext>
+            </a:extLst>
+          </p:cNvPr>
+          <p:cNvSpPr txBox="1">
+            <a:spLocks/>
+          </p:cNvSpPr>
+          <p:nvPr/>
+        </p:nvSpPr>
+        <p:spPr>
+          <a:xfrm>
+            <a:off x="838200" y="2642532"/>
+            <a:ext cx="4554861" cy="3937102"/>
+          </a:xfrm>
+          <a:prstGeom prst="rect">
+            <a:avLst/>
+          </a:prstGeom>
+        </p:spPr>
+        <p:txBody>
+          <a:bodyPr vert="horz" lIns="91440" tIns="45720" rIns="91440" bIns="45720" rtlCol="0">
+            <a:normAutofit/>
+          </a:bodyPr>
+          <a:lstStyle>
+            <a:lvl1pPr marL="228600" indent="-228600" algn="l" defTabSz="914400" rtl="0" eaLnBrk="1" latinLnBrk="0" hangingPunct="1">
+              <a:lnSpc>
+                <a:spcPct val="90000"/>
+              </a:lnSpc>
+              <a:spcBef>
+                <a:spcPts val="1000"/>
+              </a:spcBef>
+              <a:buFont typeface="Arial" panose="020B0604020202020204" pitchFamily="34" charset="0"/>
+              <a:buChar char="•"/>
+              <a:defRPr sz="2800" kern="1200">
+                <a:solidFill>
+                  <a:schemeClr val="tx1"/>
+                </a:solidFill>
+                <a:latin typeface="+mn-lt"/>
+                <a:ea typeface="+mn-ea"/>
+                <a:cs typeface="+mn-cs"/>
+              </a:defRPr>
+            </a:lvl1pPr>
+            <a:lvl2pPr marL="685800" indent="-228600" algn="l" defTabSz="914400" rtl="0" eaLnBrk="1" latinLnBrk="0" hangingPunct="1">
+              <a:lnSpc>
+                <a:spcPct val="90000"/>
+              </a:lnSpc>
+              <a:spcBef>
+                <a:spcPts val="500"/>
+              </a:spcBef>
+              <a:buFont typeface="Arial" panose="020B0604020202020204" pitchFamily="34" charset="0"/>
+              <a:buChar char="•"/>
+              <a:defRPr sz="2400" kern="1200">
+                <a:solidFill>
+                  <a:schemeClr val="tx1"/>
+                </a:solidFill>
+                <a:latin typeface="+mn-lt"/>
+                <a:ea typeface="+mn-ea"/>
+                <a:cs typeface="+mn-cs"/>
+              </a:defRPr>
+            </a:lvl2pPr>
+            <a:lvl3pPr marL="1143000" indent="-228600" algn="l" defTabSz="914400" rtl="0" eaLnBrk="1" latinLnBrk="0" hangingPunct="1">
+              <a:lnSpc>
+                <a:spcPct val="90000"/>
+              </a:lnSpc>
+              <a:spcBef>
+                <a:spcPts val="500"/>
+              </a:spcBef>
+              <a:buFont typeface="Arial" panose="020B0604020202020204" pitchFamily="34" charset="0"/>
+              <a:buChar char="•"/>
+              <a:defRPr sz="2000" kern="1200">
+                <a:solidFill>
+                  <a:schemeClr val="tx1"/>
+                </a:solidFill>
+                <a:latin typeface="+mn-lt"/>
+                <a:ea typeface="+mn-ea"/>
+                <a:cs typeface="+mn-cs"/>
+              </a:defRPr>
+            </a:lvl3pPr>
+            <a:lvl4pPr marL="1600200" indent="-228600" algn="l" defTabSz="914400" rtl="0" eaLnBrk="1" latinLnBrk="0" hangingPunct="1">
+              <a:lnSpc>
+                <a:spcPct val="90000"/>
+              </a:lnSpc>
+              <a:spcBef>
+                <a:spcPts val="500"/>
+              </a:spcBef>
+              <a:buFont typeface="Arial" panose="020B0604020202020204" pitchFamily="34" charset="0"/>
+              <a:buChar char="•"/>
+              <a:defRPr sz="1800" kern="1200">
+                <a:solidFill>
+                  <a:schemeClr val="tx1"/>
+                </a:solidFill>
+                <a:latin typeface="+mn-lt"/>
+                <a:ea typeface="+mn-ea"/>
+                <a:cs typeface="+mn-cs"/>
+              </a:defRPr>
+            </a:lvl4pPr>
+            <a:lvl5pPr marL="2057400" indent="-228600" algn="l" defTabSz="914400" rtl="0" eaLnBrk="1" latinLnBrk="0" hangingPunct="1">
+              <a:lnSpc>
+                <a:spcPct val="90000"/>
+              </a:lnSpc>
+              <a:spcBef>
+                <a:spcPts val="500"/>
+              </a:spcBef>
+              <a:buFont typeface="Arial" panose="020B0604020202020204" pitchFamily="34" charset="0"/>
+              <a:buChar char="•"/>
+              <a:defRPr sz="1800" kern="1200">
+                <a:solidFill>
+                  <a:schemeClr val="tx1"/>
+                </a:solidFill>
+                <a:latin typeface="+mn-lt"/>
+                <a:ea typeface="+mn-ea"/>
+                <a:cs typeface="+mn-cs"/>
+              </a:defRPr>
+            </a:lvl5pPr>
+            <a:lvl6pPr marL="2514600" indent="-228600" algn="l" defTabSz="914400" rtl="0" eaLnBrk="1" latinLnBrk="0" hangingPunct="1">
+              <a:lnSpc>
+                <a:spcPct val="90000"/>
+              </a:lnSpc>
+              <a:spcBef>
+                <a:spcPts val="500"/>
+              </a:spcBef>
+              <a:buFont typeface="Arial" panose="020B0604020202020204" pitchFamily="34" charset="0"/>
+              <a:buChar char="•"/>
+              <a:defRPr sz="1800" kern="1200">
+                <a:solidFill>
+                  <a:schemeClr val="tx1"/>
+                </a:solidFill>
+                <a:latin typeface="+mn-lt"/>
+                <a:ea typeface="+mn-ea"/>
+                <a:cs typeface="+mn-cs"/>
+              </a:defRPr>
+            </a:lvl6pPr>
+            <a:lvl7pPr marL="2971800" indent="-228600" algn="l" defTabSz="914400" rtl="0" eaLnBrk="1" latinLnBrk="0" hangingPunct="1">
+              <a:lnSpc>
+                <a:spcPct val="90000"/>
+              </a:lnSpc>
+              <a:spcBef>
+                <a:spcPts val="500"/>
+              </a:spcBef>
+              <a:buFont typeface="Arial" panose="020B0604020202020204" pitchFamily="34" charset="0"/>
+              <a:buChar char="•"/>
+              <a:defRPr sz="1800" kern="1200">
+                <a:solidFill>
+                  <a:schemeClr val="tx1"/>
+                </a:solidFill>
+                <a:latin typeface="+mn-lt"/>
+                <a:ea typeface="+mn-ea"/>
+                <a:cs typeface="+mn-cs"/>
+              </a:defRPr>
+            </a:lvl7pPr>
+            <a:lvl8pPr marL="3429000" indent="-228600" algn="l" defTabSz="914400" rtl="0" eaLnBrk="1" latinLnBrk="0" hangingPunct="1">
+              <a:lnSpc>
+                <a:spcPct val="90000"/>
+              </a:lnSpc>
+              <a:spcBef>
+                <a:spcPts val="500"/>
+              </a:spcBef>
+              <a:buFont typeface="Arial" panose="020B0604020202020204" pitchFamily="34" charset="0"/>
+              <a:buChar char="•"/>
+              <a:defRPr sz="1800" kern="1200">
+                <a:solidFill>
+                  <a:schemeClr val="tx1"/>
+                </a:solidFill>
+                <a:latin typeface="+mn-lt"/>
+                <a:ea typeface="+mn-ea"/>
+                <a:cs typeface="+mn-cs"/>
+              </a:defRPr>
+            </a:lvl8pPr>
+            <a:lvl9pPr marL="3886200" indent="-228600" algn="l" defTabSz="914400" rtl="0" eaLnBrk="1" latinLnBrk="0" hangingPunct="1">
+              <a:lnSpc>
+                <a:spcPct val="90000"/>
+              </a:lnSpc>
+              <a:spcBef>
+                <a:spcPts val="500"/>
+              </a:spcBef>
+              <a:buFont typeface="Arial" panose="020B0604020202020204" pitchFamily="34" charset="0"/>
+              <a:buChar char="•"/>
+              <a:defRPr sz="1800" kern="1200">
+                <a:solidFill>
+                  <a:schemeClr val="tx1"/>
+                </a:solidFill>
+                <a:latin typeface="+mn-lt"/>
+                <a:ea typeface="+mn-ea"/>
+                <a:cs typeface="+mn-cs"/>
+              </a:defRPr>
+            </a:lvl9pPr>
+          </a:lstStyle>
+          <a:p>
+            <a:endParaRPr lang="es-ES" dirty="0"/>
+          </a:p>
+        </p:txBody>
+      </p:sp>
+      <p:sp>
+        <p:nvSpPr>
+          <p:cNvPr id="9" name="Marcador de contenido 2">
+            <a:extLst>
+              <a:ext uri="{FF2B5EF4-FFF2-40B4-BE49-F238E27FC236}">
+                <a16:creationId xmlns:a16="http://schemas.microsoft.com/office/drawing/2014/main" id="{EE3F1244-A018-4AF2-897C-D205F8DF622B}"/>
+              </a:ext>
+            </a:extLst>
+          </p:cNvPr>
+          <p:cNvSpPr txBox="1">
+            <a:spLocks/>
+          </p:cNvSpPr>
+          <p:nvPr/>
+        </p:nvSpPr>
+        <p:spPr>
+          <a:xfrm>
+            <a:off x="838200" y="2831947"/>
+            <a:ext cx="5257800" cy="3375910"/>
+          </a:xfrm>
+          <a:prstGeom prst="rect">
+            <a:avLst/>
+          </a:prstGeom>
+        </p:spPr>
+        <p:txBody>
+          <a:bodyPr vert="horz" lIns="91440" tIns="45720" rIns="91440" bIns="45720" rtlCol="0">
+            <a:normAutofit/>
+          </a:bodyPr>
+          <a:lstStyle>
+            <a:lvl1pPr marL="228600" indent="-228600" algn="l" defTabSz="914400" rtl="0" eaLnBrk="1" latinLnBrk="0" hangingPunct="1">
+              <a:lnSpc>
+                <a:spcPct val="90000"/>
+              </a:lnSpc>
+              <a:spcBef>
+                <a:spcPts val="1000"/>
+              </a:spcBef>
+              <a:buFont typeface="Arial" panose="020B0604020202020204" pitchFamily="34" charset="0"/>
+              <a:buChar char="•"/>
+              <a:defRPr sz="2800" kern="1200">
+                <a:solidFill>
+                  <a:schemeClr val="tx1"/>
+                </a:solidFill>
+                <a:latin typeface="+mn-lt"/>
+                <a:ea typeface="+mn-ea"/>
+                <a:cs typeface="+mn-cs"/>
+              </a:defRPr>
+            </a:lvl1pPr>
+            <a:lvl2pPr marL="685800" indent="-228600" algn="l" defTabSz="914400" rtl="0" eaLnBrk="1" latinLnBrk="0" hangingPunct="1">
+              <a:lnSpc>
+                <a:spcPct val="90000"/>
+              </a:lnSpc>
+              <a:spcBef>
+                <a:spcPts val="500"/>
+              </a:spcBef>
+              <a:buFont typeface="Arial" panose="020B0604020202020204" pitchFamily="34" charset="0"/>
+              <a:buChar char="•"/>
+              <a:defRPr sz="2400" kern="1200">
+                <a:solidFill>
+                  <a:schemeClr val="tx1"/>
+                </a:solidFill>
+                <a:latin typeface="+mn-lt"/>
+                <a:ea typeface="+mn-ea"/>
+                <a:cs typeface="+mn-cs"/>
+              </a:defRPr>
+            </a:lvl2pPr>
+            <a:lvl3pPr marL="1143000" indent="-228600" algn="l" defTabSz="914400" rtl="0" eaLnBrk="1" latinLnBrk="0" hangingPunct="1">
+              <a:lnSpc>
+                <a:spcPct val="90000"/>
+              </a:lnSpc>
+              <a:spcBef>
+                <a:spcPts val="500"/>
+              </a:spcBef>
+              <a:buFont typeface="Arial" panose="020B0604020202020204" pitchFamily="34" charset="0"/>
+              <a:buChar char="•"/>
+              <a:defRPr sz="2000" kern="1200">
+                <a:solidFill>
+                  <a:schemeClr val="tx1"/>
+                </a:solidFill>
+                <a:latin typeface="+mn-lt"/>
+                <a:ea typeface="+mn-ea"/>
+                <a:cs typeface="+mn-cs"/>
+              </a:defRPr>
+            </a:lvl3pPr>
+            <a:lvl4pPr marL="1600200" indent="-228600" algn="l" defTabSz="914400" rtl="0" eaLnBrk="1" latinLnBrk="0" hangingPunct="1">
+              <a:lnSpc>
+                <a:spcPct val="90000"/>
+              </a:lnSpc>
+              <a:spcBef>
+                <a:spcPts val="500"/>
+              </a:spcBef>
+              <a:buFont typeface="Arial" panose="020B0604020202020204" pitchFamily="34" charset="0"/>
+              <a:buChar char="•"/>
+              <a:defRPr sz="1800" kern="1200">
+                <a:solidFill>
+                  <a:schemeClr val="tx1"/>
+                </a:solidFill>
+                <a:latin typeface="+mn-lt"/>
+                <a:ea typeface="+mn-ea"/>
+                <a:cs typeface="+mn-cs"/>
+              </a:defRPr>
+            </a:lvl4pPr>
+            <a:lvl5pPr marL="2057400" indent="-228600" algn="l" defTabSz="914400" rtl="0" eaLnBrk="1" latinLnBrk="0" hangingPunct="1">
+              <a:lnSpc>
+                <a:spcPct val="90000"/>
+              </a:lnSpc>
+              <a:spcBef>
+                <a:spcPts val="500"/>
+              </a:spcBef>
+              <a:buFont typeface="Arial" panose="020B0604020202020204" pitchFamily="34" charset="0"/>
+              <a:buChar char="•"/>
+              <a:defRPr sz="1800" kern="1200">
+                <a:solidFill>
+                  <a:schemeClr val="tx1"/>
+                </a:solidFill>
+                <a:latin typeface="+mn-lt"/>
+                <a:ea typeface="+mn-ea"/>
+                <a:cs typeface="+mn-cs"/>
+              </a:defRPr>
+            </a:lvl5pPr>
+            <a:lvl6pPr marL="2514600" indent="-228600" algn="l" defTabSz="914400" rtl="0" eaLnBrk="1" latinLnBrk="0" hangingPunct="1">
+              <a:lnSpc>
+                <a:spcPct val="90000"/>
+              </a:lnSpc>
+              <a:spcBef>
+                <a:spcPts val="500"/>
+              </a:spcBef>
+              <a:buFont typeface="Arial" panose="020B0604020202020204" pitchFamily="34" charset="0"/>
+              <a:buChar char="•"/>
+              <a:defRPr sz="1800" kern="1200">
+                <a:solidFill>
+                  <a:schemeClr val="tx1"/>
+                </a:solidFill>
+                <a:latin typeface="+mn-lt"/>
+                <a:ea typeface="+mn-ea"/>
+                <a:cs typeface="+mn-cs"/>
+              </a:defRPr>
+            </a:lvl6pPr>
+            <a:lvl7pPr marL="2971800" indent="-228600" algn="l" defTabSz="914400" rtl="0" eaLnBrk="1" latinLnBrk="0" hangingPunct="1">
+              <a:lnSpc>
+                <a:spcPct val="90000"/>
+              </a:lnSpc>
+              <a:spcBef>
+                <a:spcPts val="500"/>
+              </a:spcBef>
+              <a:buFont typeface="Arial" panose="020B0604020202020204" pitchFamily="34" charset="0"/>
+              <a:buChar char="•"/>
+              <a:defRPr sz="1800" kern="1200">
+                <a:solidFill>
+                  <a:schemeClr val="tx1"/>
+                </a:solidFill>
+                <a:latin typeface="+mn-lt"/>
+                <a:ea typeface="+mn-ea"/>
+                <a:cs typeface="+mn-cs"/>
+              </a:defRPr>
+            </a:lvl7pPr>
+            <a:lvl8pPr marL="3429000" indent="-228600" algn="l" defTabSz="914400" rtl="0" eaLnBrk="1" latinLnBrk="0" hangingPunct="1">
+              <a:lnSpc>
+                <a:spcPct val="90000"/>
+              </a:lnSpc>
+              <a:spcBef>
+                <a:spcPts val="500"/>
+              </a:spcBef>
+              <a:buFont typeface="Arial" panose="020B0604020202020204" pitchFamily="34" charset="0"/>
+              <a:buChar char="•"/>
+              <a:defRPr sz="1800" kern="1200">
+                <a:solidFill>
+                  <a:schemeClr val="tx1"/>
+                </a:solidFill>
+                <a:latin typeface="+mn-lt"/>
+                <a:ea typeface="+mn-ea"/>
+                <a:cs typeface="+mn-cs"/>
+              </a:defRPr>
+            </a:lvl8pPr>
+            <a:lvl9pPr marL="3886200" indent="-228600" algn="l" defTabSz="914400" rtl="0" eaLnBrk="1" latinLnBrk="0" hangingPunct="1">
+              <a:lnSpc>
+                <a:spcPct val="90000"/>
+              </a:lnSpc>
+              <a:spcBef>
+                <a:spcPts val="500"/>
+              </a:spcBef>
+              <a:buFont typeface="Arial" panose="020B0604020202020204" pitchFamily="34" charset="0"/>
+              <a:buChar char="•"/>
+              <a:defRPr sz="1800" kern="1200">
+                <a:solidFill>
+                  <a:schemeClr val="tx1"/>
+                </a:solidFill>
+                <a:latin typeface="+mn-lt"/>
+                <a:ea typeface="+mn-ea"/>
+                <a:cs typeface="+mn-cs"/>
+              </a:defRPr>
+            </a:lvl9pPr>
+          </a:lstStyle>
+          <a:p>
+            <a:pPr marL="0" indent="0">
+              <a:buNone/>
+            </a:pPr>
+            <a:r>
+              <a:rPr lang="es-ES" sz="2400" dirty="0"/>
+              <a:t>Información obtenida de las apps Train </a:t>
+            </a:r>
+            <a:r>
+              <a:rPr lang="es-ES" sz="2400" dirty="0" err="1"/>
+              <a:t>Info</a:t>
+            </a:r>
+            <a:r>
+              <a:rPr lang="es-ES" sz="2400" dirty="0"/>
+              <a:t> de JR-East y de </a:t>
+            </a:r>
+            <a:r>
+              <a:rPr lang="es-ES" sz="2400" dirty="0" err="1"/>
+              <a:t>GoogleMaps</a:t>
+            </a:r>
+            <a:endParaRPr lang="es-ES" sz="2400" dirty="0"/>
+          </a:p>
+          <a:p>
+            <a:pPr marL="0" indent="0">
+              <a:buNone/>
+            </a:pPr>
+            <a:endParaRPr lang="es-ES" sz="2400" dirty="0"/>
+          </a:p>
+          <a:p>
+            <a:r>
+              <a:rPr lang="es-ES" sz="2400" dirty="0"/>
+              <a:t>Usamos la velocidad media de 5km/h de una persona andando para obtener la distancia</a:t>
+            </a:r>
+          </a:p>
+          <a:p>
+            <a:pPr marL="0" indent="0">
+              <a:buNone/>
+            </a:pPr>
+            <a:r>
+              <a:rPr lang="es-ES" sz="2000" dirty="0" err="1"/>
+              <a:t>Ref:</a:t>
+            </a:r>
+            <a:r>
+              <a:rPr lang="es-ES" sz="2000" dirty="0" err="1">
+                <a:hlinkClick r:id="rId3"/>
+              </a:rPr>
+              <a:t>https</a:t>
+            </a:r>
+            <a:r>
+              <a:rPr lang="es-ES" sz="2000" dirty="0">
+                <a:hlinkClick r:id="rId3"/>
+              </a:rPr>
+              <a:t>://es.wikipedia.org/wiki/Kil%C3%B3metro_por_hora</a:t>
+            </a:r>
+            <a:endParaRPr lang="es-ES" sz="2000" dirty="0"/>
+          </a:p>
+          <a:p>
+            <a:pPr marL="0" indent="0">
+              <a:buNone/>
+            </a:pPr>
+            <a:endParaRPr lang="es-ES" sz="2400" dirty="0"/>
+          </a:p>
+        </p:txBody>
+      </p:sp>
+      <p:sp>
+        <p:nvSpPr>
+          <p:cNvPr id="12" name="Marcador de contenido 2">
+            <a:extLst>
+              <a:ext uri="{FF2B5EF4-FFF2-40B4-BE49-F238E27FC236}">
+                <a16:creationId xmlns:a16="http://schemas.microsoft.com/office/drawing/2014/main" id="{AC127C8D-A2B3-44AC-8F2E-0BFFDAADB396}"/>
+              </a:ext>
+            </a:extLst>
+          </p:cNvPr>
+          <p:cNvSpPr txBox="1">
+            <a:spLocks/>
+          </p:cNvSpPr>
+          <p:nvPr/>
+        </p:nvSpPr>
+        <p:spPr>
+          <a:xfrm>
+            <a:off x="838200" y="4137666"/>
+            <a:ext cx="5847826" cy="4351338"/>
+          </a:xfrm>
+          <a:prstGeom prst="rect">
+            <a:avLst/>
+          </a:prstGeom>
+        </p:spPr>
+        <p:txBody>
+          <a:bodyPr vert="horz" lIns="91440" tIns="45720" rIns="91440" bIns="45720" rtlCol="0">
+            <a:normAutofit/>
+          </a:bodyPr>
+          <a:lstStyle>
+            <a:lvl1pPr marL="228600" indent="-228600" algn="l" defTabSz="914400" rtl="0" eaLnBrk="1" latinLnBrk="0" hangingPunct="1">
+              <a:lnSpc>
+                <a:spcPct val="90000"/>
+              </a:lnSpc>
+              <a:spcBef>
+                <a:spcPts val="1000"/>
+              </a:spcBef>
+              <a:buFont typeface="Arial" panose="020B0604020202020204" pitchFamily="34" charset="0"/>
+              <a:buChar char="•"/>
+              <a:defRPr sz="2800" kern="1200">
+                <a:solidFill>
+                  <a:schemeClr val="tx1"/>
+                </a:solidFill>
+                <a:latin typeface="+mn-lt"/>
+                <a:ea typeface="+mn-ea"/>
+                <a:cs typeface="+mn-cs"/>
+              </a:defRPr>
+            </a:lvl1pPr>
+            <a:lvl2pPr marL="685800" indent="-228600" algn="l" defTabSz="914400" rtl="0" eaLnBrk="1" latinLnBrk="0" hangingPunct="1">
+              <a:lnSpc>
+                <a:spcPct val="90000"/>
+              </a:lnSpc>
+              <a:spcBef>
+                <a:spcPts val="500"/>
+              </a:spcBef>
+              <a:buFont typeface="Arial" panose="020B0604020202020204" pitchFamily="34" charset="0"/>
+              <a:buChar char="•"/>
+              <a:defRPr sz="2400" kern="1200">
+                <a:solidFill>
+                  <a:schemeClr val="tx1"/>
+                </a:solidFill>
+                <a:latin typeface="+mn-lt"/>
+                <a:ea typeface="+mn-ea"/>
+                <a:cs typeface="+mn-cs"/>
+              </a:defRPr>
+            </a:lvl2pPr>
+            <a:lvl3pPr marL="1143000" indent="-228600" algn="l" defTabSz="914400" rtl="0" eaLnBrk="1" latinLnBrk="0" hangingPunct="1">
+              <a:lnSpc>
+                <a:spcPct val="90000"/>
+              </a:lnSpc>
+              <a:spcBef>
+                <a:spcPts val="500"/>
+              </a:spcBef>
+              <a:buFont typeface="Arial" panose="020B0604020202020204" pitchFamily="34" charset="0"/>
+              <a:buChar char="•"/>
+              <a:defRPr sz="2000" kern="1200">
+                <a:solidFill>
+                  <a:schemeClr val="tx1"/>
+                </a:solidFill>
+                <a:latin typeface="+mn-lt"/>
+                <a:ea typeface="+mn-ea"/>
+                <a:cs typeface="+mn-cs"/>
+              </a:defRPr>
+            </a:lvl3pPr>
+            <a:lvl4pPr marL="1600200" indent="-228600" algn="l" defTabSz="914400" rtl="0" eaLnBrk="1" latinLnBrk="0" hangingPunct="1">
+              <a:lnSpc>
+                <a:spcPct val="90000"/>
+              </a:lnSpc>
+              <a:spcBef>
+                <a:spcPts val="500"/>
+              </a:spcBef>
+              <a:buFont typeface="Arial" panose="020B0604020202020204" pitchFamily="34" charset="0"/>
+              <a:buChar char="•"/>
+              <a:defRPr sz="1800" kern="1200">
+                <a:solidFill>
+                  <a:schemeClr val="tx1"/>
+                </a:solidFill>
+                <a:latin typeface="+mn-lt"/>
+                <a:ea typeface="+mn-ea"/>
+                <a:cs typeface="+mn-cs"/>
+              </a:defRPr>
+            </a:lvl4pPr>
+            <a:lvl5pPr marL="2057400" indent="-228600" algn="l" defTabSz="914400" rtl="0" eaLnBrk="1" latinLnBrk="0" hangingPunct="1">
+              <a:lnSpc>
+                <a:spcPct val="90000"/>
+              </a:lnSpc>
+              <a:spcBef>
+                <a:spcPts val="500"/>
+              </a:spcBef>
+              <a:buFont typeface="Arial" panose="020B0604020202020204" pitchFamily="34" charset="0"/>
+              <a:buChar char="•"/>
+              <a:defRPr sz="1800" kern="1200">
+                <a:solidFill>
+                  <a:schemeClr val="tx1"/>
+                </a:solidFill>
+                <a:latin typeface="+mn-lt"/>
+                <a:ea typeface="+mn-ea"/>
+                <a:cs typeface="+mn-cs"/>
+              </a:defRPr>
+            </a:lvl5pPr>
+            <a:lvl6pPr marL="2514600" indent="-228600" algn="l" defTabSz="914400" rtl="0" eaLnBrk="1" latinLnBrk="0" hangingPunct="1">
+              <a:lnSpc>
+                <a:spcPct val="90000"/>
+              </a:lnSpc>
+              <a:spcBef>
+                <a:spcPts val="500"/>
+              </a:spcBef>
+              <a:buFont typeface="Arial" panose="020B0604020202020204" pitchFamily="34" charset="0"/>
+              <a:buChar char="•"/>
+              <a:defRPr sz="1800" kern="1200">
+                <a:solidFill>
+                  <a:schemeClr val="tx1"/>
+                </a:solidFill>
+                <a:latin typeface="+mn-lt"/>
+                <a:ea typeface="+mn-ea"/>
+                <a:cs typeface="+mn-cs"/>
+              </a:defRPr>
+            </a:lvl6pPr>
+            <a:lvl7pPr marL="2971800" indent="-228600" algn="l" defTabSz="914400" rtl="0" eaLnBrk="1" latinLnBrk="0" hangingPunct="1">
+              <a:lnSpc>
+                <a:spcPct val="90000"/>
+              </a:lnSpc>
+              <a:spcBef>
+                <a:spcPts val="500"/>
+              </a:spcBef>
+              <a:buFont typeface="Arial" panose="020B0604020202020204" pitchFamily="34" charset="0"/>
+              <a:buChar char="•"/>
+              <a:defRPr sz="1800" kern="1200">
+                <a:solidFill>
+                  <a:schemeClr val="tx1"/>
+                </a:solidFill>
+                <a:latin typeface="+mn-lt"/>
+                <a:ea typeface="+mn-ea"/>
+                <a:cs typeface="+mn-cs"/>
+              </a:defRPr>
+            </a:lvl7pPr>
+            <a:lvl8pPr marL="3429000" indent="-228600" algn="l" defTabSz="914400" rtl="0" eaLnBrk="1" latinLnBrk="0" hangingPunct="1">
+              <a:lnSpc>
+                <a:spcPct val="90000"/>
+              </a:lnSpc>
+              <a:spcBef>
+                <a:spcPts val="500"/>
+              </a:spcBef>
+              <a:buFont typeface="Arial" panose="020B0604020202020204" pitchFamily="34" charset="0"/>
+              <a:buChar char="•"/>
+              <a:defRPr sz="1800" kern="1200">
+                <a:solidFill>
+                  <a:schemeClr val="tx1"/>
+                </a:solidFill>
+                <a:latin typeface="+mn-lt"/>
+                <a:ea typeface="+mn-ea"/>
+                <a:cs typeface="+mn-cs"/>
+              </a:defRPr>
+            </a:lvl8pPr>
+            <a:lvl9pPr marL="3886200" indent="-228600" algn="l" defTabSz="914400" rtl="0" eaLnBrk="1" latinLnBrk="0" hangingPunct="1">
+              <a:lnSpc>
+                <a:spcPct val="90000"/>
+              </a:lnSpc>
+              <a:spcBef>
+                <a:spcPts val="500"/>
+              </a:spcBef>
+              <a:buFont typeface="Arial" panose="020B0604020202020204" pitchFamily="34" charset="0"/>
+              <a:buChar char="•"/>
+              <a:defRPr sz="1800" kern="1200">
+                <a:solidFill>
+                  <a:schemeClr val="tx1"/>
+                </a:solidFill>
+                <a:latin typeface="+mn-lt"/>
+                <a:ea typeface="+mn-ea"/>
+                <a:cs typeface="+mn-cs"/>
+              </a:defRPr>
+            </a:lvl9pPr>
+          </a:lstStyle>
+          <a:p>
+            <a:endParaRPr lang="es-ES" sz="2000" dirty="0"/>
+          </a:p>
+        </p:txBody>
+      </p:sp>
+    </p:spTree>
+    <p:extLst>
+      <p:ext uri="{BB962C8B-B14F-4D97-AF65-F5344CB8AC3E}">
+        <p14:creationId xmlns:p14="http://schemas.microsoft.com/office/powerpoint/2010/main" val="4024630260"/>
+      </p:ext>
+    </p:extLst>
+  </p:cSld>
+  <p:clrMapOvr>
+    <a:masterClrMapping/>
+  </p:clrMapOvr>
+</p:sld>
+</file>
+
 <file path=ppt/slides/slide7.xml><?xml version="1.0" encoding="utf-8"?>
 <p:sld xmlns:a="http://schemas.openxmlformats.org/drawingml/2006/main" xmlns:r="http://schemas.openxmlformats.org/officeDocument/2006/relationships" xmlns:p="http://schemas.openxmlformats.org/presentationml/2006/main">
   <p:cSld>
@@ -5444,7 +9835,7 @@
           <p:cNvPr id="2" name="Título 1">
             <a:extLst>
               <a:ext uri="{FF2B5EF4-FFF2-40B4-BE49-F238E27FC236}">
-                <a16:creationId xmlns:a16="http://schemas.microsoft.com/office/drawing/2014/main" id="{879EA411-9441-41FE-9C33-420360826744}"/>
+                <a16:creationId xmlns:a16="http://schemas.microsoft.com/office/drawing/2014/main" id="{DE3F667B-46C8-45D0-87AF-F65D302A2F92}"/>
               </a:ext>
             </a:extLst>
           </p:cNvPr>
@@ -5461,8 +9852,8 @@
           <a:lstStyle/>
           <a:p>
             <a:r>
-              <a:rPr lang="es-ES" dirty="0"/>
-              <a:t>Algoritmo A*</a:t>
+              <a:rPr lang="es-ES" u="sng" dirty="0"/>
+              <a:t>Obtención de datos</a:t>
             </a:r>
           </a:p>
         </p:txBody>
@@ -5472,7 +9863,7 @@
           <p:cNvPr id="3" name="Marcador de contenido 2">
             <a:extLst>
               <a:ext uri="{FF2B5EF4-FFF2-40B4-BE49-F238E27FC236}">
-                <a16:creationId xmlns:a16="http://schemas.microsoft.com/office/drawing/2014/main" id="{B3277F3D-AF14-41F4-AC1E-4266F541E4D9}"/>
+                <a16:creationId xmlns:a16="http://schemas.microsoft.com/office/drawing/2014/main" id="{A39648ED-9320-4C5E-BC65-8DCFBA507FBF}"/>
               </a:ext>
             </a:extLst>
           </p:cNvPr>
@@ -5483,128 +9874,511 @@
             <p:ph idx="1"/>
           </p:nvPr>
         </p:nvSpPr>
-        <p:spPr/>
-        <p:txBody>
-          <a:bodyPr/>
+        <p:spPr>
+          <a:xfrm>
+            <a:off x="929832" y="1763521"/>
+            <a:ext cx="9832596" cy="2404111"/>
+          </a:xfrm>
+        </p:spPr>
+        <p:txBody>
+          <a:bodyPr>
+            <a:noAutofit/>
+          </a:bodyPr>
           <a:lstStyle/>
-          <a:p>
-            <a:endParaRPr lang="es-ES" b="1" dirty="0"/>
-          </a:p>
-          <a:p>
-            <a:r>
-              <a:rPr lang="es-ES" b="1" dirty="0"/>
-              <a:t>Grafo G: </a:t>
-            </a:r>
-            <a:r>
-              <a:rPr lang="es-ES" dirty="0"/>
-              <a:t>implementado con la librería </a:t>
-            </a:r>
-            <a:r>
-              <a:rPr lang="es-ES" b="1" dirty="0" err="1"/>
-              <a:t>networkX</a:t>
-            </a:r>
-            <a:endParaRPr lang="es-ES" b="1" dirty="0"/>
-          </a:p>
-          <a:p>
-            <a:endParaRPr lang="es-ES" b="1" dirty="0"/>
-          </a:p>
-          <a:p>
-            <a:r>
-              <a:rPr lang="es-ES" b="1" dirty="0"/>
-              <a:t>Lista Abierta</a:t>
-            </a:r>
-            <a:r>
-              <a:rPr lang="es-ES" dirty="0"/>
-              <a:t>: </a:t>
-            </a:r>
-            <a:r>
-              <a:rPr lang="es-ES" dirty="0" err="1"/>
-              <a:t>priority</a:t>
-            </a:r>
-            <a:r>
-              <a:rPr lang="es-ES" dirty="0"/>
-              <a:t> </a:t>
-            </a:r>
-            <a:r>
-              <a:rPr lang="es-ES" dirty="0" err="1"/>
-              <a:t>queue</a:t>
-            </a:r>
-            <a:r>
-              <a:rPr lang="es-ES" dirty="0"/>
-              <a:t> implementada con la librería </a:t>
-            </a:r>
-            <a:r>
-              <a:rPr lang="es-ES" b="1" dirty="0" err="1"/>
-              <a:t>heapq</a:t>
-            </a:r>
-            <a:r>
-              <a:rPr lang="es-ES" b="1" dirty="0"/>
-              <a:t> </a:t>
-            </a:r>
-          </a:p>
           <a:p>
             <a:pPr marL="0" indent="0">
               <a:buNone/>
             </a:pPr>
             <a:r>
-              <a:rPr lang="es-ES" b="1" dirty="0"/>
-              <a:t>	</a:t>
-            </a:r>
-            <a:r>
               <a:rPr lang="es-ES" dirty="0"/>
-              <a:t>Guarda duplas </a:t>
-            </a:r>
-            <a:r>
-              <a:rPr lang="es-ES" b="1" dirty="0"/>
-              <a:t>&lt; f , estación &gt;</a:t>
-            </a:r>
-          </a:p>
-          <a:p>
-            <a:pPr marL="0" indent="0">
-              <a:buNone/>
+              <a:t>Paso 3: </a:t>
+            </a:r>
+            <a:r>
+              <a:rPr lang="es-ES" sz="2400" dirty="0"/>
+              <a:t>obtener los tiempos medios entre estaciones a partir de los datos previos y haciendo uso de información adicional de la Wikipedia de cada estación</a:t>
+            </a:r>
+          </a:p>
+          <a:p>
+            <a:endParaRPr lang="es-ES" sz="2400" dirty="0"/>
+          </a:p>
+          <a:p>
+            <a:endParaRPr lang="es-ES" sz="2400" dirty="0"/>
+          </a:p>
+          <a:p>
+            <a:endParaRPr lang="es-ES" sz="2400" dirty="0"/>
+          </a:p>
+        </p:txBody>
+      </p:sp>
+      <p:grpSp>
+        <p:nvGrpSpPr>
+          <p:cNvPr id="15" name="Grupo 14">
+            <a:extLst>
+              <a:ext uri="{FF2B5EF4-FFF2-40B4-BE49-F238E27FC236}">
+                <a16:creationId xmlns:a16="http://schemas.microsoft.com/office/drawing/2014/main" id="{226FE929-9D1D-4D4A-AC20-B378E0AB84C0}"/>
+              </a:ext>
+            </a:extLst>
+          </p:cNvPr>
+          <p:cNvGrpSpPr/>
+          <p:nvPr/>
+        </p:nvGrpSpPr>
+        <p:grpSpPr>
+          <a:xfrm>
+            <a:off x="3773430" y="5483718"/>
+            <a:ext cx="4647447" cy="648077"/>
+            <a:chOff x="929832" y="4078296"/>
+            <a:chExt cx="4647447" cy="648077"/>
+          </a:xfrm>
+        </p:grpSpPr>
+        <p:sp>
+          <p:nvSpPr>
+            <p:cNvPr id="4" name="Rectángulo 3">
+              <a:extLst>
+                <a:ext uri="{FF2B5EF4-FFF2-40B4-BE49-F238E27FC236}">
+                  <a16:creationId xmlns:a16="http://schemas.microsoft.com/office/drawing/2014/main" id="{593BCEBB-10FE-40A7-B2BE-7622A48F014C}"/>
+                </a:ext>
+              </a:extLst>
+            </p:cNvPr>
+            <p:cNvSpPr/>
+            <p:nvPr/>
+          </p:nvSpPr>
+          <p:spPr>
+            <a:xfrm>
+              <a:off x="3253550" y="4080042"/>
+              <a:ext cx="2323729" cy="646331"/>
+            </a:xfrm>
+            <a:prstGeom prst="rect">
+              <a:avLst/>
+            </a:prstGeom>
+          </p:spPr>
+          <p:txBody>
+            <a:bodyPr wrap="square">
+              <a:spAutoFit/>
+            </a:bodyPr>
+            <a:lstStyle/>
+            <a:p>
+              <a:pPr algn="ctr"/>
+              <a:r>
+                <a:rPr lang="es-ES" dirty="0"/>
+                <a:t>tiempo medio entre trenes en dicha línea</a:t>
+              </a:r>
+            </a:p>
+          </p:txBody>
+        </p:sp>
+        <p:sp>
+          <p:nvSpPr>
+            <p:cNvPr id="5" name="Rectángulo 4">
+              <a:extLst>
+                <a:ext uri="{FF2B5EF4-FFF2-40B4-BE49-F238E27FC236}">
+                  <a16:creationId xmlns:a16="http://schemas.microsoft.com/office/drawing/2014/main" id="{93DE9ADE-907B-47BF-B769-A31E810AEA9F}"/>
+                </a:ext>
+              </a:extLst>
+            </p:cNvPr>
+            <p:cNvSpPr/>
+            <p:nvPr/>
+          </p:nvSpPr>
+          <p:spPr>
+            <a:xfrm>
+              <a:off x="929832" y="4078296"/>
+              <a:ext cx="1953061" cy="646331"/>
+            </a:xfrm>
+            <a:prstGeom prst="rect">
+              <a:avLst/>
+            </a:prstGeom>
+          </p:spPr>
+          <p:txBody>
+            <a:bodyPr wrap="square">
+              <a:spAutoFit/>
+            </a:bodyPr>
+            <a:lstStyle/>
+            <a:p>
+              <a:pPr algn="ctr"/>
+              <a:r>
+                <a:rPr lang="es-ES" dirty="0"/>
+                <a:t>tiempo calculado en el paso 2 </a:t>
+              </a:r>
+            </a:p>
+          </p:txBody>
+        </p:sp>
+        <p:sp>
+          <p:nvSpPr>
+            <p:cNvPr id="6" name="Rectángulo 5">
+              <a:extLst>
+                <a:ext uri="{FF2B5EF4-FFF2-40B4-BE49-F238E27FC236}">
+                  <a16:creationId xmlns:a16="http://schemas.microsoft.com/office/drawing/2014/main" id="{C72060B4-4017-4F0A-96DA-37418B7B41F3}"/>
+                </a:ext>
+              </a:extLst>
+            </p:cNvPr>
+            <p:cNvSpPr/>
+            <p:nvPr/>
+          </p:nvSpPr>
+          <p:spPr>
+            <a:xfrm>
+              <a:off x="2889348" y="4139851"/>
+              <a:ext cx="364202" cy="523220"/>
+            </a:xfrm>
+            <a:prstGeom prst="rect">
+              <a:avLst/>
+            </a:prstGeom>
+          </p:spPr>
+          <p:txBody>
+            <a:bodyPr wrap="none">
+              <a:spAutoFit/>
+            </a:bodyPr>
+            <a:lstStyle/>
+            <a:p>
+              <a:r>
+                <a:rPr lang="es-ES" sz="2800" dirty="0"/>
+                <a:t>+</a:t>
+              </a:r>
+            </a:p>
+          </p:txBody>
+        </p:sp>
+      </p:grpSp>
+      <p:sp>
+        <p:nvSpPr>
+          <p:cNvPr id="22" name="Rectángulo 21">
+            <a:extLst>
+              <a:ext uri="{FF2B5EF4-FFF2-40B4-BE49-F238E27FC236}">
+                <a16:creationId xmlns:a16="http://schemas.microsoft.com/office/drawing/2014/main" id="{306C15FB-2EF3-407D-8E11-D00FB3747BBC}"/>
+              </a:ext>
+            </a:extLst>
+          </p:cNvPr>
+          <p:cNvSpPr/>
+          <p:nvPr/>
+        </p:nvSpPr>
+        <p:spPr>
+          <a:xfrm>
+            <a:off x="929832" y="4848897"/>
+            <a:ext cx="3463512" cy="461665"/>
+          </a:xfrm>
+          <a:prstGeom prst="rect">
+            <a:avLst/>
+          </a:prstGeom>
+        </p:spPr>
+        <p:txBody>
+          <a:bodyPr wrap="none">
+            <a:spAutoFit/>
+          </a:bodyPr>
+          <a:lstStyle/>
+          <a:p>
+            <a:pPr marL="342900" indent="-342900">
+              <a:buFont typeface="Arial" panose="020B0604020202020204" pitchFamily="34" charset="0"/>
+              <a:buChar char="•"/>
             </a:pPr>
             <a:r>
-              <a:rPr lang="es-ES" b="1" dirty="0"/>
-              <a:t>	</a:t>
-            </a:r>
-            <a:r>
-              <a:rPr lang="es-ES" dirty="0"/>
-              <a:t>Menor f </a:t>
-            </a:r>
-            <a:r>
-              <a:rPr lang="es-ES" dirty="0">
-                <a:sym typeface="Wingdings" panose="05000000000000000000" pitchFamily="2" charset="2"/>
-              </a:rPr>
-              <a:t></a:t>
-            </a:r>
-            <a:r>
-              <a:rPr lang="es-ES" dirty="0"/>
-              <a:t> Más prioridad</a:t>
-            </a:r>
-          </a:p>
-          <a:p>
-            <a:pPr marL="0" indent="0">
-              <a:buNone/>
+              <a:rPr lang="es-ES" sz="2400" dirty="0"/>
+              <a:t>Tiempo de transbordo: </a:t>
+            </a:r>
+          </a:p>
+        </p:txBody>
+      </p:sp>
+      <p:sp>
+        <p:nvSpPr>
+          <p:cNvPr id="23" name="Rectángulo 22">
+            <a:extLst>
+              <a:ext uri="{FF2B5EF4-FFF2-40B4-BE49-F238E27FC236}">
+                <a16:creationId xmlns:a16="http://schemas.microsoft.com/office/drawing/2014/main" id="{28CD607F-5E65-4163-9310-DD9A6488EC85}"/>
+              </a:ext>
+            </a:extLst>
+          </p:cNvPr>
+          <p:cNvSpPr/>
+          <p:nvPr/>
+        </p:nvSpPr>
+        <p:spPr>
+          <a:xfrm>
+            <a:off x="929832" y="3212659"/>
+            <a:ext cx="6096000" cy="461665"/>
+          </a:xfrm>
+          <a:prstGeom prst="rect">
+            <a:avLst/>
+          </a:prstGeom>
+        </p:spPr>
+        <p:txBody>
+          <a:bodyPr>
+            <a:spAutoFit/>
+          </a:bodyPr>
+          <a:lstStyle/>
+          <a:p>
+            <a:pPr marL="285750" indent="-285750">
+              <a:buFont typeface="Arial" panose="020B0604020202020204" pitchFamily="34" charset="0"/>
+              <a:buChar char="•"/>
             </a:pPr>
-            <a:endParaRPr lang="es-ES" b="1" dirty="0"/>
-          </a:p>
-          <a:p>
-            <a:r>
-              <a:rPr lang="es-ES" b="1" dirty="0"/>
-              <a:t>Lista Cerrada</a:t>
-            </a:r>
-            <a:r>
-              <a:rPr lang="es-ES" dirty="0"/>
-              <a:t>: lista que almacena los nodos ya visitados</a:t>
-            </a:r>
-            <a:endParaRPr lang="es-ES" b="1" dirty="0"/>
-          </a:p>
-        </p:txBody>
-      </p:sp>
+            <a:r>
+              <a:rPr lang="es-ES" sz="2400" dirty="0"/>
+              <a:t>Tiempo entre estaciones: </a:t>
+            </a:r>
+          </a:p>
+        </p:txBody>
+      </p:sp>
+      <p:grpSp>
+        <p:nvGrpSpPr>
+          <p:cNvPr id="24" name="Grupo 23">
+            <a:extLst>
+              <a:ext uri="{FF2B5EF4-FFF2-40B4-BE49-F238E27FC236}">
+                <a16:creationId xmlns:a16="http://schemas.microsoft.com/office/drawing/2014/main" id="{6593B16A-F1BD-4808-8064-16809E5DEB9B}"/>
+              </a:ext>
+            </a:extLst>
+          </p:cNvPr>
+          <p:cNvGrpSpPr/>
+          <p:nvPr/>
+        </p:nvGrpSpPr>
+        <p:grpSpPr>
+          <a:xfrm>
+            <a:off x="1474130" y="3866803"/>
+            <a:ext cx="9243740" cy="658023"/>
+            <a:chOff x="2140121" y="5293213"/>
+            <a:chExt cx="9243740" cy="658023"/>
+          </a:xfrm>
+        </p:grpSpPr>
+        <p:sp>
+          <p:nvSpPr>
+            <p:cNvPr id="25" name="Rectángulo 24">
+              <a:extLst>
+                <a:ext uri="{FF2B5EF4-FFF2-40B4-BE49-F238E27FC236}">
+                  <a16:creationId xmlns:a16="http://schemas.microsoft.com/office/drawing/2014/main" id="{52FB0F43-D2B7-4E12-95A5-C13F9225035F}"/>
+                </a:ext>
+              </a:extLst>
+            </p:cNvPr>
+            <p:cNvSpPr/>
+            <p:nvPr/>
+          </p:nvSpPr>
+          <p:spPr>
+            <a:xfrm>
+              <a:off x="7804701" y="5304853"/>
+              <a:ext cx="3579160" cy="646331"/>
+            </a:xfrm>
+            <a:prstGeom prst="rect">
+              <a:avLst/>
+            </a:prstGeom>
+          </p:spPr>
+          <p:txBody>
+            <a:bodyPr wrap="square">
+              <a:spAutoFit/>
+            </a:bodyPr>
+            <a:lstStyle/>
+            <a:p>
+              <a:pPr algn="ctr"/>
+              <a:r>
+                <a:rPr lang="es-ES" dirty="0"/>
+                <a:t>tiempo medio de espera de un tren en una estación hasta que parte</a:t>
+              </a:r>
+            </a:p>
+          </p:txBody>
+        </p:sp>
+        <p:sp>
+          <p:nvSpPr>
+            <p:cNvPr id="26" name="Rectángulo 25">
+              <a:extLst>
+                <a:ext uri="{FF2B5EF4-FFF2-40B4-BE49-F238E27FC236}">
+                  <a16:creationId xmlns:a16="http://schemas.microsoft.com/office/drawing/2014/main" id="{B496A178-C37D-4616-9838-A19CA99A52E2}"/>
+                </a:ext>
+              </a:extLst>
+            </p:cNvPr>
+            <p:cNvSpPr/>
+            <p:nvPr/>
+          </p:nvSpPr>
+          <p:spPr>
+            <a:xfrm>
+              <a:off x="2322405" y="5293213"/>
+              <a:ext cx="2086256" cy="646331"/>
+            </a:xfrm>
+            <a:prstGeom prst="rect">
+              <a:avLst/>
+            </a:prstGeom>
+          </p:spPr>
+          <p:txBody>
+            <a:bodyPr wrap="square">
+              <a:spAutoFit/>
+            </a:bodyPr>
+            <a:lstStyle/>
+            <a:p>
+              <a:pPr algn="ctr"/>
+              <a:r>
+                <a:rPr lang="es-ES" dirty="0"/>
+                <a:t>distancia calculada en paso 1</a:t>
+              </a:r>
+            </a:p>
+          </p:txBody>
+        </p:sp>
+        <p:sp>
+          <p:nvSpPr>
+            <p:cNvPr id="27" name="Rectángulo 26">
+              <a:extLst>
+                <a:ext uri="{FF2B5EF4-FFF2-40B4-BE49-F238E27FC236}">
+                  <a16:creationId xmlns:a16="http://schemas.microsoft.com/office/drawing/2014/main" id="{332DA0E1-323C-4DAC-AE59-21C401DF855D}"/>
+                </a:ext>
+              </a:extLst>
+            </p:cNvPr>
+            <p:cNvSpPr/>
+            <p:nvPr/>
+          </p:nvSpPr>
+          <p:spPr>
+            <a:xfrm>
+              <a:off x="4921731" y="5304905"/>
+              <a:ext cx="2086257" cy="646331"/>
+            </a:xfrm>
+            <a:prstGeom prst="rect">
+              <a:avLst/>
+            </a:prstGeom>
+          </p:spPr>
+          <p:txBody>
+            <a:bodyPr wrap="square">
+              <a:spAutoFit/>
+            </a:bodyPr>
+            <a:lstStyle/>
+            <a:p>
+              <a:pPr algn="ctr"/>
+              <a:r>
+                <a:rPr lang="es-ES" dirty="0"/>
+                <a:t>velocidad media del tren en dicha línea </a:t>
+              </a:r>
+            </a:p>
+          </p:txBody>
+        </p:sp>
+        <p:sp>
+          <p:nvSpPr>
+            <p:cNvPr id="28" name="CuadroTexto 27">
+              <a:extLst>
+                <a:ext uri="{FF2B5EF4-FFF2-40B4-BE49-F238E27FC236}">
+                  <a16:creationId xmlns:a16="http://schemas.microsoft.com/office/drawing/2014/main" id="{19D2ADA6-9363-4875-8D12-DDEA250EDD52}"/>
+                </a:ext>
+              </a:extLst>
+            </p:cNvPr>
+            <p:cNvSpPr txBox="1"/>
+            <p:nvPr/>
+          </p:nvSpPr>
+          <p:spPr>
+            <a:xfrm>
+              <a:off x="4462773" y="5354768"/>
+              <a:ext cx="402671" cy="523220"/>
+            </a:xfrm>
+            <a:prstGeom prst="rect">
+              <a:avLst/>
+            </a:prstGeom>
+            <a:noFill/>
+          </p:spPr>
+          <p:txBody>
+            <a:bodyPr wrap="square" rtlCol="0">
+              <a:spAutoFit/>
+            </a:bodyPr>
+            <a:lstStyle/>
+            <a:p>
+              <a:r>
+                <a:rPr lang="es-ES" sz="2800" dirty="0"/>
+                <a:t>/</a:t>
+              </a:r>
+            </a:p>
+          </p:txBody>
+        </p:sp>
+        <p:sp>
+          <p:nvSpPr>
+            <p:cNvPr id="29" name="CuadroTexto 28">
+              <a:extLst>
+                <a:ext uri="{FF2B5EF4-FFF2-40B4-BE49-F238E27FC236}">
+                  <a16:creationId xmlns:a16="http://schemas.microsoft.com/office/drawing/2014/main" id="{06F8C9B1-5CD4-42E1-8D5D-14D84CF27530}"/>
+                </a:ext>
+              </a:extLst>
+            </p:cNvPr>
+            <p:cNvSpPr txBox="1"/>
+            <p:nvPr/>
+          </p:nvSpPr>
+          <p:spPr>
+            <a:xfrm>
+              <a:off x="2140121" y="5327008"/>
+              <a:ext cx="402671" cy="523220"/>
+            </a:xfrm>
+            <a:prstGeom prst="rect">
+              <a:avLst/>
+            </a:prstGeom>
+            <a:noFill/>
+          </p:spPr>
+          <p:txBody>
+            <a:bodyPr wrap="square" rtlCol="0">
+              <a:spAutoFit/>
+            </a:bodyPr>
+            <a:lstStyle/>
+            <a:p>
+              <a:r>
+                <a:rPr lang="es-ES" sz="2800" dirty="0"/>
+                <a:t>(</a:t>
+              </a:r>
+            </a:p>
+          </p:txBody>
+        </p:sp>
+        <p:sp>
+          <p:nvSpPr>
+            <p:cNvPr id="30" name="CuadroTexto 29">
+              <a:extLst>
+                <a:ext uri="{FF2B5EF4-FFF2-40B4-BE49-F238E27FC236}">
+                  <a16:creationId xmlns:a16="http://schemas.microsoft.com/office/drawing/2014/main" id="{E5F5565C-31C5-4F57-80F7-11C17992573C}"/>
+                </a:ext>
+              </a:extLst>
+            </p:cNvPr>
+            <p:cNvSpPr txBox="1"/>
+            <p:nvPr/>
+          </p:nvSpPr>
+          <p:spPr>
+            <a:xfrm>
+              <a:off x="7037828" y="5327008"/>
+              <a:ext cx="402671" cy="523220"/>
+            </a:xfrm>
+            <a:prstGeom prst="rect">
+              <a:avLst/>
+            </a:prstGeom>
+            <a:noFill/>
+          </p:spPr>
+          <p:txBody>
+            <a:bodyPr wrap="square" rtlCol="0">
+              <a:spAutoFit/>
+            </a:bodyPr>
+            <a:lstStyle/>
+            <a:p>
+              <a:r>
+                <a:rPr lang="es-ES" sz="2800" dirty="0"/>
+                <a:t>)</a:t>
+              </a:r>
+            </a:p>
+          </p:txBody>
+        </p:sp>
+        <p:sp>
+          <p:nvSpPr>
+            <p:cNvPr id="31" name="Rectángulo 30">
+              <a:extLst>
+                <a:ext uri="{FF2B5EF4-FFF2-40B4-BE49-F238E27FC236}">
+                  <a16:creationId xmlns:a16="http://schemas.microsoft.com/office/drawing/2014/main" id="{6E772A36-16E5-4805-A63D-7A1ABBC53D0A}"/>
+                </a:ext>
+              </a:extLst>
+            </p:cNvPr>
+            <p:cNvSpPr/>
+            <p:nvPr/>
+          </p:nvSpPr>
+          <p:spPr>
+            <a:xfrm>
+              <a:off x="7440499" y="5327008"/>
+              <a:ext cx="364202" cy="523220"/>
+            </a:xfrm>
+            <a:prstGeom prst="rect">
+              <a:avLst/>
+            </a:prstGeom>
+          </p:spPr>
+          <p:txBody>
+            <a:bodyPr wrap="none">
+              <a:spAutoFit/>
+            </a:bodyPr>
+            <a:lstStyle/>
+            <a:p>
+              <a:r>
+                <a:rPr lang="es-ES" sz="2800" dirty="0"/>
+                <a:t>+</a:t>
+              </a:r>
+            </a:p>
+          </p:txBody>
+        </p:sp>
+      </p:grpSp>
     </p:spTree>
     <p:extLst>
       <p:ext uri="{BB962C8B-B14F-4D97-AF65-F5344CB8AC3E}">
-        <p14:creationId xmlns:p14="http://schemas.microsoft.com/office/powerpoint/2010/main" val="2121459296"/>
+        <p14:creationId xmlns:p14="http://schemas.microsoft.com/office/powerpoint/2010/main" val="3444686558"/>
       </p:ext>
     </p:extLst>
   </p:cSld>
@@ -5636,7 +10410,7 @@
           <p:cNvPr id="2" name="Título 1">
             <a:extLst>
               <a:ext uri="{FF2B5EF4-FFF2-40B4-BE49-F238E27FC236}">
-                <a16:creationId xmlns:a16="http://schemas.microsoft.com/office/drawing/2014/main" id="{879EA411-9441-41FE-9C33-420360826744}"/>
+                <a16:creationId xmlns:a16="http://schemas.microsoft.com/office/drawing/2014/main" id="{86E799CB-3CFD-4FE0-8CA4-91D1F1EBB461}"/>
               </a:ext>
             </a:extLst>
           </p:cNvPr>
@@ -5653,8 +10427,8 @@
           <a:lstStyle/>
           <a:p>
             <a:r>
-              <a:rPr lang="es-ES" dirty="0"/>
-              <a:t>Algoritmo A*</a:t>
+              <a:rPr lang="es-ES" u="sng" dirty="0"/>
+              <a:t>Heurística </a:t>
             </a:r>
           </a:p>
         </p:txBody>
@@ -5664,7 +10438,7 @@
           <p:cNvPr id="3" name="Marcador de contenido 2">
             <a:extLst>
               <a:ext uri="{FF2B5EF4-FFF2-40B4-BE49-F238E27FC236}">
-                <a16:creationId xmlns:a16="http://schemas.microsoft.com/office/drawing/2014/main" id="{B3277F3D-AF14-41F4-AC1E-4266F541E4D9}"/>
+                <a16:creationId xmlns:a16="http://schemas.microsoft.com/office/drawing/2014/main" id="{0BE97DDC-09AF-446F-B16E-54535098DAAE}"/>
               </a:ext>
             </a:extLst>
           </p:cNvPr>
@@ -5675,213 +10449,692 @@
             <p:ph idx="1"/>
           </p:nvPr>
         </p:nvSpPr>
-        <p:spPr/>
+        <p:spPr>
+          <a:xfrm>
+            <a:off x="828926" y="2528374"/>
+            <a:ext cx="6191774" cy="3484097"/>
+          </a:xfrm>
+        </p:spPr>
         <p:txBody>
           <a:bodyPr>
             <a:normAutofit/>
           </a:bodyPr>
           <a:lstStyle/>
           <a:p>
-            <a:pPr marL="0" indent="0">
-              <a:buNone/>
+            <a:r>
+              <a:rPr lang="es-ES" sz="2400" dirty="0"/>
+              <a:t>Obtención de la distancia en línea recta:</a:t>
+            </a:r>
+          </a:p>
+          <a:p>
+            <a:pPr lvl="1"/>
+            <a:r>
+              <a:rPr lang="es-ES" dirty="0"/>
+              <a:t>Primero obtenemos con Google </a:t>
+            </a:r>
+            <a:r>
+              <a:rPr lang="es-ES" dirty="0" err="1"/>
+              <a:t>Maps</a:t>
+            </a:r>
+            <a:r>
+              <a:rPr lang="es-ES" dirty="0"/>
+              <a:t> las coordenadas decimales de todas las estaciones.</a:t>
+            </a:r>
+          </a:p>
+        </p:txBody>
+      </p:sp>
+      <p:sp>
+        <p:nvSpPr>
+          <p:cNvPr id="4" name="Rectángulo 3">
+            <a:extLst>
+              <a:ext uri="{FF2B5EF4-FFF2-40B4-BE49-F238E27FC236}">
+                <a16:creationId xmlns:a16="http://schemas.microsoft.com/office/drawing/2014/main" id="{538ABB24-4744-4400-A83F-B27DD3B9CC36}"/>
+              </a:ext>
+            </a:extLst>
+          </p:cNvPr>
+          <p:cNvSpPr/>
+          <p:nvPr/>
+        </p:nvSpPr>
+        <p:spPr>
+          <a:xfrm>
+            <a:off x="838200" y="1612594"/>
+            <a:ext cx="10814108" cy="830997"/>
+          </a:xfrm>
+          <a:prstGeom prst="rect">
+            <a:avLst/>
+          </a:prstGeom>
+        </p:spPr>
+        <p:txBody>
+          <a:bodyPr wrap="square">
+            <a:spAutoFit/>
+          </a:bodyPr>
+          <a:lstStyle/>
+          <a:p>
+            <a:r>
+              <a:rPr lang="es-ES" sz="2400" dirty="0"/>
+              <a:t>Tomamos como heurística el tiempo medio que tardaría el tren más rápido (el que tiene una velocidad de 100km/h) en ir en línea recta desde una estación a otra.</a:t>
+            </a:r>
+          </a:p>
+        </p:txBody>
+      </p:sp>
+      <p:grpSp>
+        <p:nvGrpSpPr>
+          <p:cNvPr id="7" name="Grupo 6">
+            <a:extLst>
+              <a:ext uri="{FF2B5EF4-FFF2-40B4-BE49-F238E27FC236}">
+                <a16:creationId xmlns:a16="http://schemas.microsoft.com/office/drawing/2014/main" id="{132671A0-5F93-4A41-8F42-DEB5DE69A88D}"/>
+              </a:ext>
+            </a:extLst>
+          </p:cNvPr>
+          <p:cNvGrpSpPr/>
+          <p:nvPr/>
+        </p:nvGrpSpPr>
+        <p:grpSpPr>
+          <a:xfrm>
+            <a:off x="7429677" y="2864578"/>
+            <a:ext cx="3705225" cy="742950"/>
+            <a:chOff x="7429677" y="3057525"/>
+            <a:chExt cx="3705225" cy="742950"/>
+          </a:xfrm>
+        </p:grpSpPr>
+        <p:pic>
+          <p:nvPicPr>
+            <p:cNvPr id="5" name="Imagen 4">
+              <a:extLst>
+                <a:ext uri="{FF2B5EF4-FFF2-40B4-BE49-F238E27FC236}">
+                  <a16:creationId xmlns:a16="http://schemas.microsoft.com/office/drawing/2014/main" id="{6325892A-180F-48BB-8566-CC1546286710}"/>
+                </a:ext>
+              </a:extLst>
+            </p:cNvPr>
+            <p:cNvPicPr>
+              <a:picLocks noChangeAspect="1"/>
+            </p:cNvPicPr>
+            <p:nvPr/>
+          </p:nvPicPr>
+          <p:blipFill>
+            <a:blip r:embed="rId2"/>
+            <a:stretch>
+              <a:fillRect/>
+            </a:stretch>
+          </p:blipFill>
+          <p:spPr>
+            <a:xfrm>
+              <a:off x="7429677" y="3057525"/>
+              <a:ext cx="3705225" cy="742950"/>
+            </a:xfrm>
+            <a:prstGeom prst="rect">
+              <a:avLst/>
+            </a:prstGeom>
+            <a:ln>
+              <a:noFill/>
+            </a:ln>
+            <a:effectLst>
+              <a:outerShdw blurRad="292100" dist="139700" dir="2700000" algn="tl" rotWithShape="0">
+                <a:srgbClr val="333333">
+                  <a:alpha val="65000"/>
+                </a:srgbClr>
+              </a:outerShdw>
+            </a:effectLst>
+          </p:spPr>
+        </p:pic>
+        <p:sp>
+          <p:nvSpPr>
+            <p:cNvPr id="6" name="Rectángulo 5">
+              <a:extLst>
+                <a:ext uri="{FF2B5EF4-FFF2-40B4-BE49-F238E27FC236}">
+                  <a16:creationId xmlns:a16="http://schemas.microsoft.com/office/drawing/2014/main" id="{49C36DCD-AE8D-44C0-BEB8-AB29BA7FD7EB}"/>
+                </a:ext>
+              </a:extLst>
+            </p:cNvPr>
+            <p:cNvSpPr/>
+            <p:nvPr/>
+          </p:nvSpPr>
+          <p:spPr>
+            <a:xfrm>
+              <a:off x="8472881" y="3489819"/>
+              <a:ext cx="1367405" cy="206477"/>
+            </a:xfrm>
+            <a:prstGeom prst="rect">
+              <a:avLst/>
+            </a:prstGeom>
+            <a:noFill/>
+            <a:ln w="38100">
+              <a:solidFill>
+                <a:srgbClr val="F53C29"/>
+              </a:solidFill>
+            </a:ln>
+          </p:spPr>
+          <p:style>
+            <a:lnRef idx="2">
+              <a:schemeClr val="accent1">
+                <a:shade val="50000"/>
+              </a:schemeClr>
+            </a:lnRef>
+            <a:fillRef idx="1">
+              <a:schemeClr val="accent1"/>
+            </a:fillRef>
+            <a:effectRef idx="0">
+              <a:schemeClr val="accent1"/>
+            </a:effectRef>
+            <a:fontRef idx="minor">
+              <a:schemeClr val="lt1"/>
+            </a:fontRef>
+          </p:style>
+          <p:txBody>
+            <a:bodyPr rtlCol="0" anchor="ctr"/>
+            <a:lstStyle/>
+            <a:p>
+              <a:pPr algn="ctr"/>
+              <a:endParaRPr lang="es-ES"/>
+            </a:p>
+          </p:txBody>
+        </p:sp>
+      </p:grpSp>
+      <p:sp>
+        <p:nvSpPr>
+          <p:cNvPr id="8" name="Rectángulo 7">
+            <a:extLst>
+              <a:ext uri="{FF2B5EF4-FFF2-40B4-BE49-F238E27FC236}">
+                <a16:creationId xmlns:a16="http://schemas.microsoft.com/office/drawing/2014/main" id="{4F9D1A8C-1BC8-4FD2-97C1-30020F552989}"/>
+              </a:ext>
+            </a:extLst>
+          </p:cNvPr>
+          <p:cNvSpPr/>
+          <p:nvPr/>
+        </p:nvSpPr>
+        <p:spPr>
+          <a:xfrm>
+            <a:off x="828926" y="4056616"/>
+            <a:ext cx="10296702" cy="830997"/>
+          </a:xfrm>
+          <a:prstGeom prst="rect">
+            <a:avLst/>
+          </a:prstGeom>
+        </p:spPr>
+        <p:txBody>
+          <a:bodyPr wrap="square">
+            <a:spAutoFit/>
+          </a:bodyPr>
+          <a:lstStyle/>
+          <a:p>
+            <a:pPr marL="742950" lvl="1" indent="-285750">
+              <a:buFont typeface="Arial" panose="020B0604020202020204" pitchFamily="34" charset="0"/>
+              <a:buChar char="•"/>
             </a:pPr>
             <a:r>
-              <a:rPr lang="es-ES" dirty="0"/>
-              <a:t>Inicialización</a:t>
-            </a:r>
-          </a:p>
-          <a:p>
-            <a:pPr marL="0" indent="0">
-              <a:buNone/>
-            </a:pPr>
-            <a:endParaRPr lang="es-ES" dirty="0"/>
-          </a:p>
-          <a:p>
-            <a:pPr marL="0" indent="0">
-              <a:buNone/>
-            </a:pPr>
-            <a:r>
-              <a:rPr lang="es-ES" dirty="0">
-                <a:solidFill>
-                  <a:schemeClr val="accent1"/>
-                </a:solidFill>
+              <a:rPr lang="es-ES" sz="2400" dirty="0"/>
+              <a:t>Segundo usamos al fórmula del </a:t>
+            </a:r>
+            <a:r>
+              <a:rPr lang="es-ES" sz="2400" dirty="0" err="1"/>
+              <a:t>haversine</a:t>
+            </a:r>
+            <a:r>
+              <a:rPr lang="es-ES" sz="2400" dirty="0"/>
+              <a:t> para calcular la distancia entre puntos en una esfera </a:t>
+            </a:r>
+          </a:p>
+        </p:txBody>
+      </p:sp>
+      <p:grpSp>
+        <p:nvGrpSpPr>
+          <p:cNvPr id="11" name="Grupo 10">
+            <a:extLst>
+              <a:ext uri="{FF2B5EF4-FFF2-40B4-BE49-F238E27FC236}">
+                <a16:creationId xmlns:a16="http://schemas.microsoft.com/office/drawing/2014/main" id="{AE7B3795-376F-452B-AD0A-2D1D89301317}"/>
+              </a:ext>
+            </a:extLst>
+          </p:cNvPr>
+          <p:cNvGrpSpPr/>
+          <p:nvPr/>
+        </p:nvGrpSpPr>
+        <p:grpSpPr>
+          <a:xfrm>
+            <a:off x="1217648" y="4989397"/>
+            <a:ext cx="6682351" cy="1240775"/>
+            <a:chOff x="1689862" y="5165471"/>
+            <a:chExt cx="6682351" cy="1240775"/>
+          </a:xfrm>
+        </p:grpSpPr>
+        <p:pic>
+          <p:nvPicPr>
+            <p:cNvPr id="1026" name="Picture 2" descr="https://latex2png.com/pngs/6d04b38e564144776235148b22c47d95.png">
+              <a:extLst>
+                <a:ext uri="{FF2B5EF4-FFF2-40B4-BE49-F238E27FC236}">
+                  <a16:creationId xmlns:a16="http://schemas.microsoft.com/office/drawing/2014/main" id="{D9AAECB4-2FDE-45EC-984A-39287936D8F1}"/>
+                </a:ext>
+              </a:extLst>
+            </p:cNvPr>
+            <p:cNvPicPr>
+              <a:picLocks noChangeAspect="1" noChangeArrowheads="1"/>
+            </p:cNvPicPr>
+            <p:nvPr/>
+          </p:nvPicPr>
+          <p:blipFill>
+            <a:blip r:embed="rId3">
+              <a:extLst>
+                <a:ext uri="{28A0092B-C50C-407E-A947-70E740481C1C}">
+                  <a14:useLocalDpi xmlns:a14="http://schemas.microsoft.com/office/drawing/2010/main" val="0"/>
+                </a:ext>
+              </a:extLst>
+            </a:blip>
+            <a:srcRect/>
+            <a:stretch>
+              <a:fillRect/>
+            </a:stretch>
+          </p:blipFill>
+          <p:spPr bwMode="auto">
+            <a:xfrm>
+              <a:off x="1689862" y="5165471"/>
+              <a:ext cx="6682351" cy="546421"/>
+            </a:xfrm>
+            <a:prstGeom prst="rect">
+              <a:avLst/>
+            </a:prstGeom>
+            <a:noFill/>
+            <a:extLst>
+              <a:ext uri="{909E8E84-426E-40DD-AFC4-6F175D3DCCD1}">
+                <a14:hiddenFill xmlns:a14="http://schemas.microsoft.com/office/drawing/2010/main">
+                  <a:solidFill>
+                    <a:srgbClr val="FFFFFF"/>
+                  </a:solidFill>
+                </a14:hiddenFill>
+              </a:ext>
+            </a:extLst>
+          </p:spPr>
+        </p:pic>
+        <p:pic>
+          <p:nvPicPr>
+            <p:cNvPr id="1028" name="Picture 4" descr="https://latex2png.com/pngs/a505e3cb6edf79a31b7037b6dd2628be.png">
+              <a:extLst>
+                <a:ext uri="{FF2B5EF4-FFF2-40B4-BE49-F238E27FC236}">
+                  <a16:creationId xmlns:a16="http://schemas.microsoft.com/office/drawing/2014/main" id="{8F32518F-14CC-419E-BD8C-AE43D815FEE7}"/>
+                </a:ext>
+              </a:extLst>
+            </p:cNvPr>
+            <p:cNvPicPr>
+              <a:picLocks noChangeAspect="1" noChangeArrowheads="1"/>
+            </p:cNvPicPr>
+            <p:nvPr/>
+          </p:nvPicPr>
+          <p:blipFill>
+            <a:blip r:embed="rId4">
+              <a:extLst>
+                <a:ext uri="{28A0092B-C50C-407E-A947-70E740481C1C}">
+                  <a14:useLocalDpi xmlns:a14="http://schemas.microsoft.com/office/drawing/2010/main" val="0"/>
+                </a:ext>
+              </a:extLst>
+            </a:blip>
+            <a:srcRect/>
+            <a:stretch>
+              <a:fillRect/>
+            </a:stretch>
+          </p:blipFill>
+          <p:spPr bwMode="auto">
+            <a:xfrm>
+              <a:off x="1689862" y="5759597"/>
+              <a:ext cx="2974417" cy="313800"/>
+            </a:xfrm>
+            <a:prstGeom prst="rect">
+              <a:avLst/>
+            </a:prstGeom>
+            <a:noFill/>
+            <a:extLst>
+              <a:ext uri="{909E8E84-426E-40DD-AFC4-6F175D3DCCD1}">
+                <a14:hiddenFill xmlns:a14="http://schemas.microsoft.com/office/drawing/2010/main">
+                  <a:solidFill>
+                    <a:srgbClr val="FFFFFF"/>
+                  </a:solidFill>
+                </a14:hiddenFill>
+              </a:ext>
+            </a:extLst>
+          </p:spPr>
+        </p:pic>
+        <p:pic>
+          <p:nvPicPr>
+            <p:cNvPr id="1030" name="Picture 6" descr="https://latex2png.com/pngs/23f26e1809429e413d71a2509f79a07a.png">
+              <a:extLst>
+                <a:ext uri="{FF2B5EF4-FFF2-40B4-BE49-F238E27FC236}">
+                  <a16:creationId xmlns:a16="http://schemas.microsoft.com/office/drawing/2014/main" id="{B41FE321-B9A8-44E5-A81A-B3282A96740F}"/>
+                </a:ext>
+              </a:extLst>
+            </p:cNvPr>
+            <p:cNvPicPr>
+              <a:picLocks noChangeAspect="1" noChangeArrowheads="1"/>
+            </p:cNvPicPr>
+            <p:nvPr/>
+          </p:nvPicPr>
+          <p:blipFill>
+            <a:blip r:embed="rId5">
+              <a:extLst>
+                <a:ext uri="{28A0092B-C50C-407E-A947-70E740481C1C}">
+                  <a14:useLocalDpi xmlns:a14="http://schemas.microsoft.com/office/drawing/2010/main" val="0"/>
+                </a:ext>
+              </a:extLst>
+            </a:blip>
+            <a:srcRect/>
+            <a:stretch>
+              <a:fillRect/>
+            </a:stretch>
+          </p:blipFill>
+          <p:spPr bwMode="auto">
+            <a:xfrm>
+              <a:off x="1689862" y="6204968"/>
+              <a:ext cx="1103672" cy="201278"/>
+            </a:xfrm>
+            <a:prstGeom prst="rect">
+              <a:avLst/>
+            </a:prstGeom>
+            <a:noFill/>
+            <a:extLst>
+              <a:ext uri="{909E8E84-426E-40DD-AFC4-6F175D3DCCD1}">
+                <a14:hiddenFill xmlns:a14="http://schemas.microsoft.com/office/drawing/2010/main">
+                  <a:solidFill>
+                    <a:srgbClr val="FFFFFF"/>
+                  </a:solidFill>
+                </a14:hiddenFill>
+              </a:ext>
+            </a:extLst>
+          </p:spPr>
+        </p:pic>
+      </p:grpSp>
+      <p:grpSp>
+        <p:nvGrpSpPr>
+          <p:cNvPr id="10" name="Grupo 9">
+            <a:extLst>
+              <a:ext uri="{FF2B5EF4-FFF2-40B4-BE49-F238E27FC236}">
+                <a16:creationId xmlns:a16="http://schemas.microsoft.com/office/drawing/2014/main" id="{9BEA7217-EFDA-476E-9B2B-0ECA129122BD}"/>
+              </a:ext>
+            </a:extLst>
+          </p:cNvPr>
+          <p:cNvGrpSpPr/>
+          <p:nvPr/>
+        </p:nvGrpSpPr>
+        <p:grpSpPr>
+          <a:xfrm>
+            <a:off x="8480636" y="5006057"/>
+            <a:ext cx="2839608" cy="1291466"/>
+            <a:chOff x="9176485" y="5165471"/>
+            <a:chExt cx="2839608" cy="1291466"/>
+          </a:xfrm>
+        </p:grpSpPr>
+        <p:pic>
+          <p:nvPicPr>
+            <p:cNvPr id="1034" name="Picture 10" descr="https://latex2png.com/pngs/126b4767140d1101d51c13426378c1d5.png">
+              <a:extLst>
+                <a:ext uri="{FF2B5EF4-FFF2-40B4-BE49-F238E27FC236}">
+                  <a16:creationId xmlns:a16="http://schemas.microsoft.com/office/drawing/2014/main" id="{C17E295B-7FCF-4B6B-A3B5-FEAE1667A04F}"/>
+                </a:ext>
+              </a:extLst>
+            </p:cNvPr>
+            <p:cNvPicPr>
+              <a:picLocks noChangeAspect="1" noChangeArrowheads="1"/>
+            </p:cNvPicPr>
+            <p:nvPr/>
+          </p:nvPicPr>
+          <p:blipFill>
+            <a:blip r:embed="rId6">
+              <a:extLst>
+                <a:ext uri="{28A0092B-C50C-407E-A947-70E740481C1C}">
+                  <a14:useLocalDpi xmlns:a14="http://schemas.microsoft.com/office/drawing/2010/main" val="0"/>
+                </a:ext>
+              </a:extLst>
+            </a:blip>
+            <a:srcRect/>
+            <a:stretch>
+              <a:fillRect/>
+            </a:stretch>
+          </p:blipFill>
+          <p:spPr bwMode="auto">
+            <a:xfrm>
+              <a:off x="9203602" y="5165471"/>
+              <a:ext cx="926067" cy="195835"/>
+            </a:xfrm>
+            <a:prstGeom prst="rect">
+              <a:avLst/>
+            </a:prstGeom>
+            <a:noFill/>
+            <a:extLst>
+              <a:ext uri="{909E8E84-426E-40DD-AFC4-6F175D3DCCD1}">
+                <a14:hiddenFill xmlns:a14="http://schemas.microsoft.com/office/drawing/2010/main">
+                  <a:solidFill>
+                    <a:srgbClr val="FFFFFF"/>
+                  </a:solidFill>
+                </a14:hiddenFill>
+              </a:ext>
+            </a:extLst>
+          </p:spPr>
+        </p:pic>
+        <p:pic>
+          <p:nvPicPr>
+            <p:cNvPr id="1036" name="Picture 12" descr="https://latex2png.com/pngs/273c6a481f248e9e83f15d94b32e977b.png">
+              <a:extLst>
+                <a:ext uri="{FF2B5EF4-FFF2-40B4-BE49-F238E27FC236}">
+                  <a16:creationId xmlns:a16="http://schemas.microsoft.com/office/drawing/2014/main" id="{3C4E0C7B-9B3A-4FB8-9742-B7706B1E4C6C}"/>
+                </a:ext>
+              </a:extLst>
+            </p:cNvPr>
+            <p:cNvPicPr>
+              <a:picLocks noChangeAspect="1" noChangeArrowheads="1"/>
+            </p:cNvPicPr>
+            <p:nvPr/>
+          </p:nvPicPr>
+          <p:blipFill>
+            <a:blip r:embed="rId7">
+              <a:extLst>
+                <a:ext uri="{28A0092B-C50C-407E-A947-70E740481C1C}">
+                  <a14:useLocalDpi xmlns:a14="http://schemas.microsoft.com/office/drawing/2010/main" val="0"/>
+                </a:ext>
+              </a:extLst>
+            </a:blip>
+            <a:srcRect/>
+            <a:stretch>
+              <a:fillRect/>
+            </a:stretch>
+          </p:blipFill>
+          <p:spPr bwMode="auto">
+            <a:xfrm>
+              <a:off x="9210041" y="5485827"/>
+              <a:ext cx="1614701" cy="272061"/>
+            </a:xfrm>
+            <a:prstGeom prst="rect">
+              <a:avLst/>
+            </a:prstGeom>
+            <a:noFill/>
+            <a:extLst>
+              <a:ext uri="{909E8E84-426E-40DD-AFC4-6F175D3DCCD1}">
+                <a14:hiddenFill xmlns:a14="http://schemas.microsoft.com/office/drawing/2010/main">
+                  <a:solidFill>
+                    <a:srgbClr val="FFFFFF"/>
+                  </a:solidFill>
+                </a14:hiddenFill>
+              </a:ext>
+            </a:extLst>
+          </p:spPr>
+        </p:pic>
+        <p:pic>
+          <p:nvPicPr>
+            <p:cNvPr id="1038" name="Picture 14" descr="https://latex2png.com/pngs/f854f3af4f2f6015f14b1bc6f83c838a.png">
+              <a:extLst>
+                <a:ext uri="{FF2B5EF4-FFF2-40B4-BE49-F238E27FC236}">
+                  <a16:creationId xmlns:a16="http://schemas.microsoft.com/office/drawing/2014/main" id="{8BEBC822-F788-41CA-96FD-02269AC9BD96}"/>
+                </a:ext>
+              </a:extLst>
+            </p:cNvPr>
+            <p:cNvPicPr>
+              <a:picLocks noChangeAspect="1" noChangeArrowheads="1"/>
+            </p:cNvPicPr>
+            <p:nvPr/>
+          </p:nvPicPr>
+          <p:blipFill>
+            <a:blip r:embed="rId8">
+              <a:extLst>
+                <a:ext uri="{28A0092B-C50C-407E-A947-70E740481C1C}">
+                  <a14:useLocalDpi xmlns:a14="http://schemas.microsoft.com/office/drawing/2010/main" val="0"/>
+                </a:ext>
+              </a:extLst>
+            </a:blip>
+            <a:srcRect/>
+            <a:stretch>
+              <a:fillRect/>
+            </a:stretch>
+          </p:blipFill>
+          <p:spPr bwMode="auto">
+            <a:xfrm>
+              <a:off x="9203602" y="5882409"/>
+              <a:ext cx="1731758" cy="254172"/>
+            </a:xfrm>
+            <a:prstGeom prst="rect">
+              <a:avLst/>
+            </a:prstGeom>
+            <a:noFill/>
+            <a:extLst>
+              <a:ext uri="{909E8E84-426E-40DD-AFC4-6F175D3DCCD1}">
+                <a14:hiddenFill xmlns:a14="http://schemas.microsoft.com/office/drawing/2010/main">
+                  <a:solidFill>
+                    <a:srgbClr val="FFFFFF"/>
+                  </a:solidFill>
+                </a14:hiddenFill>
+              </a:ext>
+            </a:extLst>
+          </p:spPr>
+        </p:pic>
+        <p:pic>
+          <p:nvPicPr>
+            <p:cNvPr id="1040" name="Picture 16" descr="https://latex2png.com/pngs/6313ce29c33e4c5fa9b932270f4192ad.png">
+              <a:extLst>
+                <a:ext uri="{FF2B5EF4-FFF2-40B4-BE49-F238E27FC236}">
+                  <a16:creationId xmlns:a16="http://schemas.microsoft.com/office/drawing/2014/main" id="{4790B752-1D66-407B-9652-7CFC687D80D8}"/>
+                </a:ext>
+              </a:extLst>
+            </p:cNvPr>
+            <p:cNvPicPr>
+              <a:picLocks noChangeAspect="1" noChangeArrowheads="1"/>
+            </p:cNvPicPr>
+            <p:nvPr/>
+          </p:nvPicPr>
+          <p:blipFill>
+            <a:blip r:embed="rId9">
+              <a:extLst>
+                <a:ext uri="{28A0092B-C50C-407E-A947-70E740481C1C}">
+                  <a14:useLocalDpi xmlns:a14="http://schemas.microsoft.com/office/drawing/2010/main" val="0"/>
+                </a:ext>
+              </a:extLst>
+            </a:blip>
+            <a:srcRect/>
+            <a:stretch>
+              <a:fillRect/>
+            </a:stretch>
+          </p:blipFill>
+          <p:spPr bwMode="auto">
+            <a:xfrm>
+              <a:off x="9176485" y="6261102"/>
+              <a:ext cx="2839608" cy="195835"/>
+            </a:xfrm>
+            <a:prstGeom prst="rect">
+              <a:avLst/>
+            </a:prstGeom>
+            <a:noFill/>
+            <a:extLst>
+              <a:ext uri="{909E8E84-426E-40DD-AFC4-6F175D3DCCD1}">
+                <a14:hiddenFill xmlns:a14="http://schemas.microsoft.com/office/drawing/2010/main">
+                  <a:solidFill>
+                    <a:srgbClr val="FFFFFF"/>
+                  </a:solidFill>
+                </a14:hiddenFill>
+              </a:ext>
+            </a:extLst>
+          </p:spPr>
+        </p:pic>
+      </p:grpSp>
+      <p:cxnSp>
+        <p:nvCxnSpPr>
+          <p:cNvPr id="13" name="Conector recto 12">
+            <a:extLst>
+              <a:ext uri="{FF2B5EF4-FFF2-40B4-BE49-F238E27FC236}">
+                <a16:creationId xmlns:a16="http://schemas.microsoft.com/office/drawing/2014/main" id="{702D0567-EA20-4281-8646-F4C7E8EFA364}"/>
+              </a:ext>
+            </a:extLst>
+          </p:cNvPr>
+          <p:cNvCxnSpPr>
+            <a:cxnSpLocks/>
+          </p:cNvCxnSpPr>
+          <p:nvPr/>
+        </p:nvCxnSpPr>
+        <p:spPr>
+          <a:xfrm>
+            <a:off x="8125469" y="4964017"/>
+            <a:ext cx="0" cy="1327404"/>
+          </a:xfrm>
+          <a:prstGeom prst="line">
+            <a:avLst/>
+          </a:prstGeom>
+        </p:spPr>
+        <p:style>
+          <a:lnRef idx="1">
+            <a:schemeClr val="dk1"/>
+          </a:lnRef>
+          <a:fillRef idx="0">
+            <a:schemeClr val="dk1"/>
+          </a:fillRef>
+          <a:effectRef idx="0">
+            <a:schemeClr val="dk1"/>
+          </a:effectRef>
+          <a:fontRef idx="minor">
+            <a:schemeClr val="tx1"/>
+          </a:fontRef>
+        </p:style>
+      </p:cxnSp>
+      <p:sp>
+        <p:nvSpPr>
+          <p:cNvPr id="16" name="CuadroTexto 15">
+            <a:extLst>
+              <a:ext uri="{FF2B5EF4-FFF2-40B4-BE49-F238E27FC236}">
+                <a16:creationId xmlns:a16="http://schemas.microsoft.com/office/drawing/2014/main" id="{AEEECD56-0B29-434E-AE40-F718FFD8B615}"/>
+              </a:ext>
+            </a:extLst>
+          </p:cNvPr>
+          <p:cNvSpPr txBox="1"/>
+          <p:nvPr/>
+        </p:nvSpPr>
+        <p:spPr>
+          <a:xfrm>
+            <a:off x="1078718" y="6516345"/>
+            <a:ext cx="9160793" cy="307777"/>
+          </a:xfrm>
+          <a:prstGeom prst="rect">
+            <a:avLst/>
+          </a:prstGeom>
+          <a:noFill/>
+        </p:spPr>
+        <p:txBody>
+          <a:bodyPr wrap="square" rtlCol="0">
+            <a:spAutoFit/>
+          </a:bodyPr>
+          <a:lstStyle/>
+          <a:p>
+            <a:r>
+              <a:rPr lang="es-ES" sz="1400" dirty="0" err="1"/>
+              <a:t>Ref</a:t>
+            </a:r>
+            <a:r>
+              <a:rPr lang="es-ES" sz="1400" dirty="0"/>
+              <a:t>: </a:t>
+            </a:r>
+            <a:r>
+              <a:rPr lang="es-ES" sz="1400" dirty="0">
+                <a:hlinkClick r:id="rId10"/>
               </a:rPr>
-              <a:t>Mientras</a:t>
-            </a:r>
-            <a:r>
-              <a:rPr lang="es-ES" dirty="0"/>
-              <a:t> (no </a:t>
-            </a:r>
-            <a:r>
-              <a:rPr lang="es-ES" i="1" dirty="0" err="1"/>
-              <a:t>HemosLlegado</a:t>
-            </a:r>
-            <a:r>
-              <a:rPr lang="es-ES" dirty="0"/>
-              <a:t>)</a:t>
-            </a:r>
-          </a:p>
-          <a:p>
-            <a:pPr marL="0" indent="0">
-              <a:buNone/>
-            </a:pPr>
-            <a:r>
-              <a:rPr lang="es-ES" dirty="0"/>
-              <a:t>	</a:t>
-            </a:r>
-            <a:r>
-              <a:rPr lang="es-ES" dirty="0">
-                <a:solidFill>
-                  <a:srgbClr val="00B050"/>
-                </a:solidFill>
-              </a:rPr>
-              <a:t>Sacar</a:t>
-            </a:r>
-            <a:r>
-              <a:rPr lang="es-ES" dirty="0"/>
-              <a:t> el mas prioritario de </a:t>
-            </a:r>
-            <a:r>
-              <a:rPr lang="es-ES" i="1" dirty="0" err="1"/>
-              <a:t>ListaAbierta</a:t>
-            </a:r>
-            <a:r>
-              <a:rPr lang="es-ES" dirty="0"/>
-              <a:t> y </a:t>
-            </a:r>
-            <a:r>
-              <a:rPr lang="es-ES" dirty="0">
-                <a:solidFill>
-                  <a:srgbClr val="00B050"/>
-                </a:solidFill>
-              </a:rPr>
-              <a:t>meterlo </a:t>
-            </a:r>
-            <a:r>
-              <a:rPr lang="es-ES" dirty="0"/>
-              <a:t>en </a:t>
-            </a:r>
-            <a:r>
-              <a:rPr lang="es-ES" i="1" dirty="0" err="1"/>
-              <a:t>ListaCerrada</a:t>
-            </a:r>
-            <a:endParaRPr lang="es-ES" i="1" dirty="0"/>
-          </a:p>
-          <a:p>
-            <a:pPr marL="0" indent="0">
-              <a:buNone/>
-            </a:pPr>
-            <a:r>
-              <a:rPr lang="es-ES" dirty="0"/>
-              <a:t>	</a:t>
-            </a:r>
-            <a:r>
-              <a:rPr lang="es-ES" dirty="0">
-                <a:solidFill>
-                  <a:srgbClr val="FF0000"/>
-                </a:solidFill>
-              </a:rPr>
-              <a:t>Si</a:t>
-            </a:r>
-            <a:r>
-              <a:rPr lang="es-ES" dirty="0"/>
-              <a:t> es el destino </a:t>
-            </a:r>
-            <a:r>
-              <a:rPr lang="es-ES" dirty="0">
-                <a:sym typeface="Wingdings" panose="05000000000000000000" pitchFamily="2" charset="2"/>
-              </a:rPr>
-              <a:t></a:t>
-            </a:r>
-            <a:r>
-              <a:rPr lang="es-ES" dirty="0"/>
-              <a:t> </a:t>
-            </a:r>
-            <a:r>
-              <a:rPr lang="es-ES" i="1" dirty="0" err="1"/>
-              <a:t>HemosLlegado</a:t>
-            </a:r>
-            <a:endParaRPr lang="es-ES" i="1" dirty="0"/>
-          </a:p>
-          <a:p>
-            <a:pPr marL="0" indent="0">
-              <a:buNone/>
-            </a:pPr>
-            <a:r>
-              <a:rPr lang="es-ES" dirty="0"/>
-              <a:t>	</a:t>
-            </a:r>
-            <a:r>
-              <a:rPr lang="es-ES" dirty="0">
-                <a:solidFill>
-                  <a:srgbClr val="FF0000"/>
-                </a:solidFill>
-              </a:rPr>
-              <a:t>Si no</a:t>
-            </a:r>
-            <a:r>
-              <a:rPr lang="es-ES" dirty="0"/>
-              <a:t>, </a:t>
-            </a:r>
-            <a:r>
-              <a:rPr lang="es-ES" dirty="0">
-                <a:solidFill>
-                  <a:schemeClr val="accent1"/>
-                </a:solidFill>
-              </a:rPr>
-              <a:t>para cada </a:t>
-            </a:r>
-            <a:r>
-              <a:rPr lang="es-ES" i="1" dirty="0"/>
-              <a:t>nodo adyacente de G </a:t>
-            </a:r>
-            <a:r>
-              <a:rPr lang="es-ES" dirty="0"/>
-              <a:t>(que no sea antecedente)</a:t>
-            </a:r>
-          </a:p>
-          <a:p>
-            <a:pPr marL="0" indent="0">
-              <a:buNone/>
-            </a:pPr>
-            <a:r>
-              <a:rPr lang="es-ES" dirty="0"/>
-              <a:t>		</a:t>
-            </a:r>
-            <a:r>
-              <a:rPr lang="es-ES" dirty="0">
-                <a:sym typeface="Wingdings" panose="05000000000000000000" pitchFamily="2" charset="2"/>
-              </a:rPr>
-              <a:t> </a:t>
-            </a:r>
-            <a:r>
-              <a:rPr lang="es-ES" dirty="0">
-                <a:solidFill>
-                  <a:srgbClr val="00B050"/>
-                </a:solidFill>
-              </a:rPr>
-              <a:t>Calcular</a:t>
-            </a:r>
-            <a:r>
-              <a:rPr lang="es-ES" dirty="0"/>
-              <a:t> su f y g (y añadir penalización a transbordos)	</a:t>
-            </a:r>
-          </a:p>
-          <a:p>
-            <a:pPr marL="0" indent="0">
-              <a:buNone/>
-            </a:pPr>
-            <a:r>
-              <a:rPr lang="es-ES" dirty="0"/>
-              <a:t>		</a:t>
-            </a:r>
+              <a:t>https://community.esri.com/groups/coordinate-reference-systems/blog/2017/10/05/</a:t>
+            </a:r>
+            <a:endParaRPr lang="es-ES" sz="1400" dirty="0"/>
           </a:p>
         </p:txBody>
       </p:sp>
     </p:spTree>
     <p:extLst>
       <p:ext uri="{BB962C8B-B14F-4D97-AF65-F5344CB8AC3E}">
-        <p14:creationId xmlns:p14="http://schemas.microsoft.com/office/powerpoint/2010/main" val="283955455"/>
+        <p14:creationId xmlns:p14="http://schemas.microsoft.com/office/powerpoint/2010/main" val="1559589603"/>
       </p:ext>
     </p:extLst>
   </p:cSld>
@@ -5913,7 +11166,7 @@
           <p:cNvPr id="2" name="Título 1">
             <a:extLst>
               <a:ext uri="{FF2B5EF4-FFF2-40B4-BE49-F238E27FC236}">
-                <a16:creationId xmlns:a16="http://schemas.microsoft.com/office/drawing/2014/main" id="{879EA411-9441-41FE-9C33-420360826744}"/>
+                <a16:creationId xmlns:a16="http://schemas.microsoft.com/office/drawing/2014/main" id="{0A21AFBC-0BAC-4FB6-B422-70857007691C}"/>
               </a:ext>
             </a:extLst>
           </p:cNvPr>
@@ -5930,8 +11183,8 @@
           <a:lstStyle/>
           <a:p>
             <a:r>
-              <a:rPr lang="es-ES" dirty="0"/>
-              <a:t>Algoritmo A*</a:t>
+              <a:rPr lang="es-ES" u="sng" dirty="0"/>
+              <a:t>Heurística</a:t>
             </a:r>
           </a:p>
         </p:txBody>
@@ -5941,7 +11194,7 @@
           <p:cNvPr id="3" name="Marcador de contenido 2">
             <a:extLst>
               <a:ext uri="{FF2B5EF4-FFF2-40B4-BE49-F238E27FC236}">
-                <a16:creationId xmlns:a16="http://schemas.microsoft.com/office/drawing/2014/main" id="{B3277F3D-AF14-41F4-AC1E-4266F541E4D9}"/>
+                <a16:creationId xmlns:a16="http://schemas.microsoft.com/office/drawing/2014/main" id="{64A27380-513D-457F-874E-01F841EEE5BF}"/>
               </a:ext>
             </a:extLst>
           </p:cNvPr>
@@ -5954,228 +11207,379 @@
         </p:nvSpPr>
         <p:spPr>
           <a:xfrm>
-            <a:off x="838198" y="1825625"/>
-            <a:ext cx="10981889" cy="4351338"/>
+            <a:off x="838200" y="1993405"/>
+            <a:ext cx="4270695" cy="3811777"/>
           </a:xfrm>
         </p:spPr>
         <p:txBody>
-          <a:bodyPr>
-            <a:normAutofit fontScale="92500" lnSpcReduction="10000"/>
+          <a:bodyPr/>
+          <a:lstStyle/>
+          <a:p>
+            <a:r>
+              <a:rPr lang="es-ES" dirty="0"/>
+              <a:t>La distancia entre los puntos es menor o igual a la distancia del trayecto del tren entre estaciones</a:t>
+            </a:r>
+          </a:p>
+          <a:p>
+            <a:r>
+              <a:rPr lang="es-ES" dirty="0"/>
+              <a:t>La velocidad usada es mayor o igual a la velocidad media en el trayecto entre estaciones o transbordos</a:t>
+            </a:r>
+          </a:p>
+        </p:txBody>
+      </p:sp>
+      <mc:AlternateContent xmlns:mc="http://schemas.openxmlformats.org/markup-compatibility/2006">
+        <mc:Choice xmlns:a14="http://schemas.microsoft.com/office/drawing/2010/main" Requires="a14">
+          <p:sp>
+            <p:nvSpPr>
+              <p:cNvPr id="6" name="CuadroTexto 5">
+                <a:extLst>
+                  <a:ext uri="{FF2B5EF4-FFF2-40B4-BE49-F238E27FC236}">
+                    <a16:creationId xmlns:a16="http://schemas.microsoft.com/office/drawing/2014/main" id="{66401E9C-31F6-4088-860E-3D5946897F8C}"/>
+                  </a:ext>
+                </a:extLst>
+              </p:cNvPr>
+              <p:cNvSpPr txBox="1"/>
+              <p:nvPr/>
+            </p:nvSpPr>
+            <p:spPr>
+              <a:xfrm>
+                <a:off x="4605556" y="2033397"/>
+                <a:ext cx="1275126" cy="3731791"/>
+              </a:xfrm>
+              <a:prstGeom prst="rect">
+                <a:avLst/>
+              </a:prstGeom>
+              <a:noFill/>
+            </p:spPr>
+            <p:txBody>
+              <a:bodyPr wrap="square" lIns="0" tIns="0" rIns="0" bIns="0" rtlCol="0">
+                <a:spAutoFit/>
+              </a:bodyPr>
+              <a:lstStyle/>
+              <a:p>
+                <a14:m>
+                  <m:oMathPara xmlns:m="http://schemas.openxmlformats.org/officeDocument/2006/math">
+                    <m:oMathParaPr>
+                      <m:jc m:val="centerGroup"/>
+                    </m:oMathParaPr>
+                    <m:oMath xmlns:m="http://schemas.openxmlformats.org/officeDocument/2006/math">
+                      <m:d>
+                        <m:dPr>
+                          <m:begChr m:val=""/>
+                          <m:endChr m:val="}"/>
+                          <m:ctrlPr>
+                            <a:rPr lang="es-ES" i="1" smtClean="0">
+                              <a:latin typeface="Cambria Math" panose="02040503050406030204" pitchFamily="18" charset="0"/>
+                            </a:rPr>
+                          </m:ctrlPr>
+                        </m:dPr>
+                        <m:e>
+                          <m:eqArr>
+                            <m:eqArrPr>
+                              <m:ctrlPr>
+                                <a:rPr lang="es-ES" i="1" smtClean="0">
+                                  <a:latin typeface="Cambria Math" panose="02040503050406030204" pitchFamily="18" charset="0"/>
+                                </a:rPr>
+                              </m:ctrlPr>
+                            </m:eqArrPr>
+                            <m:e/>
+                            <m:e/>
+                            <m:e/>
+                            <m:e/>
+                            <m:e/>
+                            <m:e/>
+                            <m:e/>
+                            <m:e/>
+                            <m:e/>
+                            <m:e/>
+                            <m:e/>
+                            <m:e/>
+                            <m:e/>
+                            <m:e/>
+                          </m:eqArr>
+                        </m:e>
+                      </m:d>
+                    </m:oMath>
+                  </m:oMathPara>
+                </a14:m>
+                <a:endParaRPr lang="es-ES" dirty="0"/>
+              </a:p>
+            </p:txBody>
+          </p:sp>
+        </mc:Choice>
+        <mc:Fallback>
+          <p:sp>
+            <p:nvSpPr>
+              <p:cNvPr id="6" name="CuadroTexto 5">
+                <a:extLst>
+                  <a:ext uri="{FF2B5EF4-FFF2-40B4-BE49-F238E27FC236}">
+                    <a16:creationId xmlns:a16="http://schemas.microsoft.com/office/drawing/2014/main" id="{66401E9C-31F6-4088-860E-3D5946897F8C}"/>
+                  </a:ext>
+                </a:extLst>
+              </p:cNvPr>
+              <p:cNvSpPr txBox="1">
+                <a:spLocks noRot="1" noChangeAspect="1" noMove="1" noResize="1" noEditPoints="1" noAdjustHandles="1" noChangeArrowheads="1" noChangeShapeType="1" noTextEdit="1"/>
+              </p:cNvSpPr>
+              <p:nvPr/>
+            </p:nvSpPr>
+            <p:spPr>
+              <a:xfrm>
+                <a:off x="4605556" y="2033397"/>
+                <a:ext cx="1275126" cy="3731791"/>
+              </a:xfrm>
+              <a:prstGeom prst="rect">
+                <a:avLst/>
+              </a:prstGeom>
+              <a:blipFill>
+                <a:blip r:embed="rId2"/>
+                <a:stretch>
+                  <a:fillRect/>
+                </a:stretch>
+              </a:blipFill>
+            </p:spPr>
+            <p:txBody>
+              <a:bodyPr/>
+              <a:lstStyle/>
+              <a:p>
+                <a:r>
+                  <a:rPr lang="es-ES">
+                    <a:noFill/>
+                  </a:rPr>
+                  <a:t> </a:t>
+                </a:r>
+              </a:p>
+            </p:txBody>
+          </p:sp>
+        </mc:Fallback>
+      </mc:AlternateContent>
+      <mc:AlternateContent xmlns:mc="http://schemas.openxmlformats.org/markup-compatibility/2006">
+        <mc:Choice xmlns:a14="http://schemas.microsoft.com/office/drawing/2010/main" Requires="a14">
+          <p:sp>
+            <p:nvSpPr>
+              <p:cNvPr id="7" name="CuadroTexto 6">
+                <a:extLst>
+                  <a:ext uri="{FF2B5EF4-FFF2-40B4-BE49-F238E27FC236}">
+                    <a16:creationId xmlns:a16="http://schemas.microsoft.com/office/drawing/2014/main" id="{FE011520-1040-4EF9-AA94-63DFF9B04FC3}"/>
+                  </a:ext>
+                </a:extLst>
+              </p:cNvPr>
+              <p:cNvSpPr txBox="1"/>
+              <p:nvPr/>
+            </p:nvSpPr>
+            <p:spPr>
+              <a:xfrm>
+                <a:off x="5872294" y="3720108"/>
+                <a:ext cx="1843903" cy="358368"/>
+              </a:xfrm>
+              <a:prstGeom prst="rect">
+                <a:avLst/>
+              </a:prstGeom>
+              <a:noFill/>
+            </p:spPr>
+            <p:txBody>
+              <a:bodyPr wrap="none" lIns="0" tIns="0" rIns="0" bIns="0" rtlCol="0">
+                <a:spAutoFit/>
+              </a:bodyPr>
+              <a:lstStyle/>
+              <a:p>
+                <a14:m>
+                  <m:oMathPara xmlns:m="http://schemas.openxmlformats.org/officeDocument/2006/math">
+                    <m:oMathParaPr>
+                      <m:jc m:val="centerGroup"/>
+                    </m:oMathParaPr>
+                    <m:oMath xmlns:m="http://schemas.openxmlformats.org/officeDocument/2006/math">
+                      <m:groupChr>
+                        <m:groupChrPr>
+                          <m:chr m:val="⇒"/>
+                          <m:pos m:val="top"/>
+                          <m:ctrlPr>
+                            <a:rPr lang="es-ES" b="0" i="1" smtClean="0">
+                              <a:latin typeface="Cambria Math" panose="02040503050406030204" pitchFamily="18" charset="0"/>
+                            </a:rPr>
+                          </m:ctrlPr>
+                        </m:groupChrPr>
+                        <m:e/>
+                      </m:groupChr>
+                      <m:r>
+                        <a:rPr lang="es-ES" b="0" i="1" smtClean="0">
+                          <a:latin typeface="Cambria Math" panose="02040503050406030204" pitchFamily="18" charset="0"/>
+                        </a:rPr>
+                        <m:t>h</m:t>
+                      </m:r>
+                      <m:d>
+                        <m:dPr>
+                          <m:ctrlPr>
+                            <a:rPr lang="es-ES" b="0" i="1" smtClean="0">
+                              <a:latin typeface="Cambria Math" panose="02040503050406030204" pitchFamily="18" charset="0"/>
+                            </a:rPr>
+                          </m:ctrlPr>
+                        </m:dPr>
+                        <m:e>
+                          <m:r>
+                            <a:rPr lang="es-ES" b="0" i="1" smtClean="0">
+                              <a:latin typeface="Cambria Math" panose="02040503050406030204" pitchFamily="18" charset="0"/>
+                            </a:rPr>
+                            <m:t>𝑛</m:t>
+                          </m:r>
+                        </m:e>
+                      </m:d>
+                      <m:r>
+                        <a:rPr lang="es-ES" b="0" i="1" smtClean="0">
+                          <a:latin typeface="Cambria Math" panose="02040503050406030204" pitchFamily="18" charset="0"/>
+                          <a:ea typeface="Cambria Math" panose="02040503050406030204" pitchFamily="18" charset="0"/>
+                        </a:rPr>
+                        <m:t>≤</m:t>
+                      </m:r>
+                      <m:sSup>
+                        <m:sSupPr>
+                          <m:ctrlPr>
+                            <a:rPr lang="es-ES" b="0" i="1" smtClean="0">
+                              <a:latin typeface="Cambria Math" panose="02040503050406030204" pitchFamily="18" charset="0"/>
+                              <a:ea typeface="Cambria Math" panose="02040503050406030204" pitchFamily="18" charset="0"/>
+                            </a:rPr>
+                          </m:ctrlPr>
+                        </m:sSupPr>
+                        <m:e>
+                          <m:r>
+                            <a:rPr lang="es-ES" b="0" i="1" smtClean="0">
+                              <a:latin typeface="Cambria Math" panose="02040503050406030204" pitchFamily="18" charset="0"/>
+                              <a:ea typeface="Cambria Math" panose="02040503050406030204" pitchFamily="18" charset="0"/>
+                            </a:rPr>
+                            <m:t>h</m:t>
+                          </m:r>
+                        </m:e>
+                        <m:sup>
+                          <m:r>
+                            <a:rPr lang="es-ES" b="0" i="1" smtClean="0">
+                              <a:latin typeface="Cambria Math" panose="02040503050406030204" pitchFamily="18" charset="0"/>
+                              <a:ea typeface="Cambria Math" panose="02040503050406030204" pitchFamily="18" charset="0"/>
+                            </a:rPr>
+                            <m:t>∗</m:t>
+                          </m:r>
+                        </m:sup>
+                      </m:sSup>
+                      <m:d>
+                        <m:dPr>
+                          <m:ctrlPr>
+                            <a:rPr lang="es-ES" b="0" i="1" smtClean="0">
+                              <a:latin typeface="Cambria Math" panose="02040503050406030204" pitchFamily="18" charset="0"/>
+                              <a:ea typeface="Cambria Math" panose="02040503050406030204" pitchFamily="18" charset="0"/>
+                            </a:rPr>
+                          </m:ctrlPr>
+                        </m:dPr>
+                        <m:e>
+                          <m:r>
+                            <a:rPr lang="es-ES" b="0" i="1" smtClean="0">
+                              <a:latin typeface="Cambria Math" panose="02040503050406030204" pitchFamily="18" charset="0"/>
+                              <a:ea typeface="Cambria Math" panose="02040503050406030204" pitchFamily="18" charset="0"/>
+                            </a:rPr>
+                            <m:t>𝑛</m:t>
+                          </m:r>
+                        </m:e>
+                      </m:d>
+                      <m:groupChr>
+                        <m:groupChrPr>
+                          <m:chr m:val="⇒"/>
+                          <m:pos m:val="top"/>
+                          <m:ctrlPr>
+                            <a:rPr lang="es-ES" b="0" i="1" smtClean="0">
+                              <a:latin typeface="Cambria Math" panose="02040503050406030204" pitchFamily="18" charset="0"/>
+                              <a:ea typeface="Cambria Math" panose="02040503050406030204" pitchFamily="18" charset="0"/>
+                            </a:rPr>
+                          </m:ctrlPr>
+                        </m:groupChrPr>
+                        <m:e/>
+                      </m:groupChr>
+                    </m:oMath>
+                  </m:oMathPara>
+                </a14:m>
+                <a:endParaRPr lang="es-ES" dirty="0"/>
+              </a:p>
+            </p:txBody>
+          </p:sp>
+        </mc:Choice>
+        <mc:Fallback>
+          <p:sp>
+            <p:nvSpPr>
+              <p:cNvPr id="7" name="CuadroTexto 6">
+                <a:extLst>
+                  <a:ext uri="{FF2B5EF4-FFF2-40B4-BE49-F238E27FC236}">
+                    <a16:creationId xmlns:a16="http://schemas.microsoft.com/office/drawing/2014/main" id="{FE011520-1040-4EF9-AA94-63DFF9B04FC3}"/>
+                  </a:ext>
+                </a:extLst>
+              </p:cNvPr>
+              <p:cNvSpPr txBox="1">
+                <a:spLocks noRot="1" noChangeAspect="1" noMove="1" noResize="1" noEditPoints="1" noAdjustHandles="1" noChangeArrowheads="1" noChangeShapeType="1" noTextEdit="1"/>
+              </p:cNvSpPr>
+              <p:nvPr/>
+            </p:nvSpPr>
+            <p:spPr>
+              <a:xfrm>
+                <a:off x="5872294" y="3720108"/>
+                <a:ext cx="1843903" cy="358368"/>
+              </a:xfrm>
+              <a:prstGeom prst="rect">
+                <a:avLst/>
+              </a:prstGeom>
+              <a:blipFill>
+                <a:blip r:embed="rId3"/>
+                <a:stretch>
+                  <a:fillRect l="-11221" t="-59322" r="-38944" b="-79661"/>
+                </a:stretch>
+              </a:blipFill>
+            </p:spPr>
+            <p:txBody>
+              <a:bodyPr/>
+              <a:lstStyle/>
+              <a:p>
+                <a:r>
+                  <a:rPr lang="es-ES">
+                    <a:noFill/>
+                  </a:rPr>
+                  <a:t> </a:t>
+                </a:r>
+              </a:p>
+            </p:txBody>
+          </p:sp>
+        </mc:Fallback>
+      </mc:AlternateContent>
+      <p:sp>
+        <p:nvSpPr>
+          <p:cNvPr id="8" name="CuadroTexto 7">
+            <a:extLst>
+              <a:ext uri="{FF2B5EF4-FFF2-40B4-BE49-F238E27FC236}">
+                <a16:creationId xmlns:a16="http://schemas.microsoft.com/office/drawing/2014/main" id="{AA7164C8-755D-4FF0-8DFD-7064745C78C9}"/>
+              </a:ext>
+            </a:extLst>
+          </p:cNvPr>
+          <p:cNvSpPr txBox="1"/>
+          <p:nvPr/>
+        </p:nvSpPr>
+        <p:spPr>
+          <a:xfrm>
+            <a:off x="7885653" y="3319190"/>
+            <a:ext cx="3657598" cy="1384995"/>
+          </a:xfrm>
+          <a:prstGeom prst="rect">
+            <a:avLst/>
+          </a:prstGeom>
+          <a:noFill/>
+        </p:spPr>
+        <p:txBody>
+          <a:bodyPr wrap="square" rtlCol="0">
+            <a:spAutoFit/>
           </a:bodyPr>
           <a:lstStyle/>
           <a:p>
-            <a:pPr marL="1371600" lvl="3" indent="0">
-              <a:buNone/>
-            </a:pPr>
-            <a:endParaRPr lang="es-ES" sz="2800" dirty="0"/>
-          </a:p>
-          <a:p>
-            <a:pPr marL="1371600" lvl="3" indent="0">
-              <a:buNone/>
-            </a:pPr>
-            <a:r>
-              <a:rPr lang="es-ES" sz="2800" dirty="0">
-                <a:solidFill>
-                  <a:srgbClr val="FF0000"/>
-                </a:solidFill>
-              </a:rPr>
-              <a:t>Si</a:t>
-            </a:r>
+            <a:pPr algn="ctr"/>
             <a:r>
               <a:rPr lang="es-ES" sz="2800" dirty="0"/>
-              <a:t> esta en </a:t>
-            </a:r>
-            <a:r>
-              <a:rPr lang="es-ES" sz="2800" i="1" dirty="0" err="1"/>
-              <a:t>ListaAbierta</a:t>
-            </a:r>
-            <a:r>
-              <a:rPr lang="es-ES" sz="2800" dirty="0"/>
-              <a:t>, </a:t>
-            </a:r>
-            <a:r>
-              <a:rPr lang="es-ES" sz="2800" dirty="0">
-                <a:solidFill>
-                  <a:srgbClr val="FF0000"/>
-                </a:solidFill>
-              </a:rPr>
-              <a:t>si</a:t>
-            </a:r>
-            <a:r>
-              <a:rPr lang="es-ES" sz="2800" dirty="0"/>
-              <a:t> el </a:t>
-            </a:r>
-            <a:r>
-              <a:rPr lang="es-ES" sz="2800" i="1" dirty="0"/>
-              <a:t>nuevo f </a:t>
-            </a:r>
-            <a:r>
-              <a:rPr lang="es-ES" sz="2800" dirty="0"/>
-              <a:t>es mejor </a:t>
-            </a:r>
-          </a:p>
-          <a:p>
-            <a:pPr marL="1371600" lvl="3" indent="0">
-              <a:buNone/>
-            </a:pPr>
-            <a:r>
-              <a:rPr lang="es-ES" sz="2800" dirty="0"/>
-              <a:t>	</a:t>
-            </a:r>
-            <a:r>
-              <a:rPr lang="es-ES" sz="2800" dirty="0">
-                <a:sym typeface="Wingdings" panose="05000000000000000000" pitchFamily="2" charset="2"/>
-              </a:rPr>
-              <a:t></a:t>
-            </a:r>
-            <a:r>
-              <a:rPr lang="es-ES" sz="2800" dirty="0"/>
-              <a:t> </a:t>
-            </a:r>
-            <a:r>
-              <a:rPr lang="es-ES" sz="2800" dirty="0">
-                <a:solidFill>
-                  <a:srgbClr val="00B050"/>
-                </a:solidFill>
-              </a:rPr>
-              <a:t>Actualizar</a:t>
-            </a:r>
-            <a:r>
-              <a:rPr lang="es-ES" sz="2800" dirty="0"/>
-              <a:t> </a:t>
-            </a:r>
-            <a:r>
-              <a:rPr lang="es-ES" sz="2800" i="1" dirty="0"/>
-              <a:t>f, g, el puntero direccionador y </a:t>
-            </a:r>
-            <a:r>
-              <a:rPr lang="es-ES" sz="2800" i="1" dirty="0" err="1"/>
-              <a:t>ListaAbierta</a:t>
-            </a:r>
-            <a:endParaRPr lang="es-ES" sz="2800" i="1" dirty="0"/>
-          </a:p>
-          <a:p>
-            <a:pPr marL="1371600" lvl="3" indent="0">
-              <a:buNone/>
-            </a:pPr>
-            <a:endParaRPr lang="es-ES" sz="2800" dirty="0"/>
-          </a:p>
-          <a:p>
-            <a:pPr marL="1371600" lvl="3" indent="0">
-              <a:buNone/>
-            </a:pPr>
-            <a:r>
-              <a:rPr lang="es-ES" sz="2800" dirty="0">
-                <a:solidFill>
-                  <a:srgbClr val="FF0000"/>
-                </a:solidFill>
-              </a:rPr>
-              <a:t>Si no </a:t>
-            </a:r>
-            <a:r>
-              <a:rPr lang="es-ES" sz="2800" dirty="0"/>
-              <a:t>esta </a:t>
-            </a:r>
-          </a:p>
-          <a:p>
-            <a:pPr marL="1371600" lvl="3" indent="0">
-              <a:buNone/>
-            </a:pPr>
-            <a:r>
-              <a:rPr lang="es-ES" sz="2800" dirty="0">
-                <a:sym typeface="Wingdings" panose="05000000000000000000" pitchFamily="2" charset="2"/>
-              </a:rPr>
-              <a:t>	</a:t>
-            </a:r>
-            <a:r>
-              <a:rPr lang="es-ES" sz="2800" dirty="0"/>
-              <a:t> </a:t>
-            </a:r>
-            <a:r>
-              <a:rPr lang="es-ES" sz="2800" dirty="0">
-                <a:solidFill>
-                  <a:srgbClr val="00B050"/>
-                </a:solidFill>
-              </a:rPr>
-              <a:t>Actualizar</a:t>
-            </a:r>
-            <a:r>
-              <a:rPr lang="es-ES" sz="2800" dirty="0"/>
-              <a:t> </a:t>
-            </a:r>
-            <a:r>
-              <a:rPr lang="es-ES" sz="2800" i="1" dirty="0"/>
-              <a:t>f, g, el puntero direccionador </a:t>
-            </a:r>
-            <a:r>
-              <a:rPr lang="es-ES" sz="2800" dirty="0"/>
-              <a:t>y </a:t>
-            </a:r>
-            <a:r>
-              <a:rPr lang="es-ES" sz="2800" dirty="0">
-                <a:solidFill>
-                  <a:srgbClr val="00B050"/>
-                </a:solidFill>
-              </a:rPr>
-              <a:t>añadirlo</a:t>
-            </a:r>
-            <a:r>
-              <a:rPr lang="es-ES" sz="2800" dirty="0"/>
-              <a:t> a </a:t>
-            </a:r>
-            <a:r>
-              <a:rPr lang="es-ES" sz="2800" i="1" dirty="0" err="1"/>
-              <a:t>ListaAbierta</a:t>
-            </a:r>
-            <a:endParaRPr lang="es-ES" sz="2800" i="1" dirty="0"/>
-          </a:p>
-          <a:p>
-            <a:pPr marL="0" indent="0">
-              <a:buNone/>
-            </a:pPr>
-            <a:r>
-              <a:rPr lang="es-ES" dirty="0">
-                <a:solidFill>
-                  <a:schemeClr val="accent1"/>
-                </a:solidFill>
-              </a:rPr>
-              <a:t>Volver </a:t>
-            </a:r>
-          </a:p>
-          <a:p>
-            <a:pPr marL="0" indent="0">
-              <a:buNone/>
-            </a:pPr>
-            <a:endParaRPr lang="es-ES" dirty="0">
-              <a:solidFill>
-                <a:schemeClr val="accent1"/>
-              </a:solidFill>
-            </a:endParaRPr>
-          </a:p>
-          <a:p>
-            <a:pPr marL="0" indent="0">
-              <a:buNone/>
-            </a:pPr>
-            <a:r>
-              <a:rPr lang="es-ES" dirty="0">
-                <a:solidFill>
-                  <a:srgbClr val="00B050"/>
-                </a:solidFill>
-              </a:rPr>
-              <a:t>Calcular Ruta </a:t>
-            </a:r>
-            <a:r>
-              <a:rPr lang="es-ES" dirty="0"/>
-              <a:t>usando los punteros direccionadores	</a:t>
-            </a:r>
-          </a:p>
-          <a:p>
-            <a:pPr marL="0" indent="0">
-              <a:buNone/>
-            </a:pPr>
-            <a:r>
-              <a:rPr lang="es-ES" dirty="0"/>
-              <a:t>		</a:t>
+              <a:t>Nuestra modelización es válida para un Algoritmo A</a:t>
+            </a:r>
+            <a:r>
+              <a:rPr lang="es-ES" sz="2800" baseline="30000" dirty="0"/>
+              <a:t>*</a:t>
             </a:r>
           </a:p>
         </p:txBody>
@@ -6183,7 +11587,7 @@
     </p:spTree>
     <p:extLst>
       <p:ext uri="{BB962C8B-B14F-4D97-AF65-F5344CB8AC3E}">
-        <p14:creationId xmlns:p14="http://schemas.microsoft.com/office/powerpoint/2010/main" val="1110304304"/>
+        <p14:creationId xmlns:p14="http://schemas.microsoft.com/office/powerpoint/2010/main" val="3947783782"/>
       </p:ext>
     </p:extLst>
   </p:cSld>

--- a/PresentacionMetro.pptx
+++ b/PresentacionMetro.pptx
@@ -279,7 +279,7 @@
           <a:p>
             <a:fld id="{AF611B92-A341-4C0A-A0AE-4DA00BB3E0EA}" type="datetimeFigureOut">
               <a:rPr lang="es-ES" smtClean="0"/>
-              <a:t>09/12/2019</a:t>
+              <a:t>13/12/2019</a:t>
             </a:fld>
             <a:endParaRPr lang="es-ES"/>
           </a:p>
@@ -477,7 +477,7 @@
           <a:p>
             <a:fld id="{AF611B92-A341-4C0A-A0AE-4DA00BB3E0EA}" type="datetimeFigureOut">
               <a:rPr lang="es-ES" smtClean="0"/>
-              <a:t>09/12/2019</a:t>
+              <a:t>13/12/2019</a:t>
             </a:fld>
             <a:endParaRPr lang="es-ES"/>
           </a:p>
@@ -685,7 +685,7 @@
           <a:p>
             <a:fld id="{AF611B92-A341-4C0A-A0AE-4DA00BB3E0EA}" type="datetimeFigureOut">
               <a:rPr lang="es-ES" smtClean="0"/>
-              <a:t>09/12/2019</a:t>
+              <a:t>13/12/2019</a:t>
             </a:fld>
             <a:endParaRPr lang="es-ES"/>
           </a:p>
@@ -883,7 +883,7 @@
           <a:p>
             <a:fld id="{AF611B92-A341-4C0A-A0AE-4DA00BB3E0EA}" type="datetimeFigureOut">
               <a:rPr lang="es-ES" smtClean="0"/>
-              <a:t>09/12/2019</a:t>
+              <a:t>13/12/2019</a:t>
             </a:fld>
             <a:endParaRPr lang="es-ES"/>
           </a:p>
@@ -1158,7 +1158,7 @@
           <a:p>
             <a:fld id="{AF611B92-A341-4C0A-A0AE-4DA00BB3E0EA}" type="datetimeFigureOut">
               <a:rPr lang="es-ES" smtClean="0"/>
-              <a:t>09/12/2019</a:t>
+              <a:t>13/12/2019</a:t>
             </a:fld>
             <a:endParaRPr lang="es-ES"/>
           </a:p>
@@ -1423,7 +1423,7 @@
           <a:p>
             <a:fld id="{AF611B92-A341-4C0A-A0AE-4DA00BB3E0EA}" type="datetimeFigureOut">
               <a:rPr lang="es-ES" smtClean="0"/>
-              <a:t>09/12/2019</a:t>
+              <a:t>13/12/2019</a:t>
             </a:fld>
             <a:endParaRPr lang="es-ES"/>
           </a:p>
@@ -1835,7 +1835,7 @@
           <a:p>
             <a:fld id="{AF611B92-A341-4C0A-A0AE-4DA00BB3E0EA}" type="datetimeFigureOut">
               <a:rPr lang="es-ES" smtClean="0"/>
-              <a:t>09/12/2019</a:t>
+              <a:t>13/12/2019</a:t>
             </a:fld>
             <a:endParaRPr lang="es-ES"/>
           </a:p>
@@ -1976,7 +1976,7 @@
           <a:p>
             <a:fld id="{AF611B92-A341-4C0A-A0AE-4DA00BB3E0EA}" type="datetimeFigureOut">
               <a:rPr lang="es-ES" smtClean="0"/>
-              <a:t>09/12/2019</a:t>
+              <a:t>13/12/2019</a:t>
             </a:fld>
             <a:endParaRPr lang="es-ES"/>
           </a:p>
@@ -2089,7 +2089,7 @@
           <a:p>
             <a:fld id="{AF611B92-A341-4C0A-A0AE-4DA00BB3E0EA}" type="datetimeFigureOut">
               <a:rPr lang="es-ES" smtClean="0"/>
-              <a:t>09/12/2019</a:t>
+              <a:t>13/12/2019</a:t>
             </a:fld>
             <a:endParaRPr lang="es-ES"/>
           </a:p>
@@ -2400,7 +2400,7 @@
           <a:p>
             <a:fld id="{AF611B92-A341-4C0A-A0AE-4DA00BB3E0EA}" type="datetimeFigureOut">
               <a:rPr lang="es-ES" smtClean="0"/>
-              <a:t>09/12/2019</a:t>
+              <a:t>13/12/2019</a:t>
             </a:fld>
             <a:endParaRPr lang="es-ES"/>
           </a:p>
@@ -2688,7 +2688,7 @@
           <a:p>
             <a:fld id="{AF611B92-A341-4C0A-A0AE-4DA00BB3E0EA}" type="datetimeFigureOut">
               <a:rPr lang="es-ES" smtClean="0"/>
-              <a:t>09/12/2019</a:t>
+              <a:t>13/12/2019</a:t>
             </a:fld>
             <a:endParaRPr lang="es-ES"/>
           </a:p>
@@ -2959,7 +2959,7 @@
           <a:p>
             <a:fld id="{AF611B92-A341-4C0A-A0AE-4DA00BB3E0EA}" type="datetimeFigureOut">
               <a:rPr lang="es-ES" smtClean="0"/>
-              <a:t>09/12/2019</a:t>
+              <a:t>13/12/2019</a:t>
             </a:fld>
             <a:endParaRPr lang="es-ES"/>
           </a:p>
@@ -3603,8 +3603,8 @@
           <a:p>
             <a:pPr lvl="1"/>
             <a:r>
-              <a:rPr lang="es-ES" dirty="0" err="1"/>
-              <a:t>Matblotlib</a:t>
+              <a:rPr lang="es-ES"/>
+              <a:t>Matplotlib</a:t>
             </a:r>
             <a:endParaRPr lang="es-ES" dirty="0"/>
           </a:p>
@@ -11228,8 +11228,8 @@
           </a:p>
         </p:txBody>
       </p:sp>
-      <mc:AlternateContent xmlns:mc="http://schemas.openxmlformats.org/markup-compatibility/2006">
-        <mc:Choice xmlns:a14="http://schemas.microsoft.com/office/drawing/2010/main" Requires="a14">
+      <mc:AlternateContent xmlns:mc="http://schemas.openxmlformats.org/markup-compatibility/2006" xmlns:a14="http://schemas.microsoft.com/office/drawing/2010/main">
+        <mc:Choice Requires="a14">
           <p:sp>
             <p:nvSpPr>
               <p:cNvPr id="6" name="CuadroTexto 5">
@@ -11258,6 +11258,7 @@
               </a:bodyPr>
               <a:lstStyle/>
               <a:p>
+                <a:pPr/>
                 <a14:m>
                   <m:oMathPara xmlns:m="http://schemas.openxmlformats.org/officeDocument/2006/math">
                     <m:oMathParaPr>
@@ -11308,7 +11309,7 @@
             </p:txBody>
           </p:sp>
         </mc:Choice>
-        <mc:Fallback>
+        <mc:Fallback xmlns="">
           <p:sp>
             <p:nvSpPr>
               <p:cNvPr id="6" name="CuadroTexto 5">
@@ -11353,8 +11354,8 @@
           </p:sp>
         </mc:Fallback>
       </mc:AlternateContent>
-      <mc:AlternateContent xmlns:mc="http://schemas.openxmlformats.org/markup-compatibility/2006">
-        <mc:Choice xmlns:a14="http://schemas.microsoft.com/office/drawing/2010/main" Requires="a14">
+      <mc:AlternateContent xmlns:mc="http://schemas.openxmlformats.org/markup-compatibility/2006" xmlns:a14="http://schemas.microsoft.com/office/drawing/2010/main">
+        <mc:Choice Requires="a14">
           <p:sp>
             <p:nvSpPr>
               <p:cNvPr id="7" name="CuadroTexto 6">
@@ -11383,6 +11384,7 @@
               </a:bodyPr>
               <a:lstStyle/>
               <a:p>
+                <a:pPr/>
                 <a14:m>
                   <m:oMathPara xmlns:m="http://schemas.openxmlformats.org/officeDocument/2006/math">
                     <m:oMathParaPr>
@@ -11499,7 +11501,7 @@
             </p:txBody>
           </p:sp>
         </mc:Choice>
-        <mc:Fallback>
+        <mc:Fallback xmlns="">
           <p:sp>
             <p:nvSpPr>
               <p:cNvPr id="7" name="CuadroTexto 6">

--- a/PresentacionMetro.pptx
+++ b/PresentacionMetro.pptx
@@ -279,7 +279,7 @@
           <a:p>
             <a:fld id="{AF611B92-A341-4C0A-A0AE-4DA00BB3E0EA}" type="datetimeFigureOut">
               <a:rPr lang="es-ES" smtClean="0"/>
-              <a:t>13/12/2019</a:t>
+              <a:t>14/12/2019</a:t>
             </a:fld>
             <a:endParaRPr lang="es-ES"/>
           </a:p>
@@ -477,7 +477,7 @@
           <a:p>
             <a:fld id="{AF611B92-A341-4C0A-A0AE-4DA00BB3E0EA}" type="datetimeFigureOut">
               <a:rPr lang="es-ES" smtClean="0"/>
-              <a:t>13/12/2019</a:t>
+              <a:t>14/12/2019</a:t>
             </a:fld>
             <a:endParaRPr lang="es-ES"/>
           </a:p>
@@ -685,7 +685,7 @@
           <a:p>
             <a:fld id="{AF611B92-A341-4C0A-A0AE-4DA00BB3E0EA}" type="datetimeFigureOut">
               <a:rPr lang="es-ES" smtClean="0"/>
-              <a:t>13/12/2019</a:t>
+              <a:t>14/12/2019</a:t>
             </a:fld>
             <a:endParaRPr lang="es-ES"/>
           </a:p>
@@ -883,7 +883,7 @@
           <a:p>
             <a:fld id="{AF611B92-A341-4C0A-A0AE-4DA00BB3E0EA}" type="datetimeFigureOut">
               <a:rPr lang="es-ES" smtClean="0"/>
-              <a:t>13/12/2019</a:t>
+              <a:t>14/12/2019</a:t>
             </a:fld>
             <a:endParaRPr lang="es-ES"/>
           </a:p>
@@ -1158,7 +1158,7 @@
           <a:p>
             <a:fld id="{AF611B92-A341-4C0A-A0AE-4DA00BB3E0EA}" type="datetimeFigureOut">
               <a:rPr lang="es-ES" smtClean="0"/>
-              <a:t>13/12/2019</a:t>
+              <a:t>14/12/2019</a:t>
             </a:fld>
             <a:endParaRPr lang="es-ES"/>
           </a:p>
@@ -1423,7 +1423,7 @@
           <a:p>
             <a:fld id="{AF611B92-A341-4C0A-A0AE-4DA00BB3E0EA}" type="datetimeFigureOut">
               <a:rPr lang="es-ES" smtClean="0"/>
-              <a:t>13/12/2019</a:t>
+              <a:t>14/12/2019</a:t>
             </a:fld>
             <a:endParaRPr lang="es-ES"/>
           </a:p>
@@ -1835,7 +1835,7 @@
           <a:p>
             <a:fld id="{AF611B92-A341-4C0A-A0AE-4DA00BB3E0EA}" type="datetimeFigureOut">
               <a:rPr lang="es-ES" smtClean="0"/>
-              <a:t>13/12/2019</a:t>
+              <a:t>14/12/2019</a:t>
             </a:fld>
             <a:endParaRPr lang="es-ES"/>
           </a:p>
@@ -1976,7 +1976,7 @@
           <a:p>
             <a:fld id="{AF611B92-A341-4C0A-A0AE-4DA00BB3E0EA}" type="datetimeFigureOut">
               <a:rPr lang="es-ES" smtClean="0"/>
-              <a:t>13/12/2019</a:t>
+              <a:t>14/12/2019</a:t>
             </a:fld>
             <a:endParaRPr lang="es-ES"/>
           </a:p>
@@ -2089,7 +2089,7 @@
           <a:p>
             <a:fld id="{AF611B92-A341-4C0A-A0AE-4DA00BB3E0EA}" type="datetimeFigureOut">
               <a:rPr lang="es-ES" smtClean="0"/>
-              <a:t>13/12/2019</a:t>
+              <a:t>14/12/2019</a:t>
             </a:fld>
             <a:endParaRPr lang="es-ES"/>
           </a:p>
@@ -2400,7 +2400,7 @@
           <a:p>
             <a:fld id="{AF611B92-A341-4C0A-A0AE-4DA00BB3E0EA}" type="datetimeFigureOut">
               <a:rPr lang="es-ES" smtClean="0"/>
-              <a:t>13/12/2019</a:t>
+              <a:t>14/12/2019</a:t>
             </a:fld>
             <a:endParaRPr lang="es-ES"/>
           </a:p>
@@ -2688,7 +2688,7 @@
           <a:p>
             <a:fld id="{AF611B92-A341-4C0A-A0AE-4DA00BB3E0EA}" type="datetimeFigureOut">
               <a:rPr lang="es-ES" smtClean="0"/>
-              <a:t>13/12/2019</a:t>
+              <a:t>14/12/2019</a:t>
             </a:fld>
             <a:endParaRPr lang="es-ES"/>
           </a:p>
@@ -2959,7 +2959,7 @@
           <a:p>
             <a:fld id="{AF611B92-A341-4C0A-A0AE-4DA00BB3E0EA}" type="datetimeFigureOut">
               <a:rPr lang="es-ES" smtClean="0"/>
-              <a:t>13/12/2019</a:t>
+              <a:t>14/12/2019</a:t>
             </a:fld>
             <a:endParaRPr lang="es-ES"/>
           </a:p>
@@ -3420,15 +3420,39 @@
             <p:ph type="subTitle" idx="1"/>
           </p:nvPr>
         </p:nvSpPr>
-        <p:spPr/>
-        <p:txBody>
-          <a:bodyPr/>
+        <p:spPr>
+          <a:xfrm>
+            <a:off x="1524000" y="3929209"/>
+            <a:ext cx="9144000" cy="1655762"/>
+          </a:xfrm>
+        </p:spPr>
+        <p:txBody>
+          <a:bodyPr>
+            <a:normAutofit/>
+          </a:bodyPr>
           <a:lstStyle/>
           <a:p>
             <a:r>
+              <a:rPr lang="es-ES" u="sng" dirty="0"/>
+              <a:t>Grupo 8</a:t>
+            </a:r>
+          </a:p>
+          <a:p>
+            <a:r>
               <a:rPr lang="es-ES" dirty="0"/>
-              <a:t>Grupo, Miembros, fecha..</a:t>
-            </a:r>
+              <a:t>Diego José </a:t>
+            </a:r>
+            <a:r>
+              <a:rPr lang="es-ES" dirty="0" err="1"/>
+              <a:t>Abengózar</a:t>
+            </a:r>
+            <a:r>
+              <a:rPr lang="es-ES" dirty="0"/>
+              <a:t> Vilar, Alejandro García Castellanos, Jaime Vallejo Benítez-Cano, Alejandro Gil Ferrer, Ignacio Encinas Ramos</a:t>
+            </a:r>
+          </a:p>
+          <a:p>
+            <a:endParaRPr lang="es-ES" dirty="0"/>
           </a:p>
         </p:txBody>
       </p:sp>
@@ -3596,15 +3620,15 @@
             <a:pPr lvl="1"/>
             <a:r>
               <a:rPr lang="es-ES" dirty="0" err="1"/>
-              <a:t>Tkinter</a:t>
+              <a:t>TKinter</a:t>
             </a:r>
             <a:endParaRPr lang="es-ES" dirty="0"/>
           </a:p>
           <a:p>
             <a:pPr lvl="1"/>
             <a:r>
-              <a:rPr lang="es-ES"/>
-              <a:t>Matplotlib</a:t>
+              <a:rPr lang="es-ES" dirty="0" err="1"/>
+              <a:t>MatPlotLib</a:t>
             </a:r>
             <a:endParaRPr lang="es-ES" dirty="0"/>
           </a:p>
@@ -3612,7 +3636,7 @@
             <a:pPr lvl="1"/>
             <a:r>
               <a:rPr lang="es-ES" dirty="0" err="1"/>
-              <a:t>Networkx</a:t>
+              <a:t>NetworkX</a:t>
             </a:r>
             <a:endParaRPr lang="es-ES" dirty="0"/>
           </a:p>
@@ -3626,13 +3650,8 @@
           <a:p>
             <a:r>
               <a:rPr lang="es-ES" dirty="0"/>
-              <a:t>Facilidad para testear/</a:t>
-            </a:r>
-            <a:r>
-              <a:rPr lang="es-ES" dirty="0" err="1"/>
-              <a:t>debugear</a:t>
-            </a:r>
-            <a:endParaRPr lang="es-ES" dirty="0"/>
+              <a:t>Facilidad para testear/depurar</a:t>
+            </a:r>
           </a:p>
           <a:p>
             <a:r>
@@ -5770,7 +5789,7 @@
             </a:r>
             <a:r>
               <a:rPr lang="es-ES" sz="2800" dirty="0"/>
-              <a:t> esta en </a:t>
+              <a:t> está en </a:t>
             </a:r>
             <a:r>
               <a:rPr lang="es-ES" sz="2800" i="1" dirty="0" err="1"/>
@@ -5861,7 +5880,7 @@
             </a:r>
             <a:r>
               <a:rPr lang="es-ES" sz="2800" dirty="0"/>
-              <a:t>esta </a:t>
+              <a:t>está </a:t>
             </a:r>
           </a:p>
           <a:p>
@@ -6077,7 +6096,7 @@
         </p:blipFill>
         <p:spPr>
           <a:xfrm>
-            <a:off x="3897472" y="1990725"/>
+            <a:off x="4233032" y="1849173"/>
             <a:ext cx="6762750" cy="2876550"/>
           </a:xfrm>
           <a:prstGeom prst="rect">
@@ -6144,7 +6163,7 @@
         </p:nvCxnSpPr>
         <p:spPr>
           <a:xfrm>
-            <a:off x="3414319" y="2432060"/>
+            <a:off x="3749879" y="2290508"/>
             <a:ext cx="729842" cy="311141"/>
           </a:xfrm>
           <a:prstGeom prst="straightConnector1">
@@ -6188,7 +6207,7 @@
         </p:nvCxnSpPr>
         <p:spPr>
           <a:xfrm>
-            <a:off x="3414319" y="3143752"/>
+            <a:off x="3749879" y="3002200"/>
             <a:ext cx="729842" cy="352360"/>
           </a:xfrm>
           <a:prstGeom prst="straightConnector1">
@@ -6230,7 +6249,7 @@
         </p:nvSpPr>
         <p:spPr>
           <a:xfrm>
-            <a:off x="1531778" y="2191603"/>
+            <a:off x="1867338" y="2050051"/>
             <a:ext cx="1963102" cy="369332"/>
           </a:xfrm>
           <a:prstGeom prst="rect">
@@ -6265,7 +6284,7 @@
         </p:nvSpPr>
         <p:spPr>
           <a:xfrm>
-            <a:off x="1404727" y="2932975"/>
+            <a:off x="1740287" y="2791423"/>
             <a:ext cx="2057615" cy="369332"/>
           </a:xfrm>
           <a:prstGeom prst="rect">
@@ -6302,7 +6321,7 @@
         </p:nvCxnSpPr>
         <p:spPr>
           <a:xfrm flipV="1">
-            <a:off x="3238150" y="3853739"/>
+            <a:off x="3573710" y="3712187"/>
             <a:ext cx="721454" cy="156199"/>
           </a:xfrm>
           <a:prstGeom prst="straightConnector1">
@@ -6344,7 +6363,7 @@
         </p:nvSpPr>
         <p:spPr>
           <a:xfrm>
-            <a:off x="250041" y="3803222"/>
+            <a:off x="585601" y="3661670"/>
             <a:ext cx="3095537" cy="1477328"/>
           </a:xfrm>
           <a:prstGeom prst="rect">
@@ -6388,7 +6407,7 @@
         </p:nvCxnSpPr>
         <p:spPr>
           <a:xfrm flipV="1">
-            <a:off x="3494880" y="4246546"/>
+            <a:off x="3830440" y="4104994"/>
             <a:ext cx="943704" cy="1021280"/>
           </a:xfrm>
           <a:prstGeom prst="straightConnector1">
@@ -6432,7 +6451,7 @@
         </p:nvCxnSpPr>
         <p:spPr>
           <a:xfrm flipV="1">
-            <a:off x="4838740" y="4757186"/>
+            <a:off x="5174300" y="4615634"/>
             <a:ext cx="0" cy="786602"/>
           </a:xfrm>
           <a:prstGeom prst="straightConnector1">
@@ -6474,7 +6493,7 @@
         </p:nvSpPr>
         <p:spPr>
           <a:xfrm>
-            <a:off x="3779240" y="5504434"/>
+            <a:off x="4114800" y="5362882"/>
             <a:ext cx="2962671" cy="369332"/>
           </a:xfrm>
           <a:prstGeom prst="rect">
@@ -6509,7 +6528,7 @@
         </p:nvSpPr>
         <p:spPr>
           <a:xfrm>
-            <a:off x="894773" y="5157099"/>
+            <a:off x="1230333" y="5015547"/>
             <a:ext cx="2726752" cy="1477328"/>
           </a:xfrm>
           <a:prstGeom prst="rect">
@@ -6928,55 +6947,62 @@
             <p:ph type="subTitle" idx="1"/>
           </p:nvPr>
         </p:nvSpPr>
-        <p:spPr/>
-        <p:txBody>
-          <a:bodyPr/>
+        <p:spPr>
+          <a:xfrm>
+            <a:off x="97872" y="6496240"/>
+            <a:ext cx="4256015" cy="282065"/>
+          </a:xfrm>
+        </p:spPr>
+        <p:txBody>
+          <a:bodyPr>
+            <a:normAutofit/>
+          </a:bodyPr>
           <a:lstStyle/>
           <a:p>
             <a:r>
-              <a:rPr lang="es-ES" dirty="0"/>
+              <a:rPr lang="es-ES" sz="1200" dirty="0"/>
               <a:t>Coger ejemplos buenos: </a:t>
             </a:r>
             <a:r>
-              <a:rPr lang="es-ES" dirty="0" err="1"/>
+              <a:rPr lang="es-ES" sz="1200" dirty="0" err="1"/>
               <a:t>Ueno</a:t>
             </a:r>
             <a:r>
-              <a:rPr lang="es-ES" dirty="0"/>
+              <a:rPr lang="es-ES" sz="1200" dirty="0"/>
               <a:t> – </a:t>
             </a:r>
             <a:r>
-              <a:rPr lang="es-ES" dirty="0" err="1"/>
+              <a:rPr lang="es-ES" sz="1200" dirty="0" err="1"/>
               <a:t>Shibuya</a:t>
             </a:r>
             <a:r>
-              <a:rPr lang="es-ES" dirty="0"/>
+              <a:rPr lang="es-ES" sz="1200" dirty="0"/>
               <a:t>, </a:t>
             </a:r>
             <a:r>
-              <a:rPr lang="es-ES" dirty="0" err="1"/>
+              <a:rPr lang="es-ES" sz="1200" dirty="0" err="1"/>
               <a:t>Ueno</a:t>
             </a:r>
             <a:r>
-              <a:rPr lang="es-ES" dirty="0"/>
+              <a:rPr lang="es-ES" sz="1200" dirty="0"/>
               <a:t> – </a:t>
             </a:r>
             <a:r>
-              <a:rPr lang="es-ES" dirty="0" err="1"/>
+              <a:rPr lang="es-ES" sz="1200" dirty="0" err="1"/>
               <a:t>Meguro</a:t>
             </a:r>
             <a:r>
-              <a:rPr lang="es-ES" dirty="0"/>
+              <a:rPr lang="es-ES" sz="1200" dirty="0"/>
               <a:t>, </a:t>
             </a:r>
             <a:r>
-              <a:rPr lang="es-ES" dirty="0" err="1"/>
+              <a:rPr lang="es-ES" sz="1200" dirty="0" err="1"/>
               <a:t>etc</a:t>
             </a:r>
-            <a:endParaRPr lang="es-ES" dirty="0"/>
-          </a:p>
-          <a:p>
-            <a:endParaRPr lang="es-ES" dirty="0"/>
+            <a:endParaRPr lang="es-ES" sz="1200" dirty="0"/>
+          </a:p>
+          <a:p>
+            <a:endParaRPr lang="es-ES" sz="1200" dirty="0"/>
           </a:p>
         </p:txBody>
       </p:sp>
@@ -7075,7 +7101,7 @@
           <a:p>
             <a:r>
               <a:rPr lang="es-ES" sz="2400" dirty="0"/>
-              <a:t>Cada estación es un nodo en el grafo</a:t>
+              <a:t>Cada estación es un nodo en el grafo.</a:t>
             </a:r>
           </a:p>
           <a:p>
@@ -7231,7 +7257,7 @@
           <a:p>
             <a:r>
               <a:rPr lang="es-ES" sz="2400" dirty="0"/>
-              <a:t>Ponemos a cero el tiempo entre el nodo simbólico y los nodos de los transbordos para no influir al algoritmo porque línea empezar</a:t>
+              <a:t>Ponemos a cero el tiempo entre el nodo simbólico y los nodos de los transbordos para no influir al algoritmo por qué línea empezar.</a:t>
             </a:r>
           </a:p>
           <a:p>
@@ -7260,9 +7286,9 @@
         <p:grpSpPr>
           <a:xfrm>
             <a:off x="318781" y="1689366"/>
-            <a:ext cx="7021586" cy="4522260"/>
+            <a:ext cx="7021586" cy="4552079"/>
             <a:chOff x="3930907" y="1501629"/>
-            <a:chExt cx="7876774" cy="4919445"/>
+            <a:chExt cx="7876774" cy="4951883"/>
           </a:xfrm>
         </p:grpSpPr>
         <p:sp>
@@ -8083,7 +8109,7 @@
           <p:spPr>
             <a:xfrm>
               <a:off x="4772899" y="5104515"/>
-              <a:ext cx="1557349" cy="369332"/>
+              <a:ext cx="1694589" cy="401770"/>
             </a:xfrm>
             <a:prstGeom prst="rect">
               <a:avLst/>
@@ -8106,7 +8132,7 @@
               </a:r>
               <a:r>
                 <a:rPr lang="es-ES" dirty="0" err="1"/>
-                <a:t>Shinkuku</a:t>
+                <a:t>Shinjuku</a:t>
               </a:r>
               <a:endParaRPr lang="es-ES" dirty="0"/>
             </a:p>
@@ -8127,7 +8153,7 @@
           <p:spPr>
             <a:xfrm>
               <a:off x="8487907" y="2103134"/>
-              <a:ext cx="2022220" cy="369332"/>
+              <a:ext cx="2216079" cy="401770"/>
             </a:xfrm>
             <a:prstGeom prst="rect">
               <a:avLst/>
@@ -8150,7 +8176,7 @@
               </a:r>
               <a:r>
                 <a:rPr lang="es-ES" dirty="0" err="1"/>
-                <a:t>Shinkuku</a:t>
+                <a:t>Shinjuku</a:t>
               </a:r>
               <a:endParaRPr lang="es-ES" dirty="0"/>
             </a:p>
@@ -8171,7 +8197,7 @@
           <p:spPr>
             <a:xfrm>
               <a:off x="9712493" y="6051742"/>
-              <a:ext cx="1574983" cy="369332"/>
+              <a:ext cx="1714370" cy="401770"/>
             </a:xfrm>
             <a:prstGeom prst="rect">
               <a:avLst/>
@@ -8194,7 +8220,7 @@
               </a:r>
               <a:r>
                 <a:rPr lang="es-ES" dirty="0" err="1"/>
-                <a:t>Shinkuku</a:t>
+                <a:t>Shinjuku</a:t>
               </a:r>
               <a:endParaRPr lang="es-ES" dirty="0"/>
             </a:p>
@@ -8215,7 +8241,7 @@
           <p:spPr>
             <a:xfrm>
               <a:off x="7454739" y="4565209"/>
-              <a:ext cx="1033168" cy="369332"/>
+              <a:ext cx="1106565" cy="401770"/>
             </a:xfrm>
             <a:prstGeom prst="rect">
               <a:avLst/>
@@ -8230,7 +8256,7 @@
             <a:p>
               <a:r>
                 <a:rPr lang="es-ES" dirty="0" err="1"/>
-                <a:t>Shinkuku</a:t>
+                <a:t>Shinjuku</a:t>
               </a:r>
               <a:endParaRPr lang="es-ES" dirty="0"/>
             </a:p>
@@ -9554,11 +9580,11 @@
             </a:r>
             <a:r>
               <a:rPr lang="es-ES" sz="2400" dirty="0"/>
-              <a:t> de JR-East y de </a:t>
+              <a:t> de JR-East y de Google </a:t>
             </a:r>
             <a:r>
               <a:rPr lang="es-ES" sz="2400" dirty="0" err="1"/>
-              <a:t>GoogleMaps</a:t>
+              <a:t>Maps</a:t>
             </a:r>
             <a:endParaRPr lang="es-ES" sz="2400" dirty="0"/>
           </a:p>
@@ -9580,19 +9606,17 @@
             </a:pPr>
             <a:r>
               <a:rPr lang="es-ES" sz="2000" dirty="0" err="1"/>
-              <a:t>Ref:</a:t>
-            </a:r>
-            <a:r>
-              <a:rPr lang="es-ES" sz="2000" dirty="0" err="1">
-                <a:hlinkClick r:id="rId3"/>
-              </a:rPr>
-              <a:t>https</a:t>
+              <a:t>Ref</a:t>
+            </a:r>
+            <a:r>
+              <a:rPr lang="es-ES" sz="2000" dirty="0"/>
+              <a:t>: </a:t>
             </a:r>
             <a:r>
               <a:rPr lang="es-ES" sz="2000" dirty="0">
                 <a:hlinkClick r:id="rId3"/>
               </a:rPr>
-              <a:t>://es.wikipedia.org/wiki/Kil%C3%B3metro_por_hora</a:t>
+              <a:t>https://es.wikipedia.org/wiki/Kil%C3%B3metro_por_hora</a:t>
             </a:r>
             <a:endParaRPr lang="es-ES" sz="2000" dirty="0"/>
           </a:p>
@@ -10667,7 +10691,7 @@
             </a:r>
             <a:r>
               <a:rPr lang="es-ES" sz="2400" dirty="0" err="1"/>
-              <a:t>haversine</a:t>
+              <a:t>Haversine</a:t>
             </a:r>
             <a:r>
               <a:rPr lang="es-ES" sz="2400" dirty="0"/>
@@ -10690,7 +10714,7 @@
         </p:nvGrpSpPr>
         <p:grpSpPr>
           <a:xfrm>
-            <a:off x="1217648" y="4989397"/>
+            <a:off x="1248757" y="5050646"/>
             <a:ext cx="6682351" cy="1240775"/>
             <a:chOff x="1689862" y="5165471"/>
             <a:chExt cx="6682351" cy="1240775"/>

--- a/PresentacionMetro.pptx
+++ b/PresentacionMetro.pptx
@@ -3398,7 +3398,15 @@
           <a:lstStyle/>
           <a:p>
             <a:r>
-              <a:rPr lang="es-ES" dirty="0"/>
+              <a:rPr lang="es-ES" b="1" dirty="0">
+                <a:effectLst>
+                  <a:outerShdw blurRad="38100" dist="38100" dir="2700000" algn="tl">
+                    <a:srgbClr val="000000">
+                      <a:alpha val="43137"/>
+                    </a:srgbClr>
+                  </a:outerShdw>
+                </a:effectLst>
+              </a:rPr>
               <a:t>METRO JAPÓN</a:t>
             </a:r>
           </a:p>
